--- a/Data Science resources/Introduction to Machine Learning/Slides/Slide Unit 1/3. Scale of measurement.pptx
+++ b/Data Science resources/Introduction to Machine Learning/Slides/Slide Unit 1/3. Scale of measurement.pptx
@@ -2,30 +2,28 @@
 <file path=ppt/presentation.xml><?xml version="1.0" encoding="utf-8"?>
 <p:presentation xmlns:a="http://schemas.openxmlformats.org/drawingml/2006/main" xmlns:r="http://schemas.openxmlformats.org/officeDocument/2006/relationships" xmlns:p="http://schemas.openxmlformats.org/presentationml/2006/main" saveSubsetFonts="1">
   <p:sldMasterIdLst>
-    <p:sldMasterId id="2147483660" r:id="rId4"/>
-    <p:sldMasterId id="2147483668" r:id="rId5"/>
+    <p:sldMasterId id="2147483668" r:id="rId4"/>
   </p:sldMasterIdLst>
   <p:notesMasterIdLst>
-    <p:notesMasterId r:id="rId20"/>
+    <p:notesMasterId r:id="rId18"/>
   </p:notesMasterIdLst>
   <p:handoutMasterIdLst>
-    <p:handoutMasterId r:id="rId21"/>
+    <p:handoutMasterId r:id="rId19"/>
   </p:handoutMasterIdLst>
   <p:sldIdLst>
-    <p:sldId id="256" r:id="rId6"/>
-    <p:sldId id="693" r:id="rId7"/>
-    <p:sldId id="657" r:id="rId8"/>
-    <p:sldId id="721" r:id="rId9"/>
-    <p:sldId id="718" r:id="rId10"/>
-    <p:sldId id="709" r:id="rId11"/>
-    <p:sldId id="720" r:id="rId12"/>
-    <p:sldId id="711" r:id="rId13"/>
-    <p:sldId id="712" r:id="rId14"/>
-    <p:sldId id="722" r:id="rId15"/>
-    <p:sldId id="723" r:id="rId16"/>
-    <p:sldId id="713" r:id="rId17"/>
-    <p:sldId id="724" r:id="rId18"/>
-    <p:sldId id="695" r:id="rId19"/>
+    <p:sldId id="693" r:id="rId5"/>
+    <p:sldId id="657" r:id="rId6"/>
+    <p:sldId id="721" r:id="rId7"/>
+    <p:sldId id="718" r:id="rId8"/>
+    <p:sldId id="709" r:id="rId9"/>
+    <p:sldId id="720" r:id="rId10"/>
+    <p:sldId id="711" r:id="rId11"/>
+    <p:sldId id="712" r:id="rId12"/>
+    <p:sldId id="722" r:id="rId13"/>
+    <p:sldId id="723" r:id="rId14"/>
+    <p:sldId id="713" r:id="rId15"/>
+    <p:sldId id="724" r:id="rId16"/>
+    <p:sldId id="695" r:id="rId17"/>
   </p:sldIdLst>
   <p:sldSz cx="12192000" cy="6858000"/>
   <p:notesSz cx="6858000" cy="9144000"/>
@@ -129,7 +127,6 @@
       <p14:sectionLst xmlns:p14="http://schemas.microsoft.com/office/powerpoint/2010/main">
         <p14:section name="Default Section" id="{06CDF7AC-AF6E-4614-B140-2231D9F8B510}">
           <p14:sldIdLst>
-            <p14:sldId id="256"/>
             <p14:sldId id="693"/>
             <p14:sldId id="657"/>
             <p14:sldId id="721"/>
@@ -263,7 +260,7 @@
           <a:p>
             <a:fld id="{E4DABB7E-5FD5-4FD4-8200-24B5A1924914}" type="datetimeFigureOut">
               <a:rPr lang="en-US" smtClean="0"/>
-              <a:t>08-Sep-21</a:t>
+              <a:t>03-May-24</a:t>
             </a:fld>
             <a:endParaRPr lang="en-US"/>
           </a:p>
@@ -440,7 +437,7 @@
           <a:p>
             <a:fld id="{9BDC6C4C-B340-4EE6-8690-61E4F94D1E11}" type="datetimeFigureOut">
               <a:rPr lang="en-US" smtClean="0"/>
-              <a:t>08-Sep-21</a:t>
+              <a:t>03-May-24</a:t>
             </a:fld>
             <a:endParaRPr lang="en-US"/>
           </a:p>
@@ -712,7 +709,7 @@
   <p:cSld>
     <p:spTree>
       <p:nvGrpSpPr>
-        <p:cNvPr id="1" name="Shape 35"/>
+        <p:cNvPr id="1" name="Shape 746"/>
         <p:cNvGrpSpPr/>
         <p:nvPr/>
       </p:nvGrpSpPr>
@@ -726,45 +723,7 @@
       </p:grpSpPr>
       <p:sp>
         <p:nvSpPr>
-          <p:cNvPr id="36" name="Google Shape;36;p1:notes"/>
-          <p:cNvSpPr txBox="1">
-            <a:spLocks noGrp="1"/>
-          </p:cNvSpPr>
-          <p:nvPr>
-            <p:ph type="body" idx="1"/>
-          </p:nvPr>
-        </p:nvSpPr>
-        <p:spPr>
-          <a:xfrm>
-            <a:off x="685800" y="4400550"/>
-            <a:ext cx="5486400" cy="3600450"/>
-          </a:xfrm>
-          <a:prstGeom prst="rect">
-            <a:avLst/>
-          </a:prstGeom>
-        </p:spPr>
-        <p:txBody>
-          <a:bodyPr spcFirstLastPara="1" wrap="square" lIns="91425" tIns="45700" rIns="91425" bIns="45700" anchor="t" anchorCtr="0">
-            <a:noAutofit/>
-          </a:bodyPr>
-          <a:lstStyle/>
-          <a:p>
-            <a:pPr marL="0" lvl="0" indent="0" algn="l" rtl="0">
-              <a:spcBef>
-                <a:spcPts val="0"/>
-              </a:spcBef>
-              <a:spcAft>
-                <a:spcPts val="0"/>
-              </a:spcAft>
-              <a:buNone/>
-            </a:pPr>
-            <a:endParaRPr/>
-          </a:p>
-        </p:txBody>
-      </p:sp>
-      <p:sp>
-        <p:nvSpPr>
-          <p:cNvPr id="37" name="Google Shape;37;p1:notes"/>
+          <p:cNvPr id="747" name="Google Shape;747;g88c617362d_16_264:notes"/>
           <p:cNvSpPr>
             <a:spLocks noGrp="1" noRot="1" noChangeAspect="1"/>
           </p:cNvSpPr>
@@ -774,8 +733,8 @@
         </p:nvSpPr>
         <p:spPr>
           <a:xfrm>
-            <a:off x="685800" y="1143000"/>
-            <a:ext cx="5486400" cy="3086100"/>
+            <a:off x="381000" y="685800"/>
+            <a:ext cx="6096000" cy="3429000"/>
           </a:xfrm>
           <a:custGeom>
             <a:avLst/>
@@ -801,9 +760,70 @@
               </a:path>
             </a:pathLst>
           </a:custGeom>
+          <a:noFill/>
+          <a:ln w="9525" cap="flat" cmpd="sng">
+            <a:solidFill>
+              <a:srgbClr val="000000"/>
+            </a:solidFill>
+            <a:prstDash val="solid"/>
+            <a:round/>
+            <a:headEnd type="none" w="sm" len="sm"/>
+            <a:tailEnd type="none" w="sm" len="sm"/>
+          </a:ln>
         </p:spPr>
       </p:sp>
+      <p:sp>
+        <p:nvSpPr>
+          <p:cNvPr id="748" name="Google Shape;748;g88c617362d_16_264:notes"/>
+          <p:cNvSpPr txBox="1">
+            <a:spLocks noGrp="1"/>
+          </p:cNvSpPr>
+          <p:nvPr>
+            <p:ph type="body" idx="1"/>
+          </p:nvPr>
+        </p:nvSpPr>
+        <p:spPr>
+          <a:xfrm>
+            <a:off x="685800" y="4343400"/>
+            <a:ext cx="5486400" cy="4114800"/>
+          </a:xfrm>
+          <a:prstGeom prst="rect">
+            <a:avLst/>
+          </a:prstGeom>
+          <a:noFill/>
+          <a:ln>
+            <a:noFill/>
+          </a:ln>
+        </p:spPr>
+        <p:txBody>
+          <a:bodyPr spcFirstLastPara="1" wrap="square" lIns="91425" tIns="91425" rIns="91425" bIns="91425" anchor="t" anchorCtr="0">
+            <a:noAutofit/>
+          </a:bodyPr>
+          <a:lstStyle/>
+          <a:p>
+            <a:pPr marL="0" lvl="0" indent="0" algn="l" rtl="0">
+              <a:lnSpc>
+                <a:spcPct val="100000"/>
+              </a:lnSpc>
+              <a:spcBef>
+                <a:spcPts val="0"/>
+              </a:spcBef>
+              <a:spcAft>
+                <a:spcPts val="0"/>
+              </a:spcAft>
+              <a:buSzPts val="1100"/>
+              <a:buNone/>
+            </a:pPr>
+            <a:endParaRPr/>
+          </a:p>
+        </p:txBody>
+      </p:sp>
     </p:spTree>
+    <p:extLst>
+      <p:ext uri="{BB962C8B-B14F-4D97-AF65-F5344CB8AC3E}">
+        <p14:creationId xmlns:p14="http://schemas.microsoft.com/office/powerpoint/2010/main" val="564711556"/>
+      </p:ext>
+    </p:extLst>
   </p:cSld>
   <p:clrMapOvr>
     <a:masterClrMapping/>
@@ -928,7 +948,7 @@
     </p:spTree>
     <p:extLst>
       <p:ext uri="{BB962C8B-B14F-4D97-AF65-F5344CB8AC3E}">
-        <p14:creationId xmlns:p14="http://schemas.microsoft.com/office/powerpoint/2010/main" val="614517386"/>
+        <p14:creationId xmlns:p14="http://schemas.microsoft.com/office/powerpoint/2010/main" val="1593137687"/>
       </p:ext>
     </p:extLst>
   </p:cSld>
@@ -1055,7 +1075,7 @@
     </p:spTree>
     <p:extLst>
       <p:ext uri="{BB962C8B-B14F-4D97-AF65-F5344CB8AC3E}">
-        <p14:creationId xmlns:p14="http://schemas.microsoft.com/office/powerpoint/2010/main" val="1593137687"/>
+        <p14:creationId xmlns:p14="http://schemas.microsoft.com/office/powerpoint/2010/main" val="1181835201"/>
       </p:ext>
     </p:extLst>
   </p:cSld>
@@ -1066,133 +1086,6 @@
 </file>
 
 <file path=ppt/notesSlides/notesSlide12.xml><?xml version="1.0" encoding="utf-8"?>
-<p:notes xmlns:a="http://schemas.openxmlformats.org/drawingml/2006/main" xmlns:r="http://schemas.openxmlformats.org/officeDocument/2006/relationships" xmlns:p="http://schemas.openxmlformats.org/presentationml/2006/main" showMasterSp="0" showMasterPhAnim="0">
-  <p:cSld>
-    <p:spTree>
-      <p:nvGrpSpPr>
-        <p:cNvPr id="1" name="Shape 746"/>
-        <p:cNvGrpSpPr/>
-        <p:nvPr/>
-      </p:nvGrpSpPr>
-      <p:grpSpPr>
-        <a:xfrm>
-          <a:off x="0" y="0"/>
-          <a:ext cx="0" cy="0"/>
-          <a:chOff x="0" y="0"/>
-          <a:chExt cx="0" cy="0"/>
-        </a:xfrm>
-      </p:grpSpPr>
-      <p:sp>
-        <p:nvSpPr>
-          <p:cNvPr id="747" name="Google Shape;747;g88c617362d_16_264:notes"/>
-          <p:cNvSpPr>
-            <a:spLocks noGrp="1" noRot="1" noChangeAspect="1"/>
-          </p:cNvSpPr>
-          <p:nvPr>
-            <p:ph type="sldImg" idx="2"/>
-          </p:nvPr>
-        </p:nvSpPr>
-        <p:spPr>
-          <a:xfrm>
-            <a:off x="381000" y="685800"/>
-            <a:ext cx="6096000" cy="3429000"/>
-          </a:xfrm>
-          <a:custGeom>
-            <a:avLst/>
-            <a:gdLst/>
-            <a:ahLst/>
-            <a:cxnLst/>
-            <a:rect l="l" t="t" r="r" b="b"/>
-            <a:pathLst>
-              <a:path w="120000" h="120000" extrusionOk="0">
-                <a:moveTo>
-                  <a:pt x="0" y="0"/>
-                </a:moveTo>
-                <a:lnTo>
-                  <a:pt x="120000" y="0"/>
-                </a:lnTo>
-                <a:lnTo>
-                  <a:pt x="120000" y="120000"/>
-                </a:lnTo>
-                <a:lnTo>
-                  <a:pt x="0" y="120000"/>
-                </a:lnTo>
-                <a:close/>
-              </a:path>
-            </a:pathLst>
-          </a:custGeom>
-          <a:noFill/>
-          <a:ln w="9525" cap="flat" cmpd="sng">
-            <a:solidFill>
-              <a:srgbClr val="000000"/>
-            </a:solidFill>
-            <a:prstDash val="solid"/>
-            <a:round/>
-            <a:headEnd type="none" w="sm" len="sm"/>
-            <a:tailEnd type="none" w="sm" len="sm"/>
-          </a:ln>
-        </p:spPr>
-      </p:sp>
-      <p:sp>
-        <p:nvSpPr>
-          <p:cNvPr id="748" name="Google Shape;748;g88c617362d_16_264:notes"/>
-          <p:cNvSpPr txBox="1">
-            <a:spLocks noGrp="1"/>
-          </p:cNvSpPr>
-          <p:nvPr>
-            <p:ph type="body" idx="1"/>
-          </p:nvPr>
-        </p:nvSpPr>
-        <p:spPr>
-          <a:xfrm>
-            <a:off x="685800" y="4343400"/>
-            <a:ext cx="5486400" cy="4114800"/>
-          </a:xfrm>
-          <a:prstGeom prst="rect">
-            <a:avLst/>
-          </a:prstGeom>
-          <a:noFill/>
-          <a:ln>
-            <a:noFill/>
-          </a:ln>
-        </p:spPr>
-        <p:txBody>
-          <a:bodyPr spcFirstLastPara="1" wrap="square" lIns="91425" tIns="91425" rIns="91425" bIns="91425" anchor="t" anchorCtr="0">
-            <a:noAutofit/>
-          </a:bodyPr>
-          <a:lstStyle/>
-          <a:p>
-            <a:pPr marL="0" lvl="0" indent="0" algn="l" rtl="0">
-              <a:lnSpc>
-                <a:spcPct val="100000"/>
-              </a:lnSpc>
-              <a:spcBef>
-                <a:spcPts val="0"/>
-              </a:spcBef>
-              <a:spcAft>
-                <a:spcPts val="0"/>
-              </a:spcAft>
-              <a:buSzPts val="1100"/>
-              <a:buNone/>
-            </a:pPr>
-            <a:endParaRPr/>
-          </a:p>
-        </p:txBody>
-      </p:sp>
-    </p:spTree>
-    <p:extLst>
-      <p:ext uri="{BB962C8B-B14F-4D97-AF65-F5344CB8AC3E}">
-        <p14:creationId xmlns:p14="http://schemas.microsoft.com/office/powerpoint/2010/main" val="1181835201"/>
-      </p:ext>
-    </p:extLst>
-  </p:cSld>
-  <p:clrMapOvr>
-    <a:masterClrMapping/>
-  </p:clrMapOvr>
-</p:notes>
-</file>
-
-<file path=ppt/notesSlides/notesSlide13.xml><?xml version="1.0" encoding="utf-8"?>
 <p:notes xmlns:a="http://schemas.openxmlformats.org/drawingml/2006/main" xmlns:r="http://schemas.openxmlformats.org/officeDocument/2006/relationships" xmlns:p="http://schemas.openxmlformats.org/presentationml/2006/main" showMasterSp="0" showMasterPhAnim="0">
   <p:cSld>
     <p:spTree>
@@ -1436,7 +1329,7 @@
     </p:spTree>
     <p:extLst>
       <p:ext uri="{BB962C8B-B14F-4D97-AF65-F5344CB8AC3E}">
-        <p14:creationId xmlns:p14="http://schemas.microsoft.com/office/powerpoint/2010/main" val="564711556"/>
+        <p14:creationId xmlns:p14="http://schemas.microsoft.com/office/powerpoint/2010/main" val="2495649301"/>
       </p:ext>
     </p:extLst>
   </p:cSld>
@@ -1563,7 +1456,7 @@
     </p:spTree>
     <p:extLst>
       <p:ext uri="{BB962C8B-B14F-4D97-AF65-F5344CB8AC3E}">
-        <p14:creationId xmlns:p14="http://schemas.microsoft.com/office/powerpoint/2010/main" val="2495649301"/>
+        <p14:creationId xmlns:p14="http://schemas.microsoft.com/office/powerpoint/2010/main" val="82409082"/>
       </p:ext>
     </p:extLst>
   </p:cSld>
@@ -1690,7 +1583,7 @@
     </p:spTree>
     <p:extLst>
       <p:ext uri="{BB962C8B-B14F-4D97-AF65-F5344CB8AC3E}">
-        <p14:creationId xmlns:p14="http://schemas.microsoft.com/office/powerpoint/2010/main" val="82409082"/>
+        <p14:creationId xmlns:p14="http://schemas.microsoft.com/office/powerpoint/2010/main" val="162054743"/>
       </p:ext>
     </p:extLst>
   </p:cSld>
@@ -1817,7 +1710,7 @@
     </p:spTree>
     <p:extLst>
       <p:ext uri="{BB962C8B-B14F-4D97-AF65-F5344CB8AC3E}">
-        <p14:creationId xmlns:p14="http://schemas.microsoft.com/office/powerpoint/2010/main" val="162054743"/>
+        <p14:creationId xmlns:p14="http://schemas.microsoft.com/office/powerpoint/2010/main" val="1356953446"/>
       </p:ext>
     </p:extLst>
   </p:cSld>
@@ -1944,7 +1837,7 @@
     </p:spTree>
     <p:extLst>
       <p:ext uri="{BB962C8B-B14F-4D97-AF65-F5344CB8AC3E}">
-        <p14:creationId xmlns:p14="http://schemas.microsoft.com/office/powerpoint/2010/main" val="1356953446"/>
+        <p14:creationId xmlns:p14="http://schemas.microsoft.com/office/powerpoint/2010/main" val="392350387"/>
       </p:ext>
     </p:extLst>
   </p:cSld>
@@ -2071,7 +1964,7 @@
     </p:spTree>
     <p:extLst>
       <p:ext uri="{BB962C8B-B14F-4D97-AF65-F5344CB8AC3E}">
-        <p14:creationId xmlns:p14="http://schemas.microsoft.com/office/powerpoint/2010/main" val="392350387"/>
+        <p14:creationId xmlns:p14="http://schemas.microsoft.com/office/powerpoint/2010/main" val="357828682"/>
       </p:ext>
     </p:extLst>
   </p:cSld>
@@ -2198,7 +2091,7 @@
     </p:spTree>
     <p:extLst>
       <p:ext uri="{BB962C8B-B14F-4D97-AF65-F5344CB8AC3E}">
-        <p14:creationId xmlns:p14="http://schemas.microsoft.com/office/powerpoint/2010/main" val="357828682"/>
+        <p14:creationId xmlns:p14="http://schemas.microsoft.com/office/powerpoint/2010/main" val="1851634476"/>
       </p:ext>
     </p:extLst>
   </p:cSld>
@@ -2325,7 +2218,7 @@
     </p:spTree>
     <p:extLst>
       <p:ext uri="{BB962C8B-B14F-4D97-AF65-F5344CB8AC3E}">
-        <p14:creationId xmlns:p14="http://schemas.microsoft.com/office/powerpoint/2010/main" val="1851634476"/>
+        <p14:creationId xmlns:p14="http://schemas.microsoft.com/office/powerpoint/2010/main" val="614517386"/>
       </p:ext>
     </p:extLst>
   </p:cSld>
@@ -2339,12 +2232,9 @@
 <p:sldLayout xmlns:a="http://schemas.openxmlformats.org/drawingml/2006/main" xmlns:r="http://schemas.openxmlformats.org/officeDocument/2006/relationships" xmlns:p="http://schemas.openxmlformats.org/presentationml/2006/main" type="title" preserve="1">
   <p:cSld name="Title Slide">
     <p:bg>
-      <p:bgPr>
-        <a:solidFill>
-          <a:srgbClr val="F8F9F7"/>
-        </a:solidFill>
-        <a:effectLst/>
-      </p:bgPr>
+      <p:bgRef idx="1001">
+        <a:schemeClr val="bg1"/>
+      </p:bgRef>
     </p:bg>
     <p:spTree>
       <p:nvGrpSpPr>
@@ -2368,7 +2258,7 @@
           </p:cNvGraphicFramePr>
           <p:nvPr userDrawn="1">
             <p:custDataLst>
-              <p:tags r:id="rId1"/>
+              <p:tags r:id="rId2"/>
             </p:custDataLst>
           </p:nvPr>
         </p:nvGraphicFramePr>
@@ -2380,12 +2270,12 @@
           <a:graphicData uri="http://schemas.openxmlformats.org/presentationml/2006/ole">
             <mc:AlternateContent xmlns:mc="http://schemas.openxmlformats.org/markup-compatibility/2006">
               <mc:Choice xmlns:v="urn:schemas-microsoft-com:vml" Requires="v">
-                <p:oleObj name="think-cell Slide" r:id="rId3" imgW="425" imgH="426" progId="TCLayout.ActiveDocument.1">
+                <p:oleObj spid="_x0000_s6146" name="think-cell Slide" r:id="rId4" imgW="425" imgH="426" progId="TCLayout.ActiveDocument.1">
                   <p:embed/>
                 </p:oleObj>
               </mc:Choice>
               <mc:Fallback>
-                <p:oleObj name="think-cell Slide" r:id="rId3" imgW="425" imgH="426" progId="TCLayout.ActiveDocument.1">
+                <p:oleObj name="think-cell Slide" r:id="rId4" imgW="425" imgH="426" progId="TCLayout.ActiveDocument.1">
                   <p:embed/>
                   <p:pic>
                     <p:nvPicPr>
@@ -2394,7 +2284,7 @@
                       <p:nvPr/>
                     </p:nvPicPr>
                     <p:blipFill>
-                      <a:blip r:embed="rId4"/>
+                      <a:blip r:embed="rId5"/>
                       <a:stretch>
                         <a:fillRect/>
                       </a:stretch>
@@ -2588,1027 +2478,10 @@
       </p:sp>
       <p:pic>
         <p:nvPicPr>
-          <p:cNvPr id="9" name="Picture 8">
+          <p:cNvPr id="7" name="Picture 6" descr="A poster for a college&#10;&#10;Description automatically generated">
             <a:extLst>
               <a:ext uri="{FF2B5EF4-FFF2-40B4-BE49-F238E27FC236}">
-                <a16:creationId xmlns:a16="http://schemas.microsoft.com/office/drawing/2014/main" id="{CDF206B8-267D-4DDA-BFAC-7BB3AA75D2B2}"/>
-              </a:ext>
-            </a:extLst>
-          </p:cNvPr>
-          <p:cNvPicPr/>
-          <p:nvPr userDrawn="1"/>
-        </p:nvPicPr>
-        <p:blipFill rotWithShape="1">
-          <a:blip r:embed="rId5">
-            <a:extLst>
-              <a:ext uri="{28A0092B-C50C-407E-A947-70E740481C1C}">
-                <a14:useLocalDpi xmlns:a14="http://schemas.microsoft.com/office/drawing/2010/main" val="0"/>
-              </a:ext>
-            </a:extLst>
-          </a:blip>
-          <a:srcRect l="4423" t="4333" r="3217" b="7247"/>
-          <a:stretch/>
-        </p:blipFill>
-        <p:spPr bwMode="auto">
-          <a:xfrm>
-            <a:off x="928914" y="899880"/>
-            <a:ext cx="10000343" cy="4107543"/>
-          </a:xfrm>
-          <a:prstGeom prst="rect">
-            <a:avLst/>
-          </a:prstGeom>
-          <a:noFill/>
-          <a:ln>
-            <a:noFill/>
-          </a:ln>
-        </p:spPr>
-      </p:pic>
-    </p:spTree>
-    <p:extLst>
-      <p:ext uri="{BB962C8B-B14F-4D97-AF65-F5344CB8AC3E}">
-        <p14:creationId xmlns:p14="http://schemas.microsoft.com/office/powerpoint/2010/main" val="438620834"/>
-      </p:ext>
-    </p:extLst>
-  </p:cSld>
-  <p:clrMapOvr>
-    <a:masterClrMapping/>
-  </p:clrMapOvr>
-</p:sldLayout>
-</file>
-
-<file path=ppt/slideLayouts/slideLayout10.xml><?xml version="1.0" encoding="utf-8"?>
-<p:sldLayout xmlns:a="http://schemas.openxmlformats.org/drawingml/2006/main" xmlns:r="http://schemas.openxmlformats.org/officeDocument/2006/relationships" xmlns:p="http://schemas.openxmlformats.org/presentationml/2006/main" matchingName="Blank" type="blank">
-  <p:cSld name="Blank">
-    <p:spTree>
-      <p:nvGrpSpPr>
-        <p:cNvPr id="1" name="Shape 133"/>
-        <p:cNvGrpSpPr/>
-        <p:nvPr/>
-      </p:nvGrpSpPr>
-      <p:grpSpPr>
-        <a:xfrm>
-          <a:off x="0" y="0"/>
-          <a:ext cx="0" cy="0"/>
-          <a:chOff x="0" y="0"/>
-          <a:chExt cx="0" cy="0"/>
-        </a:xfrm>
-      </p:grpSpPr>
-      <p:sp>
-        <p:nvSpPr>
-          <p:cNvPr id="134" name="Google Shape;134;p21"/>
-          <p:cNvSpPr txBox="1">
-            <a:spLocks noGrp="1"/>
-          </p:cNvSpPr>
-          <p:nvPr>
-            <p:ph type="dt" idx="10"/>
-          </p:nvPr>
-        </p:nvSpPr>
-        <p:spPr>
-          <a:xfrm>
-            <a:off x="324415" y="6538035"/>
-            <a:ext cx="11145200" cy="169200"/>
-          </a:xfrm>
-          <a:prstGeom prst="rect">
-            <a:avLst/>
-          </a:prstGeom>
-          <a:noFill/>
-          <a:ln>
-            <a:noFill/>
-          </a:ln>
-        </p:spPr>
-        <p:txBody>
-          <a:bodyPr spcFirstLastPara="1" wrap="square" lIns="11425" tIns="5700" rIns="11425" bIns="5700" anchor="ctr" anchorCtr="0">
-            <a:noAutofit/>
-          </a:bodyPr>
-          <a:lstStyle>
-            <a:lvl1pPr lvl="0" algn="l" rtl="0">
-              <a:lnSpc>
-                <a:spcPct val="100000"/>
-              </a:lnSpc>
-              <a:spcBef>
-                <a:spcPts val="0"/>
-              </a:spcBef>
-              <a:spcAft>
-                <a:spcPts val="0"/>
-              </a:spcAft>
-              <a:buSzPts val="1100"/>
-              <a:buNone/>
-              <a:defRPr>
-                <a:latin typeface="Gotham Light" pitchFamily="50" charset="0"/>
-                <a:ea typeface="Gotham Light" pitchFamily="50" charset="0"/>
-                <a:cs typeface="Arial"/>
-                <a:sym typeface="Arial"/>
-              </a:defRPr>
-            </a:lvl1pPr>
-            <a:lvl2pPr lvl="1" algn="l" rtl="0">
-              <a:lnSpc>
-                <a:spcPct val="100000"/>
-              </a:lnSpc>
-              <a:spcBef>
-                <a:spcPts val="0"/>
-              </a:spcBef>
-              <a:spcAft>
-                <a:spcPts val="0"/>
-              </a:spcAft>
-              <a:buSzPts val="1100"/>
-              <a:buNone/>
-              <a:defRPr/>
-            </a:lvl2pPr>
-            <a:lvl3pPr lvl="2" algn="l" rtl="0">
-              <a:lnSpc>
-                <a:spcPct val="100000"/>
-              </a:lnSpc>
-              <a:spcBef>
-                <a:spcPts val="0"/>
-              </a:spcBef>
-              <a:spcAft>
-                <a:spcPts val="0"/>
-              </a:spcAft>
-              <a:buSzPts val="1100"/>
-              <a:buNone/>
-              <a:defRPr/>
-            </a:lvl3pPr>
-            <a:lvl4pPr lvl="3" algn="l" rtl="0">
-              <a:lnSpc>
-                <a:spcPct val="100000"/>
-              </a:lnSpc>
-              <a:spcBef>
-                <a:spcPts val="0"/>
-              </a:spcBef>
-              <a:spcAft>
-                <a:spcPts val="0"/>
-              </a:spcAft>
-              <a:buSzPts val="1100"/>
-              <a:buNone/>
-              <a:defRPr/>
-            </a:lvl4pPr>
-            <a:lvl5pPr lvl="4" algn="l" rtl="0">
-              <a:lnSpc>
-                <a:spcPct val="100000"/>
-              </a:lnSpc>
-              <a:spcBef>
-                <a:spcPts val="0"/>
-              </a:spcBef>
-              <a:spcAft>
-                <a:spcPts val="0"/>
-              </a:spcAft>
-              <a:buSzPts val="1100"/>
-              <a:buNone/>
-              <a:defRPr/>
-            </a:lvl5pPr>
-            <a:lvl6pPr lvl="5" algn="l" rtl="0">
-              <a:lnSpc>
-                <a:spcPct val="100000"/>
-              </a:lnSpc>
-              <a:spcBef>
-                <a:spcPts val="0"/>
-              </a:spcBef>
-              <a:spcAft>
-                <a:spcPts val="0"/>
-              </a:spcAft>
-              <a:buSzPts val="1100"/>
-              <a:buNone/>
-              <a:defRPr/>
-            </a:lvl6pPr>
-            <a:lvl7pPr lvl="6" algn="l" rtl="0">
-              <a:lnSpc>
-                <a:spcPct val="100000"/>
-              </a:lnSpc>
-              <a:spcBef>
-                <a:spcPts val="0"/>
-              </a:spcBef>
-              <a:spcAft>
-                <a:spcPts val="0"/>
-              </a:spcAft>
-              <a:buSzPts val="1100"/>
-              <a:buNone/>
-              <a:defRPr/>
-            </a:lvl7pPr>
-            <a:lvl8pPr lvl="7" algn="l" rtl="0">
-              <a:lnSpc>
-                <a:spcPct val="100000"/>
-              </a:lnSpc>
-              <a:spcBef>
-                <a:spcPts val="0"/>
-              </a:spcBef>
-              <a:spcAft>
-                <a:spcPts val="0"/>
-              </a:spcAft>
-              <a:buSzPts val="1100"/>
-              <a:buNone/>
-              <a:defRPr/>
-            </a:lvl8pPr>
-            <a:lvl9pPr lvl="8" algn="l" rtl="0">
-              <a:lnSpc>
-                <a:spcPct val="100000"/>
-              </a:lnSpc>
-              <a:spcBef>
-                <a:spcPts val="0"/>
-              </a:spcBef>
-              <a:spcAft>
-                <a:spcPts val="0"/>
-              </a:spcAft>
-              <a:buSzPts val="1100"/>
-              <a:buNone/>
-              <a:defRPr/>
-            </a:lvl9pPr>
-          </a:lstStyle>
-          <a:p>
-            <a:endParaRPr lang="en-US"/>
-          </a:p>
-        </p:txBody>
-      </p:sp>
-      <p:sp>
-        <p:nvSpPr>
-          <p:cNvPr id="135" name="Google Shape;135;p21"/>
-          <p:cNvSpPr txBox="1">
-            <a:spLocks noGrp="1"/>
-          </p:cNvSpPr>
-          <p:nvPr>
-            <p:ph type="ftr" idx="11"/>
-          </p:nvPr>
-        </p:nvSpPr>
-        <p:spPr>
-          <a:xfrm>
-            <a:off x="324415" y="6285068"/>
-            <a:ext cx="11145200" cy="169200"/>
-          </a:xfrm>
-          <a:prstGeom prst="rect">
-            <a:avLst/>
-          </a:prstGeom>
-          <a:noFill/>
-          <a:ln>
-            <a:noFill/>
-          </a:ln>
-        </p:spPr>
-        <p:txBody>
-          <a:bodyPr spcFirstLastPara="1" wrap="square" lIns="11425" tIns="5700" rIns="11425" bIns="5700" anchor="ctr" anchorCtr="0">
-            <a:noAutofit/>
-          </a:bodyPr>
-          <a:lstStyle>
-            <a:lvl1pPr lvl="0" algn="l" rtl="0">
-              <a:lnSpc>
-                <a:spcPct val="100000"/>
-              </a:lnSpc>
-              <a:spcBef>
-                <a:spcPts val="0"/>
-              </a:spcBef>
-              <a:spcAft>
-                <a:spcPts val="0"/>
-              </a:spcAft>
-              <a:buSzPts val="1100"/>
-              <a:buNone/>
-              <a:defRPr>
-                <a:latin typeface="Gotham Light" pitchFamily="50" charset="0"/>
-                <a:ea typeface="Gotham Light" pitchFamily="50" charset="0"/>
-                <a:cs typeface="Arial"/>
-                <a:sym typeface="Arial"/>
-              </a:defRPr>
-            </a:lvl1pPr>
-            <a:lvl2pPr lvl="1" algn="l" rtl="0">
-              <a:lnSpc>
-                <a:spcPct val="100000"/>
-              </a:lnSpc>
-              <a:spcBef>
-                <a:spcPts val="0"/>
-              </a:spcBef>
-              <a:spcAft>
-                <a:spcPts val="0"/>
-              </a:spcAft>
-              <a:buSzPts val="1100"/>
-              <a:buNone/>
-              <a:defRPr/>
-            </a:lvl2pPr>
-            <a:lvl3pPr lvl="2" algn="l" rtl="0">
-              <a:lnSpc>
-                <a:spcPct val="100000"/>
-              </a:lnSpc>
-              <a:spcBef>
-                <a:spcPts val="0"/>
-              </a:spcBef>
-              <a:spcAft>
-                <a:spcPts val="0"/>
-              </a:spcAft>
-              <a:buSzPts val="1100"/>
-              <a:buNone/>
-              <a:defRPr/>
-            </a:lvl3pPr>
-            <a:lvl4pPr lvl="3" algn="l" rtl="0">
-              <a:lnSpc>
-                <a:spcPct val="100000"/>
-              </a:lnSpc>
-              <a:spcBef>
-                <a:spcPts val="0"/>
-              </a:spcBef>
-              <a:spcAft>
-                <a:spcPts val="0"/>
-              </a:spcAft>
-              <a:buSzPts val="1100"/>
-              <a:buNone/>
-              <a:defRPr/>
-            </a:lvl4pPr>
-            <a:lvl5pPr lvl="4" algn="l" rtl="0">
-              <a:lnSpc>
-                <a:spcPct val="100000"/>
-              </a:lnSpc>
-              <a:spcBef>
-                <a:spcPts val="0"/>
-              </a:spcBef>
-              <a:spcAft>
-                <a:spcPts val="0"/>
-              </a:spcAft>
-              <a:buSzPts val="1100"/>
-              <a:buNone/>
-              <a:defRPr/>
-            </a:lvl5pPr>
-            <a:lvl6pPr lvl="5" algn="l" rtl="0">
-              <a:lnSpc>
-                <a:spcPct val="100000"/>
-              </a:lnSpc>
-              <a:spcBef>
-                <a:spcPts val="0"/>
-              </a:spcBef>
-              <a:spcAft>
-                <a:spcPts val="0"/>
-              </a:spcAft>
-              <a:buSzPts val="1100"/>
-              <a:buNone/>
-              <a:defRPr/>
-            </a:lvl6pPr>
-            <a:lvl7pPr lvl="6" algn="l" rtl="0">
-              <a:lnSpc>
-                <a:spcPct val="100000"/>
-              </a:lnSpc>
-              <a:spcBef>
-                <a:spcPts val="0"/>
-              </a:spcBef>
-              <a:spcAft>
-                <a:spcPts val="0"/>
-              </a:spcAft>
-              <a:buSzPts val="1100"/>
-              <a:buNone/>
-              <a:defRPr/>
-            </a:lvl7pPr>
-            <a:lvl8pPr lvl="7" algn="l" rtl="0">
-              <a:lnSpc>
-                <a:spcPct val="100000"/>
-              </a:lnSpc>
-              <a:spcBef>
-                <a:spcPts val="0"/>
-              </a:spcBef>
-              <a:spcAft>
-                <a:spcPts val="0"/>
-              </a:spcAft>
-              <a:buSzPts val="1100"/>
-              <a:buNone/>
-              <a:defRPr/>
-            </a:lvl8pPr>
-            <a:lvl9pPr lvl="8" algn="l" rtl="0">
-              <a:lnSpc>
-                <a:spcPct val="100000"/>
-              </a:lnSpc>
-              <a:spcBef>
-                <a:spcPts val="0"/>
-              </a:spcBef>
-              <a:spcAft>
-                <a:spcPts val="0"/>
-              </a:spcAft>
-              <a:buSzPts val="1100"/>
-              <a:buNone/>
-              <a:defRPr/>
-            </a:lvl9pPr>
-          </a:lstStyle>
-          <a:p>
-            <a:endParaRPr lang="en-US"/>
-          </a:p>
-        </p:txBody>
-      </p:sp>
-      <p:sp>
-        <p:nvSpPr>
-          <p:cNvPr id="136" name="Google Shape;136;p21"/>
-          <p:cNvSpPr txBox="1">
-            <a:spLocks noGrp="1"/>
-          </p:cNvSpPr>
-          <p:nvPr>
-            <p:ph type="sldNum" idx="12"/>
-          </p:nvPr>
-        </p:nvSpPr>
-        <p:spPr>
-          <a:xfrm>
-            <a:off x="8610600" y="6356351"/>
-            <a:ext cx="2743200" cy="365200"/>
-          </a:xfrm>
-          <a:prstGeom prst="rect">
-            <a:avLst/>
-          </a:prstGeom>
-          <a:noFill/>
-          <a:ln>
-            <a:noFill/>
-          </a:ln>
-        </p:spPr>
-        <p:txBody>
-          <a:bodyPr spcFirstLastPara="1" wrap="square" lIns="68575" tIns="34275" rIns="68575" bIns="34275" anchor="t" anchorCtr="0">
-            <a:noAutofit/>
-          </a:bodyPr>
-          <a:lstStyle>
-            <a:lvl1pPr marL="0" marR="0" lvl="0" indent="0" algn="l" rtl="0">
-              <a:lnSpc>
-                <a:spcPct val="100000"/>
-              </a:lnSpc>
-              <a:spcBef>
-                <a:spcPts val="0"/>
-              </a:spcBef>
-              <a:spcAft>
-                <a:spcPts val="0"/>
-              </a:spcAft>
-              <a:buClr>
-                <a:srgbClr val="000000"/>
-              </a:buClr>
-              <a:buSzPts val="1400"/>
-              <a:buFont typeface="Arial"/>
-              <a:buNone/>
-              <a:defRPr sz="1867" b="0" i="0" u="none" strike="noStrike" cap="none">
-                <a:solidFill>
-                  <a:srgbClr val="000000"/>
-                </a:solidFill>
-                <a:latin typeface="Gotham Light" pitchFamily="50" charset="0"/>
-                <a:ea typeface="Gotham Light" pitchFamily="50" charset="0"/>
-                <a:cs typeface="Arial"/>
-                <a:sym typeface="Arial"/>
-              </a:defRPr>
-            </a:lvl1pPr>
-            <a:lvl2pPr marL="0" marR="0" lvl="1" indent="0" algn="l" rtl="0">
-              <a:lnSpc>
-                <a:spcPct val="100000"/>
-              </a:lnSpc>
-              <a:spcBef>
-                <a:spcPts val="0"/>
-              </a:spcBef>
-              <a:spcAft>
-                <a:spcPts val="0"/>
-              </a:spcAft>
-              <a:buClr>
-                <a:srgbClr val="000000"/>
-              </a:buClr>
-              <a:buSzPts val="1400"/>
-              <a:buFont typeface="Arial"/>
-              <a:buNone/>
-              <a:defRPr sz="1867" b="0" i="0" u="none" strike="noStrike" cap="none">
-                <a:solidFill>
-                  <a:srgbClr val="000000"/>
-                </a:solidFill>
-                <a:latin typeface="Arial"/>
-                <a:ea typeface="Arial"/>
-                <a:cs typeface="Arial"/>
-                <a:sym typeface="Arial"/>
-              </a:defRPr>
-            </a:lvl2pPr>
-            <a:lvl3pPr marL="0" marR="0" lvl="2" indent="0" algn="l" rtl="0">
-              <a:lnSpc>
-                <a:spcPct val="100000"/>
-              </a:lnSpc>
-              <a:spcBef>
-                <a:spcPts val="0"/>
-              </a:spcBef>
-              <a:spcAft>
-                <a:spcPts val="0"/>
-              </a:spcAft>
-              <a:buClr>
-                <a:srgbClr val="000000"/>
-              </a:buClr>
-              <a:buSzPts val="1400"/>
-              <a:buFont typeface="Arial"/>
-              <a:buNone/>
-              <a:defRPr sz="1867" b="0" i="0" u="none" strike="noStrike" cap="none">
-                <a:solidFill>
-                  <a:srgbClr val="000000"/>
-                </a:solidFill>
-                <a:latin typeface="Arial"/>
-                <a:ea typeface="Arial"/>
-                <a:cs typeface="Arial"/>
-                <a:sym typeface="Arial"/>
-              </a:defRPr>
-            </a:lvl3pPr>
-            <a:lvl4pPr marL="0" marR="0" lvl="3" indent="0" algn="l" rtl="0">
-              <a:lnSpc>
-                <a:spcPct val="100000"/>
-              </a:lnSpc>
-              <a:spcBef>
-                <a:spcPts val="0"/>
-              </a:spcBef>
-              <a:spcAft>
-                <a:spcPts val="0"/>
-              </a:spcAft>
-              <a:buClr>
-                <a:srgbClr val="000000"/>
-              </a:buClr>
-              <a:buSzPts val="1400"/>
-              <a:buFont typeface="Arial"/>
-              <a:buNone/>
-              <a:defRPr sz="1867" b="0" i="0" u="none" strike="noStrike" cap="none">
-                <a:solidFill>
-                  <a:srgbClr val="000000"/>
-                </a:solidFill>
-                <a:latin typeface="Arial"/>
-                <a:ea typeface="Arial"/>
-                <a:cs typeface="Arial"/>
-                <a:sym typeface="Arial"/>
-              </a:defRPr>
-            </a:lvl4pPr>
-            <a:lvl5pPr marL="0" marR="0" lvl="4" indent="0" algn="l" rtl="0">
-              <a:lnSpc>
-                <a:spcPct val="100000"/>
-              </a:lnSpc>
-              <a:spcBef>
-                <a:spcPts val="0"/>
-              </a:spcBef>
-              <a:spcAft>
-                <a:spcPts val="0"/>
-              </a:spcAft>
-              <a:buClr>
-                <a:srgbClr val="000000"/>
-              </a:buClr>
-              <a:buSzPts val="1400"/>
-              <a:buFont typeface="Arial"/>
-              <a:buNone/>
-              <a:defRPr sz="1867" b="0" i="0" u="none" strike="noStrike" cap="none">
-                <a:solidFill>
-                  <a:srgbClr val="000000"/>
-                </a:solidFill>
-                <a:latin typeface="Arial"/>
-                <a:ea typeface="Arial"/>
-                <a:cs typeface="Arial"/>
-                <a:sym typeface="Arial"/>
-              </a:defRPr>
-            </a:lvl5pPr>
-            <a:lvl6pPr marL="0" marR="0" lvl="5" indent="0" algn="l" rtl="0">
-              <a:lnSpc>
-                <a:spcPct val="100000"/>
-              </a:lnSpc>
-              <a:spcBef>
-                <a:spcPts val="0"/>
-              </a:spcBef>
-              <a:spcAft>
-                <a:spcPts val="0"/>
-              </a:spcAft>
-              <a:buClr>
-                <a:srgbClr val="000000"/>
-              </a:buClr>
-              <a:buSzPts val="1400"/>
-              <a:buFont typeface="Arial"/>
-              <a:buNone/>
-              <a:defRPr sz="1867" b="0" i="0" u="none" strike="noStrike" cap="none">
-                <a:solidFill>
-                  <a:srgbClr val="000000"/>
-                </a:solidFill>
-                <a:latin typeface="Arial"/>
-                <a:ea typeface="Arial"/>
-                <a:cs typeface="Arial"/>
-                <a:sym typeface="Arial"/>
-              </a:defRPr>
-            </a:lvl6pPr>
-            <a:lvl7pPr marL="0" marR="0" lvl="6" indent="0" algn="l" rtl="0">
-              <a:lnSpc>
-                <a:spcPct val="100000"/>
-              </a:lnSpc>
-              <a:spcBef>
-                <a:spcPts val="0"/>
-              </a:spcBef>
-              <a:spcAft>
-                <a:spcPts val="0"/>
-              </a:spcAft>
-              <a:buClr>
-                <a:srgbClr val="000000"/>
-              </a:buClr>
-              <a:buSzPts val="1400"/>
-              <a:buFont typeface="Arial"/>
-              <a:buNone/>
-              <a:defRPr sz="1867" b="0" i="0" u="none" strike="noStrike" cap="none">
-                <a:solidFill>
-                  <a:srgbClr val="000000"/>
-                </a:solidFill>
-                <a:latin typeface="Arial"/>
-                <a:ea typeface="Arial"/>
-                <a:cs typeface="Arial"/>
-                <a:sym typeface="Arial"/>
-              </a:defRPr>
-            </a:lvl7pPr>
-            <a:lvl8pPr marL="0" marR="0" lvl="7" indent="0" algn="l" rtl="0">
-              <a:lnSpc>
-                <a:spcPct val="100000"/>
-              </a:lnSpc>
-              <a:spcBef>
-                <a:spcPts val="0"/>
-              </a:spcBef>
-              <a:spcAft>
-                <a:spcPts val="0"/>
-              </a:spcAft>
-              <a:buClr>
-                <a:srgbClr val="000000"/>
-              </a:buClr>
-              <a:buSzPts val="1400"/>
-              <a:buFont typeface="Arial"/>
-              <a:buNone/>
-              <a:defRPr sz="1867" b="0" i="0" u="none" strike="noStrike" cap="none">
-                <a:solidFill>
-                  <a:srgbClr val="000000"/>
-                </a:solidFill>
-                <a:latin typeface="Arial"/>
-                <a:ea typeface="Arial"/>
-                <a:cs typeface="Arial"/>
-                <a:sym typeface="Arial"/>
-              </a:defRPr>
-            </a:lvl8pPr>
-            <a:lvl9pPr marL="0" marR="0" lvl="8" indent="0" algn="l" rtl="0">
-              <a:lnSpc>
-                <a:spcPct val="100000"/>
-              </a:lnSpc>
-              <a:spcBef>
-                <a:spcPts val="0"/>
-              </a:spcBef>
-              <a:spcAft>
-                <a:spcPts val="0"/>
-              </a:spcAft>
-              <a:buClr>
-                <a:srgbClr val="000000"/>
-              </a:buClr>
-              <a:buSzPts val="1400"/>
-              <a:buFont typeface="Arial"/>
-              <a:buNone/>
-              <a:defRPr sz="1867" b="0" i="0" u="none" strike="noStrike" cap="none">
-                <a:solidFill>
-                  <a:srgbClr val="000000"/>
-                </a:solidFill>
-                <a:latin typeface="Arial"/>
-                <a:ea typeface="Arial"/>
-                <a:cs typeface="Arial"/>
-                <a:sym typeface="Arial"/>
-              </a:defRPr>
-            </a:lvl9pPr>
-          </a:lstStyle>
-          <a:p>
-            <a:fld id="{00000000-1234-1234-1234-123412341234}" type="slidenum">
-              <a:rPr lang="en" smtClean="0"/>
-              <a:pPr/>
-              <a:t>‹#›</a:t>
-            </a:fld>
-            <a:endParaRPr lang="en"/>
-          </a:p>
-        </p:txBody>
-      </p:sp>
-    </p:spTree>
-    <p:extLst>
-      <p:ext uri="{BB962C8B-B14F-4D97-AF65-F5344CB8AC3E}">
-        <p14:creationId xmlns:p14="http://schemas.microsoft.com/office/powerpoint/2010/main" val="1630205843"/>
-      </p:ext>
-    </p:extLst>
-  </p:cSld>
-  <p:clrMapOvr>
-    <a:masterClrMapping/>
-  </p:clrMapOvr>
-</p:sldLayout>
-</file>
-
-<file path=ppt/slideLayouts/slideLayout2.xml><?xml version="1.0" encoding="utf-8"?>
-<p:sldLayout xmlns:a="http://schemas.openxmlformats.org/drawingml/2006/main" xmlns:r="http://schemas.openxmlformats.org/officeDocument/2006/relationships" xmlns:p="http://schemas.openxmlformats.org/presentationml/2006/main" preserve="1" userDrawn="1">
-  <p:cSld name="6_Title Slide">
-    <p:spTree>
-      <p:nvGrpSpPr>
-        <p:cNvPr id="1" name=""/>
-        <p:cNvGrpSpPr/>
-        <p:nvPr/>
-      </p:nvGrpSpPr>
-      <p:grpSpPr>
-        <a:xfrm>
-          <a:off x="0" y="0"/>
-          <a:ext cx="0" cy="0"/>
-          <a:chOff x="0" y="0"/>
-          <a:chExt cx="0" cy="0"/>
-        </a:xfrm>
-      </p:grpSpPr>
-      <p:sp>
-        <p:nvSpPr>
-          <p:cNvPr id="4" name="Rectangle 3">
-            <a:extLst>
-              <a:ext uri="{FF2B5EF4-FFF2-40B4-BE49-F238E27FC236}">
-                <a16:creationId xmlns:a16="http://schemas.microsoft.com/office/drawing/2014/main" id="{31C53266-8226-4323-93D8-8635471CF311}"/>
-              </a:ext>
-            </a:extLst>
-          </p:cNvPr>
-          <p:cNvSpPr/>
-          <p:nvPr userDrawn="1"/>
-        </p:nvSpPr>
-        <p:spPr>
-          <a:xfrm>
-            <a:off x="0" y="-6"/>
-            <a:ext cx="12191996" cy="6858005"/>
-          </a:xfrm>
-          <a:prstGeom prst="rect">
-            <a:avLst/>
-          </a:prstGeom>
-          <a:solidFill>
-            <a:schemeClr val="accent1"/>
-          </a:solidFill>
-          <a:ln>
-            <a:noFill/>
-          </a:ln>
-        </p:spPr>
-        <p:style>
-          <a:lnRef idx="2">
-            <a:schemeClr val="accent1">
-              <a:shade val="50000"/>
-            </a:schemeClr>
-          </a:lnRef>
-          <a:fillRef idx="1">
-            <a:schemeClr val="accent1"/>
-          </a:fillRef>
-          <a:effectRef idx="0">
-            <a:schemeClr val="accent1"/>
-          </a:effectRef>
-          <a:fontRef idx="minor">
-            <a:schemeClr val="lt1"/>
-          </a:fontRef>
-        </p:style>
-        <p:txBody>
-          <a:bodyPr rtlCol="0" anchor="ctr"/>
-          <a:lstStyle/>
-          <a:p>
-            <a:pPr algn="ctr"/>
-            <a:endParaRPr lang="en-US"/>
-          </a:p>
-        </p:txBody>
-      </p:sp>
-      <p:sp>
-        <p:nvSpPr>
-          <p:cNvPr id="38" name="Arrow: Pentagon 37">
-            <a:extLst>
-              <a:ext uri="{FF2B5EF4-FFF2-40B4-BE49-F238E27FC236}">
-                <a16:creationId xmlns:a16="http://schemas.microsoft.com/office/drawing/2014/main" id="{9787AEAF-CECE-47AD-BC55-6A8FA3B19CEE}"/>
-              </a:ext>
-            </a:extLst>
-          </p:cNvPr>
-          <p:cNvSpPr/>
-          <p:nvPr userDrawn="1"/>
-        </p:nvSpPr>
-        <p:spPr>
-          <a:xfrm flipH="1">
-            <a:off x="5511800" y="-6"/>
-            <a:ext cx="6680196" cy="6877110"/>
-          </a:xfrm>
-          <a:prstGeom prst="homePlate">
-            <a:avLst>
-              <a:gd name="adj" fmla="val 26731"/>
-            </a:avLst>
-          </a:prstGeom>
-          <a:solidFill>
-            <a:srgbClr val="EB9E2F"/>
-          </a:solidFill>
-          <a:ln>
-            <a:noFill/>
-          </a:ln>
-          <a:effectLst>
-            <a:outerShdw blurRad="266700" dist="38100" dir="10800000" algn="r" rotWithShape="0">
-              <a:prstClr val="black">
-                <a:alpha val="77000"/>
-              </a:prstClr>
-            </a:outerShdw>
-          </a:effectLst>
-        </p:spPr>
-        <p:style>
-          <a:lnRef idx="2">
-            <a:schemeClr val="accent1">
-              <a:shade val="50000"/>
-            </a:schemeClr>
-          </a:lnRef>
-          <a:fillRef idx="1">
-            <a:schemeClr val="accent1"/>
-          </a:fillRef>
-          <a:effectRef idx="0">
-            <a:schemeClr val="accent1"/>
-          </a:effectRef>
-          <a:fontRef idx="minor">
-            <a:schemeClr val="lt1"/>
-          </a:fontRef>
-        </p:style>
-        <p:txBody>
-          <a:bodyPr rtlCol="0" anchor="ctr"/>
-          <a:lstStyle/>
-          <a:p>
-            <a:pPr algn="ctr"/>
-            <a:endParaRPr lang="en-US" dirty="0"/>
-          </a:p>
-        </p:txBody>
-      </p:sp>
-      <p:sp>
-        <p:nvSpPr>
-          <p:cNvPr id="6" name="TextBox 5">
-            <a:extLst>
-              <a:ext uri="{FF2B5EF4-FFF2-40B4-BE49-F238E27FC236}">
-                <a16:creationId xmlns:a16="http://schemas.microsoft.com/office/drawing/2014/main" id="{52E4E2B9-ADBD-40B7-BB28-46FFE040B61C}"/>
-              </a:ext>
-            </a:extLst>
-          </p:cNvPr>
-          <p:cNvSpPr txBox="1"/>
-          <p:nvPr userDrawn="1"/>
-        </p:nvSpPr>
-        <p:spPr>
-          <a:xfrm flipH="1">
-            <a:off x="5820012" y="3184575"/>
-            <a:ext cx="1390988" cy="584775"/>
-          </a:xfrm>
-          <a:prstGeom prst="rect">
-            <a:avLst/>
-          </a:prstGeom>
-          <a:noFill/>
-        </p:spPr>
-        <p:txBody>
-          <a:bodyPr wrap="square" rtlCol="0">
-            <a:spAutoFit/>
-          </a:bodyPr>
-          <a:lstStyle/>
-          <a:p>
-            <a:r>
-              <a:rPr lang="en-US" sz="1600" b="1" dirty="0">
-                <a:solidFill>
-                  <a:schemeClr val="tx1"/>
-                </a:solidFill>
-                <a:latin typeface="+mj-lt"/>
-                <a:cs typeface="Aharoni" panose="02010803020104030203" pitchFamily="2" charset="-79"/>
-              </a:rPr>
-              <a:t>Partnering</a:t>
-            </a:r>
-            <a:br>
-              <a:rPr lang="en-US" sz="1600" b="1" dirty="0">
-                <a:solidFill>
-                  <a:schemeClr val="tx1"/>
-                </a:solidFill>
-                <a:latin typeface="+mj-lt"/>
-                <a:cs typeface="Aharoni" panose="02010803020104030203" pitchFamily="2" charset="-79"/>
-              </a:rPr>
-            </a:br>
-            <a:r>
-              <a:rPr lang="en-US" sz="1600" b="1" dirty="0">
-                <a:solidFill>
-                  <a:schemeClr val="tx1"/>
-                </a:solidFill>
-                <a:latin typeface="+mj-lt"/>
-                <a:cs typeface="Aharoni" panose="02010803020104030203" pitchFamily="2" charset="-79"/>
-              </a:rPr>
-              <a:t>Institutions</a:t>
-            </a:r>
-            <a:endParaRPr lang="en-US" sz="500" b="1" dirty="0">
-              <a:solidFill>
-                <a:schemeClr val="tx1"/>
-              </a:solidFill>
-              <a:latin typeface="+mj-lt"/>
-              <a:cs typeface="Aharoni" panose="02010803020104030203" pitchFamily="2" charset="-79"/>
-            </a:endParaRPr>
-          </a:p>
-        </p:txBody>
-      </p:sp>
-      <p:grpSp>
-        <p:nvGrpSpPr>
-          <p:cNvPr id="26" name="Group 25">
-            <a:extLst>
-              <a:ext uri="{FF2B5EF4-FFF2-40B4-BE49-F238E27FC236}">
-                <a16:creationId xmlns:a16="http://schemas.microsoft.com/office/drawing/2014/main" id="{20CB8E11-39A4-4E1E-A579-F3F237CFBB48}"/>
-              </a:ext>
-            </a:extLst>
-          </p:cNvPr>
-          <p:cNvGrpSpPr/>
-          <p:nvPr userDrawn="1"/>
-        </p:nvGrpSpPr>
-        <p:grpSpPr>
-          <a:xfrm>
-            <a:off x="7211001" y="0"/>
-            <a:ext cx="4980999" cy="6872041"/>
-            <a:chOff x="7210999" y="-376519"/>
-            <a:chExt cx="4981000" cy="6816521"/>
-          </a:xfrm>
-        </p:grpSpPr>
-        <p:grpSp>
-          <p:nvGrpSpPr>
-            <p:cNvPr id="22" name="Group 21">
-              <a:extLst>
-                <a:ext uri="{FF2B5EF4-FFF2-40B4-BE49-F238E27FC236}">
-                  <a16:creationId xmlns:a16="http://schemas.microsoft.com/office/drawing/2014/main" id="{553FEB1D-953F-4AD5-979E-64A2E1BFFAA3}"/>
-                </a:ext>
-              </a:extLst>
-            </p:cNvPr>
-            <p:cNvGrpSpPr/>
-            <p:nvPr userDrawn="1"/>
-          </p:nvGrpSpPr>
-          <p:grpSpPr>
-            <a:xfrm>
-              <a:off x="7210999" y="-376519"/>
-              <a:ext cx="4981000" cy="6242350"/>
-              <a:chOff x="7210999" y="-19320"/>
-              <a:chExt cx="4981000" cy="6242350"/>
-            </a:xfrm>
-          </p:grpSpPr>
-          <p:pic>
-            <p:nvPicPr>
-              <p:cNvPr id="9" name="Picture 8">
-                <a:extLst>
-                  <a:ext uri="{FF2B5EF4-FFF2-40B4-BE49-F238E27FC236}">
-                    <a16:creationId xmlns:a16="http://schemas.microsoft.com/office/drawing/2014/main" id="{B8A9B711-267A-4825-AFA4-306D33323A56}"/>
-                  </a:ext>
-                </a:extLst>
-              </p:cNvPr>
-              <p:cNvPicPr/>
-              <p:nvPr/>
-            </p:nvPicPr>
-            <p:blipFill rotWithShape="1">
-              <a:blip r:embed="rId2">
-                <a:extLst>
-                  <a:ext uri="{28A0092B-C50C-407E-A947-70E740481C1C}">
-                    <a14:useLocalDpi xmlns:a14="http://schemas.microsoft.com/office/drawing/2010/main" val="0"/>
-                  </a:ext>
-                </a:extLst>
-              </a:blip>
-              <a:srcRect b="3956"/>
-              <a:stretch/>
-            </p:blipFill>
-            <p:spPr bwMode="auto">
-              <a:xfrm>
-                <a:off x="7211001" y="1204009"/>
-                <a:ext cx="4980990" cy="5019021"/>
-              </a:xfrm>
-              <a:prstGeom prst="rect">
-                <a:avLst/>
-              </a:prstGeom>
-              <a:noFill/>
-              <a:ln>
-                <a:noFill/>
-              </a:ln>
-            </p:spPr>
-          </p:pic>
-          <p:pic>
-            <p:nvPicPr>
-              <p:cNvPr id="12" name="Picture 11">
-                <a:extLst>
-                  <a:ext uri="{FF2B5EF4-FFF2-40B4-BE49-F238E27FC236}">
-                    <a16:creationId xmlns:a16="http://schemas.microsoft.com/office/drawing/2014/main" id="{FDAB62FA-DA2E-47A7-B719-956966448716}"/>
-                  </a:ext>
-                </a:extLst>
-              </p:cNvPr>
-              <p:cNvPicPr>
-                <a:picLocks noChangeAspect="1"/>
-              </p:cNvPicPr>
-              <p:nvPr userDrawn="1"/>
-            </p:nvPicPr>
-            <p:blipFill rotWithShape="1">
-              <a:blip r:embed="rId3"/>
-              <a:srcRect t="8596" b="17335"/>
-              <a:stretch/>
-            </p:blipFill>
-            <p:spPr>
-              <a:xfrm>
-                <a:off x="7210999" y="-19320"/>
-                <a:ext cx="4981000" cy="1223329"/>
-              </a:xfrm>
-              <a:prstGeom prst="rect">
-                <a:avLst/>
-              </a:prstGeom>
-            </p:spPr>
-          </p:pic>
-        </p:grpSp>
-        <p:pic>
-          <p:nvPicPr>
-            <p:cNvPr id="24" name="Picture 23">
-              <a:extLst>
-                <a:ext uri="{FF2B5EF4-FFF2-40B4-BE49-F238E27FC236}">
-                  <a16:creationId xmlns:a16="http://schemas.microsoft.com/office/drawing/2014/main" id="{9B7456BD-03D3-41B8-957B-38CB1512A39A}"/>
-                </a:ext>
-              </a:extLst>
-            </p:cNvPr>
-            <p:cNvPicPr>
-              <a:picLocks noChangeAspect="1"/>
-            </p:cNvPicPr>
-            <p:nvPr userDrawn="1"/>
-          </p:nvPicPr>
-          <p:blipFill rotWithShape="1">
-            <a:blip r:embed="rId4"/>
-            <a:srcRect l="92684" t="16179" b="22966"/>
-            <a:stretch/>
-          </p:blipFill>
-          <p:spPr>
-            <a:xfrm>
-              <a:off x="11818960" y="5850942"/>
-              <a:ext cx="364397" cy="589060"/>
-            </a:xfrm>
-            <a:prstGeom prst="rect">
-              <a:avLst/>
-            </a:prstGeom>
-          </p:spPr>
-        </p:pic>
-      </p:grpSp>
-      <p:pic>
-        <p:nvPicPr>
-          <p:cNvPr id="7" name="Picture 6">
-            <a:extLst>
-              <a:ext uri="{FF2B5EF4-FFF2-40B4-BE49-F238E27FC236}">
-                <a16:creationId xmlns:a16="http://schemas.microsoft.com/office/drawing/2014/main" id="{257237D6-3BC4-49E6-A079-9EF58A6B17EA}"/>
+                <a16:creationId xmlns:a16="http://schemas.microsoft.com/office/drawing/2014/main" id="{4F0201E2-C21E-4250-8D07-321F48DE3C41}"/>
               </a:ext>
             </a:extLst>
           </p:cNvPr>
@@ -3617,1936 +2490,22 @@
           </p:cNvPicPr>
           <p:nvPr userDrawn="1"/>
         </p:nvPicPr>
-        <p:blipFill rotWithShape="1">
-          <a:blip r:embed="rId5"/>
-          <a:srcRect t="29710" b="25953"/>
-          <a:stretch/>
+        <p:blipFill>
+          <a:blip r:embed="rId6" cstate="print">
+            <a:extLst>
+              <a:ext uri="{28A0092B-C50C-407E-A947-70E740481C1C}">
+                <a14:useLocalDpi xmlns:a14="http://schemas.microsoft.com/office/drawing/2010/main" val="0"/>
+              </a:ext>
+            </a:extLst>
+          </a:blip>
+          <a:stretch>
+            <a:fillRect/>
+          </a:stretch>
         </p:blipFill>
         <p:spPr>
           <a:xfrm>
-            <a:off x="7210999" y="6276829"/>
-            <a:ext cx="4727891" cy="598922"/>
-          </a:xfrm>
-          <a:prstGeom prst="rect">
-            <a:avLst/>
-          </a:prstGeom>
-        </p:spPr>
-      </p:pic>
-    </p:spTree>
-    <p:extLst>
-      <p:ext uri="{BB962C8B-B14F-4D97-AF65-F5344CB8AC3E}">
-        <p14:creationId xmlns:p14="http://schemas.microsoft.com/office/powerpoint/2010/main" val="2924746223"/>
-      </p:ext>
-    </p:extLst>
-  </p:cSld>
-  <p:clrMapOvr>
-    <a:masterClrMapping/>
-  </p:clrMapOvr>
-</p:sldLayout>
-</file>
-
-<file path=ppt/slideLayouts/slideLayout3.xml><?xml version="1.0" encoding="utf-8"?>
-<p:sldLayout xmlns:a="http://schemas.openxmlformats.org/drawingml/2006/main" xmlns:r="http://schemas.openxmlformats.org/officeDocument/2006/relationships" xmlns:p="http://schemas.openxmlformats.org/presentationml/2006/main" type="obj" preserve="1">
-  <p:cSld name="Title and Content">
-    <p:spTree>
-      <p:nvGrpSpPr>
-        <p:cNvPr id="1" name=""/>
-        <p:cNvGrpSpPr/>
-        <p:nvPr/>
-      </p:nvGrpSpPr>
-      <p:grpSpPr>
-        <a:xfrm>
-          <a:off x="0" y="0"/>
-          <a:ext cx="0" cy="0"/>
-          <a:chOff x="0" y="0"/>
-          <a:chExt cx="0" cy="0"/>
-        </a:xfrm>
-      </p:grpSpPr>
-      <p:graphicFrame>
-        <p:nvGraphicFramePr>
-          <p:cNvPr id="6" name="Object 5" hidden="1">
-            <a:extLst>
-              <a:ext uri="{FF2B5EF4-FFF2-40B4-BE49-F238E27FC236}">
-                <a16:creationId xmlns:a16="http://schemas.microsoft.com/office/drawing/2014/main" id="{262DE44B-329D-44C4-A098-54D67821F0BF}"/>
-              </a:ext>
-            </a:extLst>
-          </p:cNvPr>
-          <p:cNvGraphicFramePr>
-            <a:graphicFrameLocks noChangeAspect="1"/>
-          </p:cNvGraphicFramePr>
-          <p:nvPr userDrawn="1">
-            <p:custDataLst>
-              <p:tags r:id="rId1"/>
-            </p:custDataLst>
-          </p:nvPr>
-        </p:nvGraphicFramePr>
-        <p:xfrm>
-          <a:off x="1588" y="1588"/>
-          <a:ext cx="1587" cy="1587"/>
-        </p:xfrm>
-        <a:graphic>
-          <a:graphicData uri="http://schemas.openxmlformats.org/presentationml/2006/ole">
-            <mc:AlternateContent xmlns:mc="http://schemas.openxmlformats.org/markup-compatibility/2006">
-              <mc:Choice xmlns:v="urn:schemas-microsoft-com:vml" Requires="v">
-                <p:oleObj name="think-cell Slide" r:id="rId3" imgW="347" imgH="348" progId="TCLayout.ActiveDocument.1">
-                  <p:embed/>
-                </p:oleObj>
-              </mc:Choice>
-              <mc:Fallback>
-                <p:oleObj name="think-cell Slide" r:id="rId3" imgW="347" imgH="348" progId="TCLayout.ActiveDocument.1">
-                  <p:embed/>
-                  <p:pic>
-                    <p:nvPicPr>
-                      <p:cNvPr id="6" name="Object 5" hidden="1">
-                        <a:extLst>
-                          <a:ext uri="{FF2B5EF4-FFF2-40B4-BE49-F238E27FC236}">
-                            <a16:creationId xmlns:a16="http://schemas.microsoft.com/office/drawing/2014/main" id="{262DE44B-329D-44C4-A098-54D67821F0BF}"/>
-                          </a:ext>
-                        </a:extLst>
-                      </p:cNvPr>
-                      <p:cNvPicPr/>
-                      <p:nvPr/>
-                    </p:nvPicPr>
-                    <p:blipFill>
-                      <a:blip r:embed="rId4"/>
-                      <a:stretch>
-                        <a:fillRect/>
-                      </a:stretch>
-                    </p:blipFill>
-                    <p:spPr>
-                      <a:xfrm>
-                        <a:off x="1588" y="1588"/>
-                        <a:ext cx="1587" cy="1587"/>
-                      </a:xfrm>
-                      <a:prstGeom prst="rect">
-                        <a:avLst/>
-                      </a:prstGeom>
-                    </p:spPr>
-                  </p:pic>
-                </p:oleObj>
-              </mc:Fallback>
-            </mc:AlternateContent>
-          </a:graphicData>
-        </a:graphic>
-      </p:graphicFrame>
-      <p:sp>
-        <p:nvSpPr>
-          <p:cNvPr id="2" name="Title 1">
-            <a:extLst>
-              <a:ext uri="{FF2B5EF4-FFF2-40B4-BE49-F238E27FC236}">
-                <a16:creationId xmlns:a16="http://schemas.microsoft.com/office/drawing/2014/main" id="{5149EF36-F9CE-4647-B169-9B37B99036E8}"/>
-              </a:ext>
-            </a:extLst>
-          </p:cNvPr>
-          <p:cNvSpPr>
-            <a:spLocks noGrp="1"/>
-          </p:cNvSpPr>
-          <p:nvPr>
-            <p:ph type="title"/>
-          </p:nvPr>
-        </p:nvSpPr>
-        <p:spPr>
-          <a:xfrm>
-            <a:off x="324416" y="303636"/>
-            <a:ext cx="10470584" cy="403187"/>
-          </a:xfrm>
-        </p:spPr>
-        <p:txBody>
-          <a:bodyPr/>
-          <a:lstStyle/>
-          <a:p>
-            <a:r>
-              <a:rPr lang="en-US"/>
-              <a:t>Click to edit Master title style</a:t>
-            </a:r>
-          </a:p>
-        </p:txBody>
-      </p:sp>
-      <p:sp>
-        <p:nvSpPr>
-          <p:cNvPr id="3" name="Content Placeholder 2">
-            <a:extLst>
-              <a:ext uri="{FF2B5EF4-FFF2-40B4-BE49-F238E27FC236}">
-                <a16:creationId xmlns:a16="http://schemas.microsoft.com/office/drawing/2014/main" id="{2B1099A3-25D1-44D2-B255-78F583BF08A3}"/>
-              </a:ext>
-            </a:extLst>
-          </p:cNvPr>
-          <p:cNvSpPr>
-            <a:spLocks noGrp="1"/>
-          </p:cNvSpPr>
-          <p:nvPr>
-            <p:ph idx="1"/>
-          </p:nvPr>
-        </p:nvSpPr>
-        <p:spPr/>
-        <p:txBody>
-          <a:bodyPr/>
-          <a:lstStyle/>
-          <a:p>
-            <a:pPr lvl="0"/>
-            <a:r>
-              <a:rPr lang="en-US"/>
-              <a:t>Edit Master text styles</a:t>
-            </a:r>
-          </a:p>
-          <a:p>
-            <a:pPr lvl="1"/>
-            <a:r>
-              <a:rPr lang="en-US"/>
-              <a:t>Second level</a:t>
-            </a:r>
-          </a:p>
-          <a:p>
-            <a:pPr lvl="2"/>
-            <a:r>
-              <a:rPr lang="en-US"/>
-              <a:t>Third level</a:t>
-            </a:r>
-          </a:p>
-          <a:p>
-            <a:pPr lvl="3"/>
-            <a:r>
-              <a:rPr lang="en-US"/>
-              <a:t>Fourth level</a:t>
-            </a:r>
-          </a:p>
-        </p:txBody>
-      </p:sp>
-      <p:sp>
-        <p:nvSpPr>
-          <p:cNvPr id="4" name="Date Placeholder 3">
-            <a:extLst>
-              <a:ext uri="{FF2B5EF4-FFF2-40B4-BE49-F238E27FC236}">
-                <a16:creationId xmlns:a16="http://schemas.microsoft.com/office/drawing/2014/main" id="{4385C4C7-F6B0-48E4-ACEC-649CC0F49C64}"/>
-              </a:ext>
-            </a:extLst>
-          </p:cNvPr>
-          <p:cNvSpPr>
-            <a:spLocks noGrp="1"/>
-          </p:cNvSpPr>
-          <p:nvPr>
-            <p:ph type="dt" sz="half" idx="10"/>
-          </p:nvPr>
-        </p:nvSpPr>
-        <p:spPr/>
-        <p:txBody>
-          <a:bodyPr/>
-          <a:lstStyle/>
-          <a:p>
-            <a:fld id="{C426BC5F-09C1-43F9-92E4-3807667E7453}" type="datetimeFigureOut">
-              <a:rPr lang="en-US" smtClean="0"/>
-              <a:t>08-Sep-21</a:t>
-            </a:fld>
-            <a:endParaRPr lang="en-US" dirty="0"/>
-          </a:p>
-        </p:txBody>
-      </p:sp>
-      <p:sp>
-        <p:nvSpPr>
-          <p:cNvPr id="5" name="Footer Placeholder 4">
-            <a:extLst>
-              <a:ext uri="{FF2B5EF4-FFF2-40B4-BE49-F238E27FC236}">
-                <a16:creationId xmlns:a16="http://schemas.microsoft.com/office/drawing/2014/main" id="{ECDAD504-107D-4E14-8686-4209B335C8D1}"/>
-              </a:ext>
-            </a:extLst>
-          </p:cNvPr>
-          <p:cNvSpPr>
-            <a:spLocks noGrp="1"/>
-          </p:cNvSpPr>
-          <p:nvPr>
-            <p:ph type="ftr" sz="quarter" idx="11"/>
-          </p:nvPr>
-        </p:nvSpPr>
-        <p:spPr/>
-        <p:txBody>
-          <a:bodyPr/>
-          <a:lstStyle/>
-          <a:p>
-            <a:endParaRPr lang="en-US"/>
-          </a:p>
-        </p:txBody>
-      </p:sp>
-    </p:spTree>
-    <p:extLst>
-      <p:ext uri="{BB962C8B-B14F-4D97-AF65-F5344CB8AC3E}">
-        <p14:creationId xmlns:p14="http://schemas.microsoft.com/office/powerpoint/2010/main" val="1362967565"/>
-      </p:ext>
-    </p:extLst>
-  </p:cSld>
-  <p:clrMapOvr>
-    <a:masterClrMapping/>
-  </p:clrMapOvr>
-</p:sldLayout>
-</file>
-
-<file path=ppt/slideLayouts/slideLayout4.xml><?xml version="1.0" encoding="utf-8"?>
-<p:sldLayout xmlns:a="http://schemas.openxmlformats.org/drawingml/2006/main" xmlns:r="http://schemas.openxmlformats.org/officeDocument/2006/relationships" xmlns:p="http://schemas.openxmlformats.org/presentationml/2006/main" userDrawn="1">
-  <p:cSld name="Helium_Break">
-    <p:spTree>
-      <p:nvGrpSpPr>
-        <p:cNvPr id="1" name=""/>
-        <p:cNvGrpSpPr/>
-        <p:nvPr/>
-      </p:nvGrpSpPr>
-      <p:grpSpPr>
-        <a:xfrm>
-          <a:off x="0" y="0"/>
-          <a:ext cx="0" cy="0"/>
-          <a:chOff x="0" y="0"/>
-          <a:chExt cx="0" cy="0"/>
-        </a:xfrm>
-      </p:grpSpPr>
-      <p:sp>
-        <p:nvSpPr>
-          <p:cNvPr id="3" name="Rectangle 2"/>
-          <p:cNvSpPr/>
-          <p:nvPr userDrawn="1"/>
-        </p:nvSpPr>
-        <p:spPr>
-          <a:xfrm>
-            <a:off x="3871384" y="6267451"/>
-            <a:ext cx="4080933" cy="500063"/>
-          </a:xfrm>
-          <a:prstGeom prst="rect">
-            <a:avLst/>
-          </a:prstGeom>
-          <a:solidFill>
-            <a:schemeClr val="bg2"/>
-          </a:solidFill>
-          <a:ln>
-            <a:noFill/>
-          </a:ln>
-        </p:spPr>
-        <p:style>
-          <a:lnRef idx="2">
-            <a:schemeClr val="accent1">
-              <a:shade val="50000"/>
-            </a:schemeClr>
-          </a:lnRef>
-          <a:fillRef idx="1">
-            <a:schemeClr val="accent1"/>
-          </a:fillRef>
-          <a:effectRef idx="0">
-            <a:schemeClr val="accent1"/>
-          </a:effectRef>
-          <a:fontRef idx="minor">
-            <a:schemeClr val="lt1"/>
-          </a:fontRef>
-        </p:style>
-        <p:txBody>
-          <a:bodyPr anchor="ctr"/>
-          <a:lstStyle/>
-          <a:p>
-            <a:pPr algn="ctr" eaLnBrk="1" fontAlgn="auto" hangingPunct="1">
-              <a:spcBef>
-                <a:spcPts val="0"/>
-              </a:spcBef>
-              <a:spcAft>
-                <a:spcPts val="0"/>
-              </a:spcAft>
-              <a:defRPr/>
-            </a:pPr>
-            <a:endParaRPr lang="en-US" sz="675">
-              <a:solidFill>
-                <a:prstClr val="white"/>
-              </a:solidFill>
-            </a:endParaRPr>
-          </a:p>
-        </p:txBody>
-      </p:sp>
-      <p:sp>
-        <p:nvSpPr>
-          <p:cNvPr id="22" name="Picture Placeholder 21"/>
-          <p:cNvSpPr>
-            <a:spLocks noGrp="1"/>
-          </p:cNvSpPr>
-          <p:nvPr>
-            <p:ph type="pic" sz="quarter" idx="14"/>
-          </p:nvPr>
-        </p:nvSpPr>
-        <p:spPr>
-          <a:xfrm>
-            <a:off x="6735517" y="22304"/>
-            <a:ext cx="5545843" cy="6745671"/>
-          </a:xfrm>
-          <a:custGeom>
-            <a:avLst/>
-            <a:gdLst>
-              <a:gd name="connsiteX0" fmla="*/ 490691 w 11088796"/>
-              <a:gd name="connsiteY0" fmla="*/ 11756903 h 13491341"/>
-              <a:gd name="connsiteX1" fmla="*/ 733817 w 11088796"/>
-              <a:gd name="connsiteY1" fmla="*/ 11837830 h 13491341"/>
-              <a:gd name="connsiteX2" fmla="*/ 1808437 w 11088796"/>
-              <a:gd name="connsiteY2" fmla="*/ 12656501 h 13491341"/>
-              <a:gd name="connsiteX3" fmla="*/ 1856663 w 11088796"/>
-              <a:gd name="connsiteY3" fmla="*/ 13306044 h 13491341"/>
-              <a:gd name="connsiteX4" fmla="*/ 1236430 w 11088796"/>
-              <a:gd name="connsiteY4" fmla="*/ 13407341 h 13491341"/>
-              <a:gd name="connsiteX5" fmla="*/ 161810 w 11088796"/>
-              <a:gd name="connsiteY5" fmla="*/ 12588671 h 13491341"/>
-              <a:gd name="connsiteX6" fmla="*/ 97910 w 11088796"/>
-              <a:gd name="connsiteY6" fmla="*/ 11966183 h 13491341"/>
-              <a:gd name="connsiteX7" fmla="*/ 490691 w 11088796"/>
-              <a:gd name="connsiteY7" fmla="*/ 11756903 h 13491341"/>
-              <a:gd name="connsiteX8" fmla="*/ 1287637 w 11088796"/>
-              <a:gd name="connsiteY8" fmla="*/ 10710803 h 13491341"/>
-              <a:gd name="connsiteX9" fmla="*/ 1523741 w 11088796"/>
-              <a:gd name="connsiteY9" fmla="*/ 10800947 h 13491341"/>
-              <a:gd name="connsiteX10" fmla="*/ 2598361 w 11088796"/>
-              <a:gd name="connsiteY10" fmla="*/ 11619618 h 13491341"/>
-              <a:gd name="connsiteX11" fmla="*/ 2667707 w 11088796"/>
-              <a:gd name="connsiteY11" fmla="*/ 12241437 h 13491341"/>
-              <a:gd name="connsiteX12" fmla="*/ 2049794 w 11088796"/>
-              <a:gd name="connsiteY12" fmla="*/ 12339687 h 13491341"/>
-              <a:gd name="connsiteX13" fmla="*/ 975175 w 11088796"/>
-              <a:gd name="connsiteY13" fmla="*/ 11521017 h 13491341"/>
-              <a:gd name="connsiteX14" fmla="*/ 908953 w 11088796"/>
-              <a:gd name="connsiteY14" fmla="*/ 10901578 h 13491341"/>
-              <a:gd name="connsiteX15" fmla="*/ 1287637 w 11088796"/>
-              <a:gd name="connsiteY15" fmla="*/ 10710803 h 13491341"/>
-              <a:gd name="connsiteX16" fmla="*/ 1721569 w 11088796"/>
-              <a:gd name="connsiteY16" fmla="*/ 9334566 h 13491341"/>
-              <a:gd name="connsiteX17" fmla="*/ 1947183 w 11088796"/>
-              <a:gd name="connsiteY17" fmla="*/ 9405678 h 13491341"/>
-              <a:gd name="connsiteX18" fmla="*/ 3834230 w 11088796"/>
-              <a:gd name="connsiteY18" fmla="*/ 10843275 h 13491341"/>
-              <a:gd name="connsiteX19" fmla="*/ 3878894 w 11088796"/>
-              <a:gd name="connsiteY19" fmla="*/ 11451101 h 13491341"/>
-              <a:gd name="connsiteX20" fmla="*/ 3262230 w 11088796"/>
-              <a:gd name="connsiteY20" fmla="*/ 11594106 h 13491341"/>
-              <a:gd name="connsiteX21" fmla="*/ 1375183 w 11088796"/>
-              <a:gd name="connsiteY21" fmla="*/ 10156508 h 13491341"/>
-              <a:gd name="connsiteX22" fmla="*/ 1349316 w 11088796"/>
-              <a:gd name="connsiteY22" fmla="*/ 9524008 h 13491341"/>
-              <a:gd name="connsiteX23" fmla="*/ 1721569 w 11088796"/>
-              <a:gd name="connsiteY23" fmla="*/ 9334566 h 13491341"/>
-              <a:gd name="connsiteX24" fmla="*/ 2101387 w 11088796"/>
-              <a:gd name="connsiteY24" fmla="*/ 7936576 h 13491341"/>
-              <a:gd name="connsiteX25" fmla="*/ 2344041 w 11088796"/>
-              <a:gd name="connsiteY25" fmla="*/ 8020670 h 13491341"/>
-              <a:gd name="connsiteX26" fmla="*/ 5052676 w 11088796"/>
-              <a:gd name="connsiteY26" fmla="*/ 10084172 h 13491341"/>
-              <a:gd name="connsiteX27" fmla="*/ 5120124 w 11088796"/>
-              <a:gd name="connsiteY27" fmla="*/ 10709361 h 13491341"/>
-              <a:gd name="connsiteX28" fmla="*/ 4480668 w 11088796"/>
-              <a:gd name="connsiteY28" fmla="*/ 10835011 h 13491341"/>
-              <a:gd name="connsiteX29" fmla="*/ 1772034 w 11088796"/>
-              <a:gd name="connsiteY29" fmla="*/ 8771509 h 13491341"/>
-              <a:gd name="connsiteX30" fmla="*/ 1723383 w 11088796"/>
-              <a:gd name="connsiteY30" fmla="*/ 8121644 h 13491341"/>
-              <a:gd name="connsiteX31" fmla="*/ 2101387 w 11088796"/>
-              <a:gd name="connsiteY31" fmla="*/ 7936576 h 13491341"/>
-              <a:gd name="connsiteX32" fmla="*/ 1945410 w 11088796"/>
-              <a:gd name="connsiteY32" fmla="*/ 6115309 h 13491341"/>
-              <a:gd name="connsiteX33" fmla="*/ 2188908 w 11088796"/>
-              <a:gd name="connsiteY33" fmla="*/ 6197004 h 13491341"/>
-              <a:gd name="connsiteX34" fmla="*/ 6859286 w 11088796"/>
-              <a:gd name="connsiteY34" fmla="*/ 9755006 h 13491341"/>
-              <a:gd name="connsiteX35" fmla="*/ 6889502 w 11088796"/>
-              <a:gd name="connsiteY35" fmla="*/ 10387978 h 13491341"/>
-              <a:gd name="connsiteX36" fmla="*/ 6287266 w 11088796"/>
-              <a:gd name="connsiteY36" fmla="*/ 10505862 h 13491341"/>
-              <a:gd name="connsiteX37" fmla="*/ 1616888 w 11088796"/>
-              <a:gd name="connsiteY37" fmla="*/ 6947860 h 13491341"/>
-              <a:gd name="connsiteX38" fmla="*/ 1551927 w 11088796"/>
-              <a:gd name="connsiteY38" fmla="*/ 6321692 h 13491341"/>
-              <a:gd name="connsiteX39" fmla="*/ 1945410 w 11088796"/>
-              <a:gd name="connsiteY39" fmla="*/ 6115309 h 13491341"/>
-              <a:gd name="connsiteX40" fmla="*/ 1120711 w 11088796"/>
-              <a:gd name="connsiteY40" fmla="*/ 3826332 h 13491341"/>
-              <a:gd name="connsiteX41" fmla="*/ 1362501 w 11088796"/>
-              <a:gd name="connsiteY41" fmla="*/ 3910611 h 13491341"/>
-              <a:gd name="connsiteX42" fmla="*/ 9297658 w 11088796"/>
-              <a:gd name="connsiteY42" fmla="*/ 9955798 h 13491341"/>
-              <a:gd name="connsiteX43" fmla="*/ 9344772 w 11088796"/>
-              <a:gd name="connsiteY43" fmla="*/ 10560687 h 13491341"/>
-              <a:gd name="connsiteX44" fmla="*/ 8749084 w 11088796"/>
-              <a:gd name="connsiteY44" fmla="*/ 10675877 h 13491341"/>
-              <a:gd name="connsiteX45" fmla="*/ 813928 w 11088796"/>
-              <a:gd name="connsiteY45" fmla="*/ 4630689 h 13491341"/>
-              <a:gd name="connsiteX46" fmla="*/ 744971 w 11088796"/>
-              <a:gd name="connsiteY46" fmla="*/ 4009160 h 13491341"/>
-              <a:gd name="connsiteX47" fmla="*/ 1120711 w 11088796"/>
-              <a:gd name="connsiteY47" fmla="*/ 3826332 h 13491341"/>
-              <a:gd name="connsiteX48" fmla="*/ 4227254 w 11088796"/>
-              <a:gd name="connsiteY48" fmla="*/ 2790686 h 13491341"/>
-              <a:gd name="connsiteX49" fmla="*/ 4454070 w 11088796"/>
-              <a:gd name="connsiteY49" fmla="*/ 2860658 h 13491341"/>
-              <a:gd name="connsiteX50" fmla="*/ 9475564 w 11088796"/>
-              <a:gd name="connsiteY50" fmla="*/ 6686148 h 13491341"/>
-              <a:gd name="connsiteX51" fmla="*/ 9504938 w 11088796"/>
-              <a:gd name="connsiteY51" fmla="*/ 7321320 h 13491341"/>
-              <a:gd name="connsiteX52" fmla="*/ 8903564 w 11088796"/>
-              <a:gd name="connsiteY52" fmla="*/ 7436978 h 13491341"/>
-              <a:gd name="connsiteX53" fmla="*/ 3882070 w 11088796"/>
-              <a:gd name="connsiteY53" fmla="*/ 3611488 h 13491341"/>
-              <a:gd name="connsiteX54" fmla="*/ 3837020 w 11088796"/>
-              <a:gd name="connsiteY54" fmla="*/ 3003370 h 13491341"/>
-              <a:gd name="connsiteX55" fmla="*/ 4227254 w 11088796"/>
-              <a:gd name="connsiteY55" fmla="*/ 2790686 h 13491341"/>
-              <a:gd name="connsiteX56" fmla="*/ 5978286 w 11088796"/>
-              <a:gd name="connsiteY56" fmla="*/ 2454748 h 13491341"/>
-              <a:gd name="connsiteX57" fmla="*/ 6213830 w 11088796"/>
-              <a:gd name="connsiteY57" fmla="*/ 2544466 h 13491341"/>
-              <a:gd name="connsiteX58" fmla="*/ 9303674 w 11088796"/>
-              <a:gd name="connsiteY58" fmla="*/ 4898383 h 13491341"/>
-              <a:gd name="connsiteX59" fmla="*/ 9350860 w 11088796"/>
-              <a:gd name="connsiteY59" fmla="*/ 5503319 h 13491341"/>
-              <a:gd name="connsiteX60" fmla="*/ 8755108 w 11088796"/>
-              <a:gd name="connsiteY60" fmla="*/ 5618451 h 13491341"/>
-              <a:gd name="connsiteX61" fmla="*/ 5665264 w 11088796"/>
-              <a:gd name="connsiteY61" fmla="*/ 3264535 h 13491341"/>
-              <a:gd name="connsiteX62" fmla="*/ 5596232 w 11088796"/>
-              <a:gd name="connsiteY62" fmla="*/ 2642955 h 13491341"/>
-              <a:gd name="connsiteX63" fmla="*/ 5978286 w 11088796"/>
-              <a:gd name="connsiteY63" fmla="*/ 2454748 h 13491341"/>
-              <a:gd name="connsiteX64" fmla="*/ 1124504 w 11088796"/>
-              <a:gd name="connsiteY64" fmla="*/ 2113497 h 13491341"/>
-              <a:gd name="connsiteX65" fmla="*/ 1366063 w 11088796"/>
-              <a:gd name="connsiteY65" fmla="*/ 2195470 h 13491341"/>
-              <a:gd name="connsiteX66" fmla="*/ 10938820 w 11088796"/>
-              <a:gd name="connsiteY66" fmla="*/ 9488219 h 13491341"/>
-              <a:gd name="connsiteX67" fmla="*/ 10982418 w 11088796"/>
-              <a:gd name="connsiteY67" fmla="*/ 10098117 h 13491341"/>
-              <a:gd name="connsiteX68" fmla="*/ 10366800 w 11088796"/>
-              <a:gd name="connsiteY68" fmla="*/ 10239076 h 13491341"/>
-              <a:gd name="connsiteX69" fmla="*/ 794043 w 11088796"/>
-              <a:gd name="connsiteY69" fmla="*/ 2946327 h 13491341"/>
-              <a:gd name="connsiteX70" fmla="*/ 744627 w 11088796"/>
-              <a:gd name="connsiteY70" fmla="*/ 2298728 h 13491341"/>
-              <a:gd name="connsiteX71" fmla="*/ 1124504 w 11088796"/>
-              <a:gd name="connsiteY71" fmla="*/ 2113497 h 13491341"/>
-              <a:gd name="connsiteX72" fmla="*/ 7356102 w 11088796"/>
-              <a:gd name="connsiteY72" fmla="*/ 1797588 h 13491341"/>
-              <a:gd name="connsiteX73" fmla="*/ 7581448 w 11088796"/>
-              <a:gd name="connsiteY73" fmla="*/ 1868497 h 13491341"/>
-              <a:gd name="connsiteX74" fmla="*/ 9593352 w 11088796"/>
-              <a:gd name="connsiteY74" fmla="*/ 3401213 h 13491341"/>
-              <a:gd name="connsiteX75" fmla="*/ 9637536 w 11088796"/>
-              <a:gd name="connsiteY75" fmla="*/ 4008670 h 13491341"/>
-              <a:gd name="connsiteX76" fmla="*/ 9021352 w 11088796"/>
-              <a:gd name="connsiteY76" fmla="*/ 4152044 h 13491341"/>
-              <a:gd name="connsiteX77" fmla="*/ 7009448 w 11088796"/>
-              <a:gd name="connsiteY77" fmla="*/ 2619328 h 13491341"/>
-              <a:gd name="connsiteX78" fmla="*/ 6984064 w 11088796"/>
-              <a:gd name="connsiteY78" fmla="*/ 1987194 h 13491341"/>
-              <a:gd name="connsiteX79" fmla="*/ 7356102 w 11088796"/>
-              <a:gd name="connsiteY79" fmla="*/ 1797588 h 13491341"/>
-              <a:gd name="connsiteX80" fmla="*/ 8626238 w 11088796"/>
-              <a:gd name="connsiteY80" fmla="*/ 1077861 h 13491341"/>
-              <a:gd name="connsiteX81" fmla="*/ 8867664 w 11088796"/>
-              <a:gd name="connsiteY81" fmla="*/ 1161018 h 13491341"/>
-              <a:gd name="connsiteX82" fmla="*/ 9942284 w 11088796"/>
-              <a:gd name="connsiteY82" fmla="*/ 1979689 h 13491341"/>
-              <a:gd name="connsiteX83" fmla="*/ 10009308 w 11088796"/>
-              <a:gd name="connsiteY83" fmla="*/ 2604557 h 13491341"/>
-              <a:gd name="connsiteX84" fmla="*/ 9370276 w 11088796"/>
-              <a:gd name="connsiteY84" fmla="*/ 2730530 h 13491341"/>
-              <a:gd name="connsiteX85" fmla="*/ 8295656 w 11088796"/>
-              <a:gd name="connsiteY85" fmla="*/ 1911858 h 13491341"/>
-              <a:gd name="connsiteX86" fmla="*/ 8250554 w 11088796"/>
-              <a:gd name="connsiteY86" fmla="*/ 1264696 h 13491341"/>
-              <a:gd name="connsiteX87" fmla="*/ 8626238 w 11088796"/>
-              <a:gd name="connsiteY87" fmla="*/ 1077861 h 13491341"/>
-              <a:gd name="connsiteX88" fmla="*/ 9447378 w 11088796"/>
-              <a:gd name="connsiteY88" fmla="*/ 1 h 13491341"/>
-              <a:gd name="connsiteX89" fmla="*/ 9689796 w 11088796"/>
-              <a:gd name="connsiteY89" fmla="*/ 81858 h 13491341"/>
-              <a:gd name="connsiteX90" fmla="*/ 10764416 w 11088796"/>
-              <a:gd name="connsiteY90" fmla="*/ 900529 h 13491341"/>
-              <a:gd name="connsiteX91" fmla="*/ 10812642 w 11088796"/>
-              <a:gd name="connsiteY91" fmla="*/ 1550070 h 13491341"/>
-              <a:gd name="connsiteX92" fmla="*/ 10192408 w 11088796"/>
-              <a:gd name="connsiteY92" fmla="*/ 1651368 h 13491341"/>
-              <a:gd name="connsiteX93" fmla="*/ 9117788 w 11088796"/>
-              <a:gd name="connsiteY93" fmla="*/ 832697 h 13491341"/>
-              <a:gd name="connsiteX94" fmla="*/ 9053888 w 11088796"/>
-              <a:gd name="connsiteY94" fmla="*/ 210211 h 13491341"/>
-              <a:gd name="connsiteX95" fmla="*/ 9447378 w 11088796"/>
-              <a:gd name="connsiteY95" fmla="*/ 1 h 13491341"/>
-            </a:gdLst>
-            <a:ahLst/>
-            <a:cxnLst>
-              <a:cxn ang="0">
-                <a:pos x="connsiteX0" y="connsiteY0"/>
-              </a:cxn>
-              <a:cxn ang="0">
-                <a:pos x="connsiteX1" y="connsiteY1"/>
-              </a:cxn>
-              <a:cxn ang="0">
-                <a:pos x="connsiteX2" y="connsiteY2"/>
-              </a:cxn>
-              <a:cxn ang="0">
-                <a:pos x="connsiteX3" y="connsiteY3"/>
-              </a:cxn>
-              <a:cxn ang="0">
-                <a:pos x="connsiteX4" y="connsiteY4"/>
-              </a:cxn>
-              <a:cxn ang="0">
-                <a:pos x="connsiteX5" y="connsiteY5"/>
-              </a:cxn>
-              <a:cxn ang="0">
-                <a:pos x="connsiteX6" y="connsiteY6"/>
-              </a:cxn>
-              <a:cxn ang="0">
-                <a:pos x="connsiteX7" y="connsiteY7"/>
-              </a:cxn>
-              <a:cxn ang="0">
-                <a:pos x="connsiteX8" y="connsiteY8"/>
-              </a:cxn>
-              <a:cxn ang="0">
-                <a:pos x="connsiteX9" y="connsiteY9"/>
-              </a:cxn>
-              <a:cxn ang="0">
-                <a:pos x="connsiteX10" y="connsiteY10"/>
-              </a:cxn>
-              <a:cxn ang="0">
-                <a:pos x="connsiteX11" y="connsiteY11"/>
-              </a:cxn>
-              <a:cxn ang="0">
-                <a:pos x="connsiteX12" y="connsiteY12"/>
-              </a:cxn>
-              <a:cxn ang="0">
-                <a:pos x="connsiteX13" y="connsiteY13"/>
-              </a:cxn>
-              <a:cxn ang="0">
-                <a:pos x="connsiteX14" y="connsiteY14"/>
-              </a:cxn>
-              <a:cxn ang="0">
-                <a:pos x="connsiteX15" y="connsiteY15"/>
-              </a:cxn>
-              <a:cxn ang="0">
-                <a:pos x="connsiteX16" y="connsiteY16"/>
-              </a:cxn>
-              <a:cxn ang="0">
-                <a:pos x="connsiteX17" y="connsiteY17"/>
-              </a:cxn>
-              <a:cxn ang="0">
-                <a:pos x="connsiteX18" y="connsiteY18"/>
-              </a:cxn>
-              <a:cxn ang="0">
-                <a:pos x="connsiteX19" y="connsiteY19"/>
-              </a:cxn>
-              <a:cxn ang="0">
-                <a:pos x="connsiteX20" y="connsiteY20"/>
-              </a:cxn>
-              <a:cxn ang="0">
-                <a:pos x="connsiteX21" y="connsiteY21"/>
-              </a:cxn>
-              <a:cxn ang="0">
-                <a:pos x="connsiteX22" y="connsiteY22"/>
-              </a:cxn>
-              <a:cxn ang="0">
-                <a:pos x="connsiteX23" y="connsiteY23"/>
-              </a:cxn>
-              <a:cxn ang="0">
-                <a:pos x="connsiteX24" y="connsiteY24"/>
-              </a:cxn>
-              <a:cxn ang="0">
-                <a:pos x="connsiteX25" y="connsiteY25"/>
-              </a:cxn>
-              <a:cxn ang="0">
-                <a:pos x="connsiteX26" y="connsiteY26"/>
-              </a:cxn>
-              <a:cxn ang="0">
-                <a:pos x="connsiteX27" y="connsiteY27"/>
-              </a:cxn>
-              <a:cxn ang="0">
-                <a:pos x="connsiteX28" y="connsiteY28"/>
-              </a:cxn>
-              <a:cxn ang="0">
-                <a:pos x="connsiteX29" y="connsiteY29"/>
-              </a:cxn>
-              <a:cxn ang="0">
-                <a:pos x="connsiteX30" y="connsiteY30"/>
-              </a:cxn>
-              <a:cxn ang="0">
-                <a:pos x="connsiteX31" y="connsiteY31"/>
-              </a:cxn>
-              <a:cxn ang="0">
-                <a:pos x="connsiteX32" y="connsiteY32"/>
-              </a:cxn>
-              <a:cxn ang="0">
-                <a:pos x="connsiteX33" y="connsiteY33"/>
-              </a:cxn>
-              <a:cxn ang="0">
-                <a:pos x="connsiteX34" y="connsiteY34"/>
-              </a:cxn>
-              <a:cxn ang="0">
-                <a:pos x="connsiteX35" y="connsiteY35"/>
-              </a:cxn>
-              <a:cxn ang="0">
-                <a:pos x="connsiteX36" y="connsiteY36"/>
-              </a:cxn>
-              <a:cxn ang="0">
-                <a:pos x="connsiteX37" y="connsiteY37"/>
-              </a:cxn>
-              <a:cxn ang="0">
-                <a:pos x="connsiteX38" y="connsiteY38"/>
-              </a:cxn>
-              <a:cxn ang="0">
-                <a:pos x="connsiteX39" y="connsiteY39"/>
-              </a:cxn>
-              <a:cxn ang="0">
-                <a:pos x="connsiteX40" y="connsiteY40"/>
-              </a:cxn>
-              <a:cxn ang="0">
-                <a:pos x="connsiteX41" y="connsiteY41"/>
-              </a:cxn>
-              <a:cxn ang="0">
-                <a:pos x="connsiteX42" y="connsiteY42"/>
-              </a:cxn>
-              <a:cxn ang="0">
-                <a:pos x="connsiteX43" y="connsiteY43"/>
-              </a:cxn>
-              <a:cxn ang="0">
-                <a:pos x="connsiteX44" y="connsiteY44"/>
-              </a:cxn>
-              <a:cxn ang="0">
-                <a:pos x="connsiteX45" y="connsiteY45"/>
-              </a:cxn>
-              <a:cxn ang="0">
-                <a:pos x="connsiteX46" y="connsiteY46"/>
-              </a:cxn>
-              <a:cxn ang="0">
-                <a:pos x="connsiteX47" y="connsiteY47"/>
-              </a:cxn>
-              <a:cxn ang="0">
-                <a:pos x="connsiteX48" y="connsiteY48"/>
-              </a:cxn>
-              <a:cxn ang="0">
-                <a:pos x="connsiteX49" y="connsiteY49"/>
-              </a:cxn>
-              <a:cxn ang="0">
-                <a:pos x="connsiteX50" y="connsiteY50"/>
-              </a:cxn>
-              <a:cxn ang="0">
-                <a:pos x="connsiteX51" y="connsiteY51"/>
-              </a:cxn>
-              <a:cxn ang="0">
-                <a:pos x="connsiteX52" y="connsiteY52"/>
-              </a:cxn>
-              <a:cxn ang="0">
-                <a:pos x="connsiteX53" y="connsiteY53"/>
-              </a:cxn>
-              <a:cxn ang="0">
-                <a:pos x="connsiteX54" y="connsiteY54"/>
-              </a:cxn>
-              <a:cxn ang="0">
-                <a:pos x="connsiteX55" y="connsiteY55"/>
-              </a:cxn>
-              <a:cxn ang="0">
-                <a:pos x="connsiteX56" y="connsiteY56"/>
-              </a:cxn>
-              <a:cxn ang="0">
-                <a:pos x="connsiteX57" y="connsiteY57"/>
-              </a:cxn>
-              <a:cxn ang="0">
-                <a:pos x="connsiteX58" y="connsiteY58"/>
-              </a:cxn>
-              <a:cxn ang="0">
-                <a:pos x="connsiteX59" y="connsiteY59"/>
-              </a:cxn>
-              <a:cxn ang="0">
-                <a:pos x="connsiteX60" y="connsiteY60"/>
-              </a:cxn>
-              <a:cxn ang="0">
-                <a:pos x="connsiteX61" y="connsiteY61"/>
-              </a:cxn>
-              <a:cxn ang="0">
-                <a:pos x="connsiteX62" y="connsiteY62"/>
-              </a:cxn>
-              <a:cxn ang="0">
-                <a:pos x="connsiteX63" y="connsiteY63"/>
-              </a:cxn>
-              <a:cxn ang="0">
-                <a:pos x="connsiteX64" y="connsiteY64"/>
-              </a:cxn>
-              <a:cxn ang="0">
-                <a:pos x="connsiteX65" y="connsiteY65"/>
-              </a:cxn>
-              <a:cxn ang="0">
-                <a:pos x="connsiteX66" y="connsiteY66"/>
-              </a:cxn>
-              <a:cxn ang="0">
-                <a:pos x="connsiteX67" y="connsiteY67"/>
-              </a:cxn>
-              <a:cxn ang="0">
-                <a:pos x="connsiteX68" y="connsiteY68"/>
-              </a:cxn>
-              <a:cxn ang="0">
-                <a:pos x="connsiteX69" y="connsiteY69"/>
-              </a:cxn>
-              <a:cxn ang="0">
-                <a:pos x="connsiteX70" y="connsiteY70"/>
-              </a:cxn>
-              <a:cxn ang="0">
-                <a:pos x="connsiteX71" y="connsiteY71"/>
-              </a:cxn>
-              <a:cxn ang="0">
-                <a:pos x="connsiteX72" y="connsiteY72"/>
-              </a:cxn>
-              <a:cxn ang="0">
-                <a:pos x="connsiteX73" y="connsiteY73"/>
-              </a:cxn>
-              <a:cxn ang="0">
-                <a:pos x="connsiteX74" y="connsiteY74"/>
-              </a:cxn>
-              <a:cxn ang="0">
-                <a:pos x="connsiteX75" y="connsiteY75"/>
-              </a:cxn>
-              <a:cxn ang="0">
-                <a:pos x="connsiteX76" y="connsiteY76"/>
-              </a:cxn>
-              <a:cxn ang="0">
-                <a:pos x="connsiteX77" y="connsiteY77"/>
-              </a:cxn>
-              <a:cxn ang="0">
-                <a:pos x="connsiteX78" y="connsiteY78"/>
-              </a:cxn>
-              <a:cxn ang="0">
-                <a:pos x="connsiteX79" y="connsiteY79"/>
-              </a:cxn>
-              <a:cxn ang="0">
-                <a:pos x="connsiteX80" y="connsiteY80"/>
-              </a:cxn>
-              <a:cxn ang="0">
-                <a:pos x="connsiteX81" y="connsiteY81"/>
-              </a:cxn>
-              <a:cxn ang="0">
-                <a:pos x="connsiteX82" y="connsiteY82"/>
-              </a:cxn>
-              <a:cxn ang="0">
-                <a:pos x="connsiteX83" y="connsiteY83"/>
-              </a:cxn>
-              <a:cxn ang="0">
-                <a:pos x="connsiteX84" y="connsiteY84"/>
-              </a:cxn>
-              <a:cxn ang="0">
-                <a:pos x="connsiteX85" y="connsiteY85"/>
-              </a:cxn>
-              <a:cxn ang="0">
-                <a:pos x="connsiteX86" y="connsiteY86"/>
-              </a:cxn>
-              <a:cxn ang="0">
-                <a:pos x="connsiteX87" y="connsiteY87"/>
-              </a:cxn>
-              <a:cxn ang="0">
-                <a:pos x="connsiteX88" y="connsiteY88"/>
-              </a:cxn>
-              <a:cxn ang="0">
-                <a:pos x="connsiteX89" y="connsiteY89"/>
-              </a:cxn>
-              <a:cxn ang="0">
-                <a:pos x="connsiteX90" y="connsiteY90"/>
-              </a:cxn>
-              <a:cxn ang="0">
-                <a:pos x="connsiteX91" y="connsiteY91"/>
-              </a:cxn>
-              <a:cxn ang="0">
-                <a:pos x="connsiteX92" y="connsiteY92"/>
-              </a:cxn>
-              <a:cxn ang="0">
-                <a:pos x="connsiteX93" y="connsiteY93"/>
-              </a:cxn>
-              <a:cxn ang="0">
-                <a:pos x="connsiteX94" y="connsiteY94"/>
-              </a:cxn>
-              <a:cxn ang="0">
-                <a:pos x="connsiteX95" y="connsiteY95"/>
-              </a:cxn>
-            </a:cxnLst>
-            <a:rect l="l" t="t" r="r" b="b"/>
-            <a:pathLst>
-              <a:path w="11088796" h="13491341">
-                <a:moveTo>
-                  <a:pt x="490691" y="11756903"/>
-                </a:moveTo>
-                <a:cubicBezTo>
-                  <a:pt x="576640" y="11756478"/>
-                  <a:pt x="661187" y="11782498"/>
-                  <a:pt x="733817" y="11837830"/>
-                </a:cubicBezTo>
-                <a:cubicBezTo>
-                  <a:pt x="733817" y="11837830"/>
-                  <a:pt x="733817" y="11837830"/>
-                  <a:pt x="1808437" y="12656501"/>
-                </a:cubicBezTo>
-                <a:cubicBezTo>
-                  <a:pt x="2002119" y="12804053"/>
-                  <a:pt x="2020477" y="13091014"/>
-                  <a:pt x="1856663" y="13306044"/>
-                </a:cubicBezTo>
-                <a:cubicBezTo>
-                  <a:pt x="1708962" y="13499922"/>
-                  <a:pt x="1430112" y="13554893"/>
-                  <a:pt x="1236430" y="13407341"/>
-                </a:cubicBezTo>
-                <a:cubicBezTo>
-                  <a:pt x="1236430" y="13407341"/>
-                  <a:pt x="1236430" y="13407341"/>
-                  <a:pt x="161810" y="12588671"/>
-                </a:cubicBezTo>
-                <a:cubicBezTo>
-                  <a:pt x="-31872" y="12441120"/>
-                  <a:pt x="-49792" y="12160062"/>
-                  <a:pt x="97910" y="11966183"/>
-                </a:cubicBezTo>
-                <a:cubicBezTo>
-                  <a:pt x="200294" y="11831790"/>
-                  <a:pt x="347442" y="11757613"/>
-                  <a:pt x="490691" y="11756903"/>
-                </a:cubicBezTo>
-                <a:close/>
-                <a:moveTo>
-                  <a:pt x="1287637" y="10710803"/>
-                </a:moveTo>
-                <a:cubicBezTo>
-                  <a:pt x="1369716" y="10715457"/>
-                  <a:pt x="1451110" y="10745615"/>
-                  <a:pt x="1523741" y="10800947"/>
-                </a:cubicBezTo>
-                <a:cubicBezTo>
-                  <a:pt x="1523741" y="10800947"/>
-                  <a:pt x="1523741" y="10800947"/>
-                  <a:pt x="2598361" y="11619618"/>
-                </a:cubicBezTo>
-                <a:cubicBezTo>
-                  <a:pt x="2792042" y="11767170"/>
-                  <a:pt x="2832808" y="12024717"/>
-                  <a:pt x="2667707" y="12241437"/>
-                </a:cubicBezTo>
-                <a:cubicBezTo>
-                  <a:pt x="2521245" y="12433688"/>
-                  <a:pt x="2243477" y="12487239"/>
-                  <a:pt x="2049794" y="12339687"/>
-                </a:cubicBezTo>
-                <a:cubicBezTo>
-                  <a:pt x="2049794" y="12339687"/>
-                  <a:pt x="2049794" y="12339687"/>
-                  <a:pt x="975175" y="11521017"/>
-                </a:cubicBezTo>
-                <a:cubicBezTo>
-                  <a:pt x="781493" y="11373465"/>
-                  <a:pt x="762492" y="11093830"/>
-                  <a:pt x="908953" y="10901578"/>
-                </a:cubicBezTo>
-                <a:cubicBezTo>
-                  <a:pt x="1012143" y="10766128"/>
-                  <a:pt x="1150840" y="10703045"/>
-                  <a:pt x="1287637" y="10710803"/>
-                </a:cubicBezTo>
-                <a:close/>
-                <a:moveTo>
-                  <a:pt x="1721569" y="9334566"/>
-                </a:moveTo>
-                <a:cubicBezTo>
-                  <a:pt x="1803463" y="9333793"/>
-                  <a:pt x="1882852" y="9356669"/>
-                  <a:pt x="1947183" y="9405678"/>
-                </a:cubicBezTo>
-                <a:cubicBezTo>
-                  <a:pt x="1947183" y="9405678"/>
-                  <a:pt x="1947183" y="9405678"/>
-                  <a:pt x="3834230" y="10843275"/>
-                </a:cubicBezTo>
-                <a:cubicBezTo>
-                  <a:pt x="4005780" y="10973966"/>
-                  <a:pt x="4026594" y="11257225"/>
-                  <a:pt x="3878894" y="11451101"/>
-                </a:cubicBezTo>
-                <a:cubicBezTo>
-                  <a:pt x="3712398" y="11669653"/>
-                  <a:pt x="3433780" y="11724797"/>
-                  <a:pt x="3262230" y="11594106"/>
-                </a:cubicBezTo>
-                <a:cubicBezTo>
-                  <a:pt x="3262230" y="11594106"/>
-                  <a:pt x="3262230" y="11594106"/>
-                  <a:pt x="1375183" y="10156508"/>
-                </a:cubicBezTo>
-                <a:cubicBezTo>
-                  <a:pt x="1203633" y="10025818"/>
-                  <a:pt x="1182818" y="9742560"/>
-                  <a:pt x="1349316" y="9524008"/>
-                </a:cubicBezTo>
-                <a:cubicBezTo>
-                  <a:pt x="1441628" y="9402835"/>
-                  <a:pt x="1585080" y="9335855"/>
-                  <a:pt x="1721569" y="9334566"/>
-                </a:cubicBezTo>
-                <a:close/>
-                <a:moveTo>
-                  <a:pt x="2101387" y="7936576"/>
-                </a:moveTo>
-                <a:cubicBezTo>
-                  <a:pt x="2186631" y="7938355"/>
-                  <a:pt x="2271321" y="7965270"/>
-                  <a:pt x="2344041" y="8020670"/>
-                </a:cubicBezTo>
-                <a:cubicBezTo>
-                  <a:pt x="2344041" y="8020670"/>
-                  <a:pt x="2344041" y="8020670"/>
-                  <a:pt x="5052676" y="10084172"/>
-                </a:cubicBezTo>
-                <a:cubicBezTo>
-                  <a:pt x="5246596" y="10231905"/>
-                  <a:pt x="5267826" y="10515482"/>
-                  <a:pt x="5120124" y="10709361"/>
-                </a:cubicBezTo>
-                <a:cubicBezTo>
-                  <a:pt x="4953624" y="10927915"/>
-                  <a:pt x="4674590" y="10982744"/>
-                  <a:pt x="4480668" y="10835011"/>
-                </a:cubicBezTo>
-                <a:cubicBezTo>
-                  <a:pt x="4480668" y="10835011"/>
-                  <a:pt x="4480668" y="10835011"/>
-                  <a:pt x="1772034" y="8771509"/>
-                </a:cubicBezTo>
-                <a:cubicBezTo>
-                  <a:pt x="1578113" y="8623776"/>
-                  <a:pt x="1556883" y="8340198"/>
-                  <a:pt x="1723383" y="8121644"/>
-                </a:cubicBezTo>
-                <a:cubicBezTo>
-                  <a:pt x="1815697" y="8000470"/>
-                  <a:pt x="1959313" y="7933611"/>
-                  <a:pt x="2101387" y="7936576"/>
-                </a:cubicBezTo>
-                <a:close/>
-                <a:moveTo>
-                  <a:pt x="1945410" y="6115309"/>
-                </a:moveTo>
-                <a:cubicBezTo>
-                  <a:pt x="2031653" y="6115412"/>
-                  <a:pt x="2116421" y="6141783"/>
-                  <a:pt x="2188908" y="6197004"/>
-                </a:cubicBezTo>
-                <a:cubicBezTo>
-                  <a:pt x="2188908" y="6197004"/>
-                  <a:pt x="2188908" y="6197004"/>
-                  <a:pt x="6859286" y="9755006"/>
-                </a:cubicBezTo>
-                <a:cubicBezTo>
-                  <a:pt x="7052586" y="9902268"/>
-                  <a:pt x="7052554" y="10173950"/>
-                  <a:pt x="6889502" y="10387978"/>
-                </a:cubicBezTo>
-                <a:cubicBezTo>
-                  <a:pt x="6742488" y="10580955"/>
-                  <a:pt x="6480566" y="10653123"/>
-                  <a:pt x="6287266" y="10505862"/>
-                </a:cubicBezTo>
-                <a:cubicBezTo>
-                  <a:pt x="6287266" y="10505862"/>
-                  <a:pt x="6287266" y="10505862"/>
-                  <a:pt x="1616888" y="6947860"/>
-                </a:cubicBezTo>
-                <a:cubicBezTo>
-                  <a:pt x="1423588" y="6800599"/>
-                  <a:pt x="1404912" y="6514668"/>
-                  <a:pt x="1551927" y="6321692"/>
-                </a:cubicBezTo>
-                <a:cubicBezTo>
-                  <a:pt x="1653834" y="6187921"/>
-                  <a:pt x="1801671" y="6115135"/>
-                  <a:pt x="1945410" y="6115309"/>
-                </a:cubicBezTo>
-                <a:close/>
-                <a:moveTo>
-                  <a:pt x="1120711" y="3826332"/>
-                </a:moveTo>
-                <a:cubicBezTo>
-                  <a:pt x="1205571" y="3828346"/>
-                  <a:pt x="1289952" y="3855341"/>
-                  <a:pt x="1362501" y="3910611"/>
-                </a:cubicBezTo>
-                <a:cubicBezTo>
-                  <a:pt x="1362501" y="3910611"/>
-                  <a:pt x="1362501" y="3910611"/>
-                  <a:pt x="9297658" y="9955798"/>
-                </a:cubicBezTo>
-                <a:cubicBezTo>
-                  <a:pt x="9491122" y="10103183"/>
-                  <a:pt x="9491234" y="10368433"/>
-                  <a:pt x="9344772" y="10560687"/>
-                </a:cubicBezTo>
-                <a:cubicBezTo>
-                  <a:pt x="9179666" y="10777410"/>
-                  <a:pt x="8942548" y="10823263"/>
-                  <a:pt x="8749084" y="10675877"/>
-                </a:cubicBezTo>
-                <a:cubicBezTo>
-                  <a:pt x="8749084" y="10675877"/>
-                  <a:pt x="8749084" y="10675877"/>
-                  <a:pt x="813928" y="4630689"/>
-                </a:cubicBezTo>
-                <a:cubicBezTo>
-                  <a:pt x="620463" y="4483305"/>
-                  <a:pt x="579867" y="4225882"/>
-                  <a:pt x="744971" y="4009160"/>
-                </a:cubicBezTo>
-                <a:cubicBezTo>
-                  <a:pt x="836511" y="3889001"/>
-                  <a:pt x="979277" y="3822972"/>
-                  <a:pt x="1120711" y="3826332"/>
-                </a:cubicBezTo>
-                <a:close/>
-                <a:moveTo>
-                  <a:pt x="4227254" y="2790686"/>
-                </a:moveTo>
-                <a:cubicBezTo>
-                  <a:pt x="4310200" y="2788659"/>
-                  <a:pt x="4389662" y="2811590"/>
-                  <a:pt x="4454070" y="2860658"/>
-                </a:cubicBezTo>
-                <a:cubicBezTo>
-                  <a:pt x="4454070" y="2860658"/>
-                  <a:pt x="4454070" y="2860658"/>
-                  <a:pt x="9475564" y="6686148"/>
-                </a:cubicBezTo>
-                <a:cubicBezTo>
-                  <a:pt x="9647320" y="6816995"/>
-                  <a:pt x="9671436" y="7102770"/>
-                  <a:pt x="9504938" y="7321320"/>
-                </a:cubicBezTo>
-                <a:cubicBezTo>
-                  <a:pt x="9357238" y="7515197"/>
-                  <a:pt x="9075320" y="7567825"/>
-                  <a:pt x="8903564" y="7436978"/>
-                </a:cubicBezTo>
-                <a:cubicBezTo>
-                  <a:pt x="8903564" y="7436978"/>
-                  <a:pt x="8903564" y="7436978"/>
-                  <a:pt x="3882070" y="3611488"/>
-                </a:cubicBezTo>
-                <a:cubicBezTo>
-                  <a:pt x="3710313" y="3480640"/>
-                  <a:pt x="3689321" y="3197246"/>
-                  <a:pt x="3837020" y="3003370"/>
-                </a:cubicBezTo>
-                <a:cubicBezTo>
-                  <a:pt x="3941082" y="2866775"/>
-                  <a:pt x="4089010" y="2794065"/>
-                  <a:pt x="4227254" y="2790686"/>
-                </a:cubicBezTo>
-                <a:close/>
-                <a:moveTo>
-                  <a:pt x="5978286" y="2454748"/>
-                </a:moveTo>
-                <a:cubicBezTo>
-                  <a:pt x="6060956" y="2459853"/>
-                  <a:pt x="6142436" y="2490076"/>
-                  <a:pt x="6213830" y="2544466"/>
-                </a:cubicBezTo>
-                <a:cubicBezTo>
-                  <a:pt x="6213830" y="2544466"/>
-                  <a:pt x="6213830" y="2544466"/>
-                  <a:pt x="9303674" y="4898383"/>
-                </a:cubicBezTo>
-                <a:cubicBezTo>
-                  <a:pt x="9497180" y="5045798"/>
-                  <a:pt x="9515962" y="5286598"/>
-                  <a:pt x="9350860" y="5503319"/>
-                </a:cubicBezTo>
-                <a:cubicBezTo>
-                  <a:pt x="9204398" y="5695570"/>
-                  <a:pt x="8948614" y="5765868"/>
-                  <a:pt x="8755108" y="5618451"/>
-                </a:cubicBezTo>
-                <a:cubicBezTo>
-                  <a:pt x="8755108" y="5618451"/>
-                  <a:pt x="8755108" y="5618451"/>
-                  <a:pt x="5665264" y="3264535"/>
-                </a:cubicBezTo>
-                <a:cubicBezTo>
-                  <a:pt x="5474880" y="3119496"/>
-                  <a:pt x="5449770" y="2835207"/>
-                  <a:pt x="5596232" y="2642955"/>
-                </a:cubicBezTo>
-                <a:cubicBezTo>
-                  <a:pt x="5699420" y="2507505"/>
-                  <a:pt x="5840504" y="2446239"/>
-                  <a:pt x="5978286" y="2454748"/>
-                </a:cubicBezTo>
-                <a:close/>
-                <a:moveTo>
-                  <a:pt x="1124504" y="2113497"/>
-                </a:moveTo>
-                <a:cubicBezTo>
-                  <a:pt x="1210071" y="2114841"/>
-                  <a:pt x="1294642" y="2141060"/>
-                  <a:pt x="1366063" y="2195470"/>
-                </a:cubicBezTo>
-                <a:cubicBezTo>
-                  <a:pt x="1366063" y="2195470"/>
-                  <a:pt x="1366063" y="2195470"/>
-                  <a:pt x="10938820" y="9488219"/>
-                </a:cubicBezTo>
-                <a:cubicBezTo>
-                  <a:pt x="11132398" y="9635692"/>
-                  <a:pt x="11129432" y="9905139"/>
-                  <a:pt x="10982418" y="10098117"/>
-                </a:cubicBezTo>
-                <a:cubicBezTo>
-                  <a:pt x="10819366" y="10312145"/>
-                  <a:pt x="10560378" y="10386547"/>
-                  <a:pt x="10366800" y="10239076"/>
-                </a:cubicBezTo>
-                <a:cubicBezTo>
-                  <a:pt x="10366800" y="10239076"/>
-                  <a:pt x="10366800" y="10239076"/>
-                  <a:pt x="794043" y="2946327"/>
-                </a:cubicBezTo>
-                <a:cubicBezTo>
-                  <a:pt x="603587" y="2801233"/>
-                  <a:pt x="581575" y="2512756"/>
-                  <a:pt x="744627" y="2298728"/>
-                </a:cubicBezTo>
-                <a:cubicBezTo>
-                  <a:pt x="836511" y="2178117"/>
-                  <a:pt x="981892" y="2111258"/>
-                  <a:pt x="1124504" y="2113497"/>
-                </a:cubicBezTo>
-                <a:close/>
-                <a:moveTo>
-                  <a:pt x="7356102" y="1797588"/>
-                </a:moveTo>
-                <a:cubicBezTo>
-                  <a:pt x="7437918" y="1796756"/>
-                  <a:pt x="7517214" y="1819562"/>
-                  <a:pt x="7581448" y="1868497"/>
-                </a:cubicBezTo>
-                <a:cubicBezTo>
-                  <a:pt x="7581448" y="1868497"/>
-                  <a:pt x="7581448" y="1868497"/>
-                  <a:pt x="9593352" y="3401213"/>
-                </a:cubicBezTo>
-                <a:cubicBezTo>
-                  <a:pt x="9764644" y="3531709"/>
-                  <a:pt x="9785234" y="3814795"/>
-                  <a:pt x="9637536" y="4008670"/>
-                </a:cubicBezTo>
-                <a:cubicBezTo>
-                  <a:pt x="9471038" y="4227222"/>
-                  <a:pt x="9192646" y="4282538"/>
-                  <a:pt x="9021352" y="4152044"/>
-                </a:cubicBezTo>
-                <a:cubicBezTo>
-                  <a:pt x="9021352" y="4152044"/>
-                  <a:pt x="9021352" y="4152044"/>
-                  <a:pt x="7009448" y="2619328"/>
-                </a:cubicBezTo>
-                <a:cubicBezTo>
-                  <a:pt x="6838156" y="2488833"/>
-                  <a:pt x="6817566" y="2205746"/>
-                  <a:pt x="6984064" y="1987194"/>
-                </a:cubicBezTo>
-                <a:cubicBezTo>
-                  <a:pt x="7076376" y="1866022"/>
-                  <a:pt x="7219740" y="1798975"/>
-                  <a:pt x="7356102" y="1797588"/>
-                </a:cubicBezTo>
-                <a:close/>
-                <a:moveTo>
-                  <a:pt x="8626238" y="1077861"/>
-                </a:moveTo>
-                <a:cubicBezTo>
-                  <a:pt x="8710866" y="1079170"/>
-                  <a:pt x="8795034" y="1105687"/>
-                  <a:pt x="8867664" y="1161018"/>
-                </a:cubicBezTo>
-                <a:cubicBezTo>
-                  <a:pt x="8867664" y="1161018"/>
-                  <a:pt x="8867664" y="1161018"/>
-                  <a:pt x="9942284" y="1979689"/>
-                </a:cubicBezTo>
-                <a:cubicBezTo>
-                  <a:pt x="10135964" y="2127242"/>
-                  <a:pt x="10157008" y="2410678"/>
-                  <a:pt x="10009308" y="2604557"/>
-                </a:cubicBezTo>
-                <a:cubicBezTo>
-                  <a:pt x="9842808" y="2823111"/>
-                  <a:pt x="9563958" y="2878081"/>
-                  <a:pt x="9370276" y="2730530"/>
-                </a:cubicBezTo>
-                <a:cubicBezTo>
-                  <a:pt x="9370276" y="2730530"/>
-                  <a:pt x="9370276" y="2730530"/>
-                  <a:pt x="8295656" y="1911858"/>
-                </a:cubicBezTo>
-                <a:cubicBezTo>
-                  <a:pt x="8101974" y="1764307"/>
-                  <a:pt x="8084054" y="1483251"/>
-                  <a:pt x="8250554" y="1264696"/>
-                </a:cubicBezTo>
-                <a:cubicBezTo>
-                  <a:pt x="8342868" y="1143522"/>
-                  <a:pt x="8485190" y="1075680"/>
-                  <a:pt x="8626238" y="1077861"/>
-                </a:cubicBezTo>
-                <a:close/>
-                <a:moveTo>
-                  <a:pt x="9447378" y="1"/>
-                </a:moveTo>
-                <a:cubicBezTo>
-                  <a:pt x="9532998" y="9"/>
-                  <a:pt x="9617166" y="26526"/>
-                  <a:pt x="9689796" y="81858"/>
-                </a:cubicBezTo>
-                <a:cubicBezTo>
-                  <a:pt x="9689796" y="81858"/>
-                  <a:pt x="9689796" y="81858"/>
-                  <a:pt x="10764416" y="900529"/>
-                </a:cubicBezTo>
-                <a:cubicBezTo>
-                  <a:pt x="10958096" y="1048080"/>
-                  <a:pt x="10979140" y="1331516"/>
-                  <a:pt x="10812642" y="1550070"/>
-                </a:cubicBezTo>
-                <a:cubicBezTo>
-                  <a:pt x="10664940" y="1743949"/>
-                  <a:pt x="10386090" y="1798919"/>
-                  <a:pt x="10192408" y="1651368"/>
-                </a:cubicBezTo>
-                <a:cubicBezTo>
-                  <a:pt x="10192408" y="1651368"/>
-                  <a:pt x="10192408" y="1651368"/>
-                  <a:pt x="9117788" y="832697"/>
-                </a:cubicBezTo>
-                <a:cubicBezTo>
-                  <a:pt x="8924106" y="685146"/>
-                  <a:pt x="8906186" y="404090"/>
-                  <a:pt x="9053888" y="210211"/>
-                </a:cubicBezTo>
-                <a:cubicBezTo>
-                  <a:pt x="9157950" y="73615"/>
-                  <a:pt x="9304680" y="-11"/>
-                  <a:pt x="9447378" y="1"/>
-                </a:cubicBezTo>
-                <a:close/>
-              </a:path>
-            </a:pathLst>
-          </a:custGeom>
-          <a:effectLst/>
-        </p:spPr>
-        <p:txBody>
-          <a:bodyPr wrap="square">
-            <a:noAutofit/>
-          </a:bodyPr>
-          <a:lstStyle>
-            <a:lvl1pPr marL="0" indent="0">
-              <a:buNone/>
-              <a:defRPr sz="1575">
-                <a:ln>
-                  <a:noFill/>
-                </a:ln>
-                <a:solidFill>
-                  <a:schemeClr val="bg1">
-                    <a:lumMod val="85000"/>
-                  </a:schemeClr>
-                </a:solidFill>
-                <a:latin typeface="Lato Light" charset="0"/>
-                <a:ea typeface="Lato Light" charset="0"/>
-                <a:cs typeface="Lato Light" charset="0"/>
-              </a:defRPr>
-            </a:lvl1pPr>
-          </a:lstStyle>
-          <a:p>
-            <a:pPr lvl="0"/>
-            <a:endParaRPr lang="en-US" noProof="0"/>
-          </a:p>
-        </p:txBody>
-      </p:sp>
-    </p:spTree>
-    <p:extLst>
-      <p:ext uri="{BB962C8B-B14F-4D97-AF65-F5344CB8AC3E}">
-        <p14:creationId xmlns:p14="http://schemas.microsoft.com/office/powerpoint/2010/main" val="1975208394"/>
-      </p:ext>
-    </p:extLst>
-  </p:cSld>
-  <p:clrMapOvr>
-    <a:masterClrMapping/>
-  </p:clrMapOvr>
-</p:sldLayout>
-</file>
-
-<file path=ppt/slideLayouts/slideLayout5.xml><?xml version="1.0" encoding="utf-8"?>
-<p:sldLayout xmlns:a="http://schemas.openxmlformats.org/drawingml/2006/main" xmlns:r="http://schemas.openxmlformats.org/officeDocument/2006/relationships" xmlns:p="http://schemas.openxmlformats.org/presentationml/2006/main" userDrawn="1">
-  <p:cSld name="1_Title">
-    <p:spTree>
-      <p:nvGrpSpPr>
-        <p:cNvPr id="1" name=""/>
-        <p:cNvGrpSpPr/>
-        <p:nvPr/>
-      </p:nvGrpSpPr>
-      <p:grpSpPr>
-        <a:xfrm>
-          <a:off x="0" y="0"/>
-          <a:ext cx="0" cy="0"/>
-          <a:chOff x="0" y="0"/>
-          <a:chExt cx="0" cy="0"/>
-        </a:xfrm>
-      </p:grpSpPr>
-      <p:sp>
-        <p:nvSpPr>
-          <p:cNvPr id="4" name="Text Placeholder 3">
-            <a:extLst>
-              <a:ext uri="{FF2B5EF4-FFF2-40B4-BE49-F238E27FC236}">
-                <a16:creationId xmlns:a16="http://schemas.microsoft.com/office/drawing/2014/main" id="{B2E15569-5CA8-4605-A626-660820F6E4D1}"/>
-              </a:ext>
-            </a:extLst>
-          </p:cNvPr>
-          <p:cNvSpPr>
-            <a:spLocks noGrp="1"/>
-          </p:cNvSpPr>
-          <p:nvPr>
-            <p:ph type="body" sz="quarter" idx="10" hasCustomPrompt="1"/>
-          </p:nvPr>
-        </p:nvSpPr>
-        <p:spPr>
-          <a:xfrm>
-            <a:off x="393700" y="366541"/>
-            <a:ext cx="11404600" cy="360000"/>
-          </a:xfrm>
-          <a:prstGeom prst="rect">
-            <a:avLst/>
-          </a:prstGeom>
-        </p:spPr>
-        <p:txBody>
-          <a:bodyPr vert="horz" lIns="0" tIns="0" rIns="0" bIns="0" rtlCol="0" anchor="t">
-            <a:noAutofit/>
-          </a:bodyPr>
-          <a:lstStyle>
-            <a:lvl1pPr marL="0" indent="0">
-              <a:buNone/>
-              <a:defRPr lang="en-US" sz="2500" b="1" smtClean="0">
-                <a:latin typeface="+mj-lt"/>
-                <a:ea typeface="+mj-ea"/>
-                <a:cs typeface="+mj-cs"/>
-              </a:defRPr>
-            </a:lvl1pPr>
-            <a:lvl2pPr>
-              <a:defRPr lang="en-US" smtClean="0"/>
-            </a:lvl2pPr>
-            <a:lvl3pPr>
-              <a:defRPr lang="en-US" smtClean="0"/>
-            </a:lvl3pPr>
-            <a:lvl4pPr>
-              <a:defRPr lang="en-US" smtClean="0"/>
-            </a:lvl4pPr>
-            <a:lvl5pPr>
-              <a:defRPr lang="en-GB"/>
-            </a:lvl5pPr>
-          </a:lstStyle>
-          <a:p>
-            <a:pPr marL="152400" lvl="0" indent="-152400">
-              <a:lnSpc>
-                <a:spcPct val="90000"/>
-              </a:lnSpc>
-              <a:spcBef>
-                <a:spcPct val="0"/>
-              </a:spcBef>
-            </a:pPr>
-            <a:r>
-              <a:rPr lang="en-US"/>
-              <a:t>Add title</a:t>
-            </a:r>
-            <a:endParaRPr lang="en-GB"/>
-          </a:p>
-        </p:txBody>
-      </p:sp>
-    </p:spTree>
-    <p:extLst>
-      <p:ext uri="{BB962C8B-B14F-4D97-AF65-F5344CB8AC3E}">
-        <p14:creationId xmlns:p14="http://schemas.microsoft.com/office/powerpoint/2010/main" val="4258322620"/>
-      </p:ext>
-    </p:extLst>
-  </p:cSld>
-  <p:clrMapOvr>
-    <a:masterClrMapping/>
-  </p:clrMapOvr>
-  <mc:AlternateContent xmlns:mc="http://schemas.openxmlformats.org/markup-compatibility/2006" xmlns:p14="http://schemas.microsoft.com/office/powerpoint/2010/main">
-    <mc:Choice Requires="p14">
-      <p:transition spd="slow" p14:dur="1200">
-        <p14:prism/>
-      </p:transition>
-    </mc:Choice>
-    <mc:Fallback xmlns="">
-      <p:transition spd="slow">
-        <p:fade/>
-      </p:transition>
-    </mc:Fallback>
-  </mc:AlternateContent>
-</p:sldLayout>
-</file>
-
-<file path=ppt/slideLayouts/slideLayout6.xml><?xml version="1.0" encoding="utf-8"?>
-<p:sldLayout xmlns:a="http://schemas.openxmlformats.org/drawingml/2006/main" xmlns:r="http://schemas.openxmlformats.org/officeDocument/2006/relationships" xmlns:p="http://schemas.openxmlformats.org/presentationml/2006/main" type="titleOnly">
-  <p:cSld name="Title Only">
-    <p:spTree>
-      <p:nvGrpSpPr>
-        <p:cNvPr id="1" name=""/>
-        <p:cNvGrpSpPr/>
-        <p:nvPr/>
-      </p:nvGrpSpPr>
-      <p:grpSpPr>
-        <a:xfrm>
-          <a:off x="0" y="0"/>
-          <a:ext cx="0" cy="0"/>
-          <a:chOff x="0" y="0"/>
-          <a:chExt cx="0" cy="0"/>
-        </a:xfrm>
-      </p:grpSpPr>
-      <p:graphicFrame>
-        <p:nvGraphicFramePr>
-          <p:cNvPr id="6" name="Object 5" hidden="1">
-            <a:extLst>
-              <a:ext uri="{FF2B5EF4-FFF2-40B4-BE49-F238E27FC236}">
-                <a16:creationId xmlns:a16="http://schemas.microsoft.com/office/drawing/2014/main" id="{FD46B626-92F4-449F-9587-B342F55F9C4B}"/>
-              </a:ext>
-            </a:extLst>
-          </p:cNvPr>
-          <p:cNvGraphicFramePr>
-            <a:graphicFrameLocks noChangeAspect="1"/>
-          </p:cNvGraphicFramePr>
-          <p:nvPr userDrawn="1">
-            <p:custDataLst>
-              <p:tags r:id="rId1"/>
-            </p:custDataLst>
-          </p:nvPr>
-        </p:nvGraphicFramePr>
-        <p:xfrm>
-          <a:off x="1588" y="1588"/>
-          <a:ext cx="1587" cy="1587"/>
-        </p:xfrm>
-        <a:graphic>
-          <a:graphicData uri="http://schemas.openxmlformats.org/presentationml/2006/ole">
-            <mc:AlternateContent xmlns:mc="http://schemas.openxmlformats.org/markup-compatibility/2006">
-              <mc:Choice xmlns:v="urn:schemas-microsoft-com:vml" Requires="v">
-                <p:oleObj name="think-cell Slide" r:id="rId3" imgW="347" imgH="348" progId="TCLayout.ActiveDocument.1">
-                  <p:embed/>
-                </p:oleObj>
-              </mc:Choice>
-              <mc:Fallback>
-                <p:oleObj name="think-cell Slide" r:id="rId3" imgW="347" imgH="348" progId="TCLayout.ActiveDocument.1">
-                  <p:embed/>
-                  <p:pic>
-                    <p:nvPicPr>
-                      <p:cNvPr id="6" name="Object 5" hidden="1">
-                        <a:extLst>
-                          <a:ext uri="{FF2B5EF4-FFF2-40B4-BE49-F238E27FC236}">
-                            <a16:creationId xmlns:a16="http://schemas.microsoft.com/office/drawing/2014/main" id="{FD46B626-92F4-449F-9587-B342F55F9C4B}"/>
-                          </a:ext>
-                        </a:extLst>
-                      </p:cNvPr>
-                      <p:cNvPicPr/>
-                      <p:nvPr/>
-                    </p:nvPicPr>
-                    <p:blipFill>
-                      <a:blip r:embed="rId4"/>
-                      <a:stretch>
-                        <a:fillRect/>
-                      </a:stretch>
-                    </p:blipFill>
-                    <p:spPr>
-                      <a:xfrm>
-                        <a:off x="1588" y="1588"/>
-                        <a:ext cx="1587" cy="1587"/>
-                      </a:xfrm>
-                      <a:prstGeom prst="rect">
-                        <a:avLst/>
-                      </a:prstGeom>
-                    </p:spPr>
-                  </p:pic>
-                </p:oleObj>
-              </mc:Fallback>
-            </mc:AlternateContent>
-          </a:graphicData>
-        </a:graphic>
-      </p:graphicFrame>
-      <p:sp>
-        <p:nvSpPr>
-          <p:cNvPr id="2" name="Title 1"/>
-          <p:cNvSpPr>
-            <a:spLocks noGrp="1"/>
-          </p:cNvSpPr>
-          <p:nvPr>
-            <p:ph type="title"/>
-          </p:nvPr>
-        </p:nvSpPr>
-        <p:spPr/>
-        <p:txBody>
-          <a:bodyPr/>
-          <a:lstStyle/>
-          <a:p>
-            <a:r>
-              <a:rPr lang="en-US" dirty="0"/>
-              <a:t>Click to edit Master title style</a:t>
-            </a:r>
-            <a:endParaRPr lang="en-GB" dirty="0"/>
-          </a:p>
-        </p:txBody>
-      </p:sp>
-      <p:sp>
-        <p:nvSpPr>
-          <p:cNvPr id="3" name="Date Placeholder 2"/>
-          <p:cNvSpPr>
-            <a:spLocks noGrp="1"/>
-          </p:cNvSpPr>
-          <p:nvPr>
-            <p:ph type="dt" sz="half" idx="10"/>
-          </p:nvPr>
-        </p:nvSpPr>
-        <p:spPr/>
-        <p:txBody>
-          <a:bodyPr/>
-          <a:lstStyle/>
-          <a:p>
-            <a:fld id="{92F64031-640B-4962-8CF9-EAD8AB4A604D}" type="datetimeFigureOut">
-              <a:rPr lang="en-GB" smtClean="0"/>
-              <a:t>08/09/2021</a:t>
-            </a:fld>
-            <a:endParaRPr lang="en-GB"/>
-          </a:p>
-        </p:txBody>
-      </p:sp>
-      <p:sp>
-        <p:nvSpPr>
-          <p:cNvPr id="4" name="Footer Placeholder 3"/>
-          <p:cNvSpPr>
-            <a:spLocks noGrp="1"/>
-          </p:cNvSpPr>
-          <p:nvPr>
-            <p:ph type="ftr" sz="quarter" idx="11"/>
-          </p:nvPr>
-        </p:nvSpPr>
-        <p:spPr/>
-        <p:txBody>
-          <a:bodyPr/>
-          <a:lstStyle/>
-          <a:p>
-            <a:endParaRPr lang="en-GB"/>
-          </a:p>
-        </p:txBody>
-      </p:sp>
-      <p:sp>
-        <p:nvSpPr>
-          <p:cNvPr id="5" name="Slide Number Placeholder 4"/>
-          <p:cNvSpPr>
-            <a:spLocks noGrp="1"/>
-          </p:cNvSpPr>
-          <p:nvPr>
-            <p:ph type="sldNum" sz="quarter" idx="12"/>
-          </p:nvPr>
-        </p:nvSpPr>
-        <p:spPr>
-          <a:xfrm>
-            <a:off x="8610600" y="6356350"/>
-            <a:ext cx="2743200" cy="365125"/>
-          </a:xfrm>
-          <a:prstGeom prst="rect">
-            <a:avLst/>
-          </a:prstGeom>
-        </p:spPr>
-        <p:txBody>
-          <a:bodyPr/>
-          <a:lstStyle/>
-          <a:p>
-            <a:fld id="{0D8F0A42-4B1E-4613-8C4D-AAA004DCF1D5}" type="slidenum">
-              <a:rPr lang="en-GB" smtClean="0"/>
-              <a:t>‹#›</a:t>
-            </a:fld>
-            <a:endParaRPr lang="en-GB"/>
-          </a:p>
-        </p:txBody>
-      </p:sp>
-    </p:spTree>
-    <p:extLst>
-      <p:ext uri="{BB962C8B-B14F-4D97-AF65-F5344CB8AC3E}">
-        <p14:creationId xmlns:p14="http://schemas.microsoft.com/office/powerpoint/2010/main" val="3072655499"/>
-      </p:ext>
-    </p:extLst>
-  </p:cSld>
-  <p:clrMapOvr>
-    <a:masterClrMapping/>
-  </p:clrMapOvr>
-</p:sldLayout>
-</file>
-
-<file path=ppt/slideLayouts/slideLayout7.xml><?xml version="1.0" encoding="utf-8"?>
-<p:sldLayout xmlns:a="http://schemas.openxmlformats.org/drawingml/2006/main" xmlns:r="http://schemas.openxmlformats.org/officeDocument/2006/relationships" xmlns:p="http://schemas.openxmlformats.org/presentationml/2006/main" type="title" preserve="1">
-  <p:cSld name="Title Slide">
-    <p:bg>
-      <p:bgRef idx="1001">
-        <a:schemeClr val="bg1"/>
-      </p:bgRef>
-    </p:bg>
-    <p:spTree>
-      <p:nvGrpSpPr>
-        <p:cNvPr id="1" name=""/>
-        <p:cNvGrpSpPr/>
-        <p:nvPr/>
-      </p:nvGrpSpPr>
-      <p:grpSpPr>
-        <a:xfrm>
-          <a:off x="0" y="0"/>
-          <a:ext cx="0" cy="0"/>
-          <a:chOff x="0" y="0"/>
-          <a:chExt cx="0" cy="0"/>
-        </a:xfrm>
-      </p:grpSpPr>
-      <p:graphicFrame>
-        <p:nvGraphicFramePr>
-          <p:cNvPr id="4" name="Object 3" hidden="1"/>
-          <p:cNvGraphicFramePr>
-            <a:graphicFrameLocks noChangeAspect="1"/>
-          </p:cNvGraphicFramePr>
-          <p:nvPr userDrawn="1">
-            <p:custDataLst>
-              <p:tags r:id="rId1"/>
-            </p:custDataLst>
-          </p:nvPr>
-        </p:nvGraphicFramePr>
-        <p:xfrm>
-          <a:off x="1588" y="1588"/>
-          <a:ext cx="1587" cy="1587"/>
-        </p:xfrm>
-        <a:graphic>
-          <a:graphicData uri="http://schemas.openxmlformats.org/presentationml/2006/ole">
-            <mc:AlternateContent xmlns:mc="http://schemas.openxmlformats.org/markup-compatibility/2006">
-              <mc:Choice xmlns:v="urn:schemas-microsoft-com:vml" Requires="v">
-                <p:oleObj name="think-cell Slide" r:id="rId3" imgW="425" imgH="426" progId="TCLayout.ActiveDocument.1">
-                  <p:embed/>
-                </p:oleObj>
-              </mc:Choice>
-              <mc:Fallback>
-                <p:oleObj name="think-cell Slide" r:id="rId3" imgW="425" imgH="426" progId="TCLayout.ActiveDocument.1">
-                  <p:embed/>
-                  <p:pic>
-                    <p:nvPicPr>
-                      <p:cNvPr id="4" name="Object 3" hidden="1"/>
-                      <p:cNvPicPr/>
-                      <p:nvPr/>
-                    </p:nvPicPr>
-                    <p:blipFill>
-                      <a:blip r:embed="rId4"/>
-                      <a:stretch>
-                        <a:fillRect/>
-                      </a:stretch>
-                    </p:blipFill>
-                    <p:spPr>
-                      <a:xfrm>
-                        <a:off x="1588" y="1588"/>
-                        <a:ext cx="1587" cy="1587"/>
-                      </a:xfrm>
-                      <a:prstGeom prst="rect">
-                        <a:avLst/>
-                      </a:prstGeom>
-                    </p:spPr>
-                  </p:pic>
-                </p:oleObj>
-              </mc:Fallback>
-            </mc:AlternateContent>
-          </a:graphicData>
-        </a:graphic>
-      </p:graphicFrame>
-      <p:sp>
-        <p:nvSpPr>
-          <p:cNvPr id="11" name="Rectangle 10">
-            <a:extLst>
-              <a:ext uri="{FF2B5EF4-FFF2-40B4-BE49-F238E27FC236}">
-                <a16:creationId xmlns:a16="http://schemas.microsoft.com/office/drawing/2014/main" id="{123D8E40-FDBE-46A0-9A0B-123E9AA3D356}"/>
-              </a:ext>
-            </a:extLst>
-          </p:cNvPr>
-          <p:cNvSpPr/>
-          <p:nvPr userDrawn="1"/>
-        </p:nvSpPr>
-        <p:spPr>
-          <a:xfrm>
-            <a:off x="0" y="5029200"/>
-            <a:ext cx="12192000" cy="1828800"/>
-          </a:xfrm>
-          <a:prstGeom prst="rect">
-            <a:avLst/>
-          </a:prstGeom>
-          <a:solidFill>
-            <a:schemeClr val="bg1"/>
-          </a:solidFill>
-          <a:ln>
-            <a:noFill/>
-          </a:ln>
-        </p:spPr>
-        <p:style>
-          <a:lnRef idx="2">
-            <a:schemeClr val="accent1">
-              <a:shade val="50000"/>
-            </a:schemeClr>
-          </a:lnRef>
-          <a:fillRef idx="1">
-            <a:schemeClr val="accent1"/>
-          </a:fillRef>
-          <a:effectRef idx="0">
-            <a:schemeClr val="accent1"/>
-          </a:effectRef>
-          <a:fontRef idx="minor">
-            <a:schemeClr val="lt1"/>
-          </a:fontRef>
-        </p:style>
-        <p:txBody>
-          <a:bodyPr rtlCol="0" anchor="ctr"/>
-          <a:lstStyle/>
-          <a:p>
-            <a:pPr algn="ctr"/>
-            <a:endParaRPr lang="en-US"/>
-          </a:p>
-        </p:txBody>
-      </p:sp>
-      <p:sp>
-        <p:nvSpPr>
-          <p:cNvPr id="2" name="Title 1">
-            <a:extLst>
-              <a:ext uri="{FF2B5EF4-FFF2-40B4-BE49-F238E27FC236}">
-                <a16:creationId xmlns:a16="http://schemas.microsoft.com/office/drawing/2014/main" id="{EB5425CA-745D-4BC0-AA06-EBEF50EA738F}"/>
-              </a:ext>
-            </a:extLst>
-          </p:cNvPr>
-          <p:cNvSpPr>
-            <a:spLocks noGrp="1"/>
-          </p:cNvSpPr>
-          <p:nvPr>
-            <p:ph type="ctrTitle"/>
-          </p:nvPr>
-        </p:nvSpPr>
-        <p:spPr>
-          <a:xfrm>
-            <a:off x="300317" y="5549250"/>
-            <a:ext cx="11634508" cy="500137"/>
-          </a:xfrm>
-        </p:spPr>
-        <p:txBody>
-          <a:bodyPr wrap="square" lIns="15240" tIns="7620" rIns="15240" bIns="7620" anchor="b">
-            <a:spAutoFit/>
-          </a:bodyPr>
-          <a:lstStyle>
-            <a:lvl1pPr algn="ctr">
-              <a:defRPr sz="3500" b="1">
-                <a:solidFill>
-                  <a:schemeClr val="accent1"/>
-                </a:solidFill>
-              </a:defRPr>
-            </a:lvl1pPr>
-          </a:lstStyle>
-          <a:p>
-            <a:r>
-              <a:rPr lang="en-US"/>
-              <a:t>Click to edit Master title style</a:t>
-            </a:r>
-          </a:p>
-        </p:txBody>
-      </p:sp>
-      <p:sp>
-        <p:nvSpPr>
-          <p:cNvPr id="3" name="Subtitle 2">
-            <a:extLst>
-              <a:ext uri="{FF2B5EF4-FFF2-40B4-BE49-F238E27FC236}">
-                <a16:creationId xmlns:a16="http://schemas.microsoft.com/office/drawing/2014/main" id="{69084E31-0DDD-4236-AABB-65C91A25CE58}"/>
-              </a:ext>
-            </a:extLst>
-          </p:cNvPr>
-          <p:cNvSpPr>
-            <a:spLocks noGrp="1"/>
-          </p:cNvSpPr>
-          <p:nvPr>
-            <p:ph type="subTitle" idx="1"/>
-          </p:nvPr>
-        </p:nvSpPr>
-        <p:spPr>
-          <a:xfrm>
-            <a:off x="300317" y="6141462"/>
-            <a:ext cx="11634508" cy="264688"/>
-          </a:xfrm>
-        </p:spPr>
-        <p:txBody>
-          <a:bodyPr wrap="square" lIns="15240" tIns="7620" rIns="15240" bIns="7620">
-            <a:spAutoFit/>
-          </a:bodyPr>
-          <a:lstStyle>
-            <a:lvl1pPr marL="0" indent="0" algn="ctr">
-              <a:buNone/>
-              <a:defRPr sz="1800">
-                <a:solidFill>
-                  <a:schemeClr val="tx1"/>
-                </a:solidFill>
-              </a:defRPr>
-            </a:lvl1pPr>
-            <a:lvl2pPr marL="457200" indent="0" algn="ctr">
-              <a:buNone/>
-              <a:defRPr sz="2000"/>
-            </a:lvl2pPr>
-            <a:lvl3pPr marL="914400" indent="0" algn="ctr">
-              <a:buNone/>
-              <a:defRPr sz="1800"/>
-            </a:lvl3pPr>
-            <a:lvl4pPr marL="1371600" indent="0" algn="ctr">
-              <a:buNone/>
-              <a:defRPr sz="1600"/>
-            </a:lvl4pPr>
-            <a:lvl5pPr marL="1828800" indent="0" algn="ctr">
-              <a:buNone/>
-              <a:defRPr sz="1600"/>
-            </a:lvl5pPr>
-            <a:lvl6pPr marL="2286000" indent="0" algn="ctr">
-              <a:buNone/>
-              <a:defRPr sz="1600"/>
-            </a:lvl6pPr>
-            <a:lvl7pPr marL="2743200" indent="0" algn="ctr">
-              <a:buNone/>
-              <a:defRPr sz="1600"/>
-            </a:lvl7pPr>
-            <a:lvl8pPr marL="3200400" indent="0" algn="ctr">
-              <a:buNone/>
-              <a:defRPr sz="1600"/>
-            </a:lvl8pPr>
-            <a:lvl9pPr marL="3657600" indent="0" algn="ctr">
-              <a:buNone/>
-              <a:defRPr sz="1600"/>
-            </a:lvl9pPr>
-          </a:lstStyle>
-          <a:p>
-            <a:r>
-              <a:rPr lang="en-US"/>
-              <a:t>Click to edit Master subtitle style</a:t>
-            </a:r>
-          </a:p>
-        </p:txBody>
-      </p:sp>
-      <p:pic>
-        <p:nvPicPr>
-          <p:cNvPr id="13" name="Picture 12">
-            <a:extLst>
-              <a:ext uri="{FF2B5EF4-FFF2-40B4-BE49-F238E27FC236}">
-                <a16:creationId xmlns:a16="http://schemas.microsoft.com/office/drawing/2014/main" id="{A6F6840C-DE8F-4983-AB01-20F2DF0D4848}"/>
-              </a:ext>
-            </a:extLst>
-          </p:cNvPr>
-          <p:cNvPicPr>
-            <a:picLocks noChangeAspect="1"/>
-          </p:cNvPicPr>
-          <p:nvPr userDrawn="1"/>
-        </p:nvPicPr>
-        <p:blipFill rotWithShape="1">
-          <a:blip r:embed="rId5"/>
-          <a:srcRect t="7027"/>
-          <a:stretch/>
-        </p:blipFill>
-        <p:spPr>
-          <a:xfrm>
-            <a:off x="48126" y="808613"/>
-            <a:ext cx="11998993" cy="5240774"/>
+            <a:off x="0" y="279791"/>
+            <a:ext cx="5994015" cy="5994015"/>
           </a:xfrm>
           <a:prstGeom prst="rect">
             <a:avLst/>
@@ -5566,7 +2525,7 @@
 </p:sldLayout>
 </file>
 
-<file path=ppt/slideLayouts/slideLayout8.xml><?xml version="1.0" encoding="utf-8"?>
+<file path=ppt/slideLayouts/slideLayout2.xml><?xml version="1.0" encoding="utf-8"?>
 <p:sldLayout xmlns:a="http://schemas.openxmlformats.org/drawingml/2006/main" xmlns:r="http://schemas.openxmlformats.org/officeDocument/2006/relationships" xmlns:p="http://schemas.openxmlformats.org/presentationml/2006/main" preserve="1" userDrawn="1">
   <p:cSld name="7_Title Slide">
     <p:spTree>
@@ -5742,7 +2701,7 @@
 </p:sldLayout>
 </file>
 
-<file path=ppt/slideLayouts/slideLayout9.xml><?xml version="1.0" encoding="utf-8"?>
+<file path=ppt/slideLayouts/slideLayout3.xml><?xml version="1.0" encoding="utf-8"?>
 <p:sldLayout xmlns:a="http://schemas.openxmlformats.org/drawingml/2006/main" xmlns:r="http://schemas.openxmlformats.org/officeDocument/2006/relationships" xmlns:p="http://schemas.openxmlformats.org/presentationml/2006/main" type="obj" preserve="1">
   <p:cSld name="Title and Content">
     <p:spTree>
@@ -5773,7 +2732,7 @@
           </p:cNvGraphicFramePr>
           <p:nvPr userDrawn="1">
             <p:custDataLst>
-              <p:tags r:id="rId1"/>
+              <p:tags r:id="rId2"/>
             </p:custDataLst>
           </p:nvPr>
         </p:nvGraphicFramePr>
@@ -5785,12 +2744,12 @@
           <a:graphicData uri="http://schemas.openxmlformats.org/presentationml/2006/ole">
             <mc:AlternateContent xmlns:mc="http://schemas.openxmlformats.org/markup-compatibility/2006">
               <mc:Choice xmlns:v="urn:schemas-microsoft-com:vml" Requires="v">
-                <p:oleObj name="think-cell Slide" r:id="rId3" imgW="347" imgH="348" progId="TCLayout.ActiveDocument.1">
+                <p:oleObj spid="_x0000_s7170" name="think-cell Slide" r:id="rId4" imgW="347" imgH="348" progId="TCLayout.ActiveDocument.1">
                   <p:embed/>
                 </p:oleObj>
               </mc:Choice>
               <mc:Fallback>
-                <p:oleObj name="think-cell Slide" r:id="rId3" imgW="347" imgH="348" progId="TCLayout.ActiveDocument.1">
+                <p:oleObj name="think-cell Slide" r:id="rId4" imgW="347" imgH="348" progId="TCLayout.ActiveDocument.1">
                   <p:embed/>
                   <p:pic>
                     <p:nvPicPr>
@@ -5805,7 +2764,7 @@
                       <p:nvPr/>
                     </p:nvPicPr>
                     <p:blipFill>
-                      <a:blip r:embed="rId4"/>
+                      <a:blip r:embed="rId5"/>
                       <a:stretch>
                         <a:fillRect/>
                       </a:stretch>
@@ -5932,7 +2891,7 @@
           <a:p>
             <a:fld id="{C426BC5F-09C1-43F9-92E4-3807667E7453}" type="datetimeFigureOut">
               <a:rPr lang="en-US" smtClean="0"/>
-              <a:t>08-Sep-21</a:t>
+              <a:t>03-May-24</a:t>
             </a:fld>
             <a:endParaRPr lang="en-US"/>
           </a:p>
@@ -5967,6 +2926,639 @@
     <p:extLst>
       <p:ext uri="{BB962C8B-B14F-4D97-AF65-F5344CB8AC3E}">
         <p14:creationId xmlns:p14="http://schemas.microsoft.com/office/powerpoint/2010/main" val="2721967463"/>
+      </p:ext>
+    </p:extLst>
+  </p:cSld>
+  <p:clrMapOvr>
+    <a:masterClrMapping/>
+  </p:clrMapOvr>
+</p:sldLayout>
+</file>
+
+<file path=ppt/slideLayouts/slideLayout4.xml><?xml version="1.0" encoding="utf-8"?>
+<p:sldLayout xmlns:a="http://schemas.openxmlformats.org/drawingml/2006/main" xmlns:r="http://schemas.openxmlformats.org/officeDocument/2006/relationships" xmlns:p="http://schemas.openxmlformats.org/presentationml/2006/main" matchingName="Blank" type="blank">
+  <p:cSld name="Blank">
+    <p:spTree>
+      <p:nvGrpSpPr>
+        <p:cNvPr id="1" name="Shape 133"/>
+        <p:cNvGrpSpPr/>
+        <p:nvPr/>
+      </p:nvGrpSpPr>
+      <p:grpSpPr>
+        <a:xfrm>
+          <a:off x="0" y="0"/>
+          <a:ext cx="0" cy="0"/>
+          <a:chOff x="0" y="0"/>
+          <a:chExt cx="0" cy="0"/>
+        </a:xfrm>
+      </p:grpSpPr>
+      <p:sp>
+        <p:nvSpPr>
+          <p:cNvPr id="134" name="Google Shape;134;p21"/>
+          <p:cNvSpPr txBox="1">
+            <a:spLocks noGrp="1"/>
+          </p:cNvSpPr>
+          <p:nvPr>
+            <p:ph type="dt" idx="10"/>
+          </p:nvPr>
+        </p:nvSpPr>
+        <p:spPr>
+          <a:xfrm>
+            <a:off x="324415" y="6538035"/>
+            <a:ext cx="11145200" cy="169200"/>
+          </a:xfrm>
+          <a:prstGeom prst="rect">
+            <a:avLst/>
+          </a:prstGeom>
+          <a:noFill/>
+          <a:ln>
+            <a:noFill/>
+          </a:ln>
+        </p:spPr>
+        <p:txBody>
+          <a:bodyPr spcFirstLastPara="1" wrap="square" lIns="11425" tIns="5700" rIns="11425" bIns="5700" anchor="ctr" anchorCtr="0">
+            <a:noAutofit/>
+          </a:bodyPr>
+          <a:lstStyle>
+            <a:lvl1pPr lvl="0" algn="l" rtl="0">
+              <a:lnSpc>
+                <a:spcPct val="100000"/>
+              </a:lnSpc>
+              <a:spcBef>
+                <a:spcPts val="0"/>
+              </a:spcBef>
+              <a:spcAft>
+                <a:spcPts val="0"/>
+              </a:spcAft>
+              <a:buSzPts val="1100"/>
+              <a:buNone/>
+              <a:defRPr>
+                <a:latin typeface="Gotham Light" pitchFamily="50" charset="0"/>
+                <a:ea typeface="Gotham Light" pitchFamily="50" charset="0"/>
+                <a:cs typeface="Arial"/>
+                <a:sym typeface="Arial"/>
+              </a:defRPr>
+            </a:lvl1pPr>
+            <a:lvl2pPr lvl="1" algn="l" rtl="0">
+              <a:lnSpc>
+                <a:spcPct val="100000"/>
+              </a:lnSpc>
+              <a:spcBef>
+                <a:spcPts val="0"/>
+              </a:spcBef>
+              <a:spcAft>
+                <a:spcPts val="0"/>
+              </a:spcAft>
+              <a:buSzPts val="1100"/>
+              <a:buNone/>
+              <a:defRPr/>
+            </a:lvl2pPr>
+            <a:lvl3pPr lvl="2" algn="l" rtl="0">
+              <a:lnSpc>
+                <a:spcPct val="100000"/>
+              </a:lnSpc>
+              <a:spcBef>
+                <a:spcPts val="0"/>
+              </a:spcBef>
+              <a:spcAft>
+                <a:spcPts val="0"/>
+              </a:spcAft>
+              <a:buSzPts val="1100"/>
+              <a:buNone/>
+              <a:defRPr/>
+            </a:lvl3pPr>
+            <a:lvl4pPr lvl="3" algn="l" rtl="0">
+              <a:lnSpc>
+                <a:spcPct val="100000"/>
+              </a:lnSpc>
+              <a:spcBef>
+                <a:spcPts val="0"/>
+              </a:spcBef>
+              <a:spcAft>
+                <a:spcPts val="0"/>
+              </a:spcAft>
+              <a:buSzPts val="1100"/>
+              <a:buNone/>
+              <a:defRPr/>
+            </a:lvl4pPr>
+            <a:lvl5pPr lvl="4" algn="l" rtl="0">
+              <a:lnSpc>
+                <a:spcPct val="100000"/>
+              </a:lnSpc>
+              <a:spcBef>
+                <a:spcPts val="0"/>
+              </a:spcBef>
+              <a:spcAft>
+                <a:spcPts val="0"/>
+              </a:spcAft>
+              <a:buSzPts val="1100"/>
+              <a:buNone/>
+              <a:defRPr/>
+            </a:lvl5pPr>
+            <a:lvl6pPr lvl="5" algn="l" rtl="0">
+              <a:lnSpc>
+                <a:spcPct val="100000"/>
+              </a:lnSpc>
+              <a:spcBef>
+                <a:spcPts val="0"/>
+              </a:spcBef>
+              <a:spcAft>
+                <a:spcPts val="0"/>
+              </a:spcAft>
+              <a:buSzPts val="1100"/>
+              <a:buNone/>
+              <a:defRPr/>
+            </a:lvl6pPr>
+            <a:lvl7pPr lvl="6" algn="l" rtl="0">
+              <a:lnSpc>
+                <a:spcPct val="100000"/>
+              </a:lnSpc>
+              <a:spcBef>
+                <a:spcPts val="0"/>
+              </a:spcBef>
+              <a:spcAft>
+                <a:spcPts val="0"/>
+              </a:spcAft>
+              <a:buSzPts val="1100"/>
+              <a:buNone/>
+              <a:defRPr/>
+            </a:lvl7pPr>
+            <a:lvl8pPr lvl="7" algn="l" rtl="0">
+              <a:lnSpc>
+                <a:spcPct val="100000"/>
+              </a:lnSpc>
+              <a:spcBef>
+                <a:spcPts val="0"/>
+              </a:spcBef>
+              <a:spcAft>
+                <a:spcPts val="0"/>
+              </a:spcAft>
+              <a:buSzPts val="1100"/>
+              <a:buNone/>
+              <a:defRPr/>
+            </a:lvl8pPr>
+            <a:lvl9pPr lvl="8" algn="l" rtl="0">
+              <a:lnSpc>
+                <a:spcPct val="100000"/>
+              </a:lnSpc>
+              <a:spcBef>
+                <a:spcPts val="0"/>
+              </a:spcBef>
+              <a:spcAft>
+                <a:spcPts val="0"/>
+              </a:spcAft>
+              <a:buSzPts val="1100"/>
+              <a:buNone/>
+              <a:defRPr/>
+            </a:lvl9pPr>
+          </a:lstStyle>
+          <a:p>
+            <a:endParaRPr lang="en-US"/>
+          </a:p>
+        </p:txBody>
+      </p:sp>
+      <p:sp>
+        <p:nvSpPr>
+          <p:cNvPr id="135" name="Google Shape;135;p21"/>
+          <p:cNvSpPr txBox="1">
+            <a:spLocks noGrp="1"/>
+          </p:cNvSpPr>
+          <p:nvPr>
+            <p:ph type="ftr" idx="11"/>
+          </p:nvPr>
+        </p:nvSpPr>
+        <p:spPr>
+          <a:xfrm>
+            <a:off x="324415" y="6285068"/>
+            <a:ext cx="11145200" cy="169200"/>
+          </a:xfrm>
+          <a:prstGeom prst="rect">
+            <a:avLst/>
+          </a:prstGeom>
+          <a:noFill/>
+          <a:ln>
+            <a:noFill/>
+          </a:ln>
+        </p:spPr>
+        <p:txBody>
+          <a:bodyPr spcFirstLastPara="1" wrap="square" lIns="11425" tIns="5700" rIns="11425" bIns="5700" anchor="ctr" anchorCtr="0">
+            <a:noAutofit/>
+          </a:bodyPr>
+          <a:lstStyle>
+            <a:lvl1pPr lvl="0" algn="l" rtl="0">
+              <a:lnSpc>
+                <a:spcPct val="100000"/>
+              </a:lnSpc>
+              <a:spcBef>
+                <a:spcPts val="0"/>
+              </a:spcBef>
+              <a:spcAft>
+                <a:spcPts val="0"/>
+              </a:spcAft>
+              <a:buSzPts val="1100"/>
+              <a:buNone/>
+              <a:defRPr>
+                <a:latin typeface="Gotham Light" pitchFamily="50" charset="0"/>
+                <a:ea typeface="Gotham Light" pitchFamily="50" charset="0"/>
+                <a:cs typeface="Arial"/>
+                <a:sym typeface="Arial"/>
+              </a:defRPr>
+            </a:lvl1pPr>
+            <a:lvl2pPr lvl="1" algn="l" rtl="0">
+              <a:lnSpc>
+                <a:spcPct val="100000"/>
+              </a:lnSpc>
+              <a:spcBef>
+                <a:spcPts val="0"/>
+              </a:spcBef>
+              <a:spcAft>
+                <a:spcPts val="0"/>
+              </a:spcAft>
+              <a:buSzPts val="1100"/>
+              <a:buNone/>
+              <a:defRPr/>
+            </a:lvl2pPr>
+            <a:lvl3pPr lvl="2" algn="l" rtl="0">
+              <a:lnSpc>
+                <a:spcPct val="100000"/>
+              </a:lnSpc>
+              <a:spcBef>
+                <a:spcPts val="0"/>
+              </a:spcBef>
+              <a:spcAft>
+                <a:spcPts val="0"/>
+              </a:spcAft>
+              <a:buSzPts val="1100"/>
+              <a:buNone/>
+              <a:defRPr/>
+            </a:lvl3pPr>
+            <a:lvl4pPr lvl="3" algn="l" rtl="0">
+              <a:lnSpc>
+                <a:spcPct val="100000"/>
+              </a:lnSpc>
+              <a:spcBef>
+                <a:spcPts val="0"/>
+              </a:spcBef>
+              <a:spcAft>
+                <a:spcPts val="0"/>
+              </a:spcAft>
+              <a:buSzPts val="1100"/>
+              <a:buNone/>
+              <a:defRPr/>
+            </a:lvl4pPr>
+            <a:lvl5pPr lvl="4" algn="l" rtl="0">
+              <a:lnSpc>
+                <a:spcPct val="100000"/>
+              </a:lnSpc>
+              <a:spcBef>
+                <a:spcPts val="0"/>
+              </a:spcBef>
+              <a:spcAft>
+                <a:spcPts val="0"/>
+              </a:spcAft>
+              <a:buSzPts val="1100"/>
+              <a:buNone/>
+              <a:defRPr/>
+            </a:lvl5pPr>
+            <a:lvl6pPr lvl="5" algn="l" rtl="0">
+              <a:lnSpc>
+                <a:spcPct val="100000"/>
+              </a:lnSpc>
+              <a:spcBef>
+                <a:spcPts val="0"/>
+              </a:spcBef>
+              <a:spcAft>
+                <a:spcPts val="0"/>
+              </a:spcAft>
+              <a:buSzPts val="1100"/>
+              <a:buNone/>
+              <a:defRPr/>
+            </a:lvl6pPr>
+            <a:lvl7pPr lvl="6" algn="l" rtl="0">
+              <a:lnSpc>
+                <a:spcPct val="100000"/>
+              </a:lnSpc>
+              <a:spcBef>
+                <a:spcPts val="0"/>
+              </a:spcBef>
+              <a:spcAft>
+                <a:spcPts val="0"/>
+              </a:spcAft>
+              <a:buSzPts val="1100"/>
+              <a:buNone/>
+              <a:defRPr/>
+            </a:lvl7pPr>
+            <a:lvl8pPr lvl="7" algn="l" rtl="0">
+              <a:lnSpc>
+                <a:spcPct val="100000"/>
+              </a:lnSpc>
+              <a:spcBef>
+                <a:spcPts val="0"/>
+              </a:spcBef>
+              <a:spcAft>
+                <a:spcPts val="0"/>
+              </a:spcAft>
+              <a:buSzPts val="1100"/>
+              <a:buNone/>
+              <a:defRPr/>
+            </a:lvl8pPr>
+            <a:lvl9pPr lvl="8" algn="l" rtl="0">
+              <a:lnSpc>
+                <a:spcPct val="100000"/>
+              </a:lnSpc>
+              <a:spcBef>
+                <a:spcPts val="0"/>
+              </a:spcBef>
+              <a:spcAft>
+                <a:spcPts val="0"/>
+              </a:spcAft>
+              <a:buSzPts val="1100"/>
+              <a:buNone/>
+              <a:defRPr/>
+            </a:lvl9pPr>
+          </a:lstStyle>
+          <a:p>
+            <a:endParaRPr lang="en-US"/>
+          </a:p>
+        </p:txBody>
+      </p:sp>
+      <p:sp>
+        <p:nvSpPr>
+          <p:cNvPr id="136" name="Google Shape;136;p21"/>
+          <p:cNvSpPr txBox="1">
+            <a:spLocks noGrp="1"/>
+          </p:cNvSpPr>
+          <p:nvPr>
+            <p:ph type="sldNum" idx="12"/>
+          </p:nvPr>
+        </p:nvSpPr>
+        <p:spPr>
+          <a:xfrm>
+            <a:off x="8610600" y="6356351"/>
+            <a:ext cx="2743200" cy="365200"/>
+          </a:xfrm>
+          <a:prstGeom prst="rect">
+            <a:avLst/>
+          </a:prstGeom>
+          <a:noFill/>
+          <a:ln>
+            <a:noFill/>
+          </a:ln>
+        </p:spPr>
+        <p:txBody>
+          <a:bodyPr spcFirstLastPara="1" wrap="square" lIns="68575" tIns="34275" rIns="68575" bIns="34275" anchor="t" anchorCtr="0">
+            <a:noAutofit/>
+          </a:bodyPr>
+          <a:lstStyle>
+            <a:lvl1pPr marL="0" marR="0" lvl="0" indent="0" algn="l" rtl="0">
+              <a:lnSpc>
+                <a:spcPct val="100000"/>
+              </a:lnSpc>
+              <a:spcBef>
+                <a:spcPts val="0"/>
+              </a:spcBef>
+              <a:spcAft>
+                <a:spcPts val="0"/>
+              </a:spcAft>
+              <a:buClr>
+                <a:srgbClr val="000000"/>
+              </a:buClr>
+              <a:buSzPts val="1400"/>
+              <a:buFont typeface="Arial"/>
+              <a:buNone/>
+              <a:defRPr sz="1867" b="0" i="0" u="none" strike="noStrike" cap="none">
+                <a:solidFill>
+                  <a:srgbClr val="000000"/>
+                </a:solidFill>
+                <a:latin typeface="Gotham Light" pitchFamily="50" charset="0"/>
+                <a:ea typeface="Gotham Light" pitchFamily="50" charset="0"/>
+                <a:cs typeface="Arial"/>
+                <a:sym typeface="Arial"/>
+              </a:defRPr>
+            </a:lvl1pPr>
+            <a:lvl2pPr marL="0" marR="0" lvl="1" indent="0" algn="l" rtl="0">
+              <a:lnSpc>
+                <a:spcPct val="100000"/>
+              </a:lnSpc>
+              <a:spcBef>
+                <a:spcPts val="0"/>
+              </a:spcBef>
+              <a:spcAft>
+                <a:spcPts val="0"/>
+              </a:spcAft>
+              <a:buClr>
+                <a:srgbClr val="000000"/>
+              </a:buClr>
+              <a:buSzPts val="1400"/>
+              <a:buFont typeface="Arial"/>
+              <a:buNone/>
+              <a:defRPr sz="1867" b="0" i="0" u="none" strike="noStrike" cap="none">
+                <a:solidFill>
+                  <a:srgbClr val="000000"/>
+                </a:solidFill>
+                <a:latin typeface="Arial"/>
+                <a:ea typeface="Arial"/>
+                <a:cs typeface="Arial"/>
+                <a:sym typeface="Arial"/>
+              </a:defRPr>
+            </a:lvl2pPr>
+            <a:lvl3pPr marL="0" marR="0" lvl="2" indent="0" algn="l" rtl="0">
+              <a:lnSpc>
+                <a:spcPct val="100000"/>
+              </a:lnSpc>
+              <a:spcBef>
+                <a:spcPts val="0"/>
+              </a:spcBef>
+              <a:spcAft>
+                <a:spcPts val="0"/>
+              </a:spcAft>
+              <a:buClr>
+                <a:srgbClr val="000000"/>
+              </a:buClr>
+              <a:buSzPts val="1400"/>
+              <a:buFont typeface="Arial"/>
+              <a:buNone/>
+              <a:defRPr sz="1867" b="0" i="0" u="none" strike="noStrike" cap="none">
+                <a:solidFill>
+                  <a:srgbClr val="000000"/>
+                </a:solidFill>
+                <a:latin typeface="Arial"/>
+                <a:ea typeface="Arial"/>
+                <a:cs typeface="Arial"/>
+                <a:sym typeface="Arial"/>
+              </a:defRPr>
+            </a:lvl3pPr>
+            <a:lvl4pPr marL="0" marR="0" lvl="3" indent="0" algn="l" rtl="0">
+              <a:lnSpc>
+                <a:spcPct val="100000"/>
+              </a:lnSpc>
+              <a:spcBef>
+                <a:spcPts val="0"/>
+              </a:spcBef>
+              <a:spcAft>
+                <a:spcPts val="0"/>
+              </a:spcAft>
+              <a:buClr>
+                <a:srgbClr val="000000"/>
+              </a:buClr>
+              <a:buSzPts val="1400"/>
+              <a:buFont typeface="Arial"/>
+              <a:buNone/>
+              <a:defRPr sz="1867" b="0" i="0" u="none" strike="noStrike" cap="none">
+                <a:solidFill>
+                  <a:srgbClr val="000000"/>
+                </a:solidFill>
+                <a:latin typeface="Arial"/>
+                <a:ea typeface="Arial"/>
+                <a:cs typeface="Arial"/>
+                <a:sym typeface="Arial"/>
+              </a:defRPr>
+            </a:lvl4pPr>
+            <a:lvl5pPr marL="0" marR="0" lvl="4" indent="0" algn="l" rtl="0">
+              <a:lnSpc>
+                <a:spcPct val="100000"/>
+              </a:lnSpc>
+              <a:spcBef>
+                <a:spcPts val="0"/>
+              </a:spcBef>
+              <a:spcAft>
+                <a:spcPts val="0"/>
+              </a:spcAft>
+              <a:buClr>
+                <a:srgbClr val="000000"/>
+              </a:buClr>
+              <a:buSzPts val="1400"/>
+              <a:buFont typeface="Arial"/>
+              <a:buNone/>
+              <a:defRPr sz="1867" b="0" i="0" u="none" strike="noStrike" cap="none">
+                <a:solidFill>
+                  <a:srgbClr val="000000"/>
+                </a:solidFill>
+                <a:latin typeface="Arial"/>
+                <a:ea typeface="Arial"/>
+                <a:cs typeface="Arial"/>
+                <a:sym typeface="Arial"/>
+              </a:defRPr>
+            </a:lvl5pPr>
+            <a:lvl6pPr marL="0" marR="0" lvl="5" indent="0" algn="l" rtl="0">
+              <a:lnSpc>
+                <a:spcPct val="100000"/>
+              </a:lnSpc>
+              <a:spcBef>
+                <a:spcPts val="0"/>
+              </a:spcBef>
+              <a:spcAft>
+                <a:spcPts val="0"/>
+              </a:spcAft>
+              <a:buClr>
+                <a:srgbClr val="000000"/>
+              </a:buClr>
+              <a:buSzPts val="1400"/>
+              <a:buFont typeface="Arial"/>
+              <a:buNone/>
+              <a:defRPr sz="1867" b="0" i="0" u="none" strike="noStrike" cap="none">
+                <a:solidFill>
+                  <a:srgbClr val="000000"/>
+                </a:solidFill>
+                <a:latin typeface="Arial"/>
+                <a:ea typeface="Arial"/>
+                <a:cs typeface="Arial"/>
+                <a:sym typeface="Arial"/>
+              </a:defRPr>
+            </a:lvl6pPr>
+            <a:lvl7pPr marL="0" marR="0" lvl="6" indent="0" algn="l" rtl="0">
+              <a:lnSpc>
+                <a:spcPct val="100000"/>
+              </a:lnSpc>
+              <a:spcBef>
+                <a:spcPts val="0"/>
+              </a:spcBef>
+              <a:spcAft>
+                <a:spcPts val="0"/>
+              </a:spcAft>
+              <a:buClr>
+                <a:srgbClr val="000000"/>
+              </a:buClr>
+              <a:buSzPts val="1400"/>
+              <a:buFont typeface="Arial"/>
+              <a:buNone/>
+              <a:defRPr sz="1867" b="0" i="0" u="none" strike="noStrike" cap="none">
+                <a:solidFill>
+                  <a:srgbClr val="000000"/>
+                </a:solidFill>
+                <a:latin typeface="Arial"/>
+                <a:ea typeface="Arial"/>
+                <a:cs typeface="Arial"/>
+                <a:sym typeface="Arial"/>
+              </a:defRPr>
+            </a:lvl7pPr>
+            <a:lvl8pPr marL="0" marR="0" lvl="7" indent="0" algn="l" rtl="0">
+              <a:lnSpc>
+                <a:spcPct val="100000"/>
+              </a:lnSpc>
+              <a:spcBef>
+                <a:spcPts val="0"/>
+              </a:spcBef>
+              <a:spcAft>
+                <a:spcPts val="0"/>
+              </a:spcAft>
+              <a:buClr>
+                <a:srgbClr val="000000"/>
+              </a:buClr>
+              <a:buSzPts val="1400"/>
+              <a:buFont typeface="Arial"/>
+              <a:buNone/>
+              <a:defRPr sz="1867" b="0" i="0" u="none" strike="noStrike" cap="none">
+                <a:solidFill>
+                  <a:srgbClr val="000000"/>
+                </a:solidFill>
+                <a:latin typeface="Arial"/>
+                <a:ea typeface="Arial"/>
+                <a:cs typeface="Arial"/>
+                <a:sym typeface="Arial"/>
+              </a:defRPr>
+            </a:lvl8pPr>
+            <a:lvl9pPr marL="0" marR="0" lvl="8" indent="0" algn="l" rtl="0">
+              <a:lnSpc>
+                <a:spcPct val="100000"/>
+              </a:lnSpc>
+              <a:spcBef>
+                <a:spcPts val="0"/>
+              </a:spcBef>
+              <a:spcAft>
+                <a:spcPts val="0"/>
+              </a:spcAft>
+              <a:buClr>
+                <a:srgbClr val="000000"/>
+              </a:buClr>
+              <a:buSzPts val="1400"/>
+              <a:buFont typeface="Arial"/>
+              <a:buNone/>
+              <a:defRPr sz="1867" b="0" i="0" u="none" strike="noStrike" cap="none">
+                <a:solidFill>
+                  <a:srgbClr val="000000"/>
+                </a:solidFill>
+                <a:latin typeface="Arial"/>
+                <a:ea typeface="Arial"/>
+                <a:cs typeface="Arial"/>
+                <a:sym typeface="Arial"/>
+              </a:defRPr>
+            </a:lvl9pPr>
+          </a:lstStyle>
+          <a:p>
+            <a:fld id="{00000000-1234-1234-1234-123412341234}" type="slidenum">
+              <a:rPr lang="en" smtClean="0"/>
+              <a:pPr/>
+              <a:t>‹#›</a:t>
+            </a:fld>
+            <a:endParaRPr lang="en"/>
+          </a:p>
+        </p:txBody>
+      </p:sp>
+    </p:spTree>
+    <p:extLst>
+      <p:ext uri="{BB962C8B-B14F-4D97-AF65-F5344CB8AC3E}">
+        <p14:creationId xmlns:p14="http://schemas.microsoft.com/office/powerpoint/2010/main" val="1630205843"/>
       </p:ext>
     </p:extLst>
   </p:cSld>
@@ -6006,7 +3598,7 @@
           </p:cNvGraphicFramePr>
           <p:nvPr userDrawn="1">
             <p:custDataLst>
-              <p:tags r:id="rId8"/>
+              <p:tags r:id="rId7"/>
             </p:custDataLst>
           </p:nvPr>
         </p:nvGraphicFramePr>
@@ -6018,7 +3610,7 @@
           <a:graphicData uri="http://schemas.openxmlformats.org/presentationml/2006/ole">
             <mc:AlternateContent xmlns:mc="http://schemas.openxmlformats.org/markup-compatibility/2006">
               <mc:Choice xmlns:v="urn:schemas-microsoft-com:vml" Requires="v">
-                <p:oleObj name="think-cell Slide" r:id="rId9" imgW="425" imgH="426" progId="TCLayout.ActiveDocument.1">
+                <p:oleObj spid="_x0000_s5122" name="think-cell Slide" r:id="rId9" imgW="425" imgH="426" progId="TCLayout.ActiveDocument.1">
                   <p:embed/>
                 </p:oleObj>
               </mc:Choice>
@@ -6053,6 +3645,63 @@
           </a:graphicData>
         </a:graphic>
       </p:graphicFrame>
+      <p:sp>
+        <p:nvSpPr>
+          <p:cNvPr id="7" name="Rectangle 6" hidden="1">
+            <a:extLst>
+              <a:ext uri="{FF2B5EF4-FFF2-40B4-BE49-F238E27FC236}">
+                <a16:creationId xmlns:a16="http://schemas.microsoft.com/office/drawing/2014/main" id="{B4B9995B-F1D1-41E0-B428-B93E0C99B409}"/>
+              </a:ext>
+            </a:extLst>
+          </p:cNvPr>
+          <p:cNvSpPr/>
+          <p:nvPr userDrawn="1">
+            <p:custDataLst>
+              <p:tags r:id="rId8"/>
+            </p:custDataLst>
+          </p:nvPr>
+        </p:nvSpPr>
+        <p:spPr>
+          <a:xfrm>
+            <a:off x="0" y="0"/>
+            <a:ext cx="158750" cy="158750"/>
+          </a:xfrm>
+          <a:prstGeom prst="rect">
+            <a:avLst/>
+          </a:prstGeom>
+        </p:spPr>
+        <p:style>
+          <a:lnRef idx="2">
+            <a:schemeClr val="accent1">
+              <a:shade val="50000"/>
+            </a:schemeClr>
+          </a:lnRef>
+          <a:fillRef idx="1">
+            <a:schemeClr val="accent1"/>
+          </a:fillRef>
+          <a:effectRef idx="0">
+            <a:schemeClr val="accent1"/>
+          </a:effectRef>
+          <a:fontRef idx="minor">
+            <a:schemeClr val="lt1"/>
+          </a:fontRef>
+        </p:style>
+        <p:txBody>
+          <a:bodyPr wrap="none" lIns="0" tIns="0" rIns="0" bIns="0" numCol="1" spcCol="0" rtlCol="0" anchor="ctr" anchorCtr="0">
+            <a:noAutofit/>
+          </a:bodyPr>
+          <a:lstStyle/>
+          <a:p>
+            <a:pPr marL="0" lvl="0" indent="0" algn="ctr"/>
+            <a:endParaRPr lang="en-US" sz="2800" b="1" i="0" baseline="0">
+              <a:latin typeface="Gotham Light" panose="02000603030000020004"/>
+              <a:ea typeface="+mj-ea"/>
+              <a:cs typeface="+mj-cs"/>
+              <a:sym typeface="Gotham Light" panose="02000603030000020004"/>
+            </a:endParaRPr>
+          </a:p>
+        </p:txBody>
+      </p:sp>
       <p:sp>
         <p:nvSpPr>
           <p:cNvPr id="20" name="Arrow: Pentagon 19">
@@ -6547,1016 +4196,6 @@
           </a:p>
         </p:txBody>
       </p:sp>
-      <p:pic>
-        <p:nvPicPr>
-          <p:cNvPr id="13" name="Picture 12">
-            <a:extLst>
-              <a:ext uri="{FF2B5EF4-FFF2-40B4-BE49-F238E27FC236}">
-                <a16:creationId xmlns:a16="http://schemas.microsoft.com/office/drawing/2014/main" id="{23304A6A-D15B-47E1-B072-1C47E2C76553}"/>
-              </a:ext>
-            </a:extLst>
-          </p:cNvPr>
-          <p:cNvPicPr/>
-          <p:nvPr userDrawn="1"/>
-        </p:nvPicPr>
-        <p:blipFill>
-          <a:blip r:embed="rId11" cstate="print">
-            <a:extLst>
-              <a:ext uri="{28A0092B-C50C-407E-A947-70E740481C1C}">
-                <a14:useLocalDpi xmlns:a14="http://schemas.microsoft.com/office/drawing/2010/main" val="0"/>
-              </a:ext>
-            </a:extLst>
-          </a:blip>
-          <a:stretch>
-            <a:fillRect/>
-          </a:stretch>
-        </p:blipFill>
-        <p:spPr>
-          <a:xfrm>
-            <a:off x="10755433" y="31710"/>
-            <a:ext cx="1428750" cy="596265"/>
-          </a:xfrm>
-          <a:prstGeom prst="rect">
-            <a:avLst/>
-          </a:prstGeom>
-        </p:spPr>
-      </p:pic>
-    </p:spTree>
-    <p:extLst>
-      <p:ext uri="{BB962C8B-B14F-4D97-AF65-F5344CB8AC3E}">
-        <p14:creationId xmlns:p14="http://schemas.microsoft.com/office/powerpoint/2010/main" val="2928327199"/>
-      </p:ext>
-    </p:extLst>
-  </p:cSld>
-  <p:clrMap bg1="lt1" tx1="dk1" bg2="lt2" tx2="dk2" accent1="accent1" accent2="accent2" accent3="accent3" accent4="accent4" accent5="accent5" accent6="accent6" hlink="hlink" folHlink="folHlink"/>
-  <p:sldLayoutIdLst>
-    <p:sldLayoutId id="2147483661" r:id="rId1"/>
-    <p:sldLayoutId id="2147483662" r:id="rId2"/>
-    <p:sldLayoutId id="2147483663" r:id="rId3"/>
-    <p:sldLayoutId id="2147483664" r:id="rId4"/>
-    <p:sldLayoutId id="2147483665" r:id="rId5"/>
-    <p:sldLayoutId id="2147483667" r:id="rId6"/>
-  </p:sldLayoutIdLst>
-  <p:txStyles>
-    <p:titleStyle>
-      <a:lvl1pPr algn="l" defTabSz="914400" rtl="0" eaLnBrk="1" latinLnBrk="0" hangingPunct="1">
-        <a:lnSpc>
-          <a:spcPct val="90000"/>
-        </a:lnSpc>
-        <a:spcBef>
-          <a:spcPct val="0"/>
-        </a:spcBef>
-        <a:buNone/>
-        <a:defRPr sz="2800" b="1" kern="1200">
-          <a:solidFill>
-            <a:srgbClr val="423C89"/>
-          </a:solidFill>
-          <a:latin typeface="Gotham Light" panose="02000603030000020004" pitchFamily="2" charset="0"/>
-          <a:ea typeface="+mj-ea"/>
-          <a:cs typeface="+mj-cs"/>
-        </a:defRPr>
-      </a:lvl1pPr>
-    </p:titleStyle>
-    <p:bodyStyle>
-      <a:lvl1pPr marL="228600" indent="-228600" algn="l" defTabSz="914400" rtl="0" eaLnBrk="1" latinLnBrk="0" hangingPunct="1">
-        <a:lnSpc>
-          <a:spcPct val="90000"/>
-        </a:lnSpc>
-        <a:spcBef>
-          <a:spcPts val="1000"/>
-        </a:spcBef>
-        <a:buClr>
-          <a:schemeClr val="accent1"/>
-        </a:buClr>
-        <a:buFont typeface="Calibri Light" panose="020F0302020204030204" pitchFamily="34" charset="0"/>
-        <a:buChar char="›"/>
-        <a:defRPr sz="1600" kern="1200">
-          <a:solidFill>
-            <a:schemeClr val="tx1"/>
-          </a:solidFill>
-          <a:latin typeface="Gotham Light" panose="02000603030000020004" pitchFamily="2" charset="0"/>
-          <a:ea typeface="+mn-ea"/>
-          <a:cs typeface="+mn-cs"/>
-        </a:defRPr>
-      </a:lvl1pPr>
-      <a:lvl2pPr marL="457200" indent="-228600" algn="l" defTabSz="914400" rtl="0" eaLnBrk="1" latinLnBrk="0" hangingPunct="1">
-        <a:lnSpc>
-          <a:spcPct val="90000"/>
-        </a:lnSpc>
-        <a:spcBef>
-          <a:spcPts val="500"/>
-        </a:spcBef>
-        <a:buClr>
-          <a:schemeClr val="accent1"/>
-        </a:buClr>
-        <a:buFont typeface="Calibri" panose="020F0502020204030204" pitchFamily="34" charset="0"/>
-        <a:buChar char="»"/>
-        <a:defRPr sz="1600" kern="1200">
-          <a:solidFill>
-            <a:schemeClr val="tx1"/>
-          </a:solidFill>
-          <a:latin typeface="Gotham Light" panose="02000603030000020004" pitchFamily="2" charset="0"/>
-          <a:ea typeface="+mn-ea"/>
-          <a:cs typeface="+mn-cs"/>
-        </a:defRPr>
-      </a:lvl2pPr>
-      <a:lvl3pPr marL="746125" indent="-228600" algn="l" defTabSz="914400" rtl="0" eaLnBrk="1" latinLnBrk="0" hangingPunct="1">
-        <a:lnSpc>
-          <a:spcPct val="90000"/>
-        </a:lnSpc>
-        <a:spcBef>
-          <a:spcPts val="500"/>
-        </a:spcBef>
-        <a:buClr>
-          <a:schemeClr val="accent1"/>
-        </a:buClr>
-        <a:buFont typeface="Calibri Light" panose="020F0302020204030204" pitchFamily="34" charset="0"/>
-        <a:buChar char="̶"/>
-        <a:defRPr sz="1600" kern="1200">
-          <a:solidFill>
-            <a:schemeClr val="tx1"/>
-          </a:solidFill>
-          <a:latin typeface="Gotham Light" panose="02000603030000020004" pitchFamily="2" charset="0"/>
-          <a:ea typeface="+mn-ea"/>
-          <a:cs typeface="+mn-cs"/>
-        </a:defRPr>
-      </a:lvl3pPr>
-      <a:lvl4pPr marL="974725" indent="-228600" algn="l" defTabSz="914400" rtl="0" eaLnBrk="1" latinLnBrk="0" hangingPunct="1">
-        <a:lnSpc>
-          <a:spcPct val="90000"/>
-        </a:lnSpc>
-        <a:spcBef>
-          <a:spcPts val="500"/>
-        </a:spcBef>
-        <a:buClr>
-          <a:schemeClr val="accent1"/>
-        </a:buClr>
-        <a:buFont typeface="Arial" panose="020B0604020202020204" pitchFamily="34" charset="0"/>
-        <a:buChar char="•"/>
-        <a:defRPr sz="1600" kern="1200">
-          <a:solidFill>
-            <a:schemeClr val="tx1"/>
-          </a:solidFill>
-          <a:latin typeface="Gotham Light" panose="02000603030000020004" pitchFamily="2" charset="0"/>
-          <a:ea typeface="+mn-ea"/>
-          <a:cs typeface="+mn-cs"/>
-        </a:defRPr>
-      </a:lvl4pPr>
-      <a:lvl5pPr marL="2057400" indent="-228600" algn="l" defTabSz="914400" rtl="0" eaLnBrk="1" latinLnBrk="0" hangingPunct="1">
-        <a:lnSpc>
-          <a:spcPct val="90000"/>
-        </a:lnSpc>
-        <a:spcBef>
-          <a:spcPts val="500"/>
-        </a:spcBef>
-        <a:buClr>
-          <a:schemeClr val="accent1"/>
-        </a:buClr>
-        <a:buFont typeface="Arial" panose="020B0604020202020204" pitchFamily="34" charset="0"/>
-        <a:buChar char="•"/>
-        <a:defRPr sz="1600" kern="1200">
-          <a:solidFill>
-            <a:schemeClr val="tx1"/>
-          </a:solidFill>
-          <a:latin typeface="+mn-lt"/>
-          <a:ea typeface="+mn-ea"/>
-          <a:cs typeface="+mn-cs"/>
-        </a:defRPr>
-      </a:lvl5pPr>
-      <a:lvl6pPr marL="2514600" indent="-228600" algn="l" defTabSz="914400" rtl="0" eaLnBrk="1" latinLnBrk="0" hangingPunct="1">
-        <a:lnSpc>
-          <a:spcPct val="90000"/>
-        </a:lnSpc>
-        <a:spcBef>
-          <a:spcPts val="500"/>
-        </a:spcBef>
-        <a:buFont typeface="Arial" panose="020B0604020202020204" pitchFamily="34" charset="0"/>
-        <a:buChar char="•"/>
-        <a:defRPr sz="1800" kern="1200">
-          <a:solidFill>
-            <a:schemeClr val="tx1"/>
-          </a:solidFill>
-          <a:latin typeface="+mn-lt"/>
-          <a:ea typeface="+mn-ea"/>
-          <a:cs typeface="+mn-cs"/>
-        </a:defRPr>
-      </a:lvl6pPr>
-      <a:lvl7pPr marL="2971800" indent="-228600" algn="l" defTabSz="914400" rtl="0" eaLnBrk="1" latinLnBrk="0" hangingPunct="1">
-        <a:lnSpc>
-          <a:spcPct val="90000"/>
-        </a:lnSpc>
-        <a:spcBef>
-          <a:spcPts val="500"/>
-        </a:spcBef>
-        <a:buFont typeface="Arial" panose="020B0604020202020204" pitchFamily="34" charset="0"/>
-        <a:buChar char="•"/>
-        <a:defRPr sz="1800" kern="1200">
-          <a:solidFill>
-            <a:schemeClr val="tx1"/>
-          </a:solidFill>
-          <a:latin typeface="+mn-lt"/>
-          <a:ea typeface="+mn-ea"/>
-          <a:cs typeface="+mn-cs"/>
-        </a:defRPr>
-      </a:lvl7pPr>
-      <a:lvl8pPr marL="3429000" indent="-228600" algn="l" defTabSz="914400" rtl="0" eaLnBrk="1" latinLnBrk="0" hangingPunct="1">
-        <a:lnSpc>
-          <a:spcPct val="90000"/>
-        </a:lnSpc>
-        <a:spcBef>
-          <a:spcPts val="500"/>
-        </a:spcBef>
-        <a:buFont typeface="Arial" panose="020B0604020202020204" pitchFamily="34" charset="0"/>
-        <a:buChar char="•"/>
-        <a:defRPr sz="1800" kern="1200">
-          <a:solidFill>
-            <a:schemeClr val="tx1"/>
-          </a:solidFill>
-          <a:latin typeface="+mn-lt"/>
-          <a:ea typeface="+mn-ea"/>
-          <a:cs typeface="+mn-cs"/>
-        </a:defRPr>
-      </a:lvl8pPr>
-      <a:lvl9pPr marL="3886200" indent="-228600" algn="l" defTabSz="914400" rtl="0" eaLnBrk="1" latinLnBrk="0" hangingPunct="1">
-        <a:lnSpc>
-          <a:spcPct val="90000"/>
-        </a:lnSpc>
-        <a:spcBef>
-          <a:spcPts val="500"/>
-        </a:spcBef>
-        <a:buFont typeface="Arial" panose="020B0604020202020204" pitchFamily="34" charset="0"/>
-        <a:buChar char="•"/>
-        <a:defRPr sz="1800" kern="1200">
-          <a:solidFill>
-            <a:schemeClr val="tx1"/>
-          </a:solidFill>
-          <a:latin typeface="+mn-lt"/>
-          <a:ea typeface="+mn-ea"/>
-          <a:cs typeface="+mn-cs"/>
-        </a:defRPr>
-      </a:lvl9pPr>
-    </p:bodyStyle>
-    <p:otherStyle>
-      <a:defPPr>
-        <a:defRPr lang="en-US"/>
-      </a:defPPr>
-      <a:lvl1pPr marL="0" algn="l" defTabSz="914400" rtl="0" eaLnBrk="1" latinLnBrk="0" hangingPunct="1">
-        <a:defRPr sz="1800" kern="1200">
-          <a:solidFill>
-            <a:schemeClr val="tx1"/>
-          </a:solidFill>
-          <a:latin typeface="+mn-lt"/>
-          <a:ea typeface="+mn-ea"/>
-          <a:cs typeface="+mn-cs"/>
-        </a:defRPr>
-      </a:lvl1pPr>
-      <a:lvl2pPr marL="457200" algn="l" defTabSz="914400" rtl="0" eaLnBrk="1" latinLnBrk="0" hangingPunct="1">
-        <a:defRPr sz="1800" kern="1200">
-          <a:solidFill>
-            <a:schemeClr val="tx1"/>
-          </a:solidFill>
-          <a:latin typeface="+mn-lt"/>
-          <a:ea typeface="+mn-ea"/>
-          <a:cs typeface="+mn-cs"/>
-        </a:defRPr>
-      </a:lvl2pPr>
-      <a:lvl3pPr marL="914400" algn="l" defTabSz="914400" rtl="0" eaLnBrk="1" latinLnBrk="0" hangingPunct="1">
-        <a:defRPr sz="1800" kern="1200">
-          <a:solidFill>
-            <a:schemeClr val="tx1"/>
-          </a:solidFill>
-          <a:latin typeface="+mn-lt"/>
-          <a:ea typeface="+mn-ea"/>
-          <a:cs typeface="+mn-cs"/>
-        </a:defRPr>
-      </a:lvl3pPr>
-      <a:lvl4pPr marL="1371600" algn="l" defTabSz="914400" rtl="0" eaLnBrk="1" latinLnBrk="0" hangingPunct="1">
-        <a:defRPr sz="1800" kern="1200">
-          <a:solidFill>
-            <a:schemeClr val="tx1"/>
-          </a:solidFill>
-          <a:latin typeface="+mn-lt"/>
-          <a:ea typeface="+mn-ea"/>
-          <a:cs typeface="+mn-cs"/>
-        </a:defRPr>
-      </a:lvl4pPr>
-      <a:lvl5pPr marL="1828800" algn="l" defTabSz="914400" rtl="0" eaLnBrk="1" latinLnBrk="0" hangingPunct="1">
-        <a:defRPr sz="1800" kern="1200">
-          <a:solidFill>
-            <a:schemeClr val="tx1"/>
-          </a:solidFill>
-          <a:latin typeface="+mn-lt"/>
-          <a:ea typeface="+mn-ea"/>
-          <a:cs typeface="+mn-cs"/>
-        </a:defRPr>
-      </a:lvl5pPr>
-      <a:lvl6pPr marL="2286000" algn="l" defTabSz="914400" rtl="0" eaLnBrk="1" latinLnBrk="0" hangingPunct="1">
-        <a:defRPr sz="1800" kern="1200">
-          <a:solidFill>
-            <a:schemeClr val="tx1"/>
-          </a:solidFill>
-          <a:latin typeface="+mn-lt"/>
-          <a:ea typeface="+mn-ea"/>
-          <a:cs typeface="+mn-cs"/>
-        </a:defRPr>
-      </a:lvl6pPr>
-      <a:lvl7pPr marL="2743200" algn="l" defTabSz="914400" rtl="0" eaLnBrk="1" latinLnBrk="0" hangingPunct="1">
-        <a:defRPr sz="1800" kern="1200">
-          <a:solidFill>
-            <a:schemeClr val="tx1"/>
-          </a:solidFill>
-          <a:latin typeface="+mn-lt"/>
-          <a:ea typeface="+mn-ea"/>
-          <a:cs typeface="+mn-cs"/>
-        </a:defRPr>
-      </a:lvl7pPr>
-      <a:lvl8pPr marL="3200400" algn="l" defTabSz="914400" rtl="0" eaLnBrk="1" latinLnBrk="0" hangingPunct="1">
-        <a:defRPr sz="1800" kern="1200">
-          <a:solidFill>
-            <a:schemeClr val="tx1"/>
-          </a:solidFill>
-          <a:latin typeface="+mn-lt"/>
-          <a:ea typeface="+mn-ea"/>
-          <a:cs typeface="+mn-cs"/>
-        </a:defRPr>
-      </a:lvl8pPr>
-      <a:lvl9pPr marL="3657600" algn="l" defTabSz="914400" rtl="0" eaLnBrk="1" latinLnBrk="0" hangingPunct="1">
-        <a:defRPr sz="1800" kern="1200">
-          <a:solidFill>
-            <a:schemeClr val="tx1"/>
-          </a:solidFill>
-          <a:latin typeface="+mn-lt"/>
-          <a:ea typeface="+mn-ea"/>
-          <a:cs typeface="+mn-cs"/>
-        </a:defRPr>
-      </a:lvl9pPr>
-    </p:otherStyle>
-  </p:txStyles>
-</p:sldMaster>
-</file>
-
-<file path=ppt/slideMasters/slideMaster2.xml><?xml version="1.0" encoding="utf-8"?>
-<p:sldMaster xmlns:a="http://schemas.openxmlformats.org/drawingml/2006/main" xmlns:r="http://schemas.openxmlformats.org/officeDocument/2006/relationships" xmlns:p="http://schemas.openxmlformats.org/presentationml/2006/main">
-  <p:cSld>
-    <p:bg>
-      <p:bgRef idx="1001">
-        <a:schemeClr val="bg1"/>
-      </p:bgRef>
-    </p:bg>
-    <p:spTree>
-      <p:nvGrpSpPr>
-        <p:cNvPr id="1" name=""/>
-        <p:cNvGrpSpPr/>
-        <p:nvPr/>
-      </p:nvGrpSpPr>
-      <p:grpSpPr>
-        <a:xfrm>
-          <a:off x="0" y="0"/>
-          <a:ext cx="0" cy="0"/>
-          <a:chOff x="0" y="0"/>
-          <a:chExt cx="0" cy="0"/>
-        </a:xfrm>
-      </p:grpSpPr>
-      <p:graphicFrame>
-        <p:nvGraphicFramePr>
-          <p:cNvPr id="6" name="Object 5" hidden="1"/>
-          <p:cNvGraphicFramePr>
-            <a:graphicFrameLocks noChangeAspect="1"/>
-          </p:cNvGraphicFramePr>
-          <p:nvPr userDrawn="1">
-            <p:custDataLst>
-              <p:tags r:id="rId6"/>
-            </p:custDataLst>
-          </p:nvPr>
-        </p:nvGraphicFramePr>
-        <p:xfrm>
-          <a:off x="1588" y="1588"/>
-          <a:ext cx="1587" cy="1587"/>
-        </p:xfrm>
-        <a:graphic>
-          <a:graphicData uri="http://schemas.openxmlformats.org/presentationml/2006/ole">
-            <mc:AlternateContent xmlns:mc="http://schemas.openxmlformats.org/markup-compatibility/2006">
-              <mc:Choice xmlns:v="urn:schemas-microsoft-com:vml" Requires="v">
-                <p:oleObj name="think-cell Slide" r:id="rId8" imgW="425" imgH="426" progId="TCLayout.ActiveDocument.1">
-                  <p:embed/>
-                </p:oleObj>
-              </mc:Choice>
-              <mc:Fallback>
-                <p:oleObj name="think-cell Slide" r:id="rId8" imgW="425" imgH="426" progId="TCLayout.ActiveDocument.1">
-                  <p:embed/>
-                  <p:pic>
-                    <p:nvPicPr>
-                      <p:cNvPr id="6" name="Object 5" hidden="1"/>
-                      <p:cNvPicPr/>
-                      <p:nvPr/>
-                    </p:nvPicPr>
-                    <p:blipFill>
-                      <a:blip r:embed="rId9"/>
-                      <a:stretch>
-                        <a:fillRect/>
-                      </a:stretch>
-                    </p:blipFill>
-                    <p:spPr>
-                      <a:xfrm>
-                        <a:off x="1588" y="1588"/>
-                        <a:ext cx="1587" cy="1587"/>
-                      </a:xfrm>
-                      <a:prstGeom prst="rect">
-                        <a:avLst/>
-                      </a:prstGeom>
-                    </p:spPr>
-                  </p:pic>
-                </p:oleObj>
-              </mc:Fallback>
-            </mc:AlternateContent>
-          </a:graphicData>
-        </a:graphic>
-      </p:graphicFrame>
-      <p:sp>
-        <p:nvSpPr>
-          <p:cNvPr id="7" name="Rectangle 6" hidden="1">
-            <a:extLst>
-              <a:ext uri="{FF2B5EF4-FFF2-40B4-BE49-F238E27FC236}">
-                <a16:creationId xmlns:a16="http://schemas.microsoft.com/office/drawing/2014/main" id="{B4B9995B-F1D1-41E0-B428-B93E0C99B409}"/>
-              </a:ext>
-            </a:extLst>
-          </p:cNvPr>
-          <p:cNvSpPr/>
-          <p:nvPr userDrawn="1">
-            <p:custDataLst>
-              <p:tags r:id="rId7"/>
-            </p:custDataLst>
-          </p:nvPr>
-        </p:nvSpPr>
-        <p:spPr>
-          <a:xfrm>
-            <a:off x="0" y="0"/>
-            <a:ext cx="158750" cy="158750"/>
-          </a:xfrm>
-          <a:prstGeom prst="rect">
-            <a:avLst/>
-          </a:prstGeom>
-        </p:spPr>
-        <p:style>
-          <a:lnRef idx="2">
-            <a:schemeClr val="accent1">
-              <a:shade val="50000"/>
-            </a:schemeClr>
-          </a:lnRef>
-          <a:fillRef idx="1">
-            <a:schemeClr val="accent1"/>
-          </a:fillRef>
-          <a:effectRef idx="0">
-            <a:schemeClr val="accent1"/>
-          </a:effectRef>
-          <a:fontRef idx="minor">
-            <a:schemeClr val="lt1"/>
-          </a:fontRef>
-        </p:style>
-        <p:txBody>
-          <a:bodyPr wrap="none" lIns="0" tIns="0" rIns="0" bIns="0" numCol="1" spcCol="0" rtlCol="0" anchor="ctr" anchorCtr="0">
-            <a:noAutofit/>
-          </a:bodyPr>
-          <a:lstStyle/>
-          <a:p>
-            <a:pPr marL="0" lvl="0" indent="0" algn="ctr"/>
-            <a:endParaRPr lang="en-US" sz="2800" b="1" i="0" baseline="0">
-              <a:latin typeface="Gotham Light" panose="02000603030000020004"/>
-              <a:ea typeface="+mj-ea"/>
-              <a:cs typeface="+mj-cs"/>
-              <a:sym typeface="Gotham Light" panose="02000603030000020004"/>
-            </a:endParaRPr>
-          </a:p>
-        </p:txBody>
-      </p:sp>
-      <p:sp>
-        <p:nvSpPr>
-          <p:cNvPr id="20" name="Arrow: Pentagon 19">
-            <a:extLst>
-              <a:ext uri="{FF2B5EF4-FFF2-40B4-BE49-F238E27FC236}">
-                <a16:creationId xmlns:a16="http://schemas.microsoft.com/office/drawing/2014/main" id="{26CDDB92-D8A7-4813-8A72-784E3B907D60}"/>
-              </a:ext>
-            </a:extLst>
-          </p:cNvPr>
-          <p:cNvSpPr/>
-          <p:nvPr userDrawn="1"/>
-        </p:nvSpPr>
-        <p:spPr>
-          <a:xfrm flipH="1">
-            <a:off x="11746131" y="6324600"/>
-            <a:ext cx="445869" cy="343180"/>
-          </a:xfrm>
-          <a:prstGeom prst="homePlate">
-            <a:avLst>
-              <a:gd name="adj" fmla="val 33686"/>
-            </a:avLst>
-          </a:prstGeom>
-          <a:solidFill>
-            <a:srgbClr val="EB3237"/>
-          </a:solidFill>
-          <a:ln>
-            <a:noFill/>
-          </a:ln>
-        </p:spPr>
-        <p:style>
-          <a:lnRef idx="2">
-            <a:schemeClr val="accent1">
-              <a:shade val="50000"/>
-            </a:schemeClr>
-          </a:lnRef>
-          <a:fillRef idx="1">
-            <a:schemeClr val="accent1"/>
-          </a:fillRef>
-          <a:effectRef idx="0">
-            <a:schemeClr val="accent1"/>
-          </a:effectRef>
-          <a:fontRef idx="minor">
-            <a:schemeClr val="lt1"/>
-          </a:fontRef>
-        </p:style>
-        <p:txBody>
-          <a:bodyPr rtlCol="0" anchor="ctr"/>
-          <a:lstStyle/>
-          <a:p>
-            <a:pPr algn="ctr"/>
-            <a:endParaRPr lang="en-US">
-              <a:latin typeface="Gotham Light" panose="02000603030000020004" pitchFamily="2" charset="0"/>
-            </a:endParaRPr>
-          </a:p>
-        </p:txBody>
-      </p:sp>
-      <p:sp>
-        <p:nvSpPr>
-          <p:cNvPr id="2" name="Title Placeholder 1">
-            <a:extLst>
-              <a:ext uri="{FF2B5EF4-FFF2-40B4-BE49-F238E27FC236}">
-                <a16:creationId xmlns:a16="http://schemas.microsoft.com/office/drawing/2014/main" id="{B57DE2E4-39FD-4747-A53E-5C87FACD236D}"/>
-              </a:ext>
-            </a:extLst>
-          </p:cNvPr>
-          <p:cNvSpPr>
-            <a:spLocks noGrp="1"/>
-          </p:cNvSpPr>
-          <p:nvPr>
-            <p:ph type="title"/>
-          </p:nvPr>
-        </p:nvSpPr>
-        <p:spPr>
-          <a:xfrm>
-            <a:off x="324416" y="303636"/>
-            <a:ext cx="11543168" cy="403187"/>
-          </a:xfrm>
-          <a:prstGeom prst="rect">
-            <a:avLst/>
-          </a:prstGeom>
-        </p:spPr>
-        <p:txBody>
-          <a:bodyPr vert="horz" wrap="square" lIns="15240" tIns="7620" rIns="15240" bIns="7620" rtlCol="0" anchor="t" anchorCtr="0">
-            <a:spAutoFit/>
-          </a:bodyPr>
-          <a:lstStyle/>
-          <a:p>
-            <a:r>
-              <a:rPr lang="en-US"/>
-              <a:t>Click to edit Master title style</a:t>
-            </a:r>
-          </a:p>
-        </p:txBody>
-      </p:sp>
-      <p:sp>
-        <p:nvSpPr>
-          <p:cNvPr id="3" name="Text Placeholder 2">
-            <a:extLst>
-              <a:ext uri="{FF2B5EF4-FFF2-40B4-BE49-F238E27FC236}">
-                <a16:creationId xmlns:a16="http://schemas.microsoft.com/office/drawing/2014/main" id="{D56DB6E4-BFBD-4EDA-AE3B-7A8FD4D4DFA1}"/>
-              </a:ext>
-            </a:extLst>
-          </p:cNvPr>
-          <p:cNvSpPr>
-            <a:spLocks noGrp="1"/>
-          </p:cNvSpPr>
-          <p:nvPr>
-            <p:ph type="body" idx="1"/>
-          </p:nvPr>
-        </p:nvSpPr>
-        <p:spPr>
-          <a:xfrm>
-            <a:off x="324415" y="1145391"/>
-            <a:ext cx="11543169" cy="1094146"/>
-          </a:xfrm>
-          <a:prstGeom prst="rect">
-            <a:avLst/>
-          </a:prstGeom>
-        </p:spPr>
-        <p:txBody>
-          <a:bodyPr vert="horz" wrap="square" lIns="15240" tIns="7620" rIns="15240" bIns="7620" rtlCol="0">
-            <a:spAutoFit/>
-          </a:bodyPr>
-          <a:lstStyle/>
-          <a:p>
-            <a:pPr lvl="0"/>
-            <a:r>
-              <a:rPr lang="en-US"/>
-              <a:t>Edit Master text styles</a:t>
-            </a:r>
-          </a:p>
-          <a:p>
-            <a:pPr lvl="1"/>
-            <a:r>
-              <a:rPr lang="en-US"/>
-              <a:t>Second level</a:t>
-            </a:r>
-          </a:p>
-          <a:p>
-            <a:pPr lvl="2"/>
-            <a:r>
-              <a:rPr lang="en-US"/>
-              <a:t>Third level</a:t>
-            </a:r>
-          </a:p>
-          <a:p>
-            <a:pPr lvl="3"/>
-            <a:r>
-              <a:rPr lang="en-US"/>
-              <a:t>Fourth level</a:t>
-            </a:r>
-          </a:p>
-        </p:txBody>
-      </p:sp>
-      <p:sp>
-        <p:nvSpPr>
-          <p:cNvPr id="4" name="Date Placeholder 3">
-            <a:extLst>
-              <a:ext uri="{FF2B5EF4-FFF2-40B4-BE49-F238E27FC236}">
-                <a16:creationId xmlns:a16="http://schemas.microsoft.com/office/drawing/2014/main" id="{E1D16D1C-E046-4EF6-8CD8-783F9A8C582A}"/>
-              </a:ext>
-            </a:extLst>
-          </p:cNvPr>
-          <p:cNvSpPr>
-            <a:spLocks noGrp="1"/>
-          </p:cNvSpPr>
-          <p:nvPr>
-            <p:ph type="dt" sz="half" idx="2"/>
-          </p:nvPr>
-        </p:nvSpPr>
-        <p:spPr>
-          <a:xfrm>
-            <a:off x="324415" y="6538035"/>
-            <a:ext cx="11145393" cy="169277"/>
-          </a:xfrm>
-          <a:prstGeom prst="rect">
-            <a:avLst/>
-          </a:prstGeom>
-        </p:spPr>
-        <p:txBody>
-          <a:bodyPr vert="horz" wrap="square" lIns="15240" tIns="7620" rIns="15240" bIns="7620" rtlCol="0" anchor="ctr">
-            <a:spAutoFit/>
-          </a:bodyPr>
-          <a:lstStyle>
-            <a:lvl1pPr algn="l">
-              <a:defRPr sz="1000">
-                <a:solidFill>
-                  <a:schemeClr val="tx1"/>
-                </a:solidFill>
-                <a:latin typeface="Gotham Light" panose="02000603030000020004" pitchFamily="2" charset="0"/>
-              </a:defRPr>
-            </a:lvl1pPr>
-          </a:lstStyle>
-          <a:p>
-            <a:r>
-              <a:rPr lang="en-US"/>
-              <a:t>Source: </a:t>
-            </a:r>
-          </a:p>
-        </p:txBody>
-      </p:sp>
-      <p:sp>
-        <p:nvSpPr>
-          <p:cNvPr id="5" name="Footer Placeholder 4">
-            <a:extLst>
-              <a:ext uri="{FF2B5EF4-FFF2-40B4-BE49-F238E27FC236}">
-                <a16:creationId xmlns:a16="http://schemas.microsoft.com/office/drawing/2014/main" id="{1BCE2C20-B1D5-4BC6-A6CA-6FA9F0B51320}"/>
-              </a:ext>
-            </a:extLst>
-          </p:cNvPr>
-          <p:cNvSpPr>
-            <a:spLocks noGrp="1"/>
-          </p:cNvSpPr>
-          <p:nvPr>
-            <p:ph type="ftr" sz="quarter" idx="3"/>
-          </p:nvPr>
-        </p:nvSpPr>
-        <p:spPr>
-          <a:xfrm>
-            <a:off x="324415" y="6285068"/>
-            <a:ext cx="11145393" cy="169277"/>
-          </a:xfrm>
-          <a:prstGeom prst="rect">
-            <a:avLst/>
-          </a:prstGeom>
-        </p:spPr>
-        <p:txBody>
-          <a:bodyPr vert="horz" wrap="square" lIns="15240" tIns="7620" rIns="15240" bIns="7620" rtlCol="0" anchor="ctr">
-            <a:spAutoFit/>
-          </a:bodyPr>
-          <a:lstStyle>
-            <a:lvl1pPr algn="l">
-              <a:defRPr sz="1000">
-                <a:solidFill>
-                  <a:schemeClr val="tx1"/>
-                </a:solidFill>
-                <a:latin typeface="Gotham Light" panose="02000603030000020004" pitchFamily="2" charset="0"/>
-              </a:defRPr>
-            </a:lvl1pPr>
-          </a:lstStyle>
-          <a:p>
-            <a:r>
-              <a:rPr lang="en-US"/>
-              <a:t>Footnote:</a:t>
-            </a:r>
-          </a:p>
-        </p:txBody>
-      </p:sp>
-      <p:cxnSp>
-        <p:nvCxnSpPr>
-          <p:cNvPr id="10" name="Straight Connector 9">
-            <a:extLst>
-              <a:ext uri="{FF2B5EF4-FFF2-40B4-BE49-F238E27FC236}">
-                <a16:creationId xmlns:a16="http://schemas.microsoft.com/office/drawing/2014/main" id="{EA7873EB-6BAD-43C0-B870-0AE8D5E5C4CE}"/>
-              </a:ext>
-            </a:extLst>
-          </p:cNvPr>
-          <p:cNvCxnSpPr>
-            <a:cxnSpLocks/>
-            <a:stCxn id="20" idx="3"/>
-          </p:cNvCxnSpPr>
-          <p:nvPr userDrawn="1"/>
-        </p:nvCxnSpPr>
-        <p:spPr>
-          <a:xfrm flipH="1">
-            <a:off x="-4757" y="6496190"/>
-            <a:ext cx="11750888" cy="0"/>
-          </a:xfrm>
-          <a:prstGeom prst="line">
-            <a:avLst/>
-          </a:prstGeom>
-          <a:ln>
-            <a:solidFill>
-              <a:srgbClr val="EB3237"/>
-            </a:solidFill>
-          </a:ln>
-        </p:spPr>
-        <p:style>
-          <a:lnRef idx="1">
-            <a:schemeClr val="accent1"/>
-          </a:lnRef>
-          <a:fillRef idx="0">
-            <a:schemeClr val="accent1"/>
-          </a:fillRef>
-          <a:effectRef idx="0">
-            <a:schemeClr val="accent1"/>
-          </a:effectRef>
-          <a:fontRef idx="minor">
-            <a:schemeClr val="tx1"/>
-          </a:fontRef>
-        </p:style>
-      </p:cxnSp>
-      <p:sp>
-        <p:nvSpPr>
-          <p:cNvPr id="18" name="Rectangle 17">
-            <a:extLst>
-              <a:ext uri="{FF2B5EF4-FFF2-40B4-BE49-F238E27FC236}">
-                <a16:creationId xmlns:a16="http://schemas.microsoft.com/office/drawing/2014/main" id="{CF7D3A27-85EF-4023-A90F-B507F9C7BBC7}"/>
-              </a:ext>
-            </a:extLst>
-          </p:cNvPr>
-          <p:cNvSpPr/>
-          <p:nvPr userDrawn="1"/>
-        </p:nvSpPr>
-        <p:spPr>
-          <a:xfrm rot="5400000">
-            <a:off x="-117580" y="394613"/>
-            <a:ext cx="456392" cy="221232"/>
-          </a:xfrm>
-          <a:prstGeom prst="rect">
-            <a:avLst/>
-          </a:prstGeom>
-          <a:solidFill>
-            <a:schemeClr val="accent3">
-              <a:lumMod val="50000"/>
-            </a:schemeClr>
-          </a:solidFill>
-          <a:ln>
-            <a:noFill/>
-          </a:ln>
-          <a:effectLst/>
-        </p:spPr>
-        <p:style>
-          <a:lnRef idx="2">
-            <a:schemeClr val="accent1">
-              <a:shade val="50000"/>
-            </a:schemeClr>
-          </a:lnRef>
-          <a:fillRef idx="1">
-            <a:schemeClr val="accent1"/>
-          </a:fillRef>
-          <a:effectRef idx="0">
-            <a:schemeClr val="accent1"/>
-          </a:effectRef>
-          <a:fontRef idx="minor">
-            <a:schemeClr val="lt1"/>
-          </a:fontRef>
-        </p:style>
-        <p:txBody>
-          <a:bodyPr rot="0" spcFirstLastPara="0" vertOverflow="overflow" horzOverflow="overflow" vert="horz" wrap="square" lIns="91440" tIns="45720" rIns="91440" bIns="45720" numCol="1" spcCol="0" rtlCol="0" fromWordArt="0" anchor="ctr" anchorCtr="0" forceAA="0" compatLnSpc="1">
-            <a:prstTxWarp prst="textNoShape">
-              <a:avLst/>
-            </a:prstTxWarp>
-            <a:noAutofit/>
-          </a:bodyPr>
-          <a:lstStyle/>
-          <a:p>
-            <a:pPr lvl="0" algn="ctr"/>
-            <a:endParaRPr lang="en-US"/>
-          </a:p>
-        </p:txBody>
-      </p:sp>
-      <p:sp>
-        <p:nvSpPr>
-          <p:cNvPr id="22" name="Slide Number Placeholder 5">
-            <a:extLst>
-              <a:ext uri="{FF2B5EF4-FFF2-40B4-BE49-F238E27FC236}">
-                <a16:creationId xmlns:a16="http://schemas.microsoft.com/office/drawing/2014/main" id="{A6FFCF44-1256-40E2-AD34-39552A334BBE}"/>
-              </a:ext>
-            </a:extLst>
-          </p:cNvPr>
-          <p:cNvSpPr txBox="1">
-            <a:spLocks/>
-          </p:cNvSpPr>
-          <p:nvPr userDrawn="1"/>
-        </p:nvSpPr>
-        <p:spPr>
-          <a:xfrm>
-            <a:off x="11860437" y="6411552"/>
-            <a:ext cx="217256" cy="169277"/>
-          </a:xfrm>
-          <a:prstGeom prst="rect">
-            <a:avLst/>
-          </a:prstGeom>
-        </p:spPr>
-        <p:txBody>
-          <a:bodyPr vert="horz" wrap="square" lIns="15240" tIns="7620" rIns="15240" bIns="7620" rtlCol="0" anchor="ctr">
-            <a:spAutoFit/>
-          </a:bodyPr>
-          <a:lstStyle>
-            <a:defPPr>
-              <a:defRPr lang="en-US"/>
-            </a:defPPr>
-            <a:lvl1pPr marL="0" algn="l" defTabSz="914400" rtl="0" eaLnBrk="1" latinLnBrk="0" hangingPunct="1">
-              <a:defRPr sz="1000" kern="1200">
-                <a:solidFill>
-                  <a:schemeClr val="tx1"/>
-                </a:solidFill>
-                <a:latin typeface="+mn-lt"/>
-                <a:ea typeface="+mn-ea"/>
-                <a:cs typeface="+mn-cs"/>
-              </a:defRPr>
-            </a:lvl1pPr>
-            <a:lvl2pPr marL="457200" algn="l" defTabSz="914400" rtl="0" eaLnBrk="1" latinLnBrk="0" hangingPunct="1">
-              <a:defRPr sz="1800" kern="1200">
-                <a:solidFill>
-                  <a:schemeClr val="tx1"/>
-                </a:solidFill>
-                <a:latin typeface="+mn-lt"/>
-                <a:ea typeface="+mn-ea"/>
-                <a:cs typeface="+mn-cs"/>
-              </a:defRPr>
-            </a:lvl2pPr>
-            <a:lvl3pPr marL="914400" algn="l" defTabSz="914400" rtl="0" eaLnBrk="1" latinLnBrk="0" hangingPunct="1">
-              <a:defRPr sz="1800" kern="1200">
-                <a:solidFill>
-                  <a:schemeClr val="tx1"/>
-                </a:solidFill>
-                <a:latin typeface="+mn-lt"/>
-                <a:ea typeface="+mn-ea"/>
-                <a:cs typeface="+mn-cs"/>
-              </a:defRPr>
-            </a:lvl3pPr>
-            <a:lvl4pPr marL="1371600" algn="l" defTabSz="914400" rtl="0" eaLnBrk="1" latinLnBrk="0" hangingPunct="1">
-              <a:defRPr sz="1800" kern="1200">
-                <a:solidFill>
-                  <a:schemeClr val="tx1"/>
-                </a:solidFill>
-                <a:latin typeface="+mn-lt"/>
-                <a:ea typeface="+mn-ea"/>
-                <a:cs typeface="+mn-cs"/>
-              </a:defRPr>
-            </a:lvl4pPr>
-            <a:lvl5pPr marL="1828800" algn="l" defTabSz="914400" rtl="0" eaLnBrk="1" latinLnBrk="0" hangingPunct="1">
-              <a:defRPr sz="1800" kern="1200">
-                <a:solidFill>
-                  <a:schemeClr val="tx1"/>
-                </a:solidFill>
-                <a:latin typeface="+mn-lt"/>
-                <a:ea typeface="+mn-ea"/>
-                <a:cs typeface="+mn-cs"/>
-              </a:defRPr>
-            </a:lvl5pPr>
-            <a:lvl6pPr marL="2286000" algn="l" defTabSz="914400" rtl="0" eaLnBrk="1" latinLnBrk="0" hangingPunct="1">
-              <a:defRPr sz="1800" kern="1200">
-                <a:solidFill>
-                  <a:schemeClr val="tx1"/>
-                </a:solidFill>
-                <a:latin typeface="+mn-lt"/>
-                <a:ea typeface="+mn-ea"/>
-                <a:cs typeface="+mn-cs"/>
-              </a:defRPr>
-            </a:lvl6pPr>
-            <a:lvl7pPr marL="2743200" algn="l" defTabSz="914400" rtl="0" eaLnBrk="1" latinLnBrk="0" hangingPunct="1">
-              <a:defRPr sz="1800" kern="1200">
-                <a:solidFill>
-                  <a:schemeClr val="tx1"/>
-                </a:solidFill>
-                <a:latin typeface="+mn-lt"/>
-                <a:ea typeface="+mn-ea"/>
-                <a:cs typeface="+mn-cs"/>
-              </a:defRPr>
-            </a:lvl7pPr>
-            <a:lvl8pPr marL="3200400" algn="l" defTabSz="914400" rtl="0" eaLnBrk="1" latinLnBrk="0" hangingPunct="1">
-              <a:defRPr sz="1800" kern="1200">
-                <a:solidFill>
-                  <a:schemeClr val="tx1"/>
-                </a:solidFill>
-                <a:latin typeface="+mn-lt"/>
-                <a:ea typeface="+mn-ea"/>
-                <a:cs typeface="+mn-cs"/>
-              </a:defRPr>
-            </a:lvl8pPr>
-            <a:lvl9pPr marL="3657600" algn="l" defTabSz="914400" rtl="0" eaLnBrk="1" latinLnBrk="0" hangingPunct="1">
-              <a:defRPr sz="1800" kern="1200">
-                <a:solidFill>
-                  <a:schemeClr val="tx1"/>
-                </a:solidFill>
-                <a:latin typeface="+mn-lt"/>
-                <a:ea typeface="+mn-ea"/>
-                <a:cs typeface="+mn-cs"/>
-              </a:defRPr>
-            </a:lvl9pPr>
-          </a:lstStyle>
-          <a:p>
-            <a:fld id="{879058DB-30C9-4F64-8719-9EAD4E263111}" type="slidenum">
-              <a:rPr lang="en-US" smtClean="0">
-                <a:solidFill>
-                  <a:schemeClr val="bg1"/>
-                </a:solidFill>
-                <a:latin typeface="Gotham Light" panose="02000603030000020004" pitchFamily="2" charset="0"/>
-              </a:rPr>
-              <a:pPr/>
-              <a:t>‹#›</a:t>
-            </a:fld>
-            <a:endParaRPr lang="en-US">
-              <a:solidFill>
-                <a:schemeClr val="bg1"/>
-              </a:solidFill>
-              <a:latin typeface="Gotham Light" panose="02000603030000020004" pitchFamily="2" charset="0"/>
-            </a:endParaRPr>
-          </a:p>
-        </p:txBody>
-      </p:sp>
-      <p:pic>
-        <p:nvPicPr>
-          <p:cNvPr id="14" name="Picture 13">
-            <a:extLst>
-              <a:ext uri="{FF2B5EF4-FFF2-40B4-BE49-F238E27FC236}">
-                <a16:creationId xmlns:a16="http://schemas.microsoft.com/office/drawing/2014/main" id="{FDFCD0C7-445F-4A14-9C86-5CF981271CEE}"/>
-              </a:ext>
-            </a:extLst>
-          </p:cNvPr>
-          <p:cNvPicPr/>
-          <p:nvPr userDrawn="1"/>
-        </p:nvPicPr>
-        <p:blipFill>
-          <a:blip r:embed="rId10" cstate="print">
-            <a:extLst>
-              <a:ext uri="{28A0092B-C50C-407E-A947-70E740481C1C}">
-                <a14:useLocalDpi xmlns:a14="http://schemas.microsoft.com/office/drawing/2010/main" val="0"/>
-              </a:ext>
-            </a:extLst>
-          </a:blip>
-          <a:stretch>
-            <a:fillRect/>
-          </a:stretch>
-        </p:blipFill>
-        <p:spPr>
-          <a:xfrm>
-            <a:off x="10736027" y="18414"/>
-            <a:ext cx="1428750" cy="596265"/>
-          </a:xfrm>
-          <a:prstGeom prst="rect">
-            <a:avLst/>
-          </a:prstGeom>
-        </p:spPr>
-      </p:pic>
     </p:spTree>
     <p:extLst>
       <p:ext uri="{BB962C8B-B14F-4D97-AF65-F5344CB8AC3E}">
@@ -7874,7 +4513,7 @@
   <p:cSld>
     <p:spTree>
       <p:nvGrpSpPr>
-        <p:cNvPr id="1" name="Shape 38"/>
+        <p:cNvPr id="1" name=""/>
         <p:cNvGrpSpPr/>
         <p:nvPr/>
       </p:nvGrpSpPr>
@@ -7886,92 +4525,48 @@
           <a:chExt cx="0" cy="0"/>
         </a:xfrm>
       </p:grpSpPr>
-      <p:pic>
-        <p:nvPicPr>
-          <p:cNvPr id="39" name="Google Shape;39;p5"/>
-          <p:cNvPicPr preferRelativeResize="0"/>
-          <p:nvPr/>
-        </p:nvPicPr>
-        <p:blipFill/>
-        <p:spPr>
-          <a:xfrm>
-            <a:off x="1588" y="1588"/>
-            <a:ext cx="1588" cy="1588"/>
-          </a:xfrm>
-          <a:prstGeom prst="rect">
-            <a:avLst/>
-          </a:prstGeom>
-          <a:noFill/>
-          <a:ln>
-            <a:noFill/>
-          </a:ln>
-        </p:spPr>
-      </p:pic>
       <p:sp>
         <p:nvSpPr>
-          <p:cNvPr id="4" name="Google Shape;40;p5">
-            <a:extLst>
-              <a:ext uri="{FF2B5EF4-FFF2-40B4-BE49-F238E27FC236}">
-                <a16:creationId xmlns:a16="http://schemas.microsoft.com/office/drawing/2014/main" id="{C9607DE2-A059-4BE3-9904-5486CE512E28}"/>
-              </a:ext>
-            </a:extLst>
-          </p:cNvPr>
-          <p:cNvSpPr txBox="1">
-            <a:spLocks/>
+          <p:cNvPr id="2" name="Title 1"/>
+          <p:cNvSpPr>
+            <a:spLocks noGrp="1"/>
           </p:cNvSpPr>
-          <p:nvPr/>
+          <p:nvPr>
+            <p:ph type="ctrTitle"/>
+          </p:nvPr>
         </p:nvSpPr>
         <p:spPr>
           <a:xfrm>
-            <a:off x="34416" y="2246669"/>
-            <a:ext cx="5530645" cy="1652451"/>
+            <a:off x="6096000" y="2804214"/>
+            <a:ext cx="5877597" cy="624786"/>
           </a:xfrm>
-          <a:prstGeom prst="rect">
-            <a:avLst/>
-          </a:prstGeom>
-          <a:noFill/>
-          <a:ln>
-            <a:noFill/>
-          </a:ln>
         </p:spPr>
         <p:txBody>
-          <a:bodyPr spcFirstLastPara="1" vert="horz" wrap="square" lIns="15225" tIns="7600" rIns="15225" bIns="7600" rtlCol="0" anchor="b" anchorCtr="0">
-            <a:noAutofit/>
-          </a:bodyPr>
-          <a:lstStyle>
-            <a:lvl1pPr algn="l" defTabSz="914400" rtl="0" eaLnBrk="1" latinLnBrk="0" hangingPunct="1">
-              <a:lnSpc>
-                <a:spcPct val="90000"/>
-              </a:lnSpc>
-              <a:spcBef>
-                <a:spcPct val="0"/>
-              </a:spcBef>
-              <a:buNone/>
-              <a:defRPr sz="2800" b="1" kern="1200">
+          <a:bodyPr/>
+          <a:lstStyle/>
+          <a:p>
+            <a:r>
+              <a:rPr lang="en-US" sz="4400" dirty="0">
                 <a:solidFill>
-                  <a:srgbClr val="423C89"/>
+                  <a:srgbClr val="0070C0"/>
                 </a:solidFill>
-                <a:latin typeface="Gotham Light" panose="02000603030000020004" pitchFamily="2" charset="0"/>
-                <a:ea typeface="+mj-ea"/>
-                <a:cs typeface="+mj-cs"/>
-              </a:defRPr>
-            </a:lvl1pPr>
-          </a:lstStyle>
-          <a:p>
-            <a:pPr algn="ctr"/>
-            <a:r>
-              <a:rPr lang="en-US" sz="3600" dirty="0">
-                <a:solidFill>
-                  <a:schemeClr val="bg1"/>
-                </a:solidFill>
-                <a:latin typeface="Gotham Light" pitchFamily="50" charset="0"/>
               </a:rPr>
-              <a:t>Introduction to Statistical Thinking</a:t>
+              <a:t>Scale of measurement</a:t>
             </a:r>
+            <a:endParaRPr lang="en-GB" sz="4400" dirty="0">
+              <a:solidFill>
+                <a:srgbClr val="0070C0"/>
+              </a:solidFill>
+            </a:endParaRPr>
           </a:p>
         </p:txBody>
       </p:sp>
     </p:spTree>
+    <p:extLst>
+      <p:ext uri="{BB962C8B-B14F-4D97-AF65-F5344CB8AC3E}">
+        <p14:creationId xmlns:p14="http://schemas.microsoft.com/office/powerpoint/2010/main" val="3510249180"/>
+      </p:ext>
+    </p:extLst>
   </p:cSld>
   <p:clrMapOvr>
     <a:masterClrMapping/>
@@ -8022,8 +4617,8 @@
         </p:nvSpPr>
         <p:spPr>
           <a:xfrm>
-            <a:off x="299427" y="1462500"/>
-            <a:ext cx="11593145" cy="4448013"/>
+            <a:off x="0" y="723861"/>
+            <a:ext cx="11593145" cy="5925340"/>
           </a:xfrm>
           <a:prstGeom prst="rect">
             <a:avLst/>
@@ -8035,33 +4630,42 @@
           </a:bodyPr>
           <a:lstStyle/>
           <a:p>
-            <a:pPr algn="just">
+            <a:pPr marL="457200" indent="-457200" algn="just">
               <a:lnSpc>
                 <a:spcPct val="150000"/>
               </a:lnSpc>
+              <a:buFontTx/>
+              <a:buChar char="-"/>
             </a:pPr>
             <a:r>
               <a:rPr lang="en-US" sz="3200" dirty="0"/>
-              <a:t>The interval type allows for the degree of difference between items, but not the ratio between them.</a:t>
+              <a:t>The ratio scale is the 4th level of measurement scale, which is quantitative. </a:t>
             </a:r>
           </a:p>
           <a:p>
-            <a:pPr algn="just">
+            <a:pPr marL="457200" indent="-457200" algn="just">
               <a:lnSpc>
                 <a:spcPct val="150000"/>
               </a:lnSpc>
+              <a:buFontTx/>
+              <a:buChar char="-"/>
             </a:pPr>
-            <a:endParaRPr lang="en-US" sz="3200" dirty="0"/>
-          </a:p>
-          <a:p>
-            <a:pPr algn="just">
+            <a:r>
+              <a:rPr lang="en-US" sz="3200" dirty="0"/>
+              <a:t>It is an extension of the interval scale which possesses a meaningful absolute zero value and because of this, it doesn’t have negative value. </a:t>
+            </a:r>
+          </a:p>
+          <a:p>
+            <a:pPr marL="457200" indent="-457200" algn="just">
               <a:lnSpc>
                 <a:spcPct val="150000"/>
               </a:lnSpc>
+              <a:buFontTx/>
+              <a:buChar char="-"/>
             </a:pPr>
             <a:r>
               <a:rPr lang="en-US" sz="3200" dirty="0"/>
-              <a:t>We can use mode, median, and arithmetic mean as a measure of central tendency in the interval scale while range and standard deviation can be used as measure dispersion. </a:t>
+              <a:t>The ratio scale is compatible with all statistical analysis methods like the measures of central tendency and measures of dispersion Examples of ratio scale include height, age, weight, and length.</a:t>
             </a:r>
           </a:p>
         </p:txBody>
@@ -8105,7 +4709,7 @@
                 <a:latin typeface="Gotham Light" pitchFamily="50" charset="0"/>
                 <a:cs typeface="Calibri"/>
               </a:rPr>
-              <a:t>Interval scale</a:t>
+              <a:t>Ratio scale</a:t>
             </a:r>
           </a:p>
         </p:txBody>
@@ -8113,7 +4717,7 @@
     </p:spTree>
     <p:extLst>
       <p:ext uri="{BB962C8B-B14F-4D97-AF65-F5344CB8AC3E}">
-        <p14:creationId xmlns:p14="http://schemas.microsoft.com/office/powerpoint/2010/main" val="666096192"/>
+        <p14:creationId xmlns:p14="http://schemas.microsoft.com/office/powerpoint/2010/main" val="3329370146"/>
       </p:ext>
     </p:extLst>
   </p:cSld>
@@ -8232,6 +4836,329 @@
       </p:grpSpPr>
       <p:sp>
         <p:nvSpPr>
+          <p:cNvPr id="5" name="Google Shape;62;p6">
+            <a:extLst>
+              <a:ext uri="{FF2B5EF4-FFF2-40B4-BE49-F238E27FC236}">
+                <a16:creationId xmlns:a16="http://schemas.microsoft.com/office/drawing/2014/main" id="{FBC28851-0F6B-4550-837A-598F97BA7949}"/>
+              </a:ext>
+            </a:extLst>
+          </p:cNvPr>
+          <p:cNvSpPr/>
+          <p:nvPr/>
+        </p:nvSpPr>
+        <p:spPr>
+          <a:xfrm>
+            <a:off x="210938" y="188603"/>
+            <a:ext cx="9464003" cy="535258"/>
+          </a:xfrm>
+          <a:prstGeom prst="rect">
+            <a:avLst/>
+          </a:prstGeom>
+          <a:noFill/>
+          <a:ln>
+            <a:noFill/>
+          </a:ln>
+        </p:spPr>
+        <p:txBody>
+          <a:bodyPr spcFirstLastPara="1" wrap="square" lIns="91425" tIns="45700" rIns="91425" bIns="45700" anchor="t" anchorCtr="0">
+            <a:noAutofit/>
+          </a:bodyPr>
+          <a:lstStyle/>
+          <a:p>
+            <a:r>
+              <a:rPr lang="en-US" sz="3600" b="1" dirty="0">
+                <a:solidFill>
+                  <a:srgbClr val="0070C0"/>
+                </a:solidFill>
+                <a:latin typeface="Gotham Light" pitchFamily="50" charset="0"/>
+                <a:cs typeface="Calibri"/>
+              </a:rPr>
+              <a:t>Pictorial summary of scale of measurement </a:t>
+            </a:r>
+          </a:p>
+        </p:txBody>
+      </p:sp>
+      <p:pic>
+        <p:nvPicPr>
+          <p:cNvPr id="4" name="Picture 3">
+            <a:extLst>
+              <a:ext uri="{FF2B5EF4-FFF2-40B4-BE49-F238E27FC236}">
+                <a16:creationId xmlns:a16="http://schemas.microsoft.com/office/drawing/2014/main" id="{475341FC-C022-4AB8-BEB8-A203EA137C9E}"/>
+              </a:ext>
+            </a:extLst>
+          </p:cNvPr>
+          <p:cNvPicPr/>
+          <p:nvPr/>
+        </p:nvPicPr>
+        <p:blipFill>
+          <a:blip r:embed="rId3">
+            <a:extLst>
+              <a:ext uri="{28A0092B-C50C-407E-A947-70E740481C1C}">
+                <a14:useLocalDpi xmlns:a14="http://schemas.microsoft.com/office/drawing/2010/main" val="0"/>
+              </a:ext>
+            </a:extLst>
+          </a:blip>
+          <a:srcRect/>
+          <a:stretch>
+            <a:fillRect/>
+          </a:stretch>
+        </p:blipFill>
+        <p:spPr bwMode="auto">
+          <a:xfrm>
+            <a:off x="1955544" y="1361393"/>
+            <a:ext cx="8280913" cy="4572821"/>
+          </a:xfrm>
+          <a:prstGeom prst="rect">
+            <a:avLst/>
+          </a:prstGeom>
+          <a:noFill/>
+          <a:ln>
+            <a:noFill/>
+          </a:ln>
+        </p:spPr>
+      </p:pic>
+    </p:spTree>
+    <p:extLst>
+      <p:ext uri="{BB962C8B-B14F-4D97-AF65-F5344CB8AC3E}">
+        <p14:creationId xmlns:p14="http://schemas.microsoft.com/office/powerpoint/2010/main" val="1216641246"/>
+      </p:ext>
+    </p:extLst>
+  </p:cSld>
+  <p:clrMapOvr>
+    <a:masterClrMapping/>
+  </p:clrMapOvr>
+  <mc:AlternateContent xmlns:mc="http://schemas.openxmlformats.org/markup-compatibility/2006" xmlns:p14="http://schemas.microsoft.com/office/powerpoint/2010/main">
+    <mc:Choice Requires="p14">
+      <p:transition spd="med" p14:dur="700">
+        <p:fade/>
+      </p:transition>
+    </mc:Choice>
+    <mc:Fallback xmlns="">
+      <p:transition spd="med">
+        <p:fade/>
+      </p:transition>
+    </mc:Fallback>
+  </mc:AlternateContent>
+</p:sld>
+</file>
+
+<file path=ppt/slides/slide12.xml><?xml version="1.0" encoding="utf-8"?>
+<p:sld xmlns:a="http://schemas.openxmlformats.org/drawingml/2006/main" xmlns:r="http://schemas.openxmlformats.org/officeDocument/2006/relationships" xmlns:p="http://schemas.openxmlformats.org/presentationml/2006/main">
+  <p:cSld>
+    <p:spTree>
+      <p:nvGrpSpPr>
+        <p:cNvPr id="1" name="Shape 749"/>
+        <p:cNvGrpSpPr/>
+        <p:nvPr/>
+      </p:nvGrpSpPr>
+      <p:grpSpPr>
+        <a:xfrm>
+          <a:off x="0" y="0"/>
+          <a:ext cx="0" cy="0"/>
+          <a:chOff x="0" y="0"/>
+          <a:chExt cx="0" cy="0"/>
+        </a:xfrm>
+      </p:grpSpPr>
+      <p:sp>
+        <p:nvSpPr>
+          <p:cNvPr id="5" name="Google Shape;62;p6">
+            <a:extLst>
+              <a:ext uri="{FF2B5EF4-FFF2-40B4-BE49-F238E27FC236}">
+                <a16:creationId xmlns:a16="http://schemas.microsoft.com/office/drawing/2014/main" id="{FBC28851-0F6B-4550-837A-598F97BA7949}"/>
+              </a:ext>
+            </a:extLst>
+          </p:cNvPr>
+          <p:cNvSpPr/>
+          <p:nvPr/>
+        </p:nvSpPr>
+        <p:spPr>
+          <a:xfrm>
+            <a:off x="183229" y="147039"/>
+            <a:ext cx="11025098" cy="535258"/>
+          </a:xfrm>
+          <a:prstGeom prst="rect">
+            <a:avLst/>
+          </a:prstGeom>
+          <a:noFill/>
+          <a:ln>
+            <a:noFill/>
+          </a:ln>
+        </p:spPr>
+        <p:txBody>
+          <a:bodyPr spcFirstLastPara="1" wrap="square" lIns="91425" tIns="45700" rIns="91425" bIns="45700" anchor="t" anchorCtr="0">
+            <a:noAutofit/>
+          </a:bodyPr>
+          <a:lstStyle/>
+          <a:p>
+            <a:r>
+              <a:rPr lang="en-US" sz="3600" b="1" dirty="0">
+                <a:solidFill>
+                  <a:srgbClr val="0070C0"/>
+                </a:solidFill>
+                <a:latin typeface="Gotham Light" pitchFamily="50" charset="0"/>
+                <a:cs typeface="Calibri"/>
+              </a:rPr>
+              <a:t>Scale of measurement and measure of central tendency</a:t>
+            </a:r>
+          </a:p>
+        </p:txBody>
+      </p:sp>
+      <p:pic>
+        <p:nvPicPr>
+          <p:cNvPr id="6" name="Picture 5">
+            <a:extLst>
+              <a:ext uri="{FF2B5EF4-FFF2-40B4-BE49-F238E27FC236}">
+                <a16:creationId xmlns:a16="http://schemas.microsoft.com/office/drawing/2014/main" id="{E6EDC5A1-1344-47CA-9AA3-5E19F2A66D5D}"/>
+              </a:ext>
+            </a:extLst>
+          </p:cNvPr>
+          <p:cNvPicPr/>
+          <p:nvPr/>
+        </p:nvPicPr>
+        <p:blipFill>
+          <a:blip r:embed="rId3">
+            <a:extLst>
+              <a:ext uri="{28A0092B-C50C-407E-A947-70E740481C1C}">
+                <a14:useLocalDpi xmlns:a14="http://schemas.microsoft.com/office/drawing/2010/main" val="0"/>
+              </a:ext>
+            </a:extLst>
+          </a:blip>
+          <a:stretch>
+            <a:fillRect/>
+          </a:stretch>
+        </p:blipFill>
+        <p:spPr>
+          <a:xfrm>
+            <a:off x="1226128" y="1246164"/>
+            <a:ext cx="9739745" cy="4988379"/>
+          </a:xfrm>
+          <a:prstGeom prst="rect">
+            <a:avLst/>
+          </a:prstGeom>
+        </p:spPr>
+      </p:pic>
+    </p:spTree>
+    <p:extLst>
+      <p:ext uri="{BB962C8B-B14F-4D97-AF65-F5344CB8AC3E}">
+        <p14:creationId xmlns:p14="http://schemas.microsoft.com/office/powerpoint/2010/main" val="1906562377"/>
+      </p:ext>
+    </p:extLst>
+  </p:cSld>
+  <p:clrMapOvr>
+    <a:masterClrMapping/>
+  </p:clrMapOvr>
+  <mc:AlternateContent xmlns:mc="http://schemas.openxmlformats.org/markup-compatibility/2006" xmlns:p14="http://schemas.microsoft.com/office/powerpoint/2010/main">
+    <mc:Choice Requires="p14">
+      <p:transition spd="med" p14:dur="700">
+        <p:fade/>
+      </p:transition>
+    </mc:Choice>
+    <mc:Fallback xmlns="">
+      <p:transition spd="med">
+        <p:fade/>
+      </p:transition>
+    </mc:Fallback>
+  </mc:AlternateContent>
+</p:sld>
+</file>
+
+<file path=ppt/slides/slide13.xml><?xml version="1.0" encoding="utf-8"?>
+<p:sld xmlns:a="http://schemas.openxmlformats.org/drawingml/2006/main" xmlns:r="http://schemas.openxmlformats.org/officeDocument/2006/relationships" xmlns:p="http://schemas.openxmlformats.org/presentationml/2006/main">
+  <p:cSld>
+    <p:spTree>
+      <p:nvGrpSpPr>
+        <p:cNvPr id="1" name="Shape 749"/>
+        <p:cNvGrpSpPr/>
+        <p:nvPr/>
+      </p:nvGrpSpPr>
+      <p:grpSpPr>
+        <a:xfrm>
+          <a:off x="0" y="0"/>
+          <a:ext cx="0" cy="0"/>
+          <a:chOff x="0" y="0"/>
+          <a:chExt cx="0" cy="0"/>
+        </a:xfrm>
+      </p:grpSpPr>
+      <p:pic>
+        <p:nvPicPr>
+          <p:cNvPr id="5" name="Picture 4">
+            <a:extLst>
+              <a:ext uri="{FF2B5EF4-FFF2-40B4-BE49-F238E27FC236}">
+                <a16:creationId xmlns:a16="http://schemas.microsoft.com/office/drawing/2014/main" id="{73C5115E-CD3F-43DC-8219-13AC7387CE59}"/>
+              </a:ext>
+            </a:extLst>
+          </p:cNvPr>
+          <p:cNvPicPr>
+            <a:picLocks noChangeAspect="1"/>
+          </p:cNvPicPr>
+          <p:nvPr/>
+        </p:nvPicPr>
+        <p:blipFill>
+          <a:blip r:embed="rId3">
+            <a:extLst>
+              <a:ext uri="{28A0092B-C50C-407E-A947-70E740481C1C}">
+                <a14:useLocalDpi xmlns:a14="http://schemas.microsoft.com/office/drawing/2010/main" val="0"/>
+              </a:ext>
+            </a:extLst>
+          </a:blip>
+          <a:stretch>
+            <a:fillRect/>
+          </a:stretch>
+        </p:blipFill>
+        <p:spPr>
+          <a:xfrm>
+            <a:off x="2218996" y="1132297"/>
+            <a:ext cx="6934200" cy="5200650"/>
+          </a:xfrm>
+          <a:prstGeom prst="rect">
+            <a:avLst/>
+          </a:prstGeom>
+        </p:spPr>
+      </p:pic>
+    </p:spTree>
+    <p:extLst>
+      <p:ext uri="{BB962C8B-B14F-4D97-AF65-F5344CB8AC3E}">
+        <p14:creationId xmlns:p14="http://schemas.microsoft.com/office/powerpoint/2010/main" val="2836296420"/>
+      </p:ext>
+    </p:extLst>
+  </p:cSld>
+  <p:clrMapOvr>
+    <a:masterClrMapping/>
+  </p:clrMapOvr>
+  <mc:AlternateContent xmlns:mc="http://schemas.openxmlformats.org/markup-compatibility/2006" xmlns:p14="http://schemas.microsoft.com/office/powerpoint/2010/main">
+    <mc:Choice Requires="p14">
+      <p:transition spd="med" p14:dur="700">
+        <p:fade/>
+      </p:transition>
+    </mc:Choice>
+    <mc:Fallback xmlns="">
+      <p:transition spd="med">
+        <p:fade/>
+      </p:transition>
+    </mc:Fallback>
+  </mc:AlternateContent>
+</p:sld>
+</file>
+
+<file path=ppt/slides/slide2.xml><?xml version="1.0" encoding="utf-8"?>
+<p:sld xmlns:a="http://schemas.openxmlformats.org/drawingml/2006/main" xmlns:r="http://schemas.openxmlformats.org/officeDocument/2006/relationships" xmlns:p="http://schemas.openxmlformats.org/presentationml/2006/main">
+  <p:cSld>
+    <p:spTree>
+      <p:nvGrpSpPr>
+        <p:cNvPr id="1" name="Shape 749"/>
+        <p:cNvGrpSpPr/>
+        <p:nvPr/>
+      </p:nvGrpSpPr>
+      <p:grpSpPr>
+        <a:xfrm>
+          <a:off x="0" y="0"/>
+          <a:ext cx="0" cy="0"/>
+          <a:chOff x="0" y="0"/>
+          <a:chExt cx="0" cy="0"/>
+        </a:xfrm>
+      </p:grpSpPr>
+      <p:sp>
+        <p:nvSpPr>
           <p:cNvPr id="3" name="Rectangle 2">
             <a:extLst>
               <a:ext uri="{FF2B5EF4-FFF2-40B4-BE49-F238E27FC236}">
@@ -8244,8 +5171,8 @@
         </p:nvSpPr>
         <p:spPr>
           <a:xfrm>
-            <a:off x="0" y="723861"/>
-            <a:ext cx="11593145" cy="5925340"/>
+            <a:off x="210939" y="1840219"/>
+            <a:ext cx="11681633" cy="3709349"/>
           </a:xfrm>
           <a:prstGeom prst="rect">
             <a:avLst/>
@@ -8257,43 +5184,21 @@
           </a:bodyPr>
           <a:lstStyle/>
           <a:p>
-            <a:pPr marL="457200" indent="-457200" algn="just">
+            <a:pPr algn="just">
               <a:lnSpc>
                 <a:spcPct val="150000"/>
               </a:lnSpc>
-              <a:buFontTx/>
-              <a:buChar char="-"/>
             </a:pPr>
             <a:r>
               <a:rPr lang="en-US" sz="3200" dirty="0"/>
-              <a:t>The ratio scale is the 4th level of measurement scale, which is quantitative. </a:t>
+              <a:t>Data can be qualitative or quantitative. A qualitative data is observed and recorded, for example gender while quantitative data is the type of data that arise as a result of numerical estimation or measurement, for example weight of a person. Both qualitative and quantitative have their scale of measurement. </a:t>
             </a:r>
-          </a:p>
-          <a:p>
-            <a:pPr marL="457200" indent="-457200" algn="just">
-              <a:lnSpc>
-                <a:spcPct val="150000"/>
-              </a:lnSpc>
-              <a:buFontTx/>
-              <a:buChar char="-"/>
-            </a:pPr>
-            <a:r>
-              <a:rPr lang="en-US" sz="3200" dirty="0"/>
-              <a:t>It is an extension of the interval scale which possesses a meaningful absolute zero value and because of this, it doesn’t have negative value. </a:t>
-            </a:r>
-          </a:p>
-          <a:p>
-            <a:pPr marL="457200" indent="-457200" algn="just">
-              <a:lnSpc>
-                <a:spcPct val="150000"/>
-              </a:lnSpc>
-              <a:buFontTx/>
-              <a:buChar char="-"/>
-            </a:pPr>
-            <a:r>
-              <a:rPr lang="en-US" sz="3200" dirty="0"/>
-              <a:t>The ratio scale is compatible with all statistical analysis methods like the measures of central tendency and measures of dispersion Examples of ratio scale include height, age, weight, and length.</a:t>
-            </a:r>
+            <a:endParaRPr lang="en-US" sz="3600" dirty="0">
+              <a:solidFill>
+                <a:schemeClr val="tx1"/>
+              </a:solidFill>
+              <a:latin typeface="+mj-lt"/>
+            </a:endParaRPr>
           </a:p>
         </p:txBody>
       </p:sp>
@@ -8328,6 +5233,15 @@
           </a:bodyPr>
           <a:lstStyle/>
           <a:p>
+            <a:pPr marL="0" marR="0" lvl="0" indent="0" algn="l" rtl="0">
+              <a:spcBef>
+                <a:spcPts val="0"/>
+              </a:spcBef>
+              <a:spcAft>
+                <a:spcPts val="0"/>
+              </a:spcAft>
+              <a:buNone/>
+            </a:pPr>
             <a:r>
               <a:rPr lang="en-US" sz="3600" b="1" dirty="0">
                 <a:solidFill>
@@ -8336,15 +5250,23 @@
                 <a:latin typeface="Gotham Light" pitchFamily="50" charset="0"/>
                 <a:cs typeface="Calibri"/>
               </a:rPr>
-              <a:t>Ratio scale</a:t>
+              <a:t>Branch of statistics</a:t>
             </a:r>
+            <a:endParaRPr sz="3600" b="1" dirty="0">
+              <a:solidFill>
+                <a:srgbClr val="0070C0"/>
+              </a:solidFill>
+              <a:latin typeface="Gotham Light" pitchFamily="50" charset="0"/>
+              <a:cs typeface="Calibri"/>
+              <a:sym typeface="Calibri"/>
+            </a:endParaRPr>
           </a:p>
         </p:txBody>
       </p:sp>
     </p:spTree>
     <p:extLst>
       <p:ext uri="{BB962C8B-B14F-4D97-AF65-F5344CB8AC3E}">
-        <p14:creationId xmlns:p14="http://schemas.microsoft.com/office/powerpoint/2010/main" val="3329370146"/>
+        <p14:creationId xmlns:p14="http://schemas.microsoft.com/office/powerpoint/2010/main" val="534554956"/>
       </p:ext>
     </p:extLst>
   </p:cSld>
@@ -8444,407 +5366,6 @@
 </p:sld>
 </file>
 
-<file path=ppt/slides/slide12.xml><?xml version="1.0" encoding="utf-8"?>
-<p:sld xmlns:a="http://schemas.openxmlformats.org/drawingml/2006/main" xmlns:r="http://schemas.openxmlformats.org/officeDocument/2006/relationships" xmlns:p="http://schemas.openxmlformats.org/presentationml/2006/main">
-  <p:cSld>
-    <p:spTree>
-      <p:nvGrpSpPr>
-        <p:cNvPr id="1" name="Shape 749"/>
-        <p:cNvGrpSpPr/>
-        <p:nvPr/>
-      </p:nvGrpSpPr>
-      <p:grpSpPr>
-        <a:xfrm>
-          <a:off x="0" y="0"/>
-          <a:ext cx="0" cy="0"/>
-          <a:chOff x="0" y="0"/>
-          <a:chExt cx="0" cy="0"/>
-        </a:xfrm>
-      </p:grpSpPr>
-      <p:sp>
-        <p:nvSpPr>
-          <p:cNvPr id="5" name="Google Shape;62;p6">
-            <a:extLst>
-              <a:ext uri="{FF2B5EF4-FFF2-40B4-BE49-F238E27FC236}">
-                <a16:creationId xmlns:a16="http://schemas.microsoft.com/office/drawing/2014/main" id="{FBC28851-0F6B-4550-837A-598F97BA7949}"/>
-              </a:ext>
-            </a:extLst>
-          </p:cNvPr>
-          <p:cNvSpPr/>
-          <p:nvPr/>
-        </p:nvSpPr>
-        <p:spPr>
-          <a:xfrm>
-            <a:off x="210938" y="188603"/>
-            <a:ext cx="9464003" cy="535258"/>
-          </a:xfrm>
-          <a:prstGeom prst="rect">
-            <a:avLst/>
-          </a:prstGeom>
-          <a:noFill/>
-          <a:ln>
-            <a:noFill/>
-          </a:ln>
-        </p:spPr>
-        <p:txBody>
-          <a:bodyPr spcFirstLastPara="1" wrap="square" lIns="91425" tIns="45700" rIns="91425" bIns="45700" anchor="t" anchorCtr="0">
-            <a:noAutofit/>
-          </a:bodyPr>
-          <a:lstStyle/>
-          <a:p>
-            <a:r>
-              <a:rPr lang="en-US" sz="3600" b="1" dirty="0">
-                <a:solidFill>
-                  <a:srgbClr val="0070C0"/>
-                </a:solidFill>
-                <a:latin typeface="Gotham Light" pitchFamily="50" charset="0"/>
-                <a:cs typeface="Calibri"/>
-              </a:rPr>
-              <a:t>Pictorial summary of scale of measurement </a:t>
-            </a:r>
-          </a:p>
-        </p:txBody>
-      </p:sp>
-      <p:pic>
-        <p:nvPicPr>
-          <p:cNvPr id="4" name="Picture 3">
-            <a:extLst>
-              <a:ext uri="{FF2B5EF4-FFF2-40B4-BE49-F238E27FC236}">
-                <a16:creationId xmlns:a16="http://schemas.microsoft.com/office/drawing/2014/main" id="{475341FC-C022-4AB8-BEB8-A203EA137C9E}"/>
-              </a:ext>
-            </a:extLst>
-          </p:cNvPr>
-          <p:cNvPicPr/>
-          <p:nvPr/>
-        </p:nvPicPr>
-        <p:blipFill>
-          <a:blip r:embed="rId3">
-            <a:extLst>
-              <a:ext uri="{28A0092B-C50C-407E-A947-70E740481C1C}">
-                <a14:useLocalDpi xmlns:a14="http://schemas.microsoft.com/office/drawing/2010/main" val="0"/>
-              </a:ext>
-            </a:extLst>
-          </a:blip>
-          <a:srcRect/>
-          <a:stretch>
-            <a:fillRect/>
-          </a:stretch>
-        </p:blipFill>
-        <p:spPr bwMode="auto">
-          <a:xfrm>
-            <a:off x="1955544" y="1361393"/>
-            <a:ext cx="8280913" cy="4572821"/>
-          </a:xfrm>
-          <a:prstGeom prst="rect">
-            <a:avLst/>
-          </a:prstGeom>
-          <a:noFill/>
-          <a:ln>
-            <a:noFill/>
-          </a:ln>
-        </p:spPr>
-      </p:pic>
-    </p:spTree>
-    <p:extLst>
-      <p:ext uri="{BB962C8B-B14F-4D97-AF65-F5344CB8AC3E}">
-        <p14:creationId xmlns:p14="http://schemas.microsoft.com/office/powerpoint/2010/main" val="1216641246"/>
-      </p:ext>
-    </p:extLst>
-  </p:cSld>
-  <p:clrMapOvr>
-    <a:masterClrMapping/>
-  </p:clrMapOvr>
-  <mc:AlternateContent xmlns:mc="http://schemas.openxmlformats.org/markup-compatibility/2006" xmlns:p14="http://schemas.microsoft.com/office/powerpoint/2010/main">
-    <mc:Choice Requires="p14">
-      <p:transition spd="med" p14:dur="700">
-        <p:fade/>
-      </p:transition>
-    </mc:Choice>
-    <mc:Fallback xmlns="">
-      <p:transition spd="med">
-        <p:fade/>
-      </p:transition>
-    </mc:Fallback>
-  </mc:AlternateContent>
-</p:sld>
-</file>
-
-<file path=ppt/slides/slide13.xml><?xml version="1.0" encoding="utf-8"?>
-<p:sld xmlns:a="http://schemas.openxmlformats.org/drawingml/2006/main" xmlns:r="http://schemas.openxmlformats.org/officeDocument/2006/relationships" xmlns:p="http://schemas.openxmlformats.org/presentationml/2006/main">
-  <p:cSld>
-    <p:spTree>
-      <p:nvGrpSpPr>
-        <p:cNvPr id="1" name="Shape 749"/>
-        <p:cNvGrpSpPr/>
-        <p:nvPr/>
-      </p:nvGrpSpPr>
-      <p:grpSpPr>
-        <a:xfrm>
-          <a:off x="0" y="0"/>
-          <a:ext cx="0" cy="0"/>
-          <a:chOff x="0" y="0"/>
-          <a:chExt cx="0" cy="0"/>
-        </a:xfrm>
-      </p:grpSpPr>
-      <p:sp>
-        <p:nvSpPr>
-          <p:cNvPr id="5" name="Google Shape;62;p6">
-            <a:extLst>
-              <a:ext uri="{FF2B5EF4-FFF2-40B4-BE49-F238E27FC236}">
-                <a16:creationId xmlns:a16="http://schemas.microsoft.com/office/drawing/2014/main" id="{FBC28851-0F6B-4550-837A-598F97BA7949}"/>
-              </a:ext>
-            </a:extLst>
-          </p:cNvPr>
-          <p:cNvSpPr/>
-          <p:nvPr/>
-        </p:nvSpPr>
-        <p:spPr>
-          <a:xfrm>
-            <a:off x="183229" y="147039"/>
-            <a:ext cx="11025098" cy="535258"/>
-          </a:xfrm>
-          <a:prstGeom prst="rect">
-            <a:avLst/>
-          </a:prstGeom>
-          <a:noFill/>
-          <a:ln>
-            <a:noFill/>
-          </a:ln>
-        </p:spPr>
-        <p:txBody>
-          <a:bodyPr spcFirstLastPara="1" wrap="square" lIns="91425" tIns="45700" rIns="91425" bIns="45700" anchor="t" anchorCtr="0">
-            <a:noAutofit/>
-          </a:bodyPr>
-          <a:lstStyle/>
-          <a:p>
-            <a:r>
-              <a:rPr lang="en-US" sz="3600" b="1" dirty="0">
-                <a:solidFill>
-                  <a:srgbClr val="0070C0"/>
-                </a:solidFill>
-                <a:latin typeface="Gotham Light" pitchFamily="50" charset="0"/>
-                <a:cs typeface="Calibri"/>
-              </a:rPr>
-              <a:t>Scale of measurement and measure of central tendency</a:t>
-            </a:r>
-          </a:p>
-        </p:txBody>
-      </p:sp>
-      <p:pic>
-        <p:nvPicPr>
-          <p:cNvPr id="6" name="Picture 5">
-            <a:extLst>
-              <a:ext uri="{FF2B5EF4-FFF2-40B4-BE49-F238E27FC236}">
-                <a16:creationId xmlns:a16="http://schemas.microsoft.com/office/drawing/2014/main" id="{E6EDC5A1-1344-47CA-9AA3-5E19F2A66D5D}"/>
-              </a:ext>
-            </a:extLst>
-          </p:cNvPr>
-          <p:cNvPicPr/>
-          <p:nvPr/>
-        </p:nvPicPr>
-        <p:blipFill>
-          <a:blip r:embed="rId3">
-            <a:extLst>
-              <a:ext uri="{28A0092B-C50C-407E-A947-70E740481C1C}">
-                <a14:useLocalDpi xmlns:a14="http://schemas.microsoft.com/office/drawing/2010/main" val="0"/>
-              </a:ext>
-            </a:extLst>
-          </a:blip>
-          <a:stretch>
-            <a:fillRect/>
-          </a:stretch>
-        </p:blipFill>
-        <p:spPr>
-          <a:xfrm>
-            <a:off x="1226128" y="1246164"/>
-            <a:ext cx="9739745" cy="4988379"/>
-          </a:xfrm>
-          <a:prstGeom prst="rect">
-            <a:avLst/>
-          </a:prstGeom>
-        </p:spPr>
-      </p:pic>
-    </p:spTree>
-    <p:extLst>
-      <p:ext uri="{BB962C8B-B14F-4D97-AF65-F5344CB8AC3E}">
-        <p14:creationId xmlns:p14="http://schemas.microsoft.com/office/powerpoint/2010/main" val="1906562377"/>
-      </p:ext>
-    </p:extLst>
-  </p:cSld>
-  <p:clrMapOvr>
-    <a:masterClrMapping/>
-  </p:clrMapOvr>
-  <mc:AlternateContent xmlns:mc="http://schemas.openxmlformats.org/markup-compatibility/2006" xmlns:p14="http://schemas.microsoft.com/office/powerpoint/2010/main">
-    <mc:Choice Requires="p14">
-      <p:transition spd="med" p14:dur="700">
-        <p:fade/>
-      </p:transition>
-    </mc:Choice>
-    <mc:Fallback xmlns="">
-      <p:transition spd="med">
-        <p:fade/>
-      </p:transition>
-    </mc:Fallback>
-  </mc:AlternateContent>
-</p:sld>
-</file>
-
-<file path=ppt/slides/slide14.xml><?xml version="1.0" encoding="utf-8"?>
-<p:sld xmlns:a="http://schemas.openxmlformats.org/drawingml/2006/main" xmlns:r="http://schemas.openxmlformats.org/officeDocument/2006/relationships" xmlns:p="http://schemas.openxmlformats.org/presentationml/2006/main">
-  <p:cSld>
-    <p:spTree>
-      <p:nvGrpSpPr>
-        <p:cNvPr id="1" name="Shape 749"/>
-        <p:cNvGrpSpPr/>
-        <p:nvPr/>
-      </p:nvGrpSpPr>
-      <p:grpSpPr>
-        <a:xfrm>
-          <a:off x="0" y="0"/>
-          <a:ext cx="0" cy="0"/>
-          <a:chOff x="0" y="0"/>
-          <a:chExt cx="0" cy="0"/>
-        </a:xfrm>
-      </p:grpSpPr>
-      <p:pic>
-        <p:nvPicPr>
-          <p:cNvPr id="5" name="Picture 4">
-            <a:extLst>
-              <a:ext uri="{FF2B5EF4-FFF2-40B4-BE49-F238E27FC236}">
-                <a16:creationId xmlns:a16="http://schemas.microsoft.com/office/drawing/2014/main" id="{73C5115E-CD3F-43DC-8219-13AC7387CE59}"/>
-              </a:ext>
-            </a:extLst>
-          </p:cNvPr>
-          <p:cNvPicPr>
-            <a:picLocks noChangeAspect="1"/>
-          </p:cNvPicPr>
-          <p:nvPr/>
-        </p:nvPicPr>
-        <p:blipFill>
-          <a:blip r:embed="rId3">
-            <a:extLst>
-              <a:ext uri="{28A0092B-C50C-407E-A947-70E740481C1C}">
-                <a14:useLocalDpi xmlns:a14="http://schemas.microsoft.com/office/drawing/2010/main" val="0"/>
-              </a:ext>
-            </a:extLst>
-          </a:blip>
-          <a:stretch>
-            <a:fillRect/>
-          </a:stretch>
-        </p:blipFill>
-        <p:spPr>
-          <a:xfrm>
-            <a:off x="2218996" y="1132297"/>
-            <a:ext cx="6934200" cy="5200650"/>
-          </a:xfrm>
-          <a:prstGeom prst="rect">
-            <a:avLst/>
-          </a:prstGeom>
-        </p:spPr>
-      </p:pic>
-    </p:spTree>
-    <p:extLst>
-      <p:ext uri="{BB962C8B-B14F-4D97-AF65-F5344CB8AC3E}">
-        <p14:creationId xmlns:p14="http://schemas.microsoft.com/office/powerpoint/2010/main" val="2836296420"/>
-      </p:ext>
-    </p:extLst>
-  </p:cSld>
-  <p:clrMapOvr>
-    <a:masterClrMapping/>
-  </p:clrMapOvr>
-  <mc:AlternateContent xmlns:mc="http://schemas.openxmlformats.org/markup-compatibility/2006" xmlns:p14="http://schemas.microsoft.com/office/powerpoint/2010/main">
-    <mc:Choice Requires="p14">
-      <p:transition spd="med" p14:dur="700">
-        <p:fade/>
-      </p:transition>
-    </mc:Choice>
-    <mc:Fallback xmlns="">
-      <p:transition spd="med">
-        <p:fade/>
-      </p:transition>
-    </mc:Fallback>
-  </mc:AlternateContent>
-</p:sld>
-</file>
-
-<file path=ppt/slides/slide2.xml><?xml version="1.0" encoding="utf-8"?>
-<p:sld xmlns:a="http://schemas.openxmlformats.org/drawingml/2006/main" xmlns:r="http://schemas.openxmlformats.org/officeDocument/2006/relationships" xmlns:p="http://schemas.openxmlformats.org/presentationml/2006/main">
-  <p:cSld>
-    <p:spTree>
-      <p:nvGrpSpPr>
-        <p:cNvPr id="1" name=""/>
-        <p:cNvGrpSpPr/>
-        <p:nvPr/>
-      </p:nvGrpSpPr>
-      <p:grpSpPr>
-        <a:xfrm>
-          <a:off x="0" y="0"/>
-          <a:ext cx="0" cy="0"/>
-          <a:chOff x="0" y="0"/>
-          <a:chExt cx="0" cy="0"/>
-        </a:xfrm>
-      </p:grpSpPr>
-      <p:sp>
-        <p:nvSpPr>
-          <p:cNvPr id="2" name="Title 1"/>
-          <p:cNvSpPr>
-            <a:spLocks noGrp="1"/>
-          </p:cNvSpPr>
-          <p:nvPr>
-            <p:ph type="ctrTitle"/>
-          </p:nvPr>
-        </p:nvSpPr>
-        <p:spPr>
-          <a:xfrm>
-            <a:off x="66351" y="6101561"/>
-            <a:ext cx="12193443" cy="624786"/>
-          </a:xfrm>
-        </p:spPr>
-        <p:txBody>
-          <a:bodyPr/>
-          <a:lstStyle/>
-          <a:p>
-            <a:r>
-              <a:rPr lang="en-US" sz="4400" dirty="0">
-                <a:solidFill>
-                  <a:srgbClr val="0070C0"/>
-                </a:solidFill>
-              </a:rPr>
-              <a:t>Scale of measurement</a:t>
-            </a:r>
-            <a:endParaRPr lang="en-GB" sz="4400" dirty="0">
-              <a:solidFill>
-                <a:srgbClr val="0070C0"/>
-              </a:solidFill>
-            </a:endParaRPr>
-          </a:p>
-        </p:txBody>
-      </p:sp>
-    </p:spTree>
-    <p:extLst>
-      <p:ext uri="{BB962C8B-B14F-4D97-AF65-F5344CB8AC3E}">
-        <p14:creationId xmlns:p14="http://schemas.microsoft.com/office/powerpoint/2010/main" val="3510249180"/>
-      </p:ext>
-    </p:extLst>
-  </p:cSld>
-  <p:clrMapOvr>
-    <a:masterClrMapping/>
-  </p:clrMapOvr>
-  <mc:AlternateContent xmlns:mc="http://schemas.openxmlformats.org/markup-compatibility/2006" xmlns:p14="http://schemas.microsoft.com/office/powerpoint/2010/main">
-    <mc:Choice Requires="p14">
-      <p:transition spd="med" p14:dur="700">
-        <p:fade/>
-      </p:transition>
-    </mc:Choice>
-    <mc:Fallback xmlns="">
-      <p:transition spd="med">
-        <p:fade/>
-      </p:transition>
-    </mc:Fallback>
-  </mc:AlternateContent>
-</p:sld>
-</file>
-
 <file path=ppt/slides/slide3.xml><?xml version="1.0" encoding="utf-8"?>
 <p:sld xmlns:a="http://schemas.openxmlformats.org/drawingml/2006/main" xmlns:r="http://schemas.openxmlformats.org/officeDocument/2006/relationships" xmlns:p="http://schemas.openxmlformats.org/presentationml/2006/main">
   <p:cSld>
@@ -8876,8 +5397,8 @@
         </p:nvSpPr>
         <p:spPr>
           <a:xfrm>
-            <a:off x="210939" y="1840219"/>
-            <a:ext cx="11681633" cy="3709349"/>
+            <a:off x="210939" y="723861"/>
+            <a:ext cx="11681633" cy="5925340"/>
           </a:xfrm>
           <a:prstGeom prst="rect">
             <a:avLst/>
@@ -8896,7 +5417,59 @@
             </a:pPr>
             <a:r>
               <a:rPr lang="en-US" sz="3200" dirty="0"/>
-              <a:t>Data can be qualitative or quantitative. A qualitative data is observed and recorded, for example gender while quantitative data is the type of data that arise as a result of numerical estimation or measurement, for example weight of a person. Both qualitative and quantitative have their scale of measurement. </a:t>
+              <a:t>In the other hand, each level of measurement scale has specific properties that determine the various use of statistical analysis or approach. The four types of scales at which we can categorize data  are:</a:t>
+            </a:r>
+          </a:p>
+          <a:p>
+            <a:pPr marL="457200" indent="-457200">
+              <a:lnSpc>
+                <a:spcPct val="150000"/>
+              </a:lnSpc>
+              <a:buFont typeface="Wingdings" panose="05000000000000000000" pitchFamily="2" charset="2"/>
+              <a:buChar char="§"/>
+            </a:pPr>
+            <a:r>
+              <a:rPr lang="en-US" sz="3200" dirty="0"/>
+              <a:t>Nominal</a:t>
+            </a:r>
+          </a:p>
+          <a:p>
+            <a:pPr marL="457200" indent="-457200">
+              <a:lnSpc>
+                <a:spcPct val="150000"/>
+              </a:lnSpc>
+              <a:buFont typeface="Wingdings" panose="05000000000000000000" pitchFamily="2" charset="2"/>
+              <a:buChar char="§"/>
+            </a:pPr>
+            <a:r>
+              <a:rPr lang="en-US" sz="3200" dirty="0"/>
+              <a:t>Ordinal</a:t>
+            </a:r>
+          </a:p>
+          <a:p>
+            <a:pPr marL="457200" indent="-457200">
+              <a:lnSpc>
+                <a:spcPct val="150000"/>
+              </a:lnSpc>
+              <a:buFont typeface="Wingdings" panose="05000000000000000000" pitchFamily="2" charset="2"/>
+              <a:buChar char="§"/>
+            </a:pPr>
+            <a:r>
+              <a:rPr lang="en-US" sz="3200" dirty="0"/>
+              <a:t>Interval</a:t>
+            </a:r>
+          </a:p>
+          <a:p>
+            <a:pPr marL="457200" indent="-457200">
+              <a:lnSpc>
+                <a:spcPct val="150000"/>
+              </a:lnSpc>
+              <a:buFont typeface="Wingdings" panose="05000000000000000000" pitchFamily="2" charset="2"/>
+              <a:buChar char="§"/>
+            </a:pPr>
+            <a:r>
+              <a:rPr lang="en-US" sz="3200" dirty="0"/>
+              <a:t>ratio</a:t>
             </a:r>
             <a:endParaRPr lang="en-US" sz="3600" dirty="0">
               <a:solidFill>
@@ -8955,7 +5528,7 @@
                 <a:latin typeface="Gotham Light" pitchFamily="50" charset="0"/>
                 <a:cs typeface="Calibri"/>
               </a:rPr>
-              <a:t>Branch of statistics</a:t>
+              <a:t>Scale of measurement</a:t>
             </a:r>
             <a:endParaRPr sz="3600" b="1" dirty="0">
               <a:solidFill>
@@ -8971,7 +5544,7 @@
     </p:spTree>
     <p:extLst>
       <p:ext uri="{BB962C8B-B14F-4D97-AF65-F5344CB8AC3E}">
-        <p14:creationId xmlns:p14="http://schemas.microsoft.com/office/powerpoint/2010/main" val="534554956"/>
+        <p14:creationId xmlns:p14="http://schemas.microsoft.com/office/powerpoint/2010/main" val="2444454643"/>
       </p:ext>
     </p:extLst>
   </p:cSld>
@@ -9115,284 +5688,6 @@
           </a:bodyPr>
           <a:lstStyle/>
           <a:p>
-            <a:pPr algn="just">
-              <a:lnSpc>
-                <a:spcPct val="150000"/>
-              </a:lnSpc>
-            </a:pPr>
-            <a:r>
-              <a:rPr lang="en-US" sz="3200" dirty="0"/>
-              <a:t>In the other hand, each level of measurement scale has specific properties that determine the various use of statistical analysis or approach. The four types of scales at which we can categorize data  are:</a:t>
-            </a:r>
-          </a:p>
-          <a:p>
-            <a:pPr marL="457200" indent="-457200">
-              <a:lnSpc>
-                <a:spcPct val="150000"/>
-              </a:lnSpc>
-              <a:buFont typeface="Wingdings" panose="05000000000000000000" pitchFamily="2" charset="2"/>
-              <a:buChar char="§"/>
-            </a:pPr>
-            <a:r>
-              <a:rPr lang="en-US" sz="3200" dirty="0"/>
-              <a:t>Nominal</a:t>
-            </a:r>
-          </a:p>
-          <a:p>
-            <a:pPr marL="457200" indent="-457200">
-              <a:lnSpc>
-                <a:spcPct val="150000"/>
-              </a:lnSpc>
-              <a:buFont typeface="Wingdings" panose="05000000000000000000" pitchFamily="2" charset="2"/>
-              <a:buChar char="§"/>
-            </a:pPr>
-            <a:r>
-              <a:rPr lang="en-US" sz="3200" dirty="0"/>
-              <a:t>Ordinal</a:t>
-            </a:r>
-          </a:p>
-          <a:p>
-            <a:pPr marL="457200" indent="-457200">
-              <a:lnSpc>
-                <a:spcPct val="150000"/>
-              </a:lnSpc>
-              <a:buFont typeface="Wingdings" panose="05000000000000000000" pitchFamily="2" charset="2"/>
-              <a:buChar char="§"/>
-            </a:pPr>
-            <a:r>
-              <a:rPr lang="en-US" sz="3200" dirty="0"/>
-              <a:t>Interval</a:t>
-            </a:r>
-          </a:p>
-          <a:p>
-            <a:pPr marL="457200" indent="-457200">
-              <a:lnSpc>
-                <a:spcPct val="150000"/>
-              </a:lnSpc>
-              <a:buFont typeface="Wingdings" panose="05000000000000000000" pitchFamily="2" charset="2"/>
-              <a:buChar char="§"/>
-            </a:pPr>
-            <a:r>
-              <a:rPr lang="en-US" sz="3200" dirty="0"/>
-              <a:t>ratio</a:t>
-            </a:r>
-            <a:endParaRPr lang="en-US" sz="3600" dirty="0">
-              <a:solidFill>
-                <a:schemeClr val="tx1"/>
-              </a:solidFill>
-              <a:latin typeface="+mj-lt"/>
-            </a:endParaRPr>
-          </a:p>
-        </p:txBody>
-      </p:sp>
-      <p:sp>
-        <p:nvSpPr>
-          <p:cNvPr id="4" name="Google Shape;62;p6">
-            <a:extLst>
-              <a:ext uri="{FF2B5EF4-FFF2-40B4-BE49-F238E27FC236}">
-                <a16:creationId xmlns:a16="http://schemas.microsoft.com/office/drawing/2014/main" id="{F38B11BB-56D0-4B55-AD54-292CE6C26D8D}"/>
-              </a:ext>
-            </a:extLst>
-          </p:cNvPr>
-          <p:cNvSpPr/>
-          <p:nvPr/>
-        </p:nvSpPr>
-        <p:spPr>
-          <a:xfrm>
-            <a:off x="210939" y="188603"/>
-            <a:ext cx="6905414" cy="535258"/>
-          </a:xfrm>
-          <a:prstGeom prst="rect">
-            <a:avLst/>
-          </a:prstGeom>
-          <a:noFill/>
-          <a:ln>
-            <a:noFill/>
-          </a:ln>
-        </p:spPr>
-        <p:txBody>
-          <a:bodyPr spcFirstLastPara="1" wrap="square" lIns="91425" tIns="45700" rIns="91425" bIns="45700" anchor="t" anchorCtr="0">
-            <a:noAutofit/>
-          </a:bodyPr>
-          <a:lstStyle/>
-          <a:p>
-            <a:pPr marL="0" marR="0" lvl="0" indent="0" algn="l" rtl="0">
-              <a:spcBef>
-                <a:spcPts val="0"/>
-              </a:spcBef>
-              <a:spcAft>
-                <a:spcPts val="0"/>
-              </a:spcAft>
-              <a:buNone/>
-            </a:pPr>
-            <a:r>
-              <a:rPr lang="en-US" sz="3600" b="1" dirty="0">
-                <a:solidFill>
-                  <a:srgbClr val="0070C0"/>
-                </a:solidFill>
-                <a:latin typeface="Gotham Light" pitchFamily="50" charset="0"/>
-                <a:cs typeface="Calibri"/>
-              </a:rPr>
-              <a:t>Scale of measurement</a:t>
-            </a:r>
-            <a:endParaRPr sz="3600" b="1" dirty="0">
-              <a:solidFill>
-                <a:srgbClr val="0070C0"/>
-              </a:solidFill>
-              <a:latin typeface="Gotham Light" pitchFamily="50" charset="0"/>
-              <a:cs typeface="Calibri"/>
-              <a:sym typeface="Calibri"/>
-            </a:endParaRPr>
-          </a:p>
-        </p:txBody>
-      </p:sp>
-    </p:spTree>
-    <p:extLst>
-      <p:ext uri="{BB962C8B-B14F-4D97-AF65-F5344CB8AC3E}">
-        <p14:creationId xmlns:p14="http://schemas.microsoft.com/office/powerpoint/2010/main" val="2444454643"/>
-      </p:ext>
-    </p:extLst>
-  </p:cSld>
-  <p:clrMapOvr>
-    <a:masterClrMapping/>
-  </p:clrMapOvr>
-  <mc:AlternateContent xmlns:mc="http://schemas.openxmlformats.org/markup-compatibility/2006" xmlns:p14="http://schemas.microsoft.com/office/powerpoint/2010/main">
-    <mc:Choice Requires="p14">
-      <p:transition spd="med" p14:dur="700">
-        <p:fade/>
-      </p:transition>
-    </mc:Choice>
-    <mc:Fallback xmlns="">
-      <p:transition spd="med">
-        <p:fade/>
-      </p:transition>
-    </mc:Fallback>
-  </mc:AlternateContent>
-  <p:timing>
-    <p:tnLst>
-      <p:par>
-        <p:cTn id="1" dur="indefinite" restart="never" nodeType="tmRoot">
-          <p:childTnLst>
-            <p:seq concurrent="1" nextAc="seek">
-              <p:cTn id="2" dur="indefinite" nodeType="mainSeq">
-                <p:childTnLst>
-                  <p:par>
-                    <p:cTn id="3" fill="hold">
-                      <p:stCondLst>
-                        <p:cond delay="indefinite"/>
-                      </p:stCondLst>
-                      <p:childTnLst>
-                        <p:par>
-                          <p:cTn id="4" fill="hold">
-                            <p:stCondLst>
-                              <p:cond delay="0"/>
-                            </p:stCondLst>
-                            <p:childTnLst>
-                              <p:par>
-                                <p:cTn id="5" presetID="1" presetClass="entr" presetSubtype="0" fill="hold" grpId="0" nodeType="clickEffect">
-                                  <p:stCondLst>
-                                    <p:cond delay="0"/>
-                                  </p:stCondLst>
-                                  <p:childTnLst>
-                                    <p:set>
-                                      <p:cBhvr>
-                                        <p:cTn id="6" dur="1" fill="hold">
-                                          <p:stCondLst>
-                                            <p:cond delay="0"/>
-                                          </p:stCondLst>
-                                        </p:cTn>
-                                        <p:tgtEl>
-                                          <p:spTgt spid="3"/>
-                                        </p:tgtEl>
-                                        <p:attrNameLst>
-                                          <p:attrName>style.visibility</p:attrName>
-                                        </p:attrNameLst>
-                                      </p:cBhvr>
-                                      <p:to>
-                                        <p:strVal val="visible"/>
-                                      </p:to>
-                                    </p:set>
-                                  </p:childTnLst>
-                                </p:cTn>
-                              </p:par>
-                            </p:childTnLst>
-                          </p:cTn>
-                        </p:par>
-                      </p:childTnLst>
-                    </p:cTn>
-                  </p:par>
-                </p:childTnLst>
-              </p:cTn>
-              <p:prevCondLst>
-                <p:cond evt="onPrev" delay="0">
-                  <p:tgtEl>
-                    <p:sldTgt/>
-                  </p:tgtEl>
-                </p:cond>
-              </p:prevCondLst>
-              <p:nextCondLst>
-                <p:cond evt="onNext" delay="0">
-                  <p:tgtEl>
-                    <p:sldTgt/>
-                  </p:tgtEl>
-                </p:cond>
-              </p:nextCondLst>
-            </p:seq>
-          </p:childTnLst>
-        </p:cTn>
-      </p:par>
-    </p:tnLst>
-    <p:bldLst>
-      <p:bldP spid="3" grpId="0"/>
-    </p:bldLst>
-  </p:timing>
-</p:sld>
-</file>
-
-<file path=ppt/slides/slide5.xml><?xml version="1.0" encoding="utf-8"?>
-<p:sld xmlns:a="http://schemas.openxmlformats.org/drawingml/2006/main" xmlns:r="http://schemas.openxmlformats.org/officeDocument/2006/relationships" xmlns:p="http://schemas.openxmlformats.org/presentationml/2006/main">
-  <p:cSld>
-    <p:spTree>
-      <p:nvGrpSpPr>
-        <p:cNvPr id="1" name="Shape 749"/>
-        <p:cNvGrpSpPr/>
-        <p:nvPr/>
-      </p:nvGrpSpPr>
-      <p:grpSpPr>
-        <a:xfrm>
-          <a:off x="0" y="0"/>
-          <a:ext cx="0" cy="0"/>
-          <a:chOff x="0" y="0"/>
-          <a:chExt cx="0" cy="0"/>
-        </a:xfrm>
-      </p:grpSpPr>
-      <p:sp>
-        <p:nvSpPr>
-          <p:cNvPr id="3" name="Rectangle 2">
-            <a:extLst>
-              <a:ext uri="{FF2B5EF4-FFF2-40B4-BE49-F238E27FC236}">
-                <a16:creationId xmlns:a16="http://schemas.microsoft.com/office/drawing/2014/main" id="{C03C8679-6761-42E5-8CBA-48083BEE7BBB}"/>
-              </a:ext>
-            </a:extLst>
-          </p:cNvPr>
-          <p:cNvSpPr/>
-          <p:nvPr/>
-        </p:nvSpPr>
-        <p:spPr>
-          <a:xfrm>
-            <a:off x="210939" y="723861"/>
-            <a:ext cx="11681633" cy="5925340"/>
-          </a:xfrm>
-          <a:prstGeom prst="rect">
-            <a:avLst/>
-          </a:prstGeom>
-        </p:spPr>
-        <p:txBody>
-          <a:bodyPr wrap="square">
-            <a:spAutoFit/>
-          </a:bodyPr>
-          <a:lstStyle/>
-          <a:p>
             <a:pPr marL="457200" indent="-457200">
               <a:lnSpc>
                 <a:spcPct val="150000"/>
@@ -9623,7 +5918,7 @@
 </p:sld>
 </file>
 
-<file path=ppt/slides/slide6.xml><?xml version="1.0" encoding="utf-8"?>
+<file path=ppt/slides/slide5.xml><?xml version="1.0" encoding="utf-8"?>
 <p:sld xmlns:a="http://schemas.openxmlformats.org/drawingml/2006/main" xmlns:r="http://schemas.openxmlformats.org/officeDocument/2006/relationships" xmlns:p="http://schemas.openxmlformats.org/presentationml/2006/main">
   <p:cSld>
     <p:spTree>
@@ -9901,7 +6196,7 @@
 </p:sld>
 </file>
 
-<file path=ppt/slides/slide7.xml><?xml version="1.0" encoding="utf-8"?>
+<file path=ppt/slides/slide6.xml><?xml version="1.0" encoding="utf-8"?>
 <p:sld xmlns:a="http://schemas.openxmlformats.org/drawingml/2006/main" xmlns:r="http://schemas.openxmlformats.org/officeDocument/2006/relationships" xmlns:p="http://schemas.openxmlformats.org/presentationml/2006/main">
   <p:cSld>
     <p:spTree>
@@ -10167,7 +6462,7 @@
 </p:sld>
 </file>
 
-<file path=ppt/slides/slide8.xml><?xml version="1.0" encoding="utf-8"?>
+<file path=ppt/slides/slide7.xml><?xml version="1.0" encoding="utf-8"?>
 <p:sld xmlns:a="http://schemas.openxmlformats.org/drawingml/2006/main" xmlns:r="http://schemas.openxmlformats.org/officeDocument/2006/relationships" xmlns:p="http://schemas.openxmlformats.org/presentationml/2006/main">
   <p:cSld>
     <p:spTree>
@@ -10738,7 +7033,7 @@
 </p:sld>
 </file>
 
-<file path=ppt/slides/slide9.xml><?xml version="1.0" encoding="utf-8"?>
+<file path=ppt/slides/slide8.xml><?xml version="1.0" encoding="utf-8"?>
 <p:sld xmlns:a="http://schemas.openxmlformats.org/drawingml/2006/main" xmlns:r="http://schemas.openxmlformats.org/officeDocument/2006/relationships" xmlns:p="http://schemas.openxmlformats.org/presentationml/2006/main">
   <p:cSld>
     <p:spTree>
@@ -10870,6 +7165,228 @@
     <p:extLst>
       <p:ext uri="{BB962C8B-B14F-4D97-AF65-F5344CB8AC3E}">
         <p14:creationId xmlns:p14="http://schemas.microsoft.com/office/powerpoint/2010/main" val="1277628440"/>
+      </p:ext>
+    </p:extLst>
+  </p:cSld>
+  <p:clrMapOvr>
+    <a:masterClrMapping/>
+  </p:clrMapOvr>
+  <mc:AlternateContent xmlns:mc="http://schemas.openxmlformats.org/markup-compatibility/2006" xmlns:p14="http://schemas.microsoft.com/office/powerpoint/2010/main">
+    <mc:Choice Requires="p14">
+      <p:transition spd="med" p14:dur="700">
+        <p:fade/>
+      </p:transition>
+    </mc:Choice>
+    <mc:Fallback xmlns="">
+      <p:transition spd="med">
+        <p:fade/>
+      </p:transition>
+    </mc:Fallback>
+  </mc:AlternateContent>
+  <p:timing>
+    <p:tnLst>
+      <p:par>
+        <p:cTn id="1" dur="indefinite" restart="never" nodeType="tmRoot">
+          <p:childTnLst>
+            <p:seq concurrent="1" nextAc="seek">
+              <p:cTn id="2" dur="indefinite" nodeType="mainSeq">
+                <p:childTnLst>
+                  <p:par>
+                    <p:cTn id="3" fill="hold">
+                      <p:stCondLst>
+                        <p:cond delay="indefinite"/>
+                      </p:stCondLst>
+                      <p:childTnLst>
+                        <p:par>
+                          <p:cTn id="4" fill="hold">
+                            <p:stCondLst>
+                              <p:cond delay="0"/>
+                            </p:stCondLst>
+                            <p:childTnLst>
+                              <p:par>
+                                <p:cTn id="5" presetID="1" presetClass="entr" presetSubtype="0" fill="hold" grpId="0" nodeType="clickEffect">
+                                  <p:stCondLst>
+                                    <p:cond delay="0"/>
+                                  </p:stCondLst>
+                                  <p:childTnLst>
+                                    <p:set>
+                                      <p:cBhvr>
+                                        <p:cTn id="6" dur="1" fill="hold">
+                                          <p:stCondLst>
+                                            <p:cond delay="0"/>
+                                          </p:stCondLst>
+                                        </p:cTn>
+                                        <p:tgtEl>
+                                          <p:spTgt spid="3"/>
+                                        </p:tgtEl>
+                                        <p:attrNameLst>
+                                          <p:attrName>style.visibility</p:attrName>
+                                        </p:attrNameLst>
+                                      </p:cBhvr>
+                                      <p:to>
+                                        <p:strVal val="visible"/>
+                                      </p:to>
+                                    </p:set>
+                                  </p:childTnLst>
+                                </p:cTn>
+                              </p:par>
+                            </p:childTnLst>
+                          </p:cTn>
+                        </p:par>
+                      </p:childTnLst>
+                    </p:cTn>
+                  </p:par>
+                </p:childTnLst>
+              </p:cTn>
+              <p:prevCondLst>
+                <p:cond evt="onPrev" delay="0">
+                  <p:tgtEl>
+                    <p:sldTgt/>
+                  </p:tgtEl>
+                </p:cond>
+              </p:prevCondLst>
+              <p:nextCondLst>
+                <p:cond evt="onNext" delay="0">
+                  <p:tgtEl>
+                    <p:sldTgt/>
+                  </p:tgtEl>
+                </p:cond>
+              </p:nextCondLst>
+            </p:seq>
+          </p:childTnLst>
+        </p:cTn>
+      </p:par>
+    </p:tnLst>
+    <p:bldLst>
+      <p:bldP spid="3" grpId="0"/>
+    </p:bldLst>
+  </p:timing>
+</p:sld>
+</file>
+
+<file path=ppt/slides/slide9.xml><?xml version="1.0" encoding="utf-8"?>
+<p:sld xmlns:a="http://schemas.openxmlformats.org/drawingml/2006/main" xmlns:r="http://schemas.openxmlformats.org/officeDocument/2006/relationships" xmlns:p="http://schemas.openxmlformats.org/presentationml/2006/main">
+  <p:cSld>
+    <p:spTree>
+      <p:nvGrpSpPr>
+        <p:cNvPr id="1" name="Shape 749"/>
+        <p:cNvGrpSpPr/>
+        <p:nvPr/>
+      </p:nvGrpSpPr>
+      <p:grpSpPr>
+        <a:xfrm>
+          <a:off x="0" y="0"/>
+          <a:ext cx="0" cy="0"/>
+          <a:chOff x="0" y="0"/>
+          <a:chExt cx="0" cy="0"/>
+        </a:xfrm>
+      </p:grpSpPr>
+      <p:sp>
+        <p:nvSpPr>
+          <p:cNvPr id="3" name="Rectangle 2">
+            <a:extLst>
+              <a:ext uri="{FF2B5EF4-FFF2-40B4-BE49-F238E27FC236}">
+                <a16:creationId xmlns:a16="http://schemas.microsoft.com/office/drawing/2014/main" id="{C03C8679-6761-42E5-8CBA-48083BEE7BBB}"/>
+              </a:ext>
+            </a:extLst>
+          </p:cNvPr>
+          <p:cNvSpPr/>
+          <p:nvPr/>
+        </p:nvSpPr>
+        <p:spPr>
+          <a:xfrm>
+            <a:off x="299427" y="1462500"/>
+            <a:ext cx="11593145" cy="4448013"/>
+          </a:xfrm>
+          <a:prstGeom prst="rect">
+            <a:avLst/>
+          </a:prstGeom>
+        </p:spPr>
+        <p:txBody>
+          <a:bodyPr wrap="square">
+            <a:spAutoFit/>
+          </a:bodyPr>
+          <a:lstStyle/>
+          <a:p>
+            <a:pPr algn="just">
+              <a:lnSpc>
+                <a:spcPct val="150000"/>
+              </a:lnSpc>
+            </a:pPr>
+            <a:r>
+              <a:rPr lang="en-US" sz="3200" dirty="0"/>
+              <a:t>The interval type allows for the degree of difference between items, but not the ratio between them.</a:t>
+            </a:r>
+          </a:p>
+          <a:p>
+            <a:pPr algn="just">
+              <a:lnSpc>
+                <a:spcPct val="150000"/>
+              </a:lnSpc>
+            </a:pPr>
+            <a:endParaRPr lang="en-US" sz="3200" dirty="0"/>
+          </a:p>
+          <a:p>
+            <a:pPr algn="just">
+              <a:lnSpc>
+                <a:spcPct val="150000"/>
+              </a:lnSpc>
+            </a:pPr>
+            <a:r>
+              <a:rPr lang="en-US" sz="3200" dirty="0"/>
+              <a:t>We can use mode, median, and arithmetic mean as a measure of central tendency in the interval scale while range and standard deviation can be used as measure dispersion. </a:t>
+            </a:r>
+          </a:p>
+        </p:txBody>
+      </p:sp>
+      <p:sp>
+        <p:nvSpPr>
+          <p:cNvPr id="4" name="Google Shape;62;p6">
+            <a:extLst>
+              <a:ext uri="{FF2B5EF4-FFF2-40B4-BE49-F238E27FC236}">
+                <a16:creationId xmlns:a16="http://schemas.microsoft.com/office/drawing/2014/main" id="{F38B11BB-56D0-4B55-AD54-292CE6C26D8D}"/>
+              </a:ext>
+            </a:extLst>
+          </p:cNvPr>
+          <p:cNvSpPr/>
+          <p:nvPr/>
+        </p:nvSpPr>
+        <p:spPr>
+          <a:xfrm>
+            <a:off x="210939" y="188603"/>
+            <a:ext cx="6905414" cy="535258"/>
+          </a:xfrm>
+          <a:prstGeom prst="rect">
+            <a:avLst/>
+          </a:prstGeom>
+          <a:noFill/>
+          <a:ln>
+            <a:noFill/>
+          </a:ln>
+        </p:spPr>
+        <p:txBody>
+          <a:bodyPr spcFirstLastPara="1" wrap="square" lIns="91425" tIns="45700" rIns="91425" bIns="45700" anchor="t" anchorCtr="0">
+            <a:noAutofit/>
+          </a:bodyPr>
+          <a:lstStyle/>
+          <a:p>
+            <a:r>
+              <a:rPr lang="en-US" sz="3600" b="1" dirty="0">
+                <a:solidFill>
+                  <a:srgbClr val="0070C0"/>
+                </a:solidFill>
+                <a:latin typeface="Gotham Light" pitchFamily="50" charset="0"/>
+                <a:cs typeface="Calibri"/>
+              </a:rPr>
+              <a:t>Interval scale</a:t>
+            </a:r>
+          </a:p>
+        </p:txBody>
+      </p:sp>
+    </p:spTree>
+    <p:extLst>
+      <p:ext uri="{BB962C8B-B14F-4D97-AF65-F5344CB8AC3E}">
+        <p14:creationId xmlns:p14="http://schemas.microsoft.com/office/powerpoint/2010/main" val="666096192"/>
       </p:ext>
     </p:extLst>
   </p:cSld>
@@ -10977,7 +7494,7 @@
 
 <file path=ppt/tags/tag2.xml><?xml version="1.0" encoding="utf-8"?>
 <p:tagLst xmlns:a="http://schemas.openxmlformats.org/drawingml/2006/main" xmlns:r="http://schemas.openxmlformats.org/officeDocument/2006/relationships" xmlns:p="http://schemas.openxmlformats.org/presentationml/2006/main">
-  <p:tag name="THINKCELLSHAPEDONOTDELETE" val="thinkcellActiveDocDoNotDelete"/>
+  <p:tag name="THINKCELLSHAPEDONOTDELETE" val="tUoffiZR5AfClmeIKvM80OQ"/>
 </p:tagLst>
 </file>
 
@@ -10993,232 +7510,7 @@
 </p:tagLst>
 </file>
 
-<file path=ppt/tags/tag5.xml><?xml version="1.0" encoding="utf-8"?>
-<p:tagLst xmlns:a="http://schemas.openxmlformats.org/drawingml/2006/main" xmlns:r="http://schemas.openxmlformats.org/officeDocument/2006/relationships" xmlns:p="http://schemas.openxmlformats.org/presentationml/2006/main">
-  <p:tag name="THINKCELLSHAPEDONOTDELETE" val="thinkcellActiveDocDoNotDelete"/>
-</p:tagLst>
-</file>
-
-<file path=ppt/tags/tag6.xml><?xml version="1.0" encoding="utf-8"?>
-<p:tagLst xmlns:a="http://schemas.openxmlformats.org/drawingml/2006/main" xmlns:r="http://schemas.openxmlformats.org/officeDocument/2006/relationships" xmlns:p="http://schemas.openxmlformats.org/presentationml/2006/main">
-  <p:tag name="THINKCELLSHAPEDONOTDELETE" val="tUoffiZR5AfClmeIKvM80OQ"/>
-</p:tagLst>
-</file>
-
-<file path=ppt/tags/tag7.xml><?xml version="1.0" encoding="utf-8"?>
-<p:tagLst xmlns:a="http://schemas.openxmlformats.org/drawingml/2006/main" xmlns:r="http://schemas.openxmlformats.org/officeDocument/2006/relationships" xmlns:p="http://schemas.openxmlformats.org/presentationml/2006/main">
-  <p:tag name="THINKCELLSHAPEDONOTDELETE" val="thinkcellActiveDocDoNotDelete"/>
-</p:tagLst>
-</file>
-
-<file path=ppt/tags/tag8.xml><?xml version="1.0" encoding="utf-8"?>
-<p:tagLst xmlns:a="http://schemas.openxmlformats.org/drawingml/2006/main" xmlns:r="http://schemas.openxmlformats.org/officeDocument/2006/relationships" xmlns:p="http://schemas.openxmlformats.org/presentationml/2006/main">
-  <p:tag name="THINKCELLSHAPEDONOTDELETE" val="thinkcellActiveDocDoNotDelete"/>
-</p:tagLst>
-</file>
-
 <file path=ppt/theme/theme1.xml><?xml version="1.0" encoding="utf-8"?>
-<a:theme xmlns:a="http://schemas.openxmlformats.org/drawingml/2006/main" name="1_Office Theme">
-  <a:themeElements>
-    <a:clrScheme name="Custom 2">
-      <a:dk1>
-        <a:sysClr val="windowText" lastClr="000000"/>
-      </a:dk1>
-      <a:lt1>
-        <a:sysClr val="window" lastClr="FFFFFF"/>
-      </a:lt1>
-      <a:dk2>
-        <a:srgbClr val="595959"/>
-      </a:dk2>
-      <a:lt2>
-        <a:srgbClr val="E7E6E6"/>
-      </a:lt2>
-      <a:accent1>
-        <a:srgbClr val="165C7D"/>
-      </a:accent1>
-      <a:accent2>
-        <a:srgbClr val="93C90E"/>
-      </a:accent2>
-      <a:accent3>
-        <a:srgbClr val="77C5D5"/>
-      </a:accent3>
-      <a:accent4>
-        <a:srgbClr val="F39130"/>
-      </a:accent4>
-      <a:accent5>
-        <a:srgbClr val="919191"/>
-      </a:accent5>
-      <a:accent6>
-        <a:srgbClr val="F2F2F2"/>
-      </a:accent6>
-      <a:hlink>
-        <a:srgbClr val="165C7D"/>
-      </a:hlink>
-      <a:folHlink>
-        <a:srgbClr val="954F72"/>
-      </a:folHlink>
-    </a:clrScheme>
-    <a:fontScheme name="Custom 10">
-      <a:majorFont>
-        <a:latin typeface="Gotham Light"/>
-        <a:ea typeface=""/>
-        <a:cs typeface=""/>
-      </a:majorFont>
-      <a:minorFont>
-        <a:latin typeface="Gotham Light"/>
-        <a:ea typeface=""/>
-        <a:cs typeface=""/>
-      </a:minorFont>
-    </a:fontScheme>
-    <a:fmtScheme name="Office">
-      <a:fillStyleLst>
-        <a:solidFill>
-          <a:schemeClr val="phClr"/>
-        </a:solidFill>
-        <a:gradFill rotWithShape="1">
-          <a:gsLst>
-            <a:gs pos="0">
-              <a:schemeClr val="phClr">
-                <a:lumMod val="110000"/>
-                <a:satMod val="105000"/>
-                <a:tint val="67000"/>
-              </a:schemeClr>
-            </a:gs>
-            <a:gs pos="50000">
-              <a:schemeClr val="phClr">
-                <a:lumMod val="105000"/>
-                <a:satMod val="103000"/>
-                <a:tint val="73000"/>
-              </a:schemeClr>
-            </a:gs>
-            <a:gs pos="100000">
-              <a:schemeClr val="phClr">
-                <a:lumMod val="105000"/>
-                <a:satMod val="109000"/>
-                <a:tint val="81000"/>
-              </a:schemeClr>
-            </a:gs>
-          </a:gsLst>
-          <a:lin ang="5400000" scaled="0"/>
-        </a:gradFill>
-        <a:gradFill rotWithShape="1">
-          <a:gsLst>
-            <a:gs pos="0">
-              <a:schemeClr val="phClr">
-                <a:satMod val="103000"/>
-                <a:lumMod val="102000"/>
-                <a:tint val="94000"/>
-              </a:schemeClr>
-            </a:gs>
-            <a:gs pos="50000">
-              <a:schemeClr val="phClr">
-                <a:satMod val="110000"/>
-                <a:lumMod val="100000"/>
-                <a:shade val="100000"/>
-              </a:schemeClr>
-            </a:gs>
-            <a:gs pos="100000">
-              <a:schemeClr val="phClr">
-                <a:lumMod val="99000"/>
-                <a:satMod val="120000"/>
-                <a:shade val="78000"/>
-              </a:schemeClr>
-            </a:gs>
-          </a:gsLst>
-          <a:lin ang="5400000" scaled="0"/>
-        </a:gradFill>
-      </a:fillStyleLst>
-      <a:lnStyleLst>
-        <a:ln w="6350" cap="flat" cmpd="sng" algn="ctr">
-          <a:solidFill>
-            <a:schemeClr val="phClr"/>
-          </a:solidFill>
-          <a:prstDash val="solid"/>
-          <a:miter lim="800000"/>
-        </a:ln>
-        <a:ln w="12700" cap="flat" cmpd="sng" algn="ctr">
-          <a:solidFill>
-            <a:schemeClr val="phClr"/>
-          </a:solidFill>
-          <a:prstDash val="solid"/>
-          <a:miter lim="800000"/>
-        </a:ln>
-        <a:ln w="19050" cap="flat" cmpd="sng" algn="ctr">
-          <a:solidFill>
-            <a:schemeClr val="phClr"/>
-          </a:solidFill>
-          <a:prstDash val="solid"/>
-          <a:miter lim="800000"/>
-        </a:ln>
-      </a:lnStyleLst>
-      <a:effectStyleLst>
-        <a:effectStyle>
-          <a:effectLst/>
-        </a:effectStyle>
-        <a:effectStyle>
-          <a:effectLst/>
-        </a:effectStyle>
-        <a:effectStyle>
-          <a:effectLst>
-            <a:outerShdw blurRad="57150" dist="19050" dir="5400000" algn="ctr" rotWithShape="0">
-              <a:srgbClr val="000000">
-                <a:alpha val="63000"/>
-              </a:srgbClr>
-            </a:outerShdw>
-          </a:effectLst>
-        </a:effectStyle>
-      </a:effectStyleLst>
-      <a:bgFillStyleLst>
-        <a:solidFill>
-          <a:schemeClr val="phClr"/>
-        </a:solidFill>
-        <a:solidFill>
-          <a:schemeClr val="phClr">
-            <a:tint val="95000"/>
-            <a:satMod val="170000"/>
-          </a:schemeClr>
-        </a:solidFill>
-        <a:gradFill rotWithShape="1">
-          <a:gsLst>
-            <a:gs pos="0">
-              <a:schemeClr val="phClr">
-                <a:tint val="93000"/>
-                <a:satMod val="150000"/>
-                <a:shade val="98000"/>
-                <a:lumMod val="102000"/>
-              </a:schemeClr>
-            </a:gs>
-            <a:gs pos="50000">
-              <a:schemeClr val="phClr">
-                <a:tint val="98000"/>
-                <a:satMod val="130000"/>
-                <a:shade val="90000"/>
-                <a:lumMod val="103000"/>
-              </a:schemeClr>
-            </a:gs>
-            <a:gs pos="100000">
-              <a:schemeClr val="phClr">
-                <a:shade val="63000"/>
-                <a:satMod val="120000"/>
-              </a:schemeClr>
-            </a:gs>
-          </a:gsLst>
-          <a:lin ang="5400000" scaled="0"/>
-        </a:gradFill>
-      </a:bgFillStyleLst>
-    </a:fmtScheme>
-  </a:themeElements>
-  <a:objectDefaults/>
-  <a:extraClrSchemeLst/>
-  <a:extLst>
-    <a:ext uri="{05A4C25C-085E-4340-85A3-A5531E510DB2}">
-      <thm15:themeFamily xmlns:thm15="http://schemas.microsoft.com/office/thememl/2012/main" name="Office Theme" id="{62F939B6-93AF-4DB8-9C6B-D6C7DFDC589F}" vid="{4A3C46E8-61CC-4603-A589-7422A47A8E4A}"/>
-    </a:ext>
-  </a:extLst>
-</a:theme>
-</file>
-
-<file path=ppt/theme/theme2.xml><?xml version="1.0" encoding="utf-8"?>
 <a:theme xmlns:a="http://schemas.openxmlformats.org/drawingml/2006/main" name="2_Office Theme">
   <a:themeElements>
     <a:clrScheme name="Custom 2">
@@ -11451,6 +7743,301 @@
       </a:lstStyle>
     </a:txDef>
   </a:objectDefaults>
+  <a:extraClrSchemeLst/>
+  <a:extLst>
+    <a:ext uri="{05A4C25C-085E-4340-85A3-A5531E510DB2}">
+      <thm15:themeFamily xmlns:thm15="http://schemas.microsoft.com/office/thememl/2012/main" name="Office Theme" id="{62F939B6-93AF-4DB8-9C6B-D6C7DFDC589F}" vid="{4A3C46E8-61CC-4603-A589-7422A47A8E4A}"/>
+    </a:ext>
+  </a:extLst>
+</a:theme>
+</file>
+
+<file path=ppt/theme/theme2.xml><?xml version="1.0" encoding="utf-8"?>
+<a:theme xmlns:a="http://schemas.openxmlformats.org/drawingml/2006/main" name="Office Theme">
+  <a:themeElements>
+    <a:clrScheme name="Office">
+      <a:dk1>
+        <a:sysClr val="windowText" lastClr="000000"/>
+      </a:dk1>
+      <a:lt1>
+        <a:sysClr val="window" lastClr="FFFFFF"/>
+      </a:lt1>
+      <a:dk2>
+        <a:srgbClr val="44546A"/>
+      </a:dk2>
+      <a:lt2>
+        <a:srgbClr val="E7E6E6"/>
+      </a:lt2>
+      <a:accent1>
+        <a:srgbClr val="4472C4"/>
+      </a:accent1>
+      <a:accent2>
+        <a:srgbClr val="ED7D31"/>
+      </a:accent2>
+      <a:accent3>
+        <a:srgbClr val="A5A5A5"/>
+      </a:accent3>
+      <a:accent4>
+        <a:srgbClr val="FFC000"/>
+      </a:accent4>
+      <a:accent5>
+        <a:srgbClr val="5B9BD5"/>
+      </a:accent5>
+      <a:accent6>
+        <a:srgbClr val="70AD47"/>
+      </a:accent6>
+      <a:hlink>
+        <a:srgbClr val="0563C1"/>
+      </a:hlink>
+      <a:folHlink>
+        <a:srgbClr val="954F72"/>
+      </a:folHlink>
+    </a:clrScheme>
+    <a:fontScheme name="Office">
+      <a:majorFont>
+        <a:latin typeface="Calibri Light" panose="020F0302020204030204"/>
+        <a:ea typeface=""/>
+        <a:cs typeface=""/>
+        <a:font script="Jpan" typeface="游ゴシック Light"/>
+        <a:font script="Hang" typeface="맑은 고딕"/>
+        <a:font script="Hans" typeface="等线 Light"/>
+        <a:font script="Hant" typeface="新細明體"/>
+        <a:font script="Arab" typeface="Times New Roman"/>
+        <a:font script="Hebr" typeface="Times New Roman"/>
+        <a:font script="Thai" typeface="Angsana New"/>
+        <a:font script="Ethi" typeface="Nyala"/>
+        <a:font script="Beng" typeface="Vrinda"/>
+        <a:font script="Gujr" typeface="Shruti"/>
+        <a:font script="Khmr" typeface="MoolBoran"/>
+        <a:font script="Knda" typeface="Tunga"/>
+        <a:font script="Guru" typeface="Raavi"/>
+        <a:font script="Cans" typeface="Euphemia"/>
+        <a:font script="Cher" typeface="Plantagenet Cherokee"/>
+        <a:font script="Yiii" typeface="Microsoft Yi Baiti"/>
+        <a:font script="Tibt" typeface="Microsoft Himalaya"/>
+        <a:font script="Thaa" typeface="MV Boli"/>
+        <a:font script="Deva" typeface="Mangal"/>
+        <a:font script="Telu" typeface="Gautami"/>
+        <a:font script="Taml" typeface="Latha"/>
+        <a:font script="Syrc" typeface="Estrangelo Edessa"/>
+        <a:font script="Orya" typeface="Kalinga"/>
+        <a:font script="Mlym" typeface="Kartika"/>
+        <a:font script="Laoo" typeface="DokChampa"/>
+        <a:font script="Sinh" typeface="Iskoola Pota"/>
+        <a:font script="Mong" typeface="Mongolian Baiti"/>
+        <a:font script="Viet" typeface="Times New Roman"/>
+        <a:font script="Uigh" typeface="Microsoft Uighur"/>
+        <a:font script="Geor" typeface="Sylfaen"/>
+        <a:font script="Armn" typeface="Arial"/>
+        <a:font script="Bugi" typeface="Leelawadee UI"/>
+        <a:font script="Bopo" typeface="Microsoft JhengHei"/>
+        <a:font script="Java" typeface="Javanese Text"/>
+        <a:font script="Lisu" typeface="Segoe UI"/>
+        <a:font script="Mymr" typeface="Myanmar Text"/>
+        <a:font script="Nkoo" typeface="Ebrima"/>
+        <a:font script="Olck" typeface="Nirmala UI"/>
+        <a:font script="Osma" typeface="Ebrima"/>
+        <a:font script="Phag" typeface="Phagspa"/>
+        <a:font script="Syrn" typeface="Estrangelo Edessa"/>
+        <a:font script="Syrj" typeface="Estrangelo Edessa"/>
+        <a:font script="Syre" typeface="Estrangelo Edessa"/>
+        <a:font script="Sora" typeface="Nirmala UI"/>
+        <a:font script="Tale" typeface="Microsoft Tai Le"/>
+        <a:font script="Talu" typeface="Microsoft New Tai Lue"/>
+        <a:font script="Tfng" typeface="Ebrima"/>
+      </a:majorFont>
+      <a:minorFont>
+        <a:latin typeface="Calibri" panose="020F0502020204030204"/>
+        <a:ea typeface=""/>
+        <a:cs typeface=""/>
+        <a:font script="Jpan" typeface="游ゴシック"/>
+        <a:font script="Hang" typeface="맑은 고딕"/>
+        <a:font script="Hans" typeface="等线"/>
+        <a:font script="Hant" typeface="新細明體"/>
+        <a:font script="Arab" typeface="Arial"/>
+        <a:font script="Hebr" typeface="Arial"/>
+        <a:font script="Thai" typeface="Cordia New"/>
+        <a:font script="Ethi" typeface="Nyala"/>
+        <a:font script="Beng" typeface="Vrinda"/>
+        <a:font script="Gujr" typeface="Shruti"/>
+        <a:font script="Khmr" typeface="DaunPenh"/>
+        <a:font script="Knda" typeface="Tunga"/>
+        <a:font script="Guru" typeface="Raavi"/>
+        <a:font script="Cans" typeface="Euphemia"/>
+        <a:font script="Cher" typeface="Plantagenet Cherokee"/>
+        <a:font script="Yiii" typeface="Microsoft Yi Baiti"/>
+        <a:font script="Tibt" typeface="Microsoft Himalaya"/>
+        <a:font script="Thaa" typeface="MV Boli"/>
+        <a:font script="Deva" typeface="Mangal"/>
+        <a:font script="Telu" typeface="Gautami"/>
+        <a:font script="Taml" typeface="Latha"/>
+        <a:font script="Syrc" typeface="Estrangelo Edessa"/>
+        <a:font script="Orya" typeface="Kalinga"/>
+        <a:font script="Mlym" typeface="Kartika"/>
+        <a:font script="Laoo" typeface="DokChampa"/>
+        <a:font script="Sinh" typeface="Iskoola Pota"/>
+        <a:font script="Mong" typeface="Mongolian Baiti"/>
+        <a:font script="Viet" typeface="Arial"/>
+        <a:font script="Uigh" typeface="Microsoft Uighur"/>
+        <a:font script="Geor" typeface="Sylfaen"/>
+        <a:font script="Armn" typeface="Arial"/>
+        <a:font script="Bugi" typeface="Leelawadee UI"/>
+        <a:font script="Bopo" typeface="Microsoft JhengHei"/>
+        <a:font script="Java" typeface="Javanese Text"/>
+        <a:font script="Lisu" typeface="Segoe UI"/>
+        <a:font script="Mymr" typeface="Myanmar Text"/>
+        <a:font script="Nkoo" typeface="Ebrima"/>
+        <a:font script="Olck" typeface="Nirmala UI"/>
+        <a:font script="Osma" typeface="Ebrima"/>
+        <a:font script="Phag" typeface="Phagspa"/>
+        <a:font script="Syrn" typeface="Estrangelo Edessa"/>
+        <a:font script="Syrj" typeface="Estrangelo Edessa"/>
+        <a:font script="Syre" typeface="Estrangelo Edessa"/>
+        <a:font script="Sora" typeface="Nirmala UI"/>
+        <a:font script="Tale" typeface="Microsoft Tai Le"/>
+        <a:font script="Talu" typeface="Microsoft New Tai Lue"/>
+        <a:font script="Tfng" typeface="Ebrima"/>
+      </a:minorFont>
+    </a:fontScheme>
+    <a:fmtScheme name="Office">
+      <a:fillStyleLst>
+        <a:solidFill>
+          <a:schemeClr val="phClr"/>
+        </a:solidFill>
+        <a:gradFill rotWithShape="1">
+          <a:gsLst>
+            <a:gs pos="0">
+              <a:schemeClr val="phClr">
+                <a:lumMod val="110000"/>
+                <a:satMod val="105000"/>
+                <a:tint val="67000"/>
+              </a:schemeClr>
+            </a:gs>
+            <a:gs pos="50000">
+              <a:schemeClr val="phClr">
+                <a:lumMod val="105000"/>
+                <a:satMod val="103000"/>
+                <a:tint val="73000"/>
+              </a:schemeClr>
+            </a:gs>
+            <a:gs pos="100000">
+              <a:schemeClr val="phClr">
+                <a:lumMod val="105000"/>
+                <a:satMod val="109000"/>
+                <a:tint val="81000"/>
+              </a:schemeClr>
+            </a:gs>
+          </a:gsLst>
+          <a:lin ang="5400000" scaled="0"/>
+        </a:gradFill>
+        <a:gradFill rotWithShape="1">
+          <a:gsLst>
+            <a:gs pos="0">
+              <a:schemeClr val="phClr">
+                <a:satMod val="103000"/>
+                <a:lumMod val="102000"/>
+                <a:tint val="94000"/>
+              </a:schemeClr>
+            </a:gs>
+            <a:gs pos="50000">
+              <a:schemeClr val="phClr">
+                <a:satMod val="110000"/>
+                <a:lumMod val="100000"/>
+                <a:shade val="100000"/>
+              </a:schemeClr>
+            </a:gs>
+            <a:gs pos="100000">
+              <a:schemeClr val="phClr">
+                <a:lumMod val="99000"/>
+                <a:satMod val="120000"/>
+                <a:shade val="78000"/>
+              </a:schemeClr>
+            </a:gs>
+          </a:gsLst>
+          <a:lin ang="5400000" scaled="0"/>
+        </a:gradFill>
+      </a:fillStyleLst>
+      <a:lnStyleLst>
+        <a:ln w="6350" cap="flat" cmpd="sng" algn="ctr">
+          <a:solidFill>
+            <a:schemeClr val="phClr"/>
+          </a:solidFill>
+          <a:prstDash val="solid"/>
+          <a:miter lim="800000"/>
+        </a:ln>
+        <a:ln w="12700" cap="flat" cmpd="sng" algn="ctr">
+          <a:solidFill>
+            <a:schemeClr val="phClr"/>
+          </a:solidFill>
+          <a:prstDash val="solid"/>
+          <a:miter lim="800000"/>
+        </a:ln>
+        <a:ln w="19050" cap="flat" cmpd="sng" algn="ctr">
+          <a:solidFill>
+            <a:schemeClr val="phClr"/>
+          </a:solidFill>
+          <a:prstDash val="solid"/>
+          <a:miter lim="800000"/>
+        </a:ln>
+      </a:lnStyleLst>
+      <a:effectStyleLst>
+        <a:effectStyle>
+          <a:effectLst/>
+        </a:effectStyle>
+        <a:effectStyle>
+          <a:effectLst/>
+        </a:effectStyle>
+        <a:effectStyle>
+          <a:effectLst>
+            <a:outerShdw blurRad="57150" dist="19050" dir="5400000" algn="ctr" rotWithShape="0">
+              <a:srgbClr val="000000">
+                <a:alpha val="63000"/>
+              </a:srgbClr>
+            </a:outerShdw>
+          </a:effectLst>
+        </a:effectStyle>
+      </a:effectStyleLst>
+      <a:bgFillStyleLst>
+        <a:solidFill>
+          <a:schemeClr val="phClr"/>
+        </a:solidFill>
+        <a:solidFill>
+          <a:schemeClr val="phClr">
+            <a:tint val="95000"/>
+            <a:satMod val="170000"/>
+          </a:schemeClr>
+        </a:solidFill>
+        <a:gradFill rotWithShape="1">
+          <a:gsLst>
+            <a:gs pos="0">
+              <a:schemeClr val="phClr">
+                <a:tint val="93000"/>
+                <a:satMod val="150000"/>
+                <a:shade val="98000"/>
+                <a:lumMod val="102000"/>
+              </a:schemeClr>
+            </a:gs>
+            <a:gs pos="50000">
+              <a:schemeClr val="phClr">
+                <a:tint val="98000"/>
+                <a:satMod val="130000"/>
+                <a:shade val="90000"/>
+                <a:lumMod val="103000"/>
+              </a:schemeClr>
+            </a:gs>
+            <a:gs pos="100000">
+              <a:schemeClr val="phClr">
+                <a:shade val="63000"/>
+                <a:satMod val="120000"/>
+              </a:schemeClr>
+            </a:gs>
+          </a:gsLst>
+          <a:lin ang="5400000" scaled="0"/>
+        </a:gradFill>
+      </a:bgFillStyleLst>
+    </a:fmtScheme>
+  </a:themeElements>
+  <a:objectDefaults/>
   <a:extraClrSchemeLst/>
   <a:extLst>
     <a:ext uri="{05A4C25C-085E-4340-85A3-A5531E510DB2}">
@@ -11755,302 +8342,22 @@
 </a:theme>
 </file>
 
-<file path=ppt/theme/theme4.xml><?xml version="1.0" encoding="utf-8"?>
-<a:theme xmlns:a="http://schemas.openxmlformats.org/drawingml/2006/main" name="Office Theme">
-  <a:themeElements>
-    <a:clrScheme name="Office">
-      <a:dk1>
-        <a:sysClr val="windowText" lastClr="000000"/>
-      </a:dk1>
-      <a:lt1>
-        <a:sysClr val="window" lastClr="FFFFFF"/>
-      </a:lt1>
-      <a:dk2>
-        <a:srgbClr val="44546A"/>
-      </a:dk2>
-      <a:lt2>
-        <a:srgbClr val="E7E6E6"/>
-      </a:lt2>
-      <a:accent1>
-        <a:srgbClr val="4472C4"/>
-      </a:accent1>
-      <a:accent2>
-        <a:srgbClr val="ED7D31"/>
-      </a:accent2>
-      <a:accent3>
-        <a:srgbClr val="A5A5A5"/>
-      </a:accent3>
-      <a:accent4>
-        <a:srgbClr val="FFC000"/>
-      </a:accent4>
-      <a:accent5>
-        <a:srgbClr val="5B9BD5"/>
-      </a:accent5>
-      <a:accent6>
-        <a:srgbClr val="70AD47"/>
-      </a:accent6>
-      <a:hlink>
-        <a:srgbClr val="0563C1"/>
-      </a:hlink>
-      <a:folHlink>
-        <a:srgbClr val="954F72"/>
-      </a:folHlink>
-    </a:clrScheme>
-    <a:fontScheme name="Office">
-      <a:majorFont>
-        <a:latin typeface="Calibri Light" panose="020F0302020204030204"/>
-        <a:ea typeface=""/>
-        <a:cs typeface=""/>
-        <a:font script="Jpan" typeface="游ゴシック Light"/>
-        <a:font script="Hang" typeface="맑은 고딕"/>
-        <a:font script="Hans" typeface="等线 Light"/>
-        <a:font script="Hant" typeface="新細明體"/>
-        <a:font script="Arab" typeface="Times New Roman"/>
-        <a:font script="Hebr" typeface="Times New Roman"/>
-        <a:font script="Thai" typeface="Angsana New"/>
-        <a:font script="Ethi" typeface="Nyala"/>
-        <a:font script="Beng" typeface="Vrinda"/>
-        <a:font script="Gujr" typeface="Shruti"/>
-        <a:font script="Khmr" typeface="MoolBoran"/>
-        <a:font script="Knda" typeface="Tunga"/>
-        <a:font script="Guru" typeface="Raavi"/>
-        <a:font script="Cans" typeface="Euphemia"/>
-        <a:font script="Cher" typeface="Plantagenet Cherokee"/>
-        <a:font script="Yiii" typeface="Microsoft Yi Baiti"/>
-        <a:font script="Tibt" typeface="Microsoft Himalaya"/>
-        <a:font script="Thaa" typeface="MV Boli"/>
-        <a:font script="Deva" typeface="Mangal"/>
-        <a:font script="Telu" typeface="Gautami"/>
-        <a:font script="Taml" typeface="Latha"/>
-        <a:font script="Syrc" typeface="Estrangelo Edessa"/>
-        <a:font script="Orya" typeface="Kalinga"/>
-        <a:font script="Mlym" typeface="Kartika"/>
-        <a:font script="Laoo" typeface="DokChampa"/>
-        <a:font script="Sinh" typeface="Iskoola Pota"/>
-        <a:font script="Mong" typeface="Mongolian Baiti"/>
-        <a:font script="Viet" typeface="Times New Roman"/>
-        <a:font script="Uigh" typeface="Microsoft Uighur"/>
-        <a:font script="Geor" typeface="Sylfaen"/>
-        <a:font script="Armn" typeface="Arial"/>
-        <a:font script="Bugi" typeface="Leelawadee UI"/>
-        <a:font script="Bopo" typeface="Microsoft JhengHei"/>
-        <a:font script="Java" typeface="Javanese Text"/>
-        <a:font script="Lisu" typeface="Segoe UI"/>
-        <a:font script="Mymr" typeface="Myanmar Text"/>
-        <a:font script="Nkoo" typeface="Ebrima"/>
-        <a:font script="Olck" typeface="Nirmala UI"/>
-        <a:font script="Osma" typeface="Ebrima"/>
-        <a:font script="Phag" typeface="Phagspa"/>
-        <a:font script="Syrn" typeface="Estrangelo Edessa"/>
-        <a:font script="Syrj" typeface="Estrangelo Edessa"/>
-        <a:font script="Syre" typeface="Estrangelo Edessa"/>
-        <a:font script="Sora" typeface="Nirmala UI"/>
-        <a:font script="Tale" typeface="Microsoft Tai Le"/>
-        <a:font script="Talu" typeface="Microsoft New Tai Lue"/>
-        <a:font script="Tfng" typeface="Ebrima"/>
-      </a:majorFont>
-      <a:minorFont>
-        <a:latin typeface="Calibri" panose="020F0502020204030204"/>
-        <a:ea typeface=""/>
-        <a:cs typeface=""/>
-        <a:font script="Jpan" typeface="游ゴシック"/>
-        <a:font script="Hang" typeface="맑은 고딕"/>
-        <a:font script="Hans" typeface="等线"/>
-        <a:font script="Hant" typeface="新細明體"/>
-        <a:font script="Arab" typeface="Arial"/>
-        <a:font script="Hebr" typeface="Arial"/>
-        <a:font script="Thai" typeface="Cordia New"/>
-        <a:font script="Ethi" typeface="Nyala"/>
-        <a:font script="Beng" typeface="Vrinda"/>
-        <a:font script="Gujr" typeface="Shruti"/>
-        <a:font script="Khmr" typeface="DaunPenh"/>
-        <a:font script="Knda" typeface="Tunga"/>
-        <a:font script="Guru" typeface="Raavi"/>
-        <a:font script="Cans" typeface="Euphemia"/>
-        <a:font script="Cher" typeface="Plantagenet Cherokee"/>
-        <a:font script="Yiii" typeface="Microsoft Yi Baiti"/>
-        <a:font script="Tibt" typeface="Microsoft Himalaya"/>
-        <a:font script="Thaa" typeface="MV Boli"/>
-        <a:font script="Deva" typeface="Mangal"/>
-        <a:font script="Telu" typeface="Gautami"/>
-        <a:font script="Taml" typeface="Latha"/>
-        <a:font script="Syrc" typeface="Estrangelo Edessa"/>
-        <a:font script="Orya" typeface="Kalinga"/>
-        <a:font script="Mlym" typeface="Kartika"/>
-        <a:font script="Laoo" typeface="DokChampa"/>
-        <a:font script="Sinh" typeface="Iskoola Pota"/>
-        <a:font script="Mong" typeface="Mongolian Baiti"/>
-        <a:font script="Viet" typeface="Arial"/>
-        <a:font script="Uigh" typeface="Microsoft Uighur"/>
-        <a:font script="Geor" typeface="Sylfaen"/>
-        <a:font script="Armn" typeface="Arial"/>
-        <a:font script="Bugi" typeface="Leelawadee UI"/>
-        <a:font script="Bopo" typeface="Microsoft JhengHei"/>
-        <a:font script="Java" typeface="Javanese Text"/>
-        <a:font script="Lisu" typeface="Segoe UI"/>
-        <a:font script="Mymr" typeface="Myanmar Text"/>
-        <a:font script="Nkoo" typeface="Ebrima"/>
-        <a:font script="Olck" typeface="Nirmala UI"/>
-        <a:font script="Osma" typeface="Ebrima"/>
-        <a:font script="Phag" typeface="Phagspa"/>
-        <a:font script="Syrn" typeface="Estrangelo Edessa"/>
-        <a:font script="Syrj" typeface="Estrangelo Edessa"/>
-        <a:font script="Syre" typeface="Estrangelo Edessa"/>
-        <a:font script="Sora" typeface="Nirmala UI"/>
-        <a:font script="Tale" typeface="Microsoft Tai Le"/>
-        <a:font script="Talu" typeface="Microsoft New Tai Lue"/>
-        <a:font script="Tfng" typeface="Ebrima"/>
-      </a:minorFont>
-    </a:fontScheme>
-    <a:fmtScheme name="Office">
-      <a:fillStyleLst>
-        <a:solidFill>
-          <a:schemeClr val="phClr"/>
-        </a:solidFill>
-        <a:gradFill rotWithShape="1">
-          <a:gsLst>
-            <a:gs pos="0">
-              <a:schemeClr val="phClr">
-                <a:lumMod val="110000"/>
-                <a:satMod val="105000"/>
-                <a:tint val="67000"/>
-              </a:schemeClr>
-            </a:gs>
-            <a:gs pos="50000">
-              <a:schemeClr val="phClr">
-                <a:lumMod val="105000"/>
-                <a:satMod val="103000"/>
-                <a:tint val="73000"/>
-              </a:schemeClr>
-            </a:gs>
-            <a:gs pos="100000">
-              <a:schemeClr val="phClr">
-                <a:lumMod val="105000"/>
-                <a:satMod val="109000"/>
-                <a:tint val="81000"/>
-              </a:schemeClr>
-            </a:gs>
-          </a:gsLst>
-          <a:lin ang="5400000" scaled="0"/>
-        </a:gradFill>
-        <a:gradFill rotWithShape="1">
-          <a:gsLst>
-            <a:gs pos="0">
-              <a:schemeClr val="phClr">
-                <a:satMod val="103000"/>
-                <a:lumMod val="102000"/>
-                <a:tint val="94000"/>
-              </a:schemeClr>
-            </a:gs>
-            <a:gs pos="50000">
-              <a:schemeClr val="phClr">
-                <a:satMod val="110000"/>
-                <a:lumMod val="100000"/>
-                <a:shade val="100000"/>
-              </a:schemeClr>
-            </a:gs>
-            <a:gs pos="100000">
-              <a:schemeClr val="phClr">
-                <a:lumMod val="99000"/>
-                <a:satMod val="120000"/>
-                <a:shade val="78000"/>
-              </a:schemeClr>
-            </a:gs>
-          </a:gsLst>
-          <a:lin ang="5400000" scaled="0"/>
-        </a:gradFill>
-      </a:fillStyleLst>
-      <a:lnStyleLst>
-        <a:ln w="6350" cap="flat" cmpd="sng" algn="ctr">
-          <a:solidFill>
-            <a:schemeClr val="phClr"/>
-          </a:solidFill>
-          <a:prstDash val="solid"/>
-          <a:miter lim="800000"/>
-        </a:ln>
-        <a:ln w="12700" cap="flat" cmpd="sng" algn="ctr">
-          <a:solidFill>
-            <a:schemeClr val="phClr"/>
-          </a:solidFill>
-          <a:prstDash val="solid"/>
-          <a:miter lim="800000"/>
-        </a:ln>
-        <a:ln w="19050" cap="flat" cmpd="sng" algn="ctr">
-          <a:solidFill>
-            <a:schemeClr val="phClr"/>
-          </a:solidFill>
-          <a:prstDash val="solid"/>
-          <a:miter lim="800000"/>
-        </a:ln>
-      </a:lnStyleLst>
-      <a:effectStyleLst>
-        <a:effectStyle>
-          <a:effectLst/>
-        </a:effectStyle>
-        <a:effectStyle>
-          <a:effectLst/>
-        </a:effectStyle>
-        <a:effectStyle>
-          <a:effectLst>
-            <a:outerShdw blurRad="57150" dist="19050" dir="5400000" algn="ctr" rotWithShape="0">
-              <a:srgbClr val="000000">
-                <a:alpha val="63000"/>
-              </a:srgbClr>
-            </a:outerShdw>
-          </a:effectLst>
-        </a:effectStyle>
-      </a:effectStyleLst>
-      <a:bgFillStyleLst>
-        <a:solidFill>
-          <a:schemeClr val="phClr"/>
-        </a:solidFill>
-        <a:solidFill>
-          <a:schemeClr val="phClr">
-            <a:tint val="95000"/>
-            <a:satMod val="170000"/>
-          </a:schemeClr>
-        </a:solidFill>
-        <a:gradFill rotWithShape="1">
-          <a:gsLst>
-            <a:gs pos="0">
-              <a:schemeClr val="phClr">
-                <a:tint val="93000"/>
-                <a:satMod val="150000"/>
-                <a:shade val="98000"/>
-                <a:lumMod val="102000"/>
-              </a:schemeClr>
-            </a:gs>
-            <a:gs pos="50000">
-              <a:schemeClr val="phClr">
-                <a:tint val="98000"/>
-                <a:satMod val="130000"/>
-                <a:shade val="90000"/>
-                <a:lumMod val="103000"/>
-              </a:schemeClr>
-            </a:gs>
-            <a:gs pos="100000">
-              <a:schemeClr val="phClr">
-                <a:shade val="63000"/>
-                <a:satMod val="120000"/>
-              </a:schemeClr>
-            </a:gs>
-          </a:gsLst>
-          <a:lin ang="5400000" scaled="0"/>
-        </a:gradFill>
-      </a:bgFillStyleLst>
-    </a:fmtScheme>
-  </a:themeElements>
-  <a:objectDefaults/>
-  <a:extraClrSchemeLst/>
-  <a:extLst>
-    <a:ext uri="{05A4C25C-085E-4340-85A3-A5531E510DB2}">
-      <thm15:themeFamily xmlns:thm15="http://schemas.microsoft.com/office/thememl/2012/main" name="Office Theme" id="{62F939B6-93AF-4DB8-9C6B-D6C7DFDC589F}" vid="{4A3C46E8-61CC-4603-A589-7422A47A8E4A}"/>
-    </a:ext>
-  </a:extLst>
-</a:theme>
+<file path=customXml/item1.xml><?xml version="1.0" encoding="utf-8"?>
+<?mso-contentType ?>
+<FormTemplates xmlns="http://schemas.microsoft.com/sharepoint/v3/contenttype/forms">
+  <Display>DocumentLibraryForm</Display>
+  <Edit>DocumentLibraryForm</Edit>
+  <New>DocumentLibraryForm</New>
+</FormTemplates>
 </file>
 
-<file path=customXml/item1.xml><?xml version="1.0" encoding="utf-8"?>
+<file path=customXml/item2.xml><?xml version="1.0" encoding="utf-8"?>
+<p:properties xmlns:p="http://schemas.microsoft.com/office/2006/metadata/properties" xmlns:xsi="http://www.w3.org/2001/XMLSchema-instance" xmlns:pc="http://schemas.microsoft.com/office/infopath/2007/PartnerControls">
+  <documentManagement/>
+</p:properties>
+</file>
+
+<file path=customXml/item3.xml><?xml version="1.0" encoding="utf-8"?>
 <ct:contentTypeSchema xmlns:ct="http://schemas.microsoft.com/office/2006/metadata/contentType" xmlns:ma="http://schemas.microsoft.com/office/2006/metadata/properties/metaAttributes" ct:_="" ma:_="" ma:contentTypeName="Document" ma:contentTypeID="0x010100319A35104FAE2A48B18B518F397B7CA4" ma:contentTypeVersion="11" ma:contentTypeDescription="Create a new document." ma:contentTypeScope="" ma:versionID="818dfa9a4b3d3bceb1a965a71e647ec2">
   <xsd:schema xmlns:xsd="http://www.w3.org/2001/XMLSchema" xmlns:xs="http://www.w3.org/2001/XMLSchema" xmlns:p="http://schemas.microsoft.com/office/2006/metadata/properties" xmlns:ns2="0931f5f7-8e4d-4a45-a9a6-891693687166" xmlns:ns3="ea0113d3-9d6b-407b-8175-bd70f3cf5591" targetNamespace="http://schemas.microsoft.com/office/2006/metadata/properties" ma:root="true" ma:fieldsID="449ed37a8757c5d6b7757d0e4c8f3a2b" ns2:_="" ns3:_="">
     <xsd:import namespace="0931f5f7-8e4d-4a45-a9a6-891693687166"/>
@@ -12261,22 +8568,24 @@
 </ct:contentTypeSchema>
 </file>
 
-<file path=customXml/item2.xml><?xml version="1.0" encoding="utf-8"?>
-<p:properties xmlns:p="http://schemas.microsoft.com/office/2006/metadata/properties" xmlns:xsi="http://www.w3.org/2001/XMLSchema-instance" xmlns:pc="http://schemas.microsoft.com/office/infopath/2007/PartnerControls">
-  <documentManagement/>
-</p:properties>
+<file path=customXml/itemProps1.xml><?xml version="1.0" encoding="utf-8"?>
+<ds:datastoreItem xmlns:ds="http://schemas.openxmlformats.org/officeDocument/2006/customXml" ds:itemID="{950F9D87-7CA7-4A94-A5E5-A374AFD83891}">
+  <ds:schemaRefs>
+    <ds:schemaRef ds:uri="http://schemas.microsoft.com/sharepoint/v3/contenttype/forms"/>
+  </ds:schemaRefs>
+</ds:datastoreItem>
 </file>
 
-<file path=customXml/item3.xml><?xml version="1.0" encoding="utf-8"?>
-<?mso-contentType ?>
-<FormTemplates xmlns="http://schemas.microsoft.com/sharepoint/v3/contenttype/forms">
-  <Display>DocumentLibraryForm</Display>
-  <Edit>DocumentLibraryForm</Edit>
-  <New>DocumentLibraryForm</New>
-</FormTemplates>
+<file path=customXml/itemProps2.xml><?xml version="1.0" encoding="utf-8"?>
+<ds:datastoreItem xmlns:ds="http://schemas.openxmlformats.org/officeDocument/2006/customXml" ds:itemID="{C728879B-660B-4583-928D-55E828E68493}">
+  <ds:schemaRefs>
+    <ds:schemaRef ds:uri="http://schemas.microsoft.com/office/2006/metadata/properties"/>
+    <ds:schemaRef ds:uri="http://schemas.microsoft.com/office/infopath/2007/PartnerControls"/>
+  </ds:schemaRefs>
+</ds:datastoreItem>
 </file>
 
-<file path=customXml/itemProps1.xml><?xml version="1.0" encoding="utf-8"?>
+<file path=customXml/itemProps3.xml><?xml version="1.0" encoding="utf-8"?>
 <ds:datastoreItem xmlns:ds="http://schemas.openxmlformats.org/officeDocument/2006/customXml" ds:itemID="{DF1A254C-4026-4073-B28E-6230090BFEFF}">
   <ds:schemaRefs>
     <ds:schemaRef ds:uri="http://schemas.microsoft.com/office/2006/metadata/contentType"/>
@@ -12293,21 +8602,4 @@
     <ds:schemaRef ds:uri="http://schemas.microsoft.com/internal/obd"/>
   </ds:schemaRefs>
 </ds:datastoreItem>
-</file>
-
-<file path=customXml/itemProps2.xml><?xml version="1.0" encoding="utf-8"?>
-<ds:datastoreItem xmlns:ds="http://schemas.openxmlformats.org/officeDocument/2006/customXml" ds:itemID="{C728879B-660B-4583-928D-55E828E68493}">
-  <ds:schemaRefs>
-    <ds:schemaRef ds:uri="http://schemas.microsoft.com/office/2006/metadata/properties"/>
-    <ds:schemaRef ds:uri="http://schemas.microsoft.com/office/infopath/2007/PartnerControls"/>
-  </ds:schemaRefs>
-</ds:datastoreItem>
-</file>
-
-<file path=customXml/itemProps3.xml><?xml version="1.0" encoding="utf-8"?>
-<ds:datastoreItem xmlns:ds="http://schemas.openxmlformats.org/officeDocument/2006/customXml" ds:itemID="{950F9D87-7CA7-4A94-A5E5-A374AFD83891}">
-  <ds:schemaRefs>
-    <ds:schemaRef ds:uri="http://schemas.microsoft.com/sharepoint/v3/contenttype/forms"/>
-  </ds:schemaRefs>
-</ds:datastoreItem>
 </file>
--- a/Data Science resources/Introduction to Machine Learning/Slides/Slide Unit 1/3. Scale of measurement.pptx
+++ b/Data Science resources/Introduction to Machine Learning/Slides/Slide Unit 1/3. Scale of measurement.pptx
@@ -5,25 +5,26 @@
     <p:sldMasterId id="2147483668" r:id="rId4"/>
   </p:sldMasterIdLst>
   <p:notesMasterIdLst>
-    <p:notesMasterId r:id="rId18"/>
+    <p:notesMasterId r:id="rId19"/>
   </p:notesMasterIdLst>
   <p:handoutMasterIdLst>
-    <p:handoutMasterId r:id="rId19"/>
+    <p:handoutMasterId r:id="rId20"/>
   </p:handoutMasterIdLst>
   <p:sldIdLst>
-    <p:sldId id="693" r:id="rId5"/>
-    <p:sldId id="657" r:id="rId6"/>
-    <p:sldId id="721" r:id="rId7"/>
-    <p:sldId id="718" r:id="rId8"/>
-    <p:sldId id="709" r:id="rId9"/>
-    <p:sldId id="720" r:id="rId10"/>
-    <p:sldId id="711" r:id="rId11"/>
-    <p:sldId id="712" r:id="rId12"/>
-    <p:sldId id="722" r:id="rId13"/>
-    <p:sldId id="723" r:id="rId14"/>
-    <p:sldId id="713" r:id="rId15"/>
-    <p:sldId id="724" r:id="rId16"/>
-    <p:sldId id="695" r:id="rId17"/>
+    <p:sldId id="256" r:id="rId5"/>
+    <p:sldId id="693" r:id="rId6"/>
+    <p:sldId id="657" r:id="rId7"/>
+    <p:sldId id="721" r:id="rId8"/>
+    <p:sldId id="718" r:id="rId9"/>
+    <p:sldId id="709" r:id="rId10"/>
+    <p:sldId id="720" r:id="rId11"/>
+    <p:sldId id="711" r:id="rId12"/>
+    <p:sldId id="712" r:id="rId13"/>
+    <p:sldId id="722" r:id="rId14"/>
+    <p:sldId id="723" r:id="rId15"/>
+    <p:sldId id="713" r:id="rId16"/>
+    <p:sldId id="724" r:id="rId17"/>
+    <p:sldId id="695" r:id="rId18"/>
   </p:sldIdLst>
   <p:sldSz cx="12192000" cy="6858000"/>
   <p:notesSz cx="6858000" cy="9144000"/>
@@ -127,6 +128,7 @@
       <p14:sectionLst xmlns:p14="http://schemas.microsoft.com/office/powerpoint/2010/main">
         <p14:section name="Default Section" id="{06CDF7AC-AF6E-4614-B140-2231D9F8B510}">
           <p14:sldIdLst>
+            <p14:sldId id="256"/>
             <p14:sldId id="693"/>
             <p14:sldId id="657"/>
             <p14:sldId id="721"/>
@@ -260,7 +262,7 @@
           <a:p>
             <a:fld id="{E4DABB7E-5FD5-4FD4-8200-24B5A1924914}" type="datetimeFigureOut">
               <a:rPr lang="en-US" smtClean="0"/>
-              <a:t>03-May-24</a:t>
+              <a:t>5/3/2024</a:t>
             </a:fld>
             <a:endParaRPr lang="en-US"/>
           </a:p>
@@ -437,7 +439,7 @@
           <a:p>
             <a:fld id="{9BDC6C4C-B340-4EE6-8690-61E4F94D1E11}" type="datetimeFigureOut">
               <a:rPr lang="en-US" smtClean="0"/>
-              <a:t>03-May-24</a:t>
+              <a:t>5/3/2024</a:t>
             </a:fld>
             <a:endParaRPr lang="en-US"/>
           </a:p>
@@ -709,7 +711,7 @@
   <p:cSld>
     <p:spTree>
       <p:nvGrpSpPr>
-        <p:cNvPr id="1" name="Shape 746"/>
+        <p:cNvPr id="1" name="Shape 35"/>
         <p:cNvGrpSpPr/>
         <p:nvPr/>
       </p:nvGrpSpPr>
@@ -723,7 +725,45 @@
       </p:grpSpPr>
       <p:sp>
         <p:nvSpPr>
-          <p:cNvPr id="747" name="Google Shape;747;g88c617362d_16_264:notes"/>
+          <p:cNvPr id="36" name="Google Shape;36;p1:notes"/>
+          <p:cNvSpPr txBox="1">
+            <a:spLocks noGrp="1"/>
+          </p:cNvSpPr>
+          <p:nvPr>
+            <p:ph type="body" idx="1"/>
+          </p:nvPr>
+        </p:nvSpPr>
+        <p:spPr>
+          <a:xfrm>
+            <a:off x="685800" y="4400550"/>
+            <a:ext cx="5486400" cy="3600450"/>
+          </a:xfrm>
+          <a:prstGeom prst="rect">
+            <a:avLst/>
+          </a:prstGeom>
+        </p:spPr>
+        <p:txBody>
+          <a:bodyPr spcFirstLastPara="1" wrap="square" lIns="91425" tIns="45700" rIns="91425" bIns="45700" anchor="t" anchorCtr="0">
+            <a:noAutofit/>
+          </a:bodyPr>
+          <a:lstStyle/>
+          <a:p>
+            <a:pPr marL="0" lvl="0" indent="0" algn="l" rtl="0">
+              <a:spcBef>
+                <a:spcPts val="0"/>
+              </a:spcBef>
+              <a:spcAft>
+                <a:spcPts val="0"/>
+              </a:spcAft>
+              <a:buNone/>
+            </a:pPr>
+            <a:endParaRPr/>
+          </a:p>
+        </p:txBody>
+      </p:sp>
+      <p:sp>
+        <p:nvSpPr>
+          <p:cNvPr id="37" name="Google Shape;37;p1:notes"/>
           <p:cNvSpPr>
             <a:spLocks noGrp="1" noRot="1" noChangeAspect="1"/>
           </p:cNvSpPr>
@@ -733,8 +773,8 @@
         </p:nvSpPr>
         <p:spPr>
           <a:xfrm>
-            <a:off x="381000" y="685800"/>
-            <a:ext cx="6096000" cy="3429000"/>
+            <a:off x="685800" y="1143000"/>
+            <a:ext cx="5486400" cy="3086100"/>
           </a:xfrm>
           <a:custGeom>
             <a:avLst/>
@@ -760,70 +800,9 @@
               </a:path>
             </a:pathLst>
           </a:custGeom>
-          <a:noFill/>
-          <a:ln w="9525" cap="flat" cmpd="sng">
-            <a:solidFill>
-              <a:srgbClr val="000000"/>
-            </a:solidFill>
-            <a:prstDash val="solid"/>
-            <a:round/>
-            <a:headEnd type="none" w="sm" len="sm"/>
-            <a:tailEnd type="none" w="sm" len="sm"/>
-          </a:ln>
         </p:spPr>
       </p:sp>
-      <p:sp>
-        <p:nvSpPr>
-          <p:cNvPr id="748" name="Google Shape;748;g88c617362d_16_264:notes"/>
-          <p:cNvSpPr txBox="1">
-            <a:spLocks noGrp="1"/>
-          </p:cNvSpPr>
-          <p:nvPr>
-            <p:ph type="body" idx="1"/>
-          </p:nvPr>
-        </p:nvSpPr>
-        <p:spPr>
-          <a:xfrm>
-            <a:off x="685800" y="4343400"/>
-            <a:ext cx="5486400" cy="4114800"/>
-          </a:xfrm>
-          <a:prstGeom prst="rect">
-            <a:avLst/>
-          </a:prstGeom>
-          <a:noFill/>
-          <a:ln>
-            <a:noFill/>
-          </a:ln>
-        </p:spPr>
-        <p:txBody>
-          <a:bodyPr spcFirstLastPara="1" wrap="square" lIns="91425" tIns="91425" rIns="91425" bIns="91425" anchor="t" anchorCtr="0">
-            <a:noAutofit/>
-          </a:bodyPr>
-          <a:lstStyle/>
-          <a:p>
-            <a:pPr marL="0" lvl="0" indent="0" algn="l" rtl="0">
-              <a:lnSpc>
-                <a:spcPct val="100000"/>
-              </a:lnSpc>
-              <a:spcBef>
-                <a:spcPts val="0"/>
-              </a:spcBef>
-              <a:spcAft>
-                <a:spcPts val="0"/>
-              </a:spcAft>
-              <a:buSzPts val="1100"/>
-              <a:buNone/>
-            </a:pPr>
-            <a:endParaRPr/>
-          </a:p>
-        </p:txBody>
-      </p:sp>
     </p:spTree>
-    <p:extLst>
-      <p:ext uri="{BB962C8B-B14F-4D97-AF65-F5344CB8AC3E}">
-        <p14:creationId xmlns:p14="http://schemas.microsoft.com/office/powerpoint/2010/main" val="564711556"/>
-      </p:ext>
-    </p:extLst>
   </p:cSld>
   <p:clrMapOvr>
     <a:masterClrMapping/>
@@ -948,7 +927,7 @@
     </p:spTree>
     <p:extLst>
       <p:ext uri="{BB962C8B-B14F-4D97-AF65-F5344CB8AC3E}">
-        <p14:creationId xmlns:p14="http://schemas.microsoft.com/office/powerpoint/2010/main" val="1593137687"/>
+        <p14:creationId xmlns:p14="http://schemas.microsoft.com/office/powerpoint/2010/main" val="614517386"/>
       </p:ext>
     </p:extLst>
   </p:cSld>
@@ -1075,6 +1054,133 @@
     </p:spTree>
     <p:extLst>
       <p:ext uri="{BB962C8B-B14F-4D97-AF65-F5344CB8AC3E}">
+        <p14:creationId xmlns:p14="http://schemas.microsoft.com/office/powerpoint/2010/main" val="1593137687"/>
+      </p:ext>
+    </p:extLst>
+  </p:cSld>
+  <p:clrMapOvr>
+    <a:masterClrMapping/>
+  </p:clrMapOvr>
+</p:notes>
+</file>
+
+<file path=ppt/notesSlides/notesSlide12.xml><?xml version="1.0" encoding="utf-8"?>
+<p:notes xmlns:a="http://schemas.openxmlformats.org/drawingml/2006/main" xmlns:r="http://schemas.openxmlformats.org/officeDocument/2006/relationships" xmlns:p="http://schemas.openxmlformats.org/presentationml/2006/main" showMasterSp="0" showMasterPhAnim="0">
+  <p:cSld>
+    <p:spTree>
+      <p:nvGrpSpPr>
+        <p:cNvPr id="1" name="Shape 746"/>
+        <p:cNvGrpSpPr/>
+        <p:nvPr/>
+      </p:nvGrpSpPr>
+      <p:grpSpPr>
+        <a:xfrm>
+          <a:off x="0" y="0"/>
+          <a:ext cx="0" cy="0"/>
+          <a:chOff x="0" y="0"/>
+          <a:chExt cx="0" cy="0"/>
+        </a:xfrm>
+      </p:grpSpPr>
+      <p:sp>
+        <p:nvSpPr>
+          <p:cNvPr id="747" name="Google Shape;747;g88c617362d_16_264:notes"/>
+          <p:cNvSpPr>
+            <a:spLocks noGrp="1" noRot="1" noChangeAspect="1"/>
+          </p:cNvSpPr>
+          <p:nvPr>
+            <p:ph type="sldImg" idx="2"/>
+          </p:nvPr>
+        </p:nvSpPr>
+        <p:spPr>
+          <a:xfrm>
+            <a:off x="381000" y="685800"/>
+            <a:ext cx="6096000" cy="3429000"/>
+          </a:xfrm>
+          <a:custGeom>
+            <a:avLst/>
+            <a:gdLst/>
+            <a:ahLst/>
+            <a:cxnLst/>
+            <a:rect l="l" t="t" r="r" b="b"/>
+            <a:pathLst>
+              <a:path w="120000" h="120000" extrusionOk="0">
+                <a:moveTo>
+                  <a:pt x="0" y="0"/>
+                </a:moveTo>
+                <a:lnTo>
+                  <a:pt x="120000" y="0"/>
+                </a:lnTo>
+                <a:lnTo>
+                  <a:pt x="120000" y="120000"/>
+                </a:lnTo>
+                <a:lnTo>
+                  <a:pt x="0" y="120000"/>
+                </a:lnTo>
+                <a:close/>
+              </a:path>
+            </a:pathLst>
+          </a:custGeom>
+          <a:noFill/>
+          <a:ln w="9525" cap="flat" cmpd="sng">
+            <a:solidFill>
+              <a:srgbClr val="000000"/>
+            </a:solidFill>
+            <a:prstDash val="solid"/>
+            <a:round/>
+            <a:headEnd type="none" w="sm" len="sm"/>
+            <a:tailEnd type="none" w="sm" len="sm"/>
+          </a:ln>
+        </p:spPr>
+      </p:sp>
+      <p:sp>
+        <p:nvSpPr>
+          <p:cNvPr id="748" name="Google Shape;748;g88c617362d_16_264:notes"/>
+          <p:cNvSpPr txBox="1">
+            <a:spLocks noGrp="1"/>
+          </p:cNvSpPr>
+          <p:nvPr>
+            <p:ph type="body" idx="1"/>
+          </p:nvPr>
+        </p:nvSpPr>
+        <p:spPr>
+          <a:xfrm>
+            <a:off x="685800" y="4343400"/>
+            <a:ext cx="5486400" cy="4114800"/>
+          </a:xfrm>
+          <a:prstGeom prst="rect">
+            <a:avLst/>
+          </a:prstGeom>
+          <a:noFill/>
+          <a:ln>
+            <a:noFill/>
+          </a:ln>
+        </p:spPr>
+        <p:txBody>
+          <a:bodyPr spcFirstLastPara="1" wrap="square" lIns="91425" tIns="91425" rIns="91425" bIns="91425" anchor="t" anchorCtr="0">
+            <a:noAutofit/>
+          </a:bodyPr>
+          <a:lstStyle/>
+          <a:p>
+            <a:pPr marL="0" lvl="0" indent="0" algn="l" rtl="0">
+              <a:lnSpc>
+                <a:spcPct val="100000"/>
+              </a:lnSpc>
+              <a:spcBef>
+                <a:spcPts val="0"/>
+              </a:spcBef>
+              <a:spcAft>
+                <a:spcPts val="0"/>
+              </a:spcAft>
+              <a:buSzPts val="1100"/>
+              <a:buNone/>
+            </a:pPr>
+            <a:endParaRPr/>
+          </a:p>
+        </p:txBody>
+      </p:sp>
+    </p:spTree>
+    <p:extLst>
+      <p:ext uri="{BB962C8B-B14F-4D97-AF65-F5344CB8AC3E}">
         <p14:creationId xmlns:p14="http://schemas.microsoft.com/office/powerpoint/2010/main" val="1181835201"/>
       </p:ext>
     </p:extLst>
@@ -1085,7 +1191,7 @@
 </p:notes>
 </file>
 
-<file path=ppt/notesSlides/notesSlide12.xml><?xml version="1.0" encoding="utf-8"?>
+<file path=ppt/notesSlides/notesSlide13.xml><?xml version="1.0" encoding="utf-8"?>
 <p:notes xmlns:a="http://schemas.openxmlformats.org/drawingml/2006/main" xmlns:r="http://schemas.openxmlformats.org/officeDocument/2006/relationships" xmlns:p="http://schemas.openxmlformats.org/presentationml/2006/main" showMasterSp="0" showMasterPhAnim="0">
   <p:cSld>
     <p:spTree>
@@ -1329,7 +1435,7 @@
     </p:spTree>
     <p:extLst>
       <p:ext uri="{BB962C8B-B14F-4D97-AF65-F5344CB8AC3E}">
-        <p14:creationId xmlns:p14="http://schemas.microsoft.com/office/powerpoint/2010/main" val="2495649301"/>
+        <p14:creationId xmlns:p14="http://schemas.microsoft.com/office/powerpoint/2010/main" val="564711556"/>
       </p:ext>
     </p:extLst>
   </p:cSld>
@@ -1456,7 +1562,7 @@
     </p:spTree>
     <p:extLst>
       <p:ext uri="{BB962C8B-B14F-4D97-AF65-F5344CB8AC3E}">
-        <p14:creationId xmlns:p14="http://schemas.microsoft.com/office/powerpoint/2010/main" val="82409082"/>
+        <p14:creationId xmlns:p14="http://schemas.microsoft.com/office/powerpoint/2010/main" val="2495649301"/>
       </p:ext>
     </p:extLst>
   </p:cSld>
@@ -1583,7 +1689,7 @@
     </p:spTree>
     <p:extLst>
       <p:ext uri="{BB962C8B-B14F-4D97-AF65-F5344CB8AC3E}">
-        <p14:creationId xmlns:p14="http://schemas.microsoft.com/office/powerpoint/2010/main" val="162054743"/>
+        <p14:creationId xmlns:p14="http://schemas.microsoft.com/office/powerpoint/2010/main" val="82409082"/>
       </p:ext>
     </p:extLst>
   </p:cSld>
@@ -1710,7 +1816,7 @@
     </p:spTree>
     <p:extLst>
       <p:ext uri="{BB962C8B-B14F-4D97-AF65-F5344CB8AC3E}">
-        <p14:creationId xmlns:p14="http://schemas.microsoft.com/office/powerpoint/2010/main" val="1356953446"/>
+        <p14:creationId xmlns:p14="http://schemas.microsoft.com/office/powerpoint/2010/main" val="162054743"/>
       </p:ext>
     </p:extLst>
   </p:cSld>
@@ -1837,7 +1943,7 @@
     </p:spTree>
     <p:extLst>
       <p:ext uri="{BB962C8B-B14F-4D97-AF65-F5344CB8AC3E}">
-        <p14:creationId xmlns:p14="http://schemas.microsoft.com/office/powerpoint/2010/main" val="392350387"/>
+        <p14:creationId xmlns:p14="http://schemas.microsoft.com/office/powerpoint/2010/main" val="1356953446"/>
       </p:ext>
     </p:extLst>
   </p:cSld>
@@ -1964,7 +2070,7 @@
     </p:spTree>
     <p:extLst>
       <p:ext uri="{BB962C8B-B14F-4D97-AF65-F5344CB8AC3E}">
-        <p14:creationId xmlns:p14="http://schemas.microsoft.com/office/powerpoint/2010/main" val="357828682"/>
+        <p14:creationId xmlns:p14="http://schemas.microsoft.com/office/powerpoint/2010/main" val="392350387"/>
       </p:ext>
     </p:extLst>
   </p:cSld>
@@ -2091,7 +2197,7 @@
     </p:spTree>
     <p:extLst>
       <p:ext uri="{BB962C8B-B14F-4D97-AF65-F5344CB8AC3E}">
-        <p14:creationId xmlns:p14="http://schemas.microsoft.com/office/powerpoint/2010/main" val="1851634476"/>
+        <p14:creationId xmlns:p14="http://schemas.microsoft.com/office/powerpoint/2010/main" val="357828682"/>
       </p:ext>
     </p:extLst>
   </p:cSld>
@@ -2218,7 +2324,7 @@
     </p:spTree>
     <p:extLst>
       <p:ext uri="{BB962C8B-B14F-4D97-AF65-F5344CB8AC3E}">
-        <p14:creationId xmlns:p14="http://schemas.microsoft.com/office/powerpoint/2010/main" val="614517386"/>
+        <p14:creationId xmlns:p14="http://schemas.microsoft.com/office/powerpoint/2010/main" val="1851634476"/>
       </p:ext>
     </p:extLst>
   </p:cSld>
@@ -2258,7 +2364,7 @@
           </p:cNvGraphicFramePr>
           <p:nvPr userDrawn="1">
             <p:custDataLst>
-              <p:tags r:id="rId2"/>
+              <p:tags r:id="rId1"/>
             </p:custDataLst>
           </p:nvPr>
         </p:nvGraphicFramePr>
@@ -2270,12 +2376,12 @@
           <a:graphicData uri="http://schemas.openxmlformats.org/presentationml/2006/ole">
             <mc:AlternateContent xmlns:mc="http://schemas.openxmlformats.org/markup-compatibility/2006">
               <mc:Choice xmlns:v="urn:schemas-microsoft-com:vml" Requires="v">
-                <p:oleObj spid="_x0000_s6146" name="think-cell Slide" r:id="rId4" imgW="425" imgH="426" progId="TCLayout.ActiveDocument.1">
+                <p:oleObj name="think-cell Slide" r:id="rId3" imgW="425" imgH="426" progId="TCLayout.ActiveDocument.1">
                   <p:embed/>
                 </p:oleObj>
               </mc:Choice>
               <mc:Fallback>
-                <p:oleObj name="think-cell Slide" r:id="rId4" imgW="425" imgH="426" progId="TCLayout.ActiveDocument.1">
+                <p:oleObj name="think-cell Slide" r:id="rId3" imgW="425" imgH="426" progId="TCLayout.ActiveDocument.1">
                   <p:embed/>
                   <p:pic>
                     <p:nvPicPr>
@@ -2284,7 +2390,7 @@
                       <p:nvPr/>
                     </p:nvPicPr>
                     <p:blipFill>
-                      <a:blip r:embed="rId5"/>
+                      <a:blip r:embed="rId4"/>
                       <a:stretch>
                         <a:fillRect/>
                       </a:stretch>
@@ -2319,7 +2425,7 @@
         </p:nvSpPr>
         <p:spPr>
           <a:xfrm>
-            <a:off x="0" y="5029200"/>
+            <a:off x="0" y="5049749"/>
             <a:ext cx="12192000" cy="1828800"/>
           </a:xfrm>
           <a:prstGeom prst="rect">
@@ -2375,8 +2481,8 @@
         </p:nvSpPr>
         <p:spPr>
           <a:xfrm>
-            <a:off x="300317" y="5549250"/>
-            <a:ext cx="11634508" cy="500137"/>
+            <a:off x="6349750" y="3026729"/>
+            <a:ext cx="5475805" cy="500137"/>
           </a:xfrm>
         </p:spPr>
         <p:txBody>
@@ -2394,7 +2500,7 @@
           </a:lstStyle>
           <a:p>
             <a:r>
-              <a:rPr lang="en-US"/>
+              <a:rPr lang="en-US" dirty="0"/>
               <a:t>Click to edit Master title style</a:t>
             </a:r>
           </a:p>
@@ -2491,7 +2597,7 @@
           <p:nvPr userDrawn="1"/>
         </p:nvPicPr>
         <p:blipFill>
-          <a:blip r:embed="rId6" cstate="print">
+          <a:blip r:embed="rId5" cstate="print">
             <a:extLst>
               <a:ext uri="{28A0092B-C50C-407E-A947-70E740481C1C}">
                 <a14:useLocalDpi xmlns:a14="http://schemas.microsoft.com/office/drawing/2010/main" val="0"/>
@@ -2596,10 +2702,10 @@
       </p:sp>
       <p:sp>
         <p:nvSpPr>
-          <p:cNvPr id="38" name="Arrow: Pentagon 37">
+          <p:cNvPr id="2" name="Arrow: Pentagon 1">
             <a:extLst>
               <a:ext uri="{FF2B5EF4-FFF2-40B4-BE49-F238E27FC236}">
-                <a16:creationId xmlns:a16="http://schemas.microsoft.com/office/drawing/2014/main" id="{9787AEAF-CECE-47AD-BC55-6A8FA3B19CEE}"/>
+                <a16:creationId xmlns:a16="http://schemas.microsoft.com/office/drawing/2014/main" id="{5CA48EA9-6D12-44BD-7D8D-BDFB3CF26E72}"/>
               </a:ext>
             </a:extLst>
           </p:cNvPr>
@@ -2617,7 +2723,7 @@
             </a:avLst>
           </a:prstGeom>
           <a:solidFill>
-            <a:schemeClr val="accent4"/>
+            <a:srgbClr val="EB9E2F"/>
           </a:solidFill>
           <a:ln>
             <a:noFill/>
@@ -2651,37 +2757,40 @@
           <a:lstStyle/>
           <a:p>
             <a:pPr algn="ctr"/>
-            <a:endParaRPr lang="en-US"/>
+            <a:endParaRPr lang="en-US" dirty="0"/>
           </a:p>
         </p:txBody>
       </p:sp>
       <p:pic>
         <p:nvPicPr>
-          <p:cNvPr id="7" name="Picture 6">
+          <p:cNvPr id="3" name="Picture 2" descr="A logo with text on it&#10;&#10;Description automatically generated">
             <a:extLst>
               <a:ext uri="{FF2B5EF4-FFF2-40B4-BE49-F238E27FC236}">
-                <a16:creationId xmlns:a16="http://schemas.microsoft.com/office/drawing/2014/main" id="{72A0BC6A-E73C-40BA-BB29-6604DE19F585}"/>
+                <a16:creationId xmlns:a16="http://schemas.microsoft.com/office/drawing/2014/main" id="{AAB7E338-2B16-E42A-4CED-6A1645ECDF05}"/>
               </a:ext>
             </a:extLst>
           </p:cNvPr>
-          <p:cNvPicPr/>
+          <p:cNvPicPr>
+            <a:picLocks noChangeAspect="1"/>
+          </p:cNvPicPr>
           <p:nvPr userDrawn="1"/>
         </p:nvPicPr>
-        <p:blipFill rotWithShape="1">
-          <a:blip r:embed="rId2" cstate="print">
+        <p:blipFill>
+          <a:blip r:embed="rId2">
             <a:extLst>
               <a:ext uri="{28A0092B-C50C-407E-A947-70E740481C1C}">
                 <a14:useLocalDpi xmlns:a14="http://schemas.microsoft.com/office/drawing/2010/main" val="0"/>
               </a:ext>
             </a:extLst>
           </a:blip>
-          <a:srcRect l="4364" r="2644" b="1491"/>
-          <a:stretch/>
+          <a:stretch>
+            <a:fillRect/>
+          </a:stretch>
         </p:blipFill>
         <p:spPr>
           <a:xfrm>
-            <a:off x="7786456" y="5591279"/>
-            <a:ext cx="4391025" cy="1281234"/>
+            <a:off x="7576762" y="2617384"/>
+            <a:ext cx="3429000" cy="1304925"/>
           </a:xfrm>
           <a:prstGeom prst="rect">
             <a:avLst/>
@@ -2732,7 +2841,7 @@
           </p:cNvGraphicFramePr>
           <p:nvPr userDrawn="1">
             <p:custDataLst>
-              <p:tags r:id="rId2"/>
+              <p:tags r:id="rId1"/>
             </p:custDataLst>
           </p:nvPr>
         </p:nvGraphicFramePr>
@@ -2744,12 +2853,12 @@
           <a:graphicData uri="http://schemas.openxmlformats.org/presentationml/2006/ole">
             <mc:AlternateContent xmlns:mc="http://schemas.openxmlformats.org/markup-compatibility/2006">
               <mc:Choice xmlns:v="urn:schemas-microsoft-com:vml" Requires="v">
-                <p:oleObj spid="_x0000_s7170" name="think-cell Slide" r:id="rId4" imgW="347" imgH="348" progId="TCLayout.ActiveDocument.1">
+                <p:oleObj name="think-cell Slide" r:id="rId3" imgW="347" imgH="348" progId="TCLayout.ActiveDocument.1">
                   <p:embed/>
                 </p:oleObj>
               </mc:Choice>
               <mc:Fallback>
-                <p:oleObj name="think-cell Slide" r:id="rId4" imgW="347" imgH="348" progId="TCLayout.ActiveDocument.1">
+                <p:oleObj name="think-cell Slide" r:id="rId3" imgW="347" imgH="348" progId="TCLayout.ActiveDocument.1">
                   <p:embed/>
                   <p:pic>
                     <p:nvPicPr>
@@ -2764,7 +2873,7 @@
                       <p:nvPr/>
                     </p:nvPicPr>
                     <p:blipFill>
-                      <a:blip r:embed="rId5"/>
+                      <a:blip r:embed="rId4"/>
                       <a:stretch>
                         <a:fillRect/>
                       </a:stretch>
@@ -2891,7 +3000,7 @@
           <a:p>
             <a:fld id="{C426BC5F-09C1-43F9-92E4-3807667E7453}" type="datetimeFigureOut">
               <a:rPr lang="en-US" smtClean="0"/>
-              <a:t>03-May-24</a:t>
+              <a:t>5/3/2024</a:t>
             </a:fld>
             <a:endParaRPr lang="en-US"/>
           </a:p>
@@ -3598,7 +3707,7 @@
           </p:cNvGraphicFramePr>
           <p:nvPr userDrawn="1">
             <p:custDataLst>
-              <p:tags r:id="rId7"/>
+              <p:tags r:id="rId6"/>
             </p:custDataLst>
           </p:nvPr>
         </p:nvGraphicFramePr>
@@ -3610,12 +3719,12 @@
           <a:graphicData uri="http://schemas.openxmlformats.org/presentationml/2006/ole">
             <mc:AlternateContent xmlns:mc="http://schemas.openxmlformats.org/markup-compatibility/2006">
               <mc:Choice xmlns:v="urn:schemas-microsoft-com:vml" Requires="v">
-                <p:oleObj spid="_x0000_s5122" name="think-cell Slide" r:id="rId9" imgW="425" imgH="426" progId="TCLayout.ActiveDocument.1">
+                <p:oleObj name="think-cell Slide" r:id="rId8" imgW="425" imgH="426" progId="TCLayout.ActiveDocument.1">
                   <p:embed/>
                 </p:oleObj>
               </mc:Choice>
               <mc:Fallback>
-                <p:oleObj name="think-cell Slide" r:id="rId9" imgW="425" imgH="426" progId="TCLayout.ActiveDocument.1">
+                <p:oleObj name="think-cell Slide" r:id="rId8" imgW="425" imgH="426" progId="TCLayout.ActiveDocument.1">
                   <p:embed/>
                   <p:pic>
                     <p:nvPicPr>
@@ -3624,7 +3733,7 @@
                       <p:nvPr/>
                     </p:nvPicPr>
                     <p:blipFill>
-                      <a:blip r:embed="rId10"/>
+                      <a:blip r:embed="rId9"/>
                       <a:stretch>
                         <a:fillRect/>
                       </a:stretch>
@@ -3657,7 +3766,7 @@
           <p:cNvSpPr/>
           <p:nvPr userDrawn="1">
             <p:custDataLst>
-              <p:tags r:id="rId8"/>
+              <p:tags r:id="rId7"/>
             </p:custDataLst>
           </p:nvPr>
         </p:nvSpPr>
@@ -4513,7 +4622,7 @@
   <p:cSld>
     <p:spTree>
       <p:nvGrpSpPr>
-        <p:cNvPr id="1" name=""/>
+        <p:cNvPr id="1" name="Shape 38"/>
         <p:cNvGrpSpPr/>
         <p:nvPr/>
       </p:nvGrpSpPr>
@@ -4525,48 +4634,70 @@
           <a:chExt cx="0" cy="0"/>
         </a:xfrm>
       </p:grpSpPr>
+      <p:pic>
+        <p:nvPicPr>
+          <p:cNvPr id="39" name="Google Shape;39;p5"/>
+          <p:cNvPicPr preferRelativeResize="0"/>
+          <p:nvPr/>
+        </p:nvPicPr>
+        <p:blipFill/>
+        <p:spPr>
+          <a:xfrm>
+            <a:off x="1588" y="1588"/>
+            <a:ext cx="1588" cy="1588"/>
+          </a:xfrm>
+          <a:prstGeom prst="rect">
+            <a:avLst/>
+          </a:prstGeom>
+          <a:noFill/>
+          <a:ln>
+            <a:noFill/>
+          </a:ln>
+        </p:spPr>
+      </p:pic>
       <p:sp>
         <p:nvSpPr>
-          <p:cNvPr id="2" name="Title 1"/>
-          <p:cNvSpPr>
+          <p:cNvPr id="40" name="Google Shape;40;p5"/>
+          <p:cNvSpPr txBox="1">
             <a:spLocks noGrp="1"/>
           </p:cNvSpPr>
           <p:nvPr>
-            <p:ph type="ctrTitle"/>
+            <p:ph type="ctrTitle" idx="4294967295"/>
           </p:nvPr>
         </p:nvSpPr>
         <p:spPr>
           <a:xfrm>
-            <a:off x="6096000" y="2804214"/>
-            <a:ext cx="5877597" cy="624786"/>
+            <a:off x="0" y="2005781"/>
+            <a:ext cx="5530645" cy="1652451"/>
           </a:xfrm>
+          <a:prstGeom prst="rect">
+            <a:avLst/>
+          </a:prstGeom>
+          <a:noFill/>
+          <a:ln>
+            <a:noFill/>
+          </a:ln>
         </p:spPr>
         <p:txBody>
-          <a:bodyPr/>
+          <a:bodyPr spcFirstLastPara="1" wrap="square" lIns="15225" tIns="7600" rIns="15225" bIns="7600" anchor="b" anchorCtr="0">
+            <a:noAutofit/>
+          </a:bodyPr>
           <a:lstStyle/>
           <a:p>
+            <a:pPr algn="ctr"/>
             <a:r>
-              <a:rPr lang="en-US" sz="4400" dirty="0">
+              <a:rPr lang="en-US" sz="3600" dirty="0">
                 <a:solidFill>
-                  <a:srgbClr val="0070C0"/>
+                  <a:schemeClr val="bg1"/>
                 </a:solidFill>
+                <a:latin typeface="Gotham Light" pitchFamily="50" charset="0"/>
               </a:rPr>
-              <a:t>Scale of measurement</a:t>
+              <a:t>Introduction to Statistical Thinking</a:t>
             </a:r>
-            <a:endParaRPr lang="en-GB" sz="4400" dirty="0">
-              <a:solidFill>
-                <a:srgbClr val="0070C0"/>
-              </a:solidFill>
-            </a:endParaRPr>
           </a:p>
         </p:txBody>
       </p:sp>
     </p:spTree>
-    <p:extLst>
-      <p:ext uri="{BB962C8B-B14F-4D97-AF65-F5344CB8AC3E}">
-        <p14:creationId xmlns:p14="http://schemas.microsoft.com/office/powerpoint/2010/main" val="3510249180"/>
-      </p:ext>
-    </p:extLst>
   </p:cSld>
   <p:clrMapOvr>
     <a:masterClrMapping/>
@@ -4617,8 +4748,8 @@
         </p:nvSpPr>
         <p:spPr>
           <a:xfrm>
-            <a:off x="0" y="723861"/>
-            <a:ext cx="11593145" cy="5925340"/>
+            <a:off x="299427" y="1462500"/>
+            <a:ext cx="11593145" cy="4448013"/>
           </a:xfrm>
           <a:prstGeom prst="rect">
             <a:avLst/>
@@ -4630,42 +4761,33 @@
           </a:bodyPr>
           <a:lstStyle/>
           <a:p>
-            <a:pPr marL="457200" indent="-457200" algn="just">
+            <a:pPr algn="just">
               <a:lnSpc>
                 <a:spcPct val="150000"/>
               </a:lnSpc>
-              <a:buFontTx/>
-              <a:buChar char="-"/>
             </a:pPr>
             <a:r>
               <a:rPr lang="en-US" sz="3200" dirty="0"/>
-              <a:t>The ratio scale is the 4th level of measurement scale, which is quantitative. </a:t>
+              <a:t>The interval type allows for the degree of difference between items, but not the ratio between them.</a:t>
             </a:r>
           </a:p>
           <a:p>
-            <a:pPr marL="457200" indent="-457200" algn="just">
+            <a:pPr algn="just">
               <a:lnSpc>
                 <a:spcPct val="150000"/>
               </a:lnSpc>
-              <a:buFontTx/>
-              <a:buChar char="-"/>
+            </a:pPr>
+            <a:endParaRPr lang="en-US" sz="3200" dirty="0"/>
+          </a:p>
+          <a:p>
+            <a:pPr algn="just">
+              <a:lnSpc>
+                <a:spcPct val="150000"/>
+              </a:lnSpc>
             </a:pPr>
             <a:r>
               <a:rPr lang="en-US" sz="3200" dirty="0"/>
-              <a:t>It is an extension of the interval scale which possesses a meaningful absolute zero value and because of this, it doesn’t have negative value. </a:t>
-            </a:r>
-          </a:p>
-          <a:p>
-            <a:pPr marL="457200" indent="-457200" algn="just">
-              <a:lnSpc>
-                <a:spcPct val="150000"/>
-              </a:lnSpc>
-              <a:buFontTx/>
-              <a:buChar char="-"/>
-            </a:pPr>
-            <a:r>
-              <a:rPr lang="en-US" sz="3200" dirty="0"/>
-              <a:t>The ratio scale is compatible with all statistical analysis methods like the measures of central tendency and measures of dispersion Examples of ratio scale include height, age, weight, and length.</a:t>
+              <a:t>We can use mode, median, and arithmetic mean as a measure of central tendency in the interval scale while range and standard deviation can be used as measure dispersion. </a:t>
             </a:r>
           </a:p>
         </p:txBody>
@@ -4709,7 +4831,7 @@
                 <a:latin typeface="Gotham Light" pitchFamily="50" charset="0"/>
                 <a:cs typeface="Calibri"/>
               </a:rPr>
-              <a:t>Ratio scale</a:t>
+              <a:t>Interval scale</a:t>
             </a:r>
           </a:p>
         </p:txBody>
@@ -4717,7 +4839,7 @@
     </p:spTree>
     <p:extLst>
       <p:ext uri="{BB962C8B-B14F-4D97-AF65-F5344CB8AC3E}">
-        <p14:creationId xmlns:p14="http://schemas.microsoft.com/office/powerpoint/2010/main" val="3329370146"/>
+        <p14:creationId xmlns:p14="http://schemas.microsoft.com/office/powerpoint/2010/main" val="666096192"/>
       </p:ext>
     </p:extLst>
   </p:cSld>
@@ -4836,329 +4958,6 @@
       </p:grpSpPr>
       <p:sp>
         <p:nvSpPr>
-          <p:cNvPr id="5" name="Google Shape;62;p6">
-            <a:extLst>
-              <a:ext uri="{FF2B5EF4-FFF2-40B4-BE49-F238E27FC236}">
-                <a16:creationId xmlns:a16="http://schemas.microsoft.com/office/drawing/2014/main" id="{FBC28851-0F6B-4550-837A-598F97BA7949}"/>
-              </a:ext>
-            </a:extLst>
-          </p:cNvPr>
-          <p:cNvSpPr/>
-          <p:nvPr/>
-        </p:nvSpPr>
-        <p:spPr>
-          <a:xfrm>
-            <a:off x="210938" y="188603"/>
-            <a:ext cx="9464003" cy="535258"/>
-          </a:xfrm>
-          <a:prstGeom prst="rect">
-            <a:avLst/>
-          </a:prstGeom>
-          <a:noFill/>
-          <a:ln>
-            <a:noFill/>
-          </a:ln>
-        </p:spPr>
-        <p:txBody>
-          <a:bodyPr spcFirstLastPara="1" wrap="square" lIns="91425" tIns="45700" rIns="91425" bIns="45700" anchor="t" anchorCtr="0">
-            <a:noAutofit/>
-          </a:bodyPr>
-          <a:lstStyle/>
-          <a:p>
-            <a:r>
-              <a:rPr lang="en-US" sz="3600" b="1" dirty="0">
-                <a:solidFill>
-                  <a:srgbClr val="0070C0"/>
-                </a:solidFill>
-                <a:latin typeface="Gotham Light" pitchFamily="50" charset="0"/>
-                <a:cs typeface="Calibri"/>
-              </a:rPr>
-              <a:t>Pictorial summary of scale of measurement </a:t>
-            </a:r>
-          </a:p>
-        </p:txBody>
-      </p:sp>
-      <p:pic>
-        <p:nvPicPr>
-          <p:cNvPr id="4" name="Picture 3">
-            <a:extLst>
-              <a:ext uri="{FF2B5EF4-FFF2-40B4-BE49-F238E27FC236}">
-                <a16:creationId xmlns:a16="http://schemas.microsoft.com/office/drawing/2014/main" id="{475341FC-C022-4AB8-BEB8-A203EA137C9E}"/>
-              </a:ext>
-            </a:extLst>
-          </p:cNvPr>
-          <p:cNvPicPr/>
-          <p:nvPr/>
-        </p:nvPicPr>
-        <p:blipFill>
-          <a:blip r:embed="rId3">
-            <a:extLst>
-              <a:ext uri="{28A0092B-C50C-407E-A947-70E740481C1C}">
-                <a14:useLocalDpi xmlns:a14="http://schemas.microsoft.com/office/drawing/2010/main" val="0"/>
-              </a:ext>
-            </a:extLst>
-          </a:blip>
-          <a:srcRect/>
-          <a:stretch>
-            <a:fillRect/>
-          </a:stretch>
-        </p:blipFill>
-        <p:spPr bwMode="auto">
-          <a:xfrm>
-            <a:off x="1955544" y="1361393"/>
-            <a:ext cx="8280913" cy="4572821"/>
-          </a:xfrm>
-          <a:prstGeom prst="rect">
-            <a:avLst/>
-          </a:prstGeom>
-          <a:noFill/>
-          <a:ln>
-            <a:noFill/>
-          </a:ln>
-        </p:spPr>
-      </p:pic>
-    </p:spTree>
-    <p:extLst>
-      <p:ext uri="{BB962C8B-B14F-4D97-AF65-F5344CB8AC3E}">
-        <p14:creationId xmlns:p14="http://schemas.microsoft.com/office/powerpoint/2010/main" val="1216641246"/>
-      </p:ext>
-    </p:extLst>
-  </p:cSld>
-  <p:clrMapOvr>
-    <a:masterClrMapping/>
-  </p:clrMapOvr>
-  <mc:AlternateContent xmlns:mc="http://schemas.openxmlformats.org/markup-compatibility/2006" xmlns:p14="http://schemas.microsoft.com/office/powerpoint/2010/main">
-    <mc:Choice Requires="p14">
-      <p:transition spd="med" p14:dur="700">
-        <p:fade/>
-      </p:transition>
-    </mc:Choice>
-    <mc:Fallback xmlns="">
-      <p:transition spd="med">
-        <p:fade/>
-      </p:transition>
-    </mc:Fallback>
-  </mc:AlternateContent>
-</p:sld>
-</file>
-
-<file path=ppt/slides/slide12.xml><?xml version="1.0" encoding="utf-8"?>
-<p:sld xmlns:a="http://schemas.openxmlformats.org/drawingml/2006/main" xmlns:r="http://schemas.openxmlformats.org/officeDocument/2006/relationships" xmlns:p="http://schemas.openxmlformats.org/presentationml/2006/main">
-  <p:cSld>
-    <p:spTree>
-      <p:nvGrpSpPr>
-        <p:cNvPr id="1" name="Shape 749"/>
-        <p:cNvGrpSpPr/>
-        <p:nvPr/>
-      </p:nvGrpSpPr>
-      <p:grpSpPr>
-        <a:xfrm>
-          <a:off x="0" y="0"/>
-          <a:ext cx="0" cy="0"/>
-          <a:chOff x="0" y="0"/>
-          <a:chExt cx="0" cy="0"/>
-        </a:xfrm>
-      </p:grpSpPr>
-      <p:sp>
-        <p:nvSpPr>
-          <p:cNvPr id="5" name="Google Shape;62;p6">
-            <a:extLst>
-              <a:ext uri="{FF2B5EF4-FFF2-40B4-BE49-F238E27FC236}">
-                <a16:creationId xmlns:a16="http://schemas.microsoft.com/office/drawing/2014/main" id="{FBC28851-0F6B-4550-837A-598F97BA7949}"/>
-              </a:ext>
-            </a:extLst>
-          </p:cNvPr>
-          <p:cNvSpPr/>
-          <p:nvPr/>
-        </p:nvSpPr>
-        <p:spPr>
-          <a:xfrm>
-            <a:off x="183229" y="147039"/>
-            <a:ext cx="11025098" cy="535258"/>
-          </a:xfrm>
-          <a:prstGeom prst="rect">
-            <a:avLst/>
-          </a:prstGeom>
-          <a:noFill/>
-          <a:ln>
-            <a:noFill/>
-          </a:ln>
-        </p:spPr>
-        <p:txBody>
-          <a:bodyPr spcFirstLastPara="1" wrap="square" lIns="91425" tIns="45700" rIns="91425" bIns="45700" anchor="t" anchorCtr="0">
-            <a:noAutofit/>
-          </a:bodyPr>
-          <a:lstStyle/>
-          <a:p>
-            <a:r>
-              <a:rPr lang="en-US" sz="3600" b="1" dirty="0">
-                <a:solidFill>
-                  <a:srgbClr val="0070C0"/>
-                </a:solidFill>
-                <a:latin typeface="Gotham Light" pitchFamily="50" charset="0"/>
-                <a:cs typeface="Calibri"/>
-              </a:rPr>
-              <a:t>Scale of measurement and measure of central tendency</a:t>
-            </a:r>
-          </a:p>
-        </p:txBody>
-      </p:sp>
-      <p:pic>
-        <p:nvPicPr>
-          <p:cNvPr id="6" name="Picture 5">
-            <a:extLst>
-              <a:ext uri="{FF2B5EF4-FFF2-40B4-BE49-F238E27FC236}">
-                <a16:creationId xmlns:a16="http://schemas.microsoft.com/office/drawing/2014/main" id="{E6EDC5A1-1344-47CA-9AA3-5E19F2A66D5D}"/>
-              </a:ext>
-            </a:extLst>
-          </p:cNvPr>
-          <p:cNvPicPr/>
-          <p:nvPr/>
-        </p:nvPicPr>
-        <p:blipFill>
-          <a:blip r:embed="rId3">
-            <a:extLst>
-              <a:ext uri="{28A0092B-C50C-407E-A947-70E740481C1C}">
-                <a14:useLocalDpi xmlns:a14="http://schemas.microsoft.com/office/drawing/2010/main" val="0"/>
-              </a:ext>
-            </a:extLst>
-          </a:blip>
-          <a:stretch>
-            <a:fillRect/>
-          </a:stretch>
-        </p:blipFill>
-        <p:spPr>
-          <a:xfrm>
-            <a:off x="1226128" y="1246164"/>
-            <a:ext cx="9739745" cy="4988379"/>
-          </a:xfrm>
-          <a:prstGeom prst="rect">
-            <a:avLst/>
-          </a:prstGeom>
-        </p:spPr>
-      </p:pic>
-    </p:spTree>
-    <p:extLst>
-      <p:ext uri="{BB962C8B-B14F-4D97-AF65-F5344CB8AC3E}">
-        <p14:creationId xmlns:p14="http://schemas.microsoft.com/office/powerpoint/2010/main" val="1906562377"/>
-      </p:ext>
-    </p:extLst>
-  </p:cSld>
-  <p:clrMapOvr>
-    <a:masterClrMapping/>
-  </p:clrMapOvr>
-  <mc:AlternateContent xmlns:mc="http://schemas.openxmlformats.org/markup-compatibility/2006" xmlns:p14="http://schemas.microsoft.com/office/powerpoint/2010/main">
-    <mc:Choice Requires="p14">
-      <p:transition spd="med" p14:dur="700">
-        <p:fade/>
-      </p:transition>
-    </mc:Choice>
-    <mc:Fallback xmlns="">
-      <p:transition spd="med">
-        <p:fade/>
-      </p:transition>
-    </mc:Fallback>
-  </mc:AlternateContent>
-</p:sld>
-</file>
-
-<file path=ppt/slides/slide13.xml><?xml version="1.0" encoding="utf-8"?>
-<p:sld xmlns:a="http://schemas.openxmlformats.org/drawingml/2006/main" xmlns:r="http://schemas.openxmlformats.org/officeDocument/2006/relationships" xmlns:p="http://schemas.openxmlformats.org/presentationml/2006/main">
-  <p:cSld>
-    <p:spTree>
-      <p:nvGrpSpPr>
-        <p:cNvPr id="1" name="Shape 749"/>
-        <p:cNvGrpSpPr/>
-        <p:nvPr/>
-      </p:nvGrpSpPr>
-      <p:grpSpPr>
-        <a:xfrm>
-          <a:off x="0" y="0"/>
-          <a:ext cx="0" cy="0"/>
-          <a:chOff x="0" y="0"/>
-          <a:chExt cx="0" cy="0"/>
-        </a:xfrm>
-      </p:grpSpPr>
-      <p:pic>
-        <p:nvPicPr>
-          <p:cNvPr id="5" name="Picture 4">
-            <a:extLst>
-              <a:ext uri="{FF2B5EF4-FFF2-40B4-BE49-F238E27FC236}">
-                <a16:creationId xmlns:a16="http://schemas.microsoft.com/office/drawing/2014/main" id="{73C5115E-CD3F-43DC-8219-13AC7387CE59}"/>
-              </a:ext>
-            </a:extLst>
-          </p:cNvPr>
-          <p:cNvPicPr>
-            <a:picLocks noChangeAspect="1"/>
-          </p:cNvPicPr>
-          <p:nvPr/>
-        </p:nvPicPr>
-        <p:blipFill>
-          <a:blip r:embed="rId3">
-            <a:extLst>
-              <a:ext uri="{28A0092B-C50C-407E-A947-70E740481C1C}">
-                <a14:useLocalDpi xmlns:a14="http://schemas.microsoft.com/office/drawing/2010/main" val="0"/>
-              </a:ext>
-            </a:extLst>
-          </a:blip>
-          <a:stretch>
-            <a:fillRect/>
-          </a:stretch>
-        </p:blipFill>
-        <p:spPr>
-          <a:xfrm>
-            <a:off x="2218996" y="1132297"/>
-            <a:ext cx="6934200" cy="5200650"/>
-          </a:xfrm>
-          <a:prstGeom prst="rect">
-            <a:avLst/>
-          </a:prstGeom>
-        </p:spPr>
-      </p:pic>
-    </p:spTree>
-    <p:extLst>
-      <p:ext uri="{BB962C8B-B14F-4D97-AF65-F5344CB8AC3E}">
-        <p14:creationId xmlns:p14="http://schemas.microsoft.com/office/powerpoint/2010/main" val="2836296420"/>
-      </p:ext>
-    </p:extLst>
-  </p:cSld>
-  <p:clrMapOvr>
-    <a:masterClrMapping/>
-  </p:clrMapOvr>
-  <mc:AlternateContent xmlns:mc="http://schemas.openxmlformats.org/markup-compatibility/2006" xmlns:p14="http://schemas.microsoft.com/office/powerpoint/2010/main">
-    <mc:Choice Requires="p14">
-      <p:transition spd="med" p14:dur="700">
-        <p:fade/>
-      </p:transition>
-    </mc:Choice>
-    <mc:Fallback xmlns="">
-      <p:transition spd="med">
-        <p:fade/>
-      </p:transition>
-    </mc:Fallback>
-  </mc:AlternateContent>
-</p:sld>
-</file>
-
-<file path=ppt/slides/slide2.xml><?xml version="1.0" encoding="utf-8"?>
-<p:sld xmlns:a="http://schemas.openxmlformats.org/drawingml/2006/main" xmlns:r="http://schemas.openxmlformats.org/officeDocument/2006/relationships" xmlns:p="http://schemas.openxmlformats.org/presentationml/2006/main">
-  <p:cSld>
-    <p:spTree>
-      <p:nvGrpSpPr>
-        <p:cNvPr id="1" name="Shape 749"/>
-        <p:cNvGrpSpPr/>
-        <p:nvPr/>
-      </p:nvGrpSpPr>
-      <p:grpSpPr>
-        <a:xfrm>
-          <a:off x="0" y="0"/>
-          <a:ext cx="0" cy="0"/>
-          <a:chOff x="0" y="0"/>
-          <a:chExt cx="0" cy="0"/>
-        </a:xfrm>
-      </p:grpSpPr>
-      <p:sp>
-        <p:nvSpPr>
           <p:cNvPr id="3" name="Rectangle 2">
             <a:extLst>
               <a:ext uri="{FF2B5EF4-FFF2-40B4-BE49-F238E27FC236}">
@@ -5171,8 +4970,8 @@
         </p:nvSpPr>
         <p:spPr>
           <a:xfrm>
-            <a:off x="210939" y="1840219"/>
-            <a:ext cx="11681633" cy="3709349"/>
+            <a:off x="0" y="723861"/>
+            <a:ext cx="11593145" cy="5925340"/>
           </a:xfrm>
           <a:prstGeom prst="rect">
             <a:avLst/>
@@ -5184,21 +4983,43 @@
           </a:bodyPr>
           <a:lstStyle/>
           <a:p>
-            <a:pPr algn="just">
+            <a:pPr marL="457200" indent="-457200" algn="just">
               <a:lnSpc>
                 <a:spcPct val="150000"/>
               </a:lnSpc>
+              <a:buFontTx/>
+              <a:buChar char="-"/>
             </a:pPr>
             <a:r>
               <a:rPr lang="en-US" sz="3200" dirty="0"/>
-              <a:t>Data can be qualitative or quantitative. A qualitative data is observed and recorded, for example gender while quantitative data is the type of data that arise as a result of numerical estimation or measurement, for example weight of a person. Both qualitative and quantitative have their scale of measurement. </a:t>
+              <a:t>The ratio scale is the 4th level of measurement scale, which is quantitative. </a:t>
             </a:r>
-            <a:endParaRPr lang="en-US" sz="3600" dirty="0">
-              <a:solidFill>
-                <a:schemeClr val="tx1"/>
-              </a:solidFill>
-              <a:latin typeface="+mj-lt"/>
-            </a:endParaRPr>
+          </a:p>
+          <a:p>
+            <a:pPr marL="457200" indent="-457200" algn="just">
+              <a:lnSpc>
+                <a:spcPct val="150000"/>
+              </a:lnSpc>
+              <a:buFontTx/>
+              <a:buChar char="-"/>
+            </a:pPr>
+            <a:r>
+              <a:rPr lang="en-US" sz="3200" dirty="0"/>
+              <a:t>It is an extension of the interval scale which possesses a meaningful absolute zero value and because of this, it doesn’t have negative value. </a:t>
+            </a:r>
+          </a:p>
+          <a:p>
+            <a:pPr marL="457200" indent="-457200" algn="just">
+              <a:lnSpc>
+                <a:spcPct val="150000"/>
+              </a:lnSpc>
+              <a:buFontTx/>
+              <a:buChar char="-"/>
+            </a:pPr>
+            <a:r>
+              <a:rPr lang="en-US" sz="3200" dirty="0"/>
+              <a:t>The ratio scale is compatible with all statistical analysis methods like the measures of central tendency and measures of dispersion Examples of ratio scale include height, age, weight, and length.</a:t>
+            </a:r>
           </a:p>
         </p:txBody>
       </p:sp>
@@ -5233,15 +5054,6 @@
           </a:bodyPr>
           <a:lstStyle/>
           <a:p>
-            <a:pPr marL="0" marR="0" lvl="0" indent="0" algn="l" rtl="0">
-              <a:spcBef>
-                <a:spcPts val="0"/>
-              </a:spcBef>
-              <a:spcAft>
-                <a:spcPts val="0"/>
-              </a:spcAft>
-              <a:buNone/>
-            </a:pPr>
             <a:r>
               <a:rPr lang="en-US" sz="3600" b="1" dirty="0">
                 <a:solidFill>
@@ -5250,23 +5062,15 @@
                 <a:latin typeface="Gotham Light" pitchFamily="50" charset="0"/>
                 <a:cs typeface="Calibri"/>
               </a:rPr>
-              <a:t>Branch of statistics</a:t>
+              <a:t>Ratio scale</a:t>
             </a:r>
-            <a:endParaRPr sz="3600" b="1" dirty="0">
-              <a:solidFill>
-                <a:srgbClr val="0070C0"/>
-              </a:solidFill>
-              <a:latin typeface="Gotham Light" pitchFamily="50" charset="0"/>
-              <a:cs typeface="Calibri"/>
-              <a:sym typeface="Calibri"/>
-            </a:endParaRPr>
           </a:p>
         </p:txBody>
       </p:sp>
     </p:spTree>
     <p:extLst>
       <p:ext uri="{BB962C8B-B14F-4D97-AF65-F5344CB8AC3E}">
-        <p14:creationId xmlns:p14="http://schemas.microsoft.com/office/powerpoint/2010/main" val="534554956"/>
+        <p14:creationId xmlns:p14="http://schemas.microsoft.com/office/powerpoint/2010/main" val="3329370146"/>
       </p:ext>
     </p:extLst>
   </p:cSld>
@@ -5366,6 +5170,407 @@
 </p:sld>
 </file>
 
+<file path=ppt/slides/slide12.xml><?xml version="1.0" encoding="utf-8"?>
+<p:sld xmlns:a="http://schemas.openxmlformats.org/drawingml/2006/main" xmlns:r="http://schemas.openxmlformats.org/officeDocument/2006/relationships" xmlns:p="http://schemas.openxmlformats.org/presentationml/2006/main">
+  <p:cSld>
+    <p:spTree>
+      <p:nvGrpSpPr>
+        <p:cNvPr id="1" name="Shape 749"/>
+        <p:cNvGrpSpPr/>
+        <p:nvPr/>
+      </p:nvGrpSpPr>
+      <p:grpSpPr>
+        <a:xfrm>
+          <a:off x="0" y="0"/>
+          <a:ext cx="0" cy="0"/>
+          <a:chOff x="0" y="0"/>
+          <a:chExt cx="0" cy="0"/>
+        </a:xfrm>
+      </p:grpSpPr>
+      <p:sp>
+        <p:nvSpPr>
+          <p:cNvPr id="5" name="Google Shape;62;p6">
+            <a:extLst>
+              <a:ext uri="{FF2B5EF4-FFF2-40B4-BE49-F238E27FC236}">
+                <a16:creationId xmlns:a16="http://schemas.microsoft.com/office/drawing/2014/main" id="{FBC28851-0F6B-4550-837A-598F97BA7949}"/>
+              </a:ext>
+            </a:extLst>
+          </p:cNvPr>
+          <p:cNvSpPr/>
+          <p:nvPr/>
+        </p:nvSpPr>
+        <p:spPr>
+          <a:xfrm>
+            <a:off x="210938" y="188603"/>
+            <a:ext cx="9464003" cy="535258"/>
+          </a:xfrm>
+          <a:prstGeom prst="rect">
+            <a:avLst/>
+          </a:prstGeom>
+          <a:noFill/>
+          <a:ln>
+            <a:noFill/>
+          </a:ln>
+        </p:spPr>
+        <p:txBody>
+          <a:bodyPr spcFirstLastPara="1" wrap="square" lIns="91425" tIns="45700" rIns="91425" bIns="45700" anchor="t" anchorCtr="0">
+            <a:noAutofit/>
+          </a:bodyPr>
+          <a:lstStyle/>
+          <a:p>
+            <a:r>
+              <a:rPr lang="en-US" sz="3600" b="1" dirty="0">
+                <a:solidFill>
+                  <a:srgbClr val="0070C0"/>
+                </a:solidFill>
+                <a:latin typeface="Gotham Light" pitchFamily="50" charset="0"/>
+                <a:cs typeface="Calibri"/>
+              </a:rPr>
+              <a:t>Pictorial summary of scale of measurement </a:t>
+            </a:r>
+          </a:p>
+        </p:txBody>
+      </p:sp>
+      <p:pic>
+        <p:nvPicPr>
+          <p:cNvPr id="4" name="Picture 3">
+            <a:extLst>
+              <a:ext uri="{FF2B5EF4-FFF2-40B4-BE49-F238E27FC236}">
+                <a16:creationId xmlns:a16="http://schemas.microsoft.com/office/drawing/2014/main" id="{475341FC-C022-4AB8-BEB8-A203EA137C9E}"/>
+              </a:ext>
+            </a:extLst>
+          </p:cNvPr>
+          <p:cNvPicPr/>
+          <p:nvPr/>
+        </p:nvPicPr>
+        <p:blipFill>
+          <a:blip r:embed="rId3">
+            <a:extLst>
+              <a:ext uri="{28A0092B-C50C-407E-A947-70E740481C1C}">
+                <a14:useLocalDpi xmlns:a14="http://schemas.microsoft.com/office/drawing/2010/main" val="0"/>
+              </a:ext>
+            </a:extLst>
+          </a:blip>
+          <a:srcRect/>
+          <a:stretch>
+            <a:fillRect/>
+          </a:stretch>
+        </p:blipFill>
+        <p:spPr bwMode="auto">
+          <a:xfrm>
+            <a:off x="1955544" y="1361393"/>
+            <a:ext cx="8280913" cy="4572821"/>
+          </a:xfrm>
+          <a:prstGeom prst="rect">
+            <a:avLst/>
+          </a:prstGeom>
+          <a:noFill/>
+          <a:ln>
+            <a:noFill/>
+          </a:ln>
+        </p:spPr>
+      </p:pic>
+    </p:spTree>
+    <p:extLst>
+      <p:ext uri="{BB962C8B-B14F-4D97-AF65-F5344CB8AC3E}">
+        <p14:creationId xmlns:p14="http://schemas.microsoft.com/office/powerpoint/2010/main" val="1216641246"/>
+      </p:ext>
+    </p:extLst>
+  </p:cSld>
+  <p:clrMapOvr>
+    <a:masterClrMapping/>
+  </p:clrMapOvr>
+  <mc:AlternateContent xmlns:mc="http://schemas.openxmlformats.org/markup-compatibility/2006" xmlns:p14="http://schemas.microsoft.com/office/powerpoint/2010/main">
+    <mc:Choice Requires="p14">
+      <p:transition spd="med" p14:dur="700">
+        <p:fade/>
+      </p:transition>
+    </mc:Choice>
+    <mc:Fallback xmlns="">
+      <p:transition spd="med">
+        <p:fade/>
+      </p:transition>
+    </mc:Fallback>
+  </mc:AlternateContent>
+</p:sld>
+</file>
+
+<file path=ppt/slides/slide13.xml><?xml version="1.0" encoding="utf-8"?>
+<p:sld xmlns:a="http://schemas.openxmlformats.org/drawingml/2006/main" xmlns:r="http://schemas.openxmlformats.org/officeDocument/2006/relationships" xmlns:p="http://schemas.openxmlformats.org/presentationml/2006/main">
+  <p:cSld>
+    <p:spTree>
+      <p:nvGrpSpPr>
+        <p:cNvPr id="1" name="Shape 749"/>
+        <p:cNvGrpSpPr/>
+        <p:nvPr/>
+      </p:nvGrpSpPr>
+      <p:grpSpPr>
+        <a:xfrm>
+          <a:off x="0" y="0"/>
+          <a:ext cx="0" cy="0"/>
+          <a:chOff x="0" y="0"/>
+          <a:chExt cx="0" cy="0"/>
+        </a:xfrm>
+      </p:grpSpPr>
+      <p:sp>
+        <p:nvSpPr>
+          <p:cNvPr id="5" name="Google Shape;62;p6">
+            <a:extLst>
+              <a:ext uri="{FF2B5EF4-FFF2-40B4-BE49-F238E27FC236}">
+                <a16:creationId xmlns:a16="http://schemas.microsoft.com/office/drawing/2014/main" id="{FBC28851-0F6B-4550-837A-598F97BA7949}"/>
+              </a:ext>
+            </a:extLst>
+          </p:cNvPr>
+          <p:cNvSpPr/>
+          <p:nvPr/>
+        </p:nvSpPr>
+        <p:spPr>
+          <a:xfrm>
+            <a:off x="183229" y="147039"/>
+            <a:ext cx="11025098" cy="535258"/>
+          </a:xfrm>
+          <a:prstGeom prst="rect">
+            <a:avLst/>
+          </a:prstGeom>
+          <a:noFill/>
+          <a:ln>
+            <a:noFill/>
+          </a:ln>
+        </p:spPr>
+        <p:txBody>
+          <a:bodyPr spcFirstLastPara="1" wrap="square" lIns="91425" tIns="45700" rIns="91425" bIns="45700" anchor="t" anchorCtr="0">
+            <a:noAutofit/>
+          </a:bodyPr>
+          <a:lstStyle/>
+          <a:p>
+            <a:r>
+              <a:rPr lang="en-US" sz="3600" b="1" dirty="0">
+                <a:solidFill>
+                  <a:srgbClr val="0070C0"/>
+                </a:solidFill>
+                <a:latin typeface="Gotham Light" pitchFamily="50" charset="0"/>
+                <a:cs typeface="Calibri"/>
+              </a:rPr>
+              <a:t>Scale of measurement and measure of central tendency</a:t>
+            </a:r>
+          </a:p>
+        </p:txBody>
+      </p:sp>
+      <p:pic>
+        <p:nvPicPr>
+          <p:cNvPr id="6" name="Picture 5">
+            <a:extLst>
+              <a:ext uri="{FF2B5EF4-FFF2-40B4-BE49-F238E27FC236}">
+                <a16:creationId xmlns:a16="http://schemas.microsoft.com/office/drawing/2014/main" id="{E6EDC5A1-1344-47CA-9AA3-5E19F2A66D5D}"/>
+              </a:ext>
+            </a:extLst>
+          </p:cNvPr>
+          <p:cNvPicPr/>
+          <p:nvPr/>
+        </p:nvPicPr>
+        <p:blipFill>
+          <a:blip r:embed="rId3">
+            <a:extLst>
+              <a:ext uri="{28A0092B-C50C-407E-A947-70E740481C1C}">
+                <a14:useLocalDpi xmlns:a14="http://schemas.microsoft.com/office/drawing/2010/main" val="0"/>
+              </a:ext>
+            </a:extLst>
+          </a:blip>
+          <a:stretch>
+            <a:fillRect/>
+          </a:stretch>
+        </p:blipFill>
+        <p:spPr>
+          <a:xfrm>
+            <a:off x="1226128" y="1246164"/>
+            <a:ext cx="9739745" cy="4988379"/>
+          </a:xfrm>
+          <a:prstGeom prst="rect">
+            <a:avLst/>
+          </a:prstGeom>
+        </p:spPr>
+      </p:pic>
+    </p:spTree>
+    <p:extLst>
+      <p:ext uri="{BB962C8B-B14F-4D97-AF65-F5344CB8AC3E}">
+        <p14:creationId xmlns:p14="http://schemas.microsoft.com/office/powerpoint/2010/main" val="1906562377"/>
+      </p:ext>
+    </p:extLst>
+  </p:cSld>
+  <p:clrMapOvr>
+    <a:masterClrMapping/>
+  </p:clrMapOvr>
+  <mc:AlternateContent xmlns:mc="http://schemas.openxmlformats.org/markup-compatibility/2006" xmlns:p14="http://schemas.microsoft.com/office/powerpoint/2010/main">
+    <mc:Choice Requires="p14">
+      <p:transition spd="med" p14:dur="700">
+        <p:fade/>
+      </p:transition>
+    </mc:Choice>
+    <mc:Fallback xmlns="">
+      <p:transition spd="med">
+        <p:fade/>
+      </p:transition>
+    </mc:Fallback>
+  </mc:AlternateContent>
+</p:sld>
+</file>
+
+<file path=ppt/slides/slide14.xml><?xml version="1.0" encoding="utf-8"?>
+<p:sld xmlns:a="http://schemas.openxmlformats.org/drawingml/2006/main" xmlns:r="http://schemas.openxmlformats.org/officeDocument/2006/relationships" xmlns:p="http://schemas.openxmlformats.org/presentationml/2006/main">
+  <p:cSld>
+    <p:spTree>
+      <p:nvGrpSpPr>
+        <p:cNvPr id="1" name="Shape 749"/>
+        <p:cNvGrpSpPr/>
+        <p:nvPr/>
+      </p:nvGrpSpPr>
+      <p:grpSpPr>
+        <a:xfrm>
+          <a:off x="0" y="0"/>
+          <a:ext cx="0" cy="0"/>
+          <a:chOff x="0" y="0"/>
+          <a:chExt cx="0" cy="0"/>
+        </a:xfrm>
+      </p:grpSpPr>
+      <p:pic>
+        <p:nvPicPr>
+          <p:cNvPr id="5" name="Picture 4">
+            <a:extLst>
+              <a:ext uri="{FF2B5EF4-FFF2-40B4-BE49-F238E27FC236}">
+                <a16:creationId xmlns:a16="http://schemas.microsoft.com/office/drawing/2014/main" id="{73C5115E-CD3F-43DC-8219-13AC7387CE59}"/>
+              </a:ext>
+            </a:extLst>
+          </p:cNvPr>
+          <p:cNvPicPr>
+            <a:picLocks noChangeAspect="1"/>
+          </p:cNvPicPr>
+          <p:nvPr/>
+        </p:nvPicPr>
+        <p:blipFill>
+          <a:blip r:embed="rId3">
+            <a:extLst>
+              <a:ext uri="{28A0092B-C50C-407E-A947-70E740481C1C}">
+                <a14:useLocalDpi xmlns:a14="http://schemas.microsoft.com/office/drawing/2010/main" val="0"/>
+              </a:ext>
+            </a:extLst>
+          </a:blip>
+          <a:stretch>
+            <a:fillRect/>
+          </a:stretch>
+        </p:blipFill>
+        <p:spPr>
+          <a:xfrm>
+            <a:off x="2218996" y="1132297"/>
+            <a:ext cx="6934200" cy="5200650"/>
+          </a:xfrm>
+          <a:prstGeom prst="rect">
+            <a:avLst/>
+          </a:prstGeom>
+        </p:spPr>
+      </p:pic>
+    </p:spTree>
+    <p:extLst>
+      <p:ext uri="{BB962C8B-B14F-4D97-AF65-F5344CB8AC3E}">
+        <p14:creationId xmlns:p14="http://schemas.microsoft.com/office/powerpoint/2010/main" val="2836296420"/>
+      </p:ext>
+    </p:extLst>
+  </p:cSld>
+  <p:clrMapOvr>
+    <a:masterClrMapping/>
+  </p:clrMapOvr>
+  <mc:AlternateContent xmlns:mc="http://schemas.openxmlformats.org/markup-compatibility/2006" xmlns:p14="http://schemas.microsoft.com/office/powerpoint/2010/main">
+    <mc:Choice Requires="p14">
+      <p:transition spd="med" p14:dur="700">
+        <p:fade/>
+      </p:transition>
+    </mc:Choice>
+    <mc:Fallback xmlns="">
+      <p:transition spd="med">
+        <p:fade/>
+      </p:transition>
+    </mc:Fallback>
+  </mc:AlternateContent>
+</p:sld>
+</file>
+
+<file path=ppt/slides/slide2.xml><?xml version="1.0" encoding="utf-8"?>
+<p:sld xmlns:a="http://schemas.openxmlformats.org/drawingml/2006/main" xmlns:r="http://schemas.openxmlformats.org/officeDocument/2006/relationships" xmlns:p="http://schemas.openxmlformats.org/presentationml/2006/main">
+  <p:cSld>
+    <p:spTree>
+      <p:nvGrpSpPr>
+        <p:cNvPr id="1" name=""/>
+        <p:cNvGrpSpPr/>
+        <p:nvPr/>
+      </p:nvGrpSpPr>
+      <p:grpSpPr>
+        <a:xfrm>
+          <a:off x="0" y="0"/>
+          <a:ext cx="0" cy="0"/>
+          <a:chOff x="0" y="0"/>
+          <a:chExt cx="0" cy="0"/>
+        </a:xfrm>
+      </p:grpSpPr>
+      <p:sp>
+        <p:nvSpPr>
+          <p:cNvPr id="2" name="Title 1"/>
+          <p:cNvSpPr>
+            <a:spLocks noGrp="1"/>
+          </p:cNvSpPr>
+          <p:nvPr>
+            <p:ph type="ctrTitle"/>
+          </p:nvPr>
+        </p:nvSpPr>
+        <p:spPr>
+          <a:xfrm>
+            <a:off x="6096000" y="2804214"/>
+            <a:ext cx="5877597" cy="624786"/>
+          </a:xfrm>
+        </p:spPr>
+        <p:txBody>
+          <a:bodyPr/>
+          <a:lstStyle/>
+          <a:p>
+            <a:r>
+              <a:rPr lang="en-US" sz="4400" dirty="0">
+                <a:solidFill>
+                  <a:srgbClr val="0070C0"/>
+                </a:solidFill>
+              </a:rPr>
+              <a:t>Scale of measurement</a:t>
+            </a:r>
+            <a:endParaRPr lang="en-GB" sz="4400" dirty="0">
+              <a:solidFill>
+                <a:srgbClr val="0070C0"/>
+              </a:solidFill>
+            </a:endParaRPr>
+          </a:p>
+        </p:txBody>
+      </p:sp>
+    </p:spTree>
+    <p:extLst>
+      <p:ext uri="{BB962C8B-B14F-4D97-AF65-F5344CB8AC3E}">
+        <p14:creationId xmlns:p14="http://schemas.microsoft.com/office/powerpoint/2010/main" val="3510249180"/>
+      </p:ext>
+    </p:extLst>
+  </p:cSld>
+  <p:clrMapOvr>
+    <a:masterClrMapping/>
+  </p:clrMapOvr>
+  <mc:AlternateContent xmlns:mc="http://schemas.openxmlformats.org/markup-compatibility/2006" xmlns:p14="http://schemas.microsoft.com/office/powerpoint/2010/main">
+    <mc:Choice Requires="p14">
+      <p:transition spd="med" p14:dur="700">
+        <p:fade/>
+      </p:transition>
+    </mc:Choice>
+    <mc:Fallback xmlns="">
+      <p:transition spd="med">
+        <p:fade/>
+      </p:transition>
+    </mc:Fallback>
+  </mc:AlternateContent>
+</p:sld>
+</file>
+
 <file path=ppt/slides/slide3.xml><?xml version="1.0" encoding="utf-8"?>
 <p:sld xmlns:a="http://schemas.openxmlformats.org/drawingml/2006/main" xmlns:r="http://schemas.openxmlformats.org/officeDocument/2006/relationships" xmlns:p="http://schemas.openxmlformats.org/presentationml/2006/main">
   <p:cSld>
@@ -5397,8 +5602,8 @@
         </p:nvSpPr>
         <p:spPr>
           <a:xfrm>
-            <a:off x="210939" y="723861"/>
-            <a:ext cx="11681633" cy="5925340"/>
+            <a:off x="210939" y="1840219"/>
+            <a:ext cx="11681633" cy="3709349"/>
           </a:xfrm>
           <a:prstGeom prst="rect">
             <a:avLst/>
@@ -5417,59 +5622,7 @@
             </a:pPr>
             <a:r>
               <a:rPr lang="en-US" sz="3200" dirty="0"/>
-              <a:t>In the other hand, each level of measurement scale has specific properties that determine the various use of statistical analysis or approach. The four types of scales at which we can categorize data  are:</a:t>
-            </a:r>
-          </a:p>
-          <a:p>
-            <a:pPr marL="457200" indent="-457200">
-              <a:lnSpc>
-                <a:spcPct val="150000"/>
-              </a:lnSpc>
-              <a:buFont typeface="Wingdings" panose="05000000000000000000" pitchFamily="2" charset="2"/>
-              <a:buChar char="§"/>
-            </a:pPr>
-            <a:r>
-              <a:rPr lang="en-US" sz="3200" dirty="0"/>
-              <a:t>Nominal</a:t>
-            </a:r>
-          </a:p>
-          <a:p>
-            <a:pPr marL="457200" indent="-457200">
-              <a:lnSpc>
-                <a:spcPct val="150000"/>
-              </a:lnSpc>
-              <a:buFont typeface="Wingdings" panose="05000000000000000000" pitchFamily="2" charset="2"/>
-              <a:buChar char="§"/>
-            </a:pPr>
-            <a:r>
-              <a:rPr lang="en-US" sz="3200" dirty="0"/>
-              <a:t>Ordinal</a:t>
-            </a:r>
-          </a:p>
-          <a:p>
-            <a:pPr marL="457200" indent="-457200">
-              <a:lnSpc>
-                <a:spcPct val="150000"/>
-              </a:lnSpc>
-              <a:buFont typeface="Wingdings" panose="05000000000000000000" pitchFamily="2" charset="2"/>
-              <a:buChar char="§"/>
-            </a:pPr>
-            <a:r>
-              <a:rPr lang="en-US" sz="3200" dirty="0"/>
-              <a:t>Interval</a:t>
-            </a:r>
-          </a:p>
-          <a:p>
-            <a:pPr marL="457200" indent="-457200">
-              <a:lnSpc>
-                <a:spcPct val="150000"/>
-              </a:lnSpc>
-              <a:buFont typeface="Wingdings" panose="05000000000000000000" pitchFamily="2" charset="2"/>
-              <a:buChar char="§"/>
-            </a:pPr>
-            <a:r>
-              <a:rPr lang="en-US" sz="3200" dirty="0"/>
-              <a:t>ratio</a:t>
+              <a:t>Data can be qualitative or quantitative. A qualitative data is observed and recorded, for example gender while quantitative data is the type of data that arise as a result of numerical estimation or measurement, for example weight of a person. Both qualitative and quantitative have their scale of measurement. </a:t>
             </a:r>
             <a:endParaRPr lang="en-US" sz="3600" dirty="0">
               <a:solidFill>
@@ -5528,7 +5681,7 @@
                 <a:latin typeface="Gotham Light" pitchFamily="50" charset="0"/>
                 <a:cs typeface="Calibri"/>
               </a:rPr>
-              <a:t>Scale of measurement</a:t>
+              <a:t>Branch of statistics</a:t>
             </a:r>
             <a:endParaRPr sz="3600" b="1" dirty="0">
               <a:solidFill>
@@ -5544,7 +5697,7 @@
     </p:spTree>
     <p:extLst>
       <p:ext uri="{BB962C8B-B14F-4D97-AF65-F5344CB8AC3E}">
-        <p14:creationId xmlns:p14="http://schemas.microsoft.com/office/powerpoint/2010/main" val="2444454643"/>
+        <p14:creationId xmlns:p14="http://schemas.microsoft.com/office/powerpoint/2010/main" val="534554956"/>
       </p:ext>
     </p:extLst>
   </p:cSld>
@@ -5688,6 +5841,284 @@
           </a:bodyPr>
           <a:lstStyle/>
           <a:p>
+            <a:pPr algn="just">
+              <a:lnSpc>
+                <a:spcPct val="150000"/>
+              </a:lnSpc>
+            </a:pPr>
+            <a:r>
+              <a:rPr lang="en-US" sz="3200" dirty="0"/>
+              <a:t>In the other hand, each level of measurement scale has specific properties that determine the various use of statistical analysis or approach. The four types of scales at which we can categorize data  are:</a:t>
+            </a:r>
+          </a:p>
+          <a:p>
+            <a:pPr marL="457200" indent="-457200">
+              <a:lnSpc>
+                <a:spcPct val="150000"/>
+              </a:lnSpc>
+              <a:buFont typeface="Wingdings" panose="05000000000000000000" pitchFamily="2" charset="2"/>
+              <a:buChar char="§"/>
+            </a:pPr>
+            <a:r>
+              <a:rPr lang="en-US" sz="3200" dirty="0"/>
+              <a:t>Nominal</a:t>
+            </a:r>
+          </a:p>
+          <a:p>
+            <a:pPr marL="457200" indent="-457200">
+              <a:lnSpc>
+                <a:spcPct val="150000"/>
+              </a:lnSpc>
+              <a:buFont typeface="Wingdings" panose="05000000000000000000" pitchFamily="2" charset="2"/>
+              <a:buChar char="§"/>
+            </a:pPr>
+            <a:r>
+              <a:rPr lang="en-US" sz="3200" dirty="0"/>
+              <a:t>Ordinal</a:t>
+            </a:r>
+          </a:p>
+          <a:p>
+            <a:pPr marL="457200" indent="-457200">
+              <a:lnSpc>
+                <a:spcPct val="150000"/>
+              </a:lnSpc>
+              <a:buFont typeface="Wingdings" panose="05000000000000000000" pitchFamily="2" charset="2"/>
+              <a:buChar char="§"/>
+            </a:pPr>
+            <a:r>
+              <a:rPr lang="en-US" sz="3200" dirty="0"/>
+              <a:t>Interval</a:t>
+            </a:r>
+          </a:p>
+          <a:p>
+            <a:pPr marL="457200" indent="-457200">
+              <a:lnSpc>
+                <a:spcPct val="150000"/>
+              </a:lnSpc>
+              <a:buFont typeface="Wingdings" panose="05000000000000000000" pitchFamily="2" charset="2"/>
+              <a:buChar char="§"/>
+            </a:pPr>
+            <a:r>
+              <a:rPr lang="en-US" sz="3200" dirty="0"/>
+              <a:t>ratio</a:t>
+            </a:r>
+            <a:endParaRPr lang="en-US" sz="3600" dirty="0">
+              <a:solidFill>
+                <a:schemeClr val="tx1"/>
+              </a:solidFill>
+              <a:latin typeface="+mj-lt"/>
+            </a:endParaRPr>
+          </a:p>
+        </p:txBody>
+      </p:sp>
+      <p:sp>
+        <p:nvSpPr>
+          <p:cNvPr id="4" name="Google Shape;62;p6">
+            <a:extLst>
+              <a:ext uri="{FF2B5EF4-FFF2-40B4-BE49-F238E27FC236}">
+                <a16:creationId xmlns:a16="http://schemas.microsoft.com/office/drawing/2014/main" id="{F38B11BB-56D0-4B55-AD54-292CE6C26D8D}"/>
+              </a:ext>
+            </a:extLst>
+          </p:cNvPr>
+          <p:cNvSpPr/>
+          <p:nvPr/>
+        </p:nvSpPr>
+        <p:spPr>
+          <a:xfrm>
+            <a:off x="210939" y="188603"/>
+            <a:ext cx="6905414" cy="535258"/>
+          </a:xfrm>
+          <a:prstGeom prst="rect">
+            <a:avLst/>
+          </a:prstGeom>
+          <a:noFill/>
+          <a:ln>
+            <a:noFill/>
+          </a:ln>
+        </p:spPr>
+        <p:txBody>
+          <a:bodyPr spcFirstLastPara="1" wrap="square" lIns="91425" tIns="45700" rIns="91425" bIns="45700" anchor="t" anchorCtr="0">
+            <a:noAutofit/>
+          </a:bodyPr>
+          <a:lstStyle/>
+          <a:p>
+            <a:pPr marL="0" marR="0" lvl="0" indent="0" algn="l" rtl="0">
+              <a:spcBef>
+                <a:spcPts val="0"/>
+              </a:spcBef>
+              <a:spcAft>
+                <a:spcPts val="0"/>
+              </a:spcAft>
+              <a:buNone/>
+            </a:pPr>
+            <a:r>
+              <a:rPr lang="en-US" sz="3600" b="1" dirty="0">
+                <a:solidFill>
+                  <a:srgbClr val="0070C0"/>
+                </a:solidFill>
+                <a:latin typeface="Gotham Light" pitchFamily="50" charset="0"/>
+                <a:cs typeface="Calibri"/>
+              </a:rPr>
+              <a:t>Scale of measurement</a:t>
+            </a:r>
+            <a:endParaRPr sz="3600" b="1" dirty="0">
+              <a:solidFill>
+                <a:srgbClr val="0070C0"/>
+              </a:solidFill>
+              <a:latin typeface="Gotham Light" pitchFamily="50" charset="0"/>
+              <a:cs typeface="Calibri"/>
+              <a:sym typeface="Calibri"/>
+            </a:endParaRPr>
+          </a:p>
+        </p:txBody>
+      </p:sp>
+    </p:spTree>
+    <p:extLst>
+      <p:ext uri="{BB962C8B-B14F-4D97-AF65-F5344CB8AC3E}">
+        <p14:creationId xmlns:p14="http://schemas.microsoft.com/office/powerpoint/2010/main" val="2444454643"/>
+      </p:ext>
+    </p:extLst>
+  </p:cSld>
+  <p:clrMapOvr>
+    <a:masterClrMapping/>
+  </p:clrMapOvr>
+  <mc:AlternateContent xmlns:mc="http://schemas.openxmlformats.org/markup-compatibility/2006" xmlns:p14="http://schemas.microsoft.com/office/powerpoint/2010/main">
+    <mc:Choice Requires="p14">
+      <p:transition spd="med" p14:dur="700">
+        <p:fade/>
+      </p:transition>
+    </mc:Choice>
+    <mc:Fallback xmlns="">
+      <p:transition spd="med">
+        <p:fade/>
+      </p:transition>
+    </mc:Fallback>
+  </mc:AlternateContent>
+  <p:timing>
+    <p:tnLst>
+      <p:par>
+        <p:cTn id="1" dur="indefinite" restart="never" nodeType="tmRoot">
+          <p:childTnLst>
+            <p:seq concurrent="1" nextAc="seek">
+              <p:cTn id="2" dur="indefinite" nodeType="mainSeq">
+                <p:childTnLst>
+                  <p:par>
+                    <p:cTn id="3" fill="hold">
+                      <p:stCondLst>
+                        <p:cond delay="indefinite"/>
+                      </p:stCondLst>
+                      <p:childTnLst>
+                        <p:par>
+                          <p:cTn id="4" fill="hold">
+                            <p:stCondLst>
+                              <p:cond delay="0"/>
+                            </p:stCondLst>
+                            <p:childTnLst>
+                              <p:par>
+                                <p:cTn id="5" presetID="1" presetClass="entr" presetSubtype="0" fill="hold" grpId="0" nodeType="clickEffect">
+                                  <p:stCondLst>
+                                    <p:cond delay="0"/>
+                                  </p:stCondLst>
+                                  <p:childTnLst>
+                                    <p:set>
+                                      <p:cBhvr>
+                                        <p:cTn id="6" dur="1" fill="hold">
+                                          <p:stCondLst>
+                                            <p:cond delay="0"/>
+                                          </p:stCondLst>
+                                        </p:cTn>
+                                        <p:tgtEl>
+                                          <p:spTgt spid="3"/>
+                                        </p:tgtEl>
+                                        <p:attrNameLst>
+                                          <p:attrName>style.visibility</p:attrName>
+                                        </p:attrNameLst>
+                                      </p:cBhvr>
+                                      <p:to>
+                                        <p:strVal val="visible"/>
+                                      </p:to>
+                                    </p:set>
+                                  </p:childTnLst>
+                                </p:cTn>
+                              </p:par>
+                            </p:childTnLst>
+                          </p:cTn>
+                        </p:par>
+                      </p:childTnLst>
+                    </p:cTn>
+                  </p:par>
+                </p:childTnLst>
+              </p:cTn>
+              <p:prevCondLst>
+                <p:cond evt="onPrev" delay="0">
+                  <p:tgtEl>
+                    <p:sldTgt/>
+                  </p:tgtEl>
+                </p:cond>
+              </p:prevCondLst>
+              <p:nextCondLst>
+                <p:cond evt="onNext" delay="0">
+                  <p:tgtEl>
+                    <p:sldTgt/>
+                  </p:tgtEl>
+                </p:cond>
+              </p:nextCondLst>
+            </p:seq>
+          </p:childTnLst>
+        </p:cTn>
+      </p:par>
+    </p:tnLst>
+    <p:bldLst>
+      <p:bldP spid="3" grpId="0"/>
+    </p:bldLst>
+  </p:timing>
+</p:sld>
+</file>
+
+<file path=ppt/slides/slide5.xml><?xml version="1.0" encoding="utf-8"?>
+<p:sld xmlns:a="http://schemas.openxmlformats.org/drawingml/2006/main" xmlns:r="http://schemas.openxmlformats.org/officeDocument/2006/relationships" xmlns:p="http://schemas.openxmlformats.org/presentationml/2006/main">
+  <p:cSld>
+    <p:spTree>
+      <p:nvGrpSpPr>
+        <p:cNvPr id="1" name="Shape 749"/>
+        <p:cNvGrpSpPr/>
+        <p:nvPr/>
+      </p:nvGrpSpPr>
+      <p:grpSpPr>
+        <a:xfrm>
+          <a:off x="0" y="0"/>
+          <a:ext cx="0" cy="0"/>
+          <a:chOff x="0" y="0"/>
+          <a:chExt cx="0" cy="0"/>
+        </a:xfrm>
+      </p:grpSpPr>
+      <p:sp>
+        <p:nvSpPr>
+          <p:cNvPr id="3" name="Rectangle 2">
+            <a:extLst>
+              <a:ext uri="{FF2B5EF4-FFF2-40B4-BE49-F238E27FC236}">
+                <a16:creationId xmlns:a16="http://schemas.microsoft.com/office/drawing/2014/main" id="{C03C8679-6761-42E5-8CBA-48083BEE7BBB}"/>
+              </a:ext>
+            </a:extLst>
+          </p:cNvPr>
+          <p:cNvSpPr/>
+          <p:nvPr/>
+        </p:nvSpPr>
+        <p:spPr>
+          <a:xfrm>
+            <a:off x="210939" y="723861"/>
+            <a:ext cx="11681633" cy="5925340"/>
+          </a:xfrm>
+          <a:prstGeom prst="rect">
+            <a:avLst/>
+          </a:prstGeom>
+        </p:spPr>
+        <p:txBody>
+          <a:bodyPr wrap="square">
+            <a:spAutoFit/>
+          </a:bodyPr>
+          <a:lstStyle/>
+          <a:p>
             <a:pPr marL="457200" indent="-457200">
               <a:lnSpc>
                 <a:spcPct val="150000"/>
@@ -5918,7 +6349,7 @@
 </p:sld>
 </file>
 
-<file path=ppt/slides/slide5.xml><?xml version="1.0" encoding="utf-8"?>
+<file path=ppt/slides/slide6.xml><?xml version="1.0" encoding="utf-8"?>
 <p:sld xmlns:a="http://schemas.openxmlformats.org/drawingml/2006/main" xmlns:r="http://schemas.openxmlformats.org/officeDocument/2006/relationships" xmlns:p="http://schemas.openxmlformats.org/presentationml/2006/main">
   <p:cSld>
     <p:spTree>
@@ -6196,7 +6627,7 @@
 </p:sld>
 </file>
 
-<file path=ppt/slides/slide6.xml><?xml version="1.0" encoding="utf-8"?>
+<file path=ppt/slides/slide7.xml><?xml version="1.0" encoding="utf-8"?>
 <p:sld xmlns:a="http://schemas.openxmlformats.org/drawingml/2006/main" xmlns:r="http://schemas.openxmlformats.org/officeDocument/2006/relationships" xmlns:p="http://schemas.openxmlformats.org/presentationml/2006/main">
   <p:cSld>
     <p:spTree>
@@ -6462,7 +6893,7 @@
 </p:sld>
 </file>
 
-<file path=ppt/slides/slide7.xml><?xml version="1.0" encoding="utf-8"?>
+<file path=ppt/slides/slide8.xml><?xml version="1.0" encoding="utf-8"?>
 <p:sld xmlns:a="http://schemas.openxmlformats.org/drawingml/2006/main" xmlns:r="http://schemas.openxmlformats.org/officeDocument/2006/relationships" xmlns:p="http://schemas.openxmlformats.org/presentationml/2006/main">
   <p:cSld>
     <p:spTree>
@@ -7033,7 +7464,7 @@
 </p:sld>
 </file>
 
-<file path=ppt/slides/slide8.xml><?xml version="1.0" encoding="utf-8"?>
+<file path=ppt/slides/slide9.xml><?xml version="1.0" encoding="utf-8"?>
 <p:sld xmlns:a="http://schemas.openxmlformats.org/drawingml/2006/main" xmlns:r="http://schemas.openxmlformats.org/officeDocument/2006/relationships" xmlns:p="http://schemas.openxmlformats.org/presentationml/2006/main">
   <p:cSld>
     <p:spTree>
@@ -7165,228 +7596,6 @@
     <p:extLst>
       <p:ext uri="{BB962C8B-B14F-4D97-AF65-F5344CB8AC3E}">
         <p14:creationId xmlns:p14="http://schemas.microsoft.com/office/powerpoint/2010/main" val="1277628440"/>
-      </p:ext>
-    </p:extLst>
-  </p:cSld>
-  <p:clrMapOvr>
-    <a:masterClrMapping/>
-  </p:clrMapOvr>
-  <mc:AlternateContent xmlns:mc="http://schemas.openxmlformats.org/markup-compatibility/2006" xmlns:p14="http://schemas.microsoft.com/office/powerpoint/2010/main">
-    <mc:Choice Requires="p14">
-      <p:transition spd="med" p14:dur="700">
-        <p:fade/>
-      </p:transition>
-    </mc:Choice>
-    <mc:Fallback xmlns="">
-      <p:transition spd="med">
-        <p:fade/>
-      </p:transition>
-    </mc:Fallback>
-  </mc:AlternateContent>
-  <p:timing>
-    <p:tnLst>
-      <p:par>
-        <p:cTn id="1" dur="indefinite" restart="never" nodeType="tmRoot">
-          <p:childTnLst>
-            <p:seq concurrent="1" nextAc="seek">
-              <p:cTn id="2" dur="indefinite" nodeType="mainSeq">
-                <p:childTnLst>
-                  <p:par>
-                    <p:cTn id="3" fill="hold">
-                      <p:stCondLst>
-                        <p:cond delay="indefinite"/>
-                      </p:stCondLst>
-                      <p:childTnLst>
-                        <p:par>
-                          <p:cTn id="4" fill="hold">
-                            <p:stCondLst>
-                              <p:cond delay="0"/>
-                            </p:stCondLst>
-                            <p:childTnLst>
-                              <p:par>
-                                <p:cTn id="5" presetID="1" presetClass="entr" presetSubtype="0" fill="hold" grpId="0" nodeType="clickEffect">
-                                  <p:stCondLst>
-                                    <p:cond delay="0"/>
-                                  </p:stCondLst>
-                                  <p:childTnLst>
-                                    <p:set>
-                                      <p:cBhvr>
-                                        <p:cTn id="6" dur="1" fill="hold">
-                                          <p:stCondLst>
-                                            <p:cond delay="0"/>
-                                          </p:stCondLst>
-                                        </p:cTn>
-                                        <p:tgtEl>
-                                          <p:spTgt spid="3"/>
-                                        </p:tgtEl>
-                                        <p:attrNameLst>
-                                          <p:attrName>style.visibility</p:attrName>
-                                        </p:attrNameLst>
-                                      </p:cBhvr>
-                                      <p:to>
-                                        <p:strVal val="visible"/>
-                                      </p:to>
-                                    </p:set>
-                                  </p:childTnLst>
-                                </p:cTn>
-                              </p:par>
-                            </p:childTnLst>
-                          </p:cTn>
-                        </p:par>
-                      </p:childTnLst>
-                    </p:cTn>
-                  </p:par>
-                </p:childTnLst>
-              </p:cTn>
-              <p:prevCondLst>
-                <p:cond evt="onPrev" delay="0">
-                  <p:tgtEl>
-                    <p:sldTgt/>
-                  </p:tgtEl>
-                </p:cond>
-              </p:prevCondLst>
-              <p:nextCondLst>
-                <p:cond evt="onNext" delay="0">
-                  <p:tgtEl>
-                    <p:sldTgt/>
-                  </p:tgtEl>
-                </p:cond>
-              </p:nextCondLst>
-            </p:seq>
-          </p:childTnLst>
-        </p:cTn>
-      </p:par>
-    </p:tnLst>
-    <p:bldLst>
-      <p:bldP spid="3" grpId="0"/>
-    </p:bldLst>
-  </p:timing>
-</p:sld>
-</file>
-
-<file path=ppt/slides/slide9.xml><?xml version="1.0" encoding="utf-8"?>
-<p:sld xmlns:a="http://schemas.openxmlformats.org/drawingml/2006/main" xmlns:r="http://schemas.openxmlformats.org/officeDocument/2006/relationships" xmlns:p="http://schemas.openxmlformats.org/presentationml/2006/main">
-  <p:cSld>
-    <p:spTree>
-      <p:nvGrpSpPr>
-        <p:cNvPr id="1" name="Shape 749"/>
-        <p:cNvGrpSpPr/>
-        <p:nvPr/>
-      </p:nvGrpSpPr>
-      <p:grpSpPr>
-        <a:xfrm>
-          <a:off x="0" y="0"/>
-          <a:ext cx="0" cy="0"/>
-          <a:chOff x="0" y="0"/>
-          <a:chExt cx="0" cy="0"/>
-        </a:xfrm>
-      </p:grpSpPr>
-      <p:sp>
-        <p:nvSpPr>
-          <p:cNvPr id="3" name="Rectangle 2">
-            <a:extLst>
-              <a:ext uri="{FF2B5EF4-FFF2-40B4-BE49-F238E27FC236}">
-                <a16:creationId xmlns:a16="http://schemas.microsoft.com/office/drawing/2014/main" id="{C03C8679-6761-42E5-8CBA-48083BEE7BBB}"/>
-              </a:ext>
-            </a:extLst>
-          </p:cNvPr>
-          <p:cNvSpPr/>
-          <p:nvPr/>
-        </p:nvSpPr>
-        <p:spPr>
-          <a:xfrm>
-            <a:off x="299427" y="1462500"/>
-            <a:ext cx="11593145" cy="4448013"/>
-          </a:xfrm>
-          <a:prstGeom prst="rect">
-            <a:avLst/>
-          </a:prstGeom>
-        </p:spPr>
-        <p:txBody>
-          <a:bodyPr wrap="square">
-            <a:spAutoFit/>
-          </a:bodyPr>
-          <a:lstStyle/>
-          <a:p>
-            <a:pPr algn="just">
-              <a:lnSpc>
-                <a:spcPct val="150000"/>
-              </a:lnSpc>
-            </a:pPr>
-            <a:r>
-              <a:rPr lang="en-US" sz="3200" dirty="0"/>
-              <a:t>The interval type allows for the degree of difference between items, but not the ratio between them.</a:t>
-            </a:r>
-          </a:p>
-          <a:p>
-            <a:pPr algn="just">
-              <a:lnSpc>
-                <a:spcPct val="150000"/>
-              </a:lnSpc>
-            </a:pPr>
-            <a:endParaRPr lang="en-US" sz="3200" dirty="0"/>
-          </a:p>
-          <a:p>
-            <a:pPr algn="just">
-              <a:lnSpc>
-                <a:spcPct val="150000"/>
-              </a:lnSpc>
-            </a:pPr>
-            <a:r>
-              <a:rPr lang="en-US" sz="3200" dirty="0"/>
-              <a:t>We can use mode, median, and arithmetic mean as a measure of central tendency in the interval scale while range and standard deviation can be used as measure dispersion. </a:t>
-            </a:r>
-          </a:p>
-        </p:txBody>
-      </p:sp>
-      <p:sp>
-        <p:nvSpPr>
-          <p:cNvPr id="4" name="Google Shape;62;p6">
-            <a:extLst>
-              <a:ext uri="{FF2B5EF4-FFF2-40B4-BE49-F238E27FC236}">
-                <a16:creationId xmlns:a16="http://schemas.microsoft.com/office/drawing/2014/main" id="{F38B11BB-56D0-4B55-AD54-292CE6C26D8D}"/>
-              </a:ext>
-            </a:extLst>
-          </p:cNvPr>
-          <p:cNvSpPr/>
-          <p:nvPr/>
-        </p:nvSpPr>
-        <p:spPr>
-          <a:xfrm>
-            <a:off x="210939" y="188603"/>
-            <a:ext cx="6905414" cy="535258"/>
-          </a:xfrm>
-          <a:prstGeom prst="rect">
-            <a:avLst/>
-          </a:prstGeom>
-          <a:noFill/>
-          <a:ln>
-            <a:noFill/>
-          </a:ln>
-        </p:spPr>
-        <p:txBody>
-          <a:bodyPr spcFirstLastPara="1" wrap="square" lIns="91425" tIns="45700" rIns="91425" bIns="45700" anchor="t" anchorCtr="0">
-            <a:noAutofit/>
-          </a:bodyPr>
-          <a:lstStyle/>
-          <a:p>
-            <a:r>
-              <a:rPr lang="en-US" sz="3600" b="1" dirty="0">
-                <a:solidFill>
-                  <a:srgbClr val="0070C0"/>
-                </a:solidFill>
-                <a:latin typeface="Gotham Light" pitchFamily="50" charset="0"/>
-                <a:cs typeface="Calibri"/>
-              </a:rPr>
-              <a:t>Interval scale</a:t>
-            </a:r>
-          </a:p>
-        </p:txBody>
-      </p:sp>
-    </p:spTree>
-    <p:extLst>
-      <p:ext uri="{BB962C8B-B14F-4D97-AF65-F5344CB8AC3E}">
-        <p14:creationId xmlns:p14="http://schemas.microsoft.com/office/powerpoint/2010/main" val="666096192"/>
       </p:ext>
     </p:extLst>
   </p:cSld>
@@ -8352,12 +8561,6 @@
 </file>
 
 <file path=customXml/item2.xml><?xml version="1.0" encoding="utf-8"?>
-<p:properties xmlns:p="http://schemas.microsoft.com/office/2006/metadata/properties" xmlns:xsi="http://www.w3.org/2001/XMLSchema-instance" xmlns:pc="http://schemas.microsoft.com/office/infopath/2007/PartnerControls">
-  <documentManagement/>
-</p:properties>
-</file>
-
-<file path=customXml/item3.xml><?xml version="1.0" encoding="utf-8"?>
 <ct:contentTypeSchema xmlns:ct="http://schemas.microsoft.com/office/2006/metadata/contentType" xmlns:ma="http://schemas.microsoft.com/office/2006/metadata/properties/metaAttributes" ct:_="" ma:_="" ma:contentTypeName="Document" ma:contentTypeID="0x010100319A35104FAE2A48B18B518F397B7CA4" ma:contentTypeVersion="11" ma:contentTypeDescription="Create a new document." ma:contentTypeScope="" ma:versionID="818dfa9a4b3d3bceb1a965a71e647ec2">
   <xsd:schema xmlns:xsd="http://www.w3.org/2001/XMLSchema" xmlns:xs="http://www.w3.org/2001/XMLSchema" xmlns:p="http://schemas.microsoft.com/office/2006/metadata/properties" xmlns:ns2="0931f5f7-8e4d-4a45-a9a6-891693687166" xmlns:ns3="ea0113d3-9d6b-407b-8175-bd70f3cf5591" targetNamespace="http://schemas.microsoft.com/office/2006/metadata/properties" ma:root="true" ma:fieldsID="449ed37a8757c5d6b7757d0e4c8f3a2b" ns2:_="" ns3:_="">
     <xsd:import namespace="0931f5f7-8e4d-4a45-a9a6-891693687166"/>
@@ -8568,6 +8771,12 @@
 </ct:contentTypeSchema>
 </file>
 
+<file path=customXml/item3.xml><?xml version="1.0" encoding="utf-8"?>
+<p:properties xmlns:p="http://schemas.microsoft.com/office/2006/metadata/properties" xmlns:xsi="http://www.w3.org/2001/XMLSchema-instance" xmlns:pc="http://schemas.microsoft.com/office/infopath/2007/PartnerControls">
+  <documentManagement/>
+</p:properties>
+</file>
+
 <file path=customXml/itemProps1.xml><?xml version="1.0" encoding="utf-8"?>
 <ds:datastoreItem xmlns:ds="http://schemas.openxmlformats.org/officeDocument/2006/customXml" ds:itemID="{950F9D87-7CA7-4A94-A5E5-A374AFD83891}">
   <ds:schemaRefs>
@@ -8577,15 +8786,6 @@
 </file>
 
 <file path=customXml/itemProps2.xml><?xml version="1.0" encoding="utf-8"?>
-<ds:datastoreItem xmlns:ds="http://schemas.openxmlformats.org/officeDocument/2006/customXml" ds:itemID="{C728879B-660B-4583-928D-55E828E68493}">
-  <ds:schemaRefs>
-    <ds:schemaRef ds:uri="http://schemas.microsoft.com/office/2006/metadata/properties"/>
-    <ds:schemaRef ds:uri="http://schemas.microsoft.com/office/infopath/2007/PartnerControls"/>
-  </ds:schemaRefs>
-</ds:datastoreItem>
-</file>
-
-<file path=customXml/itemProps3.xml><?xml version="1.0" encoding="utf-8"?>
 <ds:datastoreItem xmlns:ds="http://schemas.openxmlformats.org/officeDocument/2006/customXml" ds:itemID="{DF1A254C-4026-4073-B28E-6230090BFEFF}">
   <ds:schemaRefs>
     <ds:schemaRef ds:uri="http://schemas.microsoft.com/office/2006/metadata/contentType"/>
@@ -8602,4 +8802,13 @@
     <ds:schemaRef ds:uri="http://schemas.microsoft.com/internal/obd"/>
   </ds:schemaRefs>
 </ds:datastoreItem>
+</file>
+
+<file path=customXml/itemProps3.xml><?xml version="1.0" encoding="utf-8"?>
+<ds:datastoreItem xmlns:ds="http://schemas.openxmlformats.org/officeDocument/2006/customXml" ds:itemID="{C728879B-660B-4583-928D-55E828E68493}">
+  <ds:schemaRefs>
+    <ds:schemaRef ds:uri="http://schemas.microsoft.com/office/2006/metadata/properties"/>
+    <ds:schemaRef ds:uri="http://schemas.microsoft.com/office/infopath/2007/PartnerControls"/>
+  </ds:schemaRefs>
+</ds:datastoreItem>
 </file>